--- a/lectures/2023_GNET749_Lecture2.pptx
+++ b/lectures/2023_GNET749_Lecture2.pptx
@@ -5,37 +5,39 @@
     <p:sldMasterId id="2147483648" r:id="rId1"/>
   </p:sldMasterIdLst>
   <p:notesMasterIdLst>
-    <p:notesMasterId r:id="rId30"/>
+    <p:notesMasterId r:id="rId32"/>
   </p:notesMasterIdLst>
   <p:sldIdLst>
     <p:sldId id="301" r:id="rId2"/>
     <p:sldId id="284" r:id="rId3"/>
     <p:sldId id="285" r:id="rId4"/>
-    <p:sldId id="286" r:id="rId5"/>
-    <p:sldId id="287" r:id="rId6"/>
-    <p:sldId id="302" r:id="rId7"/>
-    <p:sldId id="304" r:id="rId8"/>
-    <p:sldId id="305" r:id="rId9"/>
-    <p:sldId id="309" r:id="rId10"/>
-    <p:sldId id="288" r:id="rId11"/>
-    <p:sldId id="303" r:id="rId12"/>
-    <p:sldId id="289" r:id="rId13"/>
-    <p:sldId id="290" r:id="rId14"/>
-    <p:sldId id="291" r:id="rId15"/>
-    <p:sldId id="308" r:id="rId16"/>
-    <p:sldId id="306" r:id="rId17"/>
-    <p:sldId id="307" r:id="rId18"/>
-    <p:sldId id="293" r:id="rId19"/>
-    <p:sldId id="294" r:id="rId20"/>
-    <p:sldId id="295" r:id="rId21"/>
-    <p:sldId id="297" r:id="rId22"/>
-    <p:sldId id="298" r:id="rId23"/>
-    <p:sldId id="310" r:id="rId24"/>
-    <p:sldId id="311" r:id="rId25"/>
-    <p:sldId id="312" r:id="rId26"/>
-    <p:sldId id="313" r:id="rId27"/>
-    <p:sldId id="314" r:id="rId28"/>
-    <p:sldId id="299" r:id="rId29"/>
+    <p:sldId id="315" r:id="rId5"/>
+    <p:sldId id="286" r:id="rId6"/>
+    <p:sldId id="287" r:id="rId7"/>
+    <p:sldId id="302" r:id="rId8"/>
+    <p:sldId id="308" r:id="rId9"/>
+    <p:sldId id="306" r:id="rId10"/>
+    <p:sldId id="307" r:id="rId11"/>
+    <p:sldId id="304" r:id="rId12"/>
+    <p:sldId id="305" r:id="rId13"/>
+    <p:sldId id="309" r:id="rId14"/>
+    <p:sldId id="288" r:id="rId15"/>
+    <p:sldId id="303" r:id="rId16"/>
+    <p:sldId id="289" r:id="rId17"/>
+    <p:sldId id="290" r:id="rId18"/>
+    <p:sldId id="291" r:id="rId19"/>
+    <p:sldId id="310" r:id="rId20"/>
+    <p:sldId id="311" r:id="rId21"/>
+    <p:sldId id="312" r:id="rId22"/>
+    <p:sldId id="313" r:id="rId23"/>
+    <p:sldId id="314" r:id="rId24"/>
+    <p:sldId id="293" r:id="rId25"/>
+    <p:sldId id="294" r:id="rId26"/>
+    <p:sldId id="295" r:id="rId27"/>
+    <p:sldId id="297" r:id="rId28"/>
+    <p:sldId id="298" r:id="rId29"/>
+    <p:sldId id="299" r:id="rId30"/>
+    <p:sldId id="316" r:id="rId31"/>
   </p:sldIdLst>
   <p:sldSz cx="12192000" cy="6858000"/>
   <p:notesSz cx="6858000" cy="9144000"/>
@@ -224,7 +226,7 @@
           <a:p>
             <a:fld id="{DE4242AA-3937-624B-9BD8-F1C01C498458}" type="datetimeFigureOut">
               <a:rPr lang="en-US" smtClean="0"/>
-              <a:t>4/14/23</a:t>
+              <a:t>4/16/23</a:t>
             </a:fld>
             <a:endParaRPr lang="en-US"/>
           </a:p>
@@ -882,7 +884,7 @@
           <a:p>
             <a:fld id="{B56C126C-0D09-7346-9096-8E1075EB9758}" type="datetimeFigureOut">
               <a:rPr lang="en-US" smtClean="0"/>
-              <a:t>4/14/23</a:t>
+              <a:t>4/16/23</a:t>
             </a:fld>
             <a:endParaRPr lang="en-US"/>
           </a:p>
@@ -1080,7 +1082,7 @@
           <a:p>
             <a:fld id="{B56C126C-0D09-7346-9096-8E1075EB9758}" type="datetimeFigureOut">
               <a:rPr lang="en-US" smtClean="0"/>
-              <a:t>4/14/23</a:t>
+              <a:t>4/16/23</a:t>
             </a:fld>
             <a:endParaRPr lang="en-US"/>
           </a:p>
@@ -1288,7 +1290,7 @@
           <a:p>
             <a:fld id="{B56C126C-0D09-7346-9096-8E1075EB9758}" type="datetimeFigureOut">
               <a:rPr lang="en-US" smtClean="0"/>
-              <a:t>4/14/23</a:t>
+              <a:t>4/16/23</a:t>
             </a:fld>
             <a:endParaRPr lang="en-US"/>
           </a:p>
@@ -1486,7 +1488,7 @@
           <a:p>
             <a:fld id="{B56C126C-0D09-7346-9096-8E1075EB9758}" type="datetimeFigureOut">
               <a:rPr lang="en-US" smtClean="0"/>
-              <a:t>4/14/23</a:t>
+              <a:t>4/16/23</a:t>
             </a:fld>
             <a:endParaRPr lang="en-US"/>
           </a:p>
@@ -1761,7 +1763,7 @@
           <a:p>
             <a:fld id="{B56C126C-0D09-7346-9096-8E1075EB9758}" type="datetimeFigureOut">
               <a:rPr lang="en-US" smtClean="0"/>
-              <a:t>4/14/23</a:t>
+              <a:t>4/16/23</a:t>
             </a:fld>
             <a:endParaRPr lang="en-US"/>
           </a:p>
@@ -2026,7 +2028,7 @@
           <a:p>
             <a:fld id="{B56C126C-0D09-7346-9096-8E1075EB9758}" type="datetimeFigureOut">
               <a:rPr lang="en-US" smtClean="0"/>
-              <a:t>4/14/23</a:t>
+              <a:t>4/16/23</a:t>
             </a:fld>
             <a:endParaRPr lang="en-US"/>
           </a:p>
@@ -2438,7 +2440,7 @@
           <a:p>
             <a:fld id="{B56C126C-0D09-7346-9096-8E1075EB9758}" type="datetimeFigureOut">
               <a:rPr lang="en-US" smtClean="0"/>
-              <a:t>4/14/23</a:t>
+              <a:t>4/16/23</a:t>
             </a:fld>
             <a:endParaRPr lang="en-US"/>
           </a:p>
@@ -2579,7 +2581,7 @@
           <a:p>
             <a:fld id="{B56C126C-0D09-7346-9096-8E1075EB9758}" type="datetimeFigureOut">
               <a:rPr lang="en-US" smtClean="0"/>
-              <a:t>4/14/23</a:t>
+              <a:t>4/16/23</a:t>
             </a:fld>
             <a:endParaRPr lang="en-US"/>
           </a:p>
@@ -2692,7 +2694,7 @@
           <a:p>
             <a:fld id="{B56C126C-0D09-7346-9096-8E1075EB9758}" type="datetimeFigureOut">
               <a:rPr lang="en-US" smtClean="0"/>
-              <a:t>4/14/23</a:t>
+              <a:t>4/16/23</a:t>
             </a:fld>
             <a:endParaRPr lang="en-US"/>
           </a:p>
@@ -3003,7 +3005,7 @@
           <a:p>
             <a:fld id="{B56C126C-0D09-7346-9096-8E1075EB9758}" type="datetimeFigureOut">
               <a:rPr lang="en-US" smtClean="0"/>
-              <a:t>4/14/23</a:t>
+              <a:t>4/16/23</a:t>
             </a:fld>
             <a:endParaRPr lang="en-US"/>
           </a:p>
@@ -3291,7 +3293,7 @@
           <a:p>
             <a:fld id="{B56C126C-0D09-7346-9096-8E1075EB9758}" type="datetimeFigureOut">
               <a:rPr lang="en-US" smtClean="0"/>
-              <a:t>4/14/23</a:t>
+              <a:t>4/16/23</a:t>
             </a:fld>
             <a:endParaRPr lang="en-US"/>
           </a:p>
@@ -3532,7 +3534,7 @@
           <a:p>
             <a:fld id="{B56C126C-0D09-7346-9096-8E1075EB9758}" type="datetimeFigureOut">
               <a:rPr lang="en-US" smtClean="0"/>
-              <a:t>4/14/23</a:t>
+              <a:t>4/16/23</a:t>
             </a:fld>
             <a:endParaRPr lang="en-US"/>
           </a:p>
@@ -4014,9 +4016,176 @@
           <a:chExt cx="0" cy="0"/>
         </a:xfrm>
       </p:grpSpPr>
+      <p:sp>
+        <p:nvSpPr>
+          <p:cNvPr id="2" name="TextBox 1">
+            <a:extLst>
+              <a:ext uri="{FF2B5EF4-FFF2-40B4-BE49-F238E27FC236}">
+                <a16:creationId xmlns:a16="http://schemas.microsoft.com/office/drawing/2014/main" id="{EE808F59-D6A1-6EC7-8215-A1414DD3D939}"/>
+              </a:ext>
+            </a:extLst>
+          </p:cNvPr>
+          <p:cNvSpPr txBox="1"/>
+          <p:nvPr/>
+        </p:nvSpPr>
+        <p:spPr>
+          <a:xfrm>
+            <a:off x="4008329" y="294362"/>
+            <a:ext cx="4416274" cy="369332"/>
+          </a:xfrm>
+          <a:prstGeom prst="rect">
+            <a:avLst/>
+          </a:prstGeom>
+          <a:noFill/>
+        </p:spPr>
+        <p:txBody>
+          <a:bodyPr wrap="none" rtlCol="0">
+            <a:spAutoFit/>
+          </a:bodyPr>
+          <a:lstStyle/>
+          <a:p>
+            <a:r>
+              <a:rPr lang="en-US" dirty="0"/>
+              <a:t>Converting between wide and long formats </a:t>
+            </a:r>
+          </a:p>
+        </p:txBody>
+      </p:sp>
+      <p:sp>
+        <p:nvSpPr>
+          <p:cNvPr id="3" name="TextBox 2">
+            <a:extLst>
+              <a:ext uri="{FF2B5EF4-FFF2-40B4-BE49-F238E27FC236}">
+                <a16:creationId xmlns:a16="http://schemas.microsoft.com/office/drawing/2014/main" id="{3852B5D8-7BCC-7D6F-F6AF-3A1EB2E97A2C}"/>
+              </a:ext>
+            </a:extLst>
+          </p:cNvPr>
+          <p:cNvSpPr txBox="1"/>
+          <p:nvPr/>
+        </p:nvSpPr>
+        <p:spPr>
+          <a:xfrm>
+            <a:off x="785549" y="1549362"/>
+            <a:ext cx="1452129" cy="369332"/>
+          </a:xfrm>
+          <a:prstGeom prst="rect">
+            <a:avLst/>
+          </a:prstGeom>
+          <a:noFill/>
+        </p:spPr>
+        <p:txBody>
+          <a:bodyPr wrap="none" rtlCol="0">
+            <a:spAutoFit/>
+          </a:bodyPr>
+          <a:lstStyle/>
+          <a:p>
+            <a:r>
+              <a:rPr lang="en-US" dirty="0" err="1"/>
+              <a:t>pivot_wider</a:t>
+            </a:r>
+            <a:r>
+              <a:rPr lang="en-US" dirty="0"/>
+              <a:t>()</a:t>
+            </a:r>
+          </a:p>
+        </p:txBody>
+      </p:sp>
+      <p:sp>
+        <p:nvSpPr>
+          <p:cNvPr id="5" name="TextBox 4">
+            <a:extLst>
+              <a:ext uri="{FF2B5EF4-FFF2-40B4-BE49-F238E27FC236}">
+                <a16:creationId xmlns:a16="http://schemas.microsoft.com/office/drawing/2014/main" id="{B79559C3-A22F-1230-70F5-89B6E2C4E39A}"/>
+              </a:ext>
+            </a:extLst>
+          </p:cNvPr>
+          <p:cNvSpPr txBox="1"/>
+          <p:nvPr/>
+        </p:nvSpPr>
+        <p:spPr>
+          <a:xfrm>
+            <a:off x="753650" y="1054274"/>
+            <a:ext cx="1515928" cy="369332"/>
+          </a:xfrm>
+          <a:prstGeom prst="rect">
+            <a:avLst/>
+          </a:prstGeom>
+          <a:noFill/>
+        </p:spPr>
+        <p:txBody>
+          <a:bodyPr wrap="none" rtlCol="0">
+            <a:spAutoFit/>
+          </a:bodyPr>
+          <a:lstStyle/>
+          <a:p>
+            <a:r>
+              <a:rPr lang="en-US" dirty="0" err="1"/>
+              <a:t>pivot_longer</a:t>
+            </a:r>
+            <a:r>
+              <a:rPr lang="en-US" dirty="0"/>
+              <a:t>()</a:t>
+            </a:r>
+          </a:p>
+        </p:txBody>
+      </p:sp>
+      <p:sp>
+        <p:nvSpPr>
+          <p:cNvPr id="7" name="TextBox 6">
+            <a:extLst>
+              <a:ext uri="{FF2B5EF4-FFF2-40B4-BE49-F238E27FC236}">
+                <a16:creationId xmlns:a16="http://schemas.microsoft.com/office/drawing/2014/main" id="{D45D8B8A-91FB-510E-E86D-3BBB80461A55}"/>
+              </a:ext>
+            </a:extLst>
+          </p:cNvPr>
+          <p:cNvSpPr txBox="1"/>
+          <p:nvPr/>
+        </p:nvSpPr>
+        <p:spPr>
+          <a:xfrm>
+            <a:off x="7733257" y="6194306"/>
+            <a:ext cx="6097044" cy="369332"/>
+          </a:xfrm>
+          <a:prstGeom prst="rect">
+            <a:avLst/>
+          </a:prstGeom>
+          <a:noFill/>
+        </p:spPr>
+        <p:txBody>
+          <a:bodyPr wrap="square">
+            <a:spAutoFit/>
+          </a:bodyPr>
+          <a:lstStyle/>
+          <a:p>
+            <a:r>
+              <a:rPr lang="en-US" dirty="0"/>
+              <a:t>https://</a:t>
+            </a:r>
+            <a:r>
+              <a:rPr lang="en-US" dirty="0" err="1"/>
+              <a:t>tidyr.tidyverse.org</a:t>
+            </a:r>
+            <a:r>
+              <a:rPr lang="en-US" dirty="0"/>
+              <a:t>/articles/</a:t>
+            </a:r>
+            <a:r>
+              <a:rPr lang="en-US" dirty="0" err="1"/>
+              <a:t>pivot.html</a:t>
+            </a:r>
+            <a:endParaRPr lang="en-US" dirty="0"/>
+          </a:p>
+        </p:txBody>
+      </p:sp>
       <p:pic>
         <p:nvPicPr>
-          <p:cNvPr id="333" name="Image" descr="Image"/>
+          <p:cNvPr id="8" name="Picture 7">
+            <a:extLst>
+              <a:ext uri="{FF2B5EF4-FFF2-40B4-BE49-F238E27FC236}">
+                <a16:creationId xmlns:a16="http://schemas.microsoft.com/office/drawing/2014/main" id="{127BA8B8-06AE-6E6A-8720-78F1858E5025}"/>
+              </a:ext>
+            </a:extLst>
+          </p:cNvPr>
           <p:cNvPicPr>
             <a:picLocks noChangeAspect="1"/>
           </p:cNvPicPr>
@@ -4030,58 +4199,180 @@
         </p:blipFill>
         <p:spPr>
           <a:xfrm>
-            <a:off x="548667" y="1956759"/>
-            <a:ext cx="2557080" cy="3752929"/>
-          </a:xfrm>
-          <a:prstGeom prst="rect">
-            <a:avLst/>
-          </a:prstGeom>
-          <a:ln w="12700">
-            <a:miter lim="400000"/>
-          </a:ln>
+            <a:off x="2591844" y="1100513"/>
+            <a:ext cx="7772400" cy="276853"/>
+          </a:xfrm>
+          <a:prstGeom prst="rect">
+            <a:avLst/>
+          </a:prstGeom>
         </p:spPr>
       </p:pic>
-      <p:sp>
-        <p:nvSpPr>
-          <p:cNvPr id="334" name="What if we want to look at expression levels of these 4 genes?"/>
+      <p:pic>
+        <p:nvPicPr>
+          <p:cNvPr id="4" name="Picture 3">
+            <a:extLst>
+              <a:ext uri="{FF2B5EF4-FFF2-40B4-BE49-F238E27FC236}">
+                <a16:creationId xmlns:a16="http://schemas.microsoft.com/office/drawing/2014/main" id="{C1D1F3EE-BADC-BAF1-9B77-F89BBD66B765}"/>
+              </a:ext>
+            </a:extLst>
+          </p:cNvPr>
+          <p:cNvPicPr>
+            <a:picLocks noChangeAspect="1"/>
+          </p:cNvPicPr>
+          <p:nvPr/>
+        </p:nvPicPr>
+        <p:blipFill>
+          <a:blip r:embed="rId3"/>
+          <a:stretch>
+            <a:fillRect/>
+          </a:stretch>
+        </p:blipFill>
+        <p:spPr>
+          <a:xfrm>
+            <a:off x="2635685" y="1688979"/>
+            <a:ext cx="7772400" cy="250411"/>
+          </a:xfrm>
+          <a:prstGeom prst="rect">
+            <a:avLst/>
+          </a:prstGeom>
+        </p:spPr>
+      </p:pic>
+      <p:pic>
+        <p:nvPicPr>
+          <p:cNvPr id="6" name="Picture 5">
+            <a:extLst>
+              <a:ext uri="{FF2B5EF4-FFF2-40B4-BE49-F238E27FC236}">
+                <a16:creationId xmlns:a16="http://schemas.microsoft.com/office/drawing/2014/main" id="{30B92E9A-0F26-8F60-44E6-6F6CF12A6218}"/>
+              </a:ext>
+            </a:extLst>
+          </p:cNvPr>
+          <p:cNvPicPr>
+            <a:picLocks noChangeAspect="1"/>
+          </p:cNvPicPr>
+          <p:nvPr/>
+        </p:nvPicPr>
+        <p:blipFill>
+          <a:blip r:embed="rId4"/>
+          <a:stretch>
+            <a:fillRect/>
+          </a:stretch>
+        </p:blipFill>
+        <p:spPr>
+          <a:xfrm>
+            <a:off x="3146207" y="2029152"/>
+            <a:ext cx="6388100" cy="1524000"/>
+          </a:xfrm>
+          <a:prstGeom prst="rect">
+            <a:avLst/>
+          </a:prstGeom>
+        </p:spPr>
+      </p:pic>
+      <p:pic>
+        <p:nvPicPr>
+          <p:cNvPr id="9" name="Picture 8">
+            <a:extLst>
+              <a:ext uri="{FF2B5EF4-FFF2-40B4-BE49-F238E27FC236}">
+                <a16:creationId xmlns:a16="http://schemas.microsoft.com/office/drawing/2014/main" id="{E0C84F01-AEDE-EA93-ECB9-73BC968C1A25}"/>
+              </a:ext>
+            </a:extLst>
+          </p:cNvPr>
+          <p:cNvPicPr>
+            <a:picLocks noChangeAspect="1"/>
+          </p:cNvPicPr>
+          <p:nvPr/>
+        </p:nvPicPr>
+        <p:blipFill>
+          <a:blip r:embed="rId5"/>
+          <a:stretch>
+            <a:fillRect/>
+          </a:stretch>
+        </p:blipFill>
+        <p:spPr>
+          <a:xfrm>
+            <a:off x="1741116" y="3811787"/>
+            <a:ext cx="8288144" cy="676583"/>
+          </a:xfrm>
+          <a:prstGeom prst="rect">
+            <a:avLst/>
+          </a:prstGeom>
+        </p:spPr>
+      </p:pic>
+      <p:pic>
+        <p:nvPicPr>
+          <p:cNvPr id="10" name="Picture 9">
+            <a:extLst>
+              <a:ext uri="{FF2B5EF4-FFF2-40B4-BE49-F238E27FC236}">
+                <a16:creationId xmlns:a16="http://schemas.microsoft.com/office/drawing/2014/main" id="{BC5A67C5-3F5C-6C5A-896B-CA8504919DBB}"/>
+              </a:ext>
+            </a:extLst>
+          </p:cNvPr>
+          <p:cNvPicPr>
+            <a:picLocks noChangeAspect="1"/>
+          </p:cNvPicPr>
+          <p:nvPr/>
+        </p:nvPicPr>
+        <p:blipFill>
+          <a:blip r:embed="rId6"/>
+          <a:stretch>
+            <a:fillRect/>
+          </a:stretch>
+        </p:blipFill>
+        <p:spPr>
+          <a:xfrm>
+            <a:off x="1453772" y="4609294"/>
+            <a:ext cx="2276144" cy="1954344"/>
+          </a:xfrm>
+          <a:prstGeom prst="rect">
+            <a:avLst/>
+          </a:prstGeom>
+        </p:spPr>
+      </p:pic>
+      <p:sp>
+        <p:nvSpPr>
+          <p:cNvPr id="11" name="TextBox 10">
+            <a:extLst>
+              <a:ext uri="{FF2B5EF4-FFF2-40B4-BE49-F238E27FC236}">
+                <a16:creationId xmlns:a16="http://schemas.microsoft.com/office/drawing/2014/main" id="{DE30BB2C-1F2D-90B3-B5B3-DA406BCB8928}"/>
+              </a:ext>
+            </a:extLst>
+          </p:cNvPr>
           <p:cNvSpPr txBox="1"/>
           <p:nvPr/>
         </p:nvSpPr>
         <p:spPr>
           <a:xfrm>
-            <a:off x="3105747" y="1208929"/>
-            <a:ext cx="5295360" cy="328295"/>
-          </a:xfrm>
-          <a:prstGeom prst="rect">
-            <a:avLst/>
-          </a:prstGeom>
-          <a:ln w="12700">
-            <a:miter lim="400000"/>
-          </a:ln>
-          <a:extLst>
-            <a:ext uri="{C572A759-6A51-4108-AA02-DFA0A04FC94B}">
-              <ma14:wrappingTextBoxFlag xmlns="" xmlns:m="http://schemas.openxmlformats.org/officeDocument/2006/math" xmlns:a14="http://schemas.microsoft.com/office/drawing/2010/main" xmlns:ma14="http://schemas.microsoft.com/office/mac/drawingml/2011/main" val="1"/>
-            </a:ext>
-          </a:extLst>
-        </p:spPr>
-        <p:txBody>
-          <a:bodyPr wrap="none" lIns="25400" tIns="25400" rIns="25400" bIns="25400" anchor="ctr">
+            <a:off x="3864279" y="4830467"/>
+            <a:ext cx="5760103" cy="338554"/>
+          </a:xfrm>
+          <a:prstGeom prst="rect">
+            <a:avLst/>
+          </a:prstGeom>
+          <a:noFill/>
+        </p:spPr>
+        <p:txBody>
+          <a:bodyPr wrap="none" rtlCol="0">
             <a:spAutoFit/>
           </a:bodyPr>
-          <a:lstStyle>
-            <a:lvl1pPr>
-              <a:defRPr sz="3600"/>
-            </a:lvl1pPr>
-          </a:lstStyle>
-          <a:p>
-            <a:r>
-              <a:rPr sz="1800" dirty="0"/>
-              <a:t>What if we want to look at expression levels of 4 genes?</a:t>
-            </a:r>
+          <a:lstStyle/>
+          <a:p>
+            <a:r>
+              <a:rPr lang="en-US" sz="1600" dirty="0"/>
+              <a:t>Each set of 4 measurements – (originally 1 row) has a unique </a:t>
+            </a:r>
+            <a:r>
+              <a:rPr lang="en-US" sz="1600" dirty="0" err="1"/>
+              <a:t>rowid</a:t>
+            </a:r>
+            <a:endParaRPr lang="en-US" sz="1600" dirty="0"/>
           </a:p>
         </p:txBody>
       </p:sp>
     </p:spTree>
+    <p:extLst>
+      <p:ext uri="{BB962C8B-B14F-4D97-AF65-F5344CB8AC3E}">
+        <p14:creationId xmlns:p14="http://schemas.microsoft.com/office/powerpoint/2010/main" val="1809457422"/>
+      </p:ext>
+    </p:extLst>
   </p:cSld>
   <p:clrMapOvr>
     <a:masterClrMapping/>
@@ -4106,9 +4397,125 @@
           <a:chExt cx="0" cy="0"/>
         </a:xfrm>
       </p:grpSpPr>
+      <p:sp>
+        <p:nvSpPr>
+          <p:cNvPr id="2" name="TextBox 1">
+            <a:extLst>
+              <a:ext uri="{FF2B5EF4-FFF2-40B4-BE49-F238E27FC236}">
+                <a16:creationId xmlns:a16="http://schemas.microsoft.com/office/drawing/2014/main" id="{6B4160CC-7053-9CF3-384D-01F51F309646}"/>
+              </a:ext>
+            </a:extLst>
+          </p:cNvPr>
+          <p:cNvSpPr txBox="1"/>
+          <p:nvPr/>
+        </p:nvSpPr>
+        <p:spPr>
+          <a:xfrm>
+            <a:off x="4912872" y="211015"/>
+            <a:ext cx="3289675" cy="369332"/>
+          </a:xfrm>
+          <a:prstGeom prst="rect">
+            <a:avLst/>
+          </a:prstGeom>
+          <a:noFill/>
+        </p:spPr>
+        <p:txBody>
+          <a:bodyPr wrap="square" rtlCol="0">
+            <a:spAutoFit/>
+          </a:bodyPr>
+          <a:lstStyle/>
+          <a:p>
+            <a:r>
+              <a:rPr lang="en-US" dirty="0"/>
+              <a:t>Plotting using </a:t>
+            </a:r>
+            <a:r>
+              <a:rPr lang="en-US" dirty="0" err="1"/>
+              <a:t>ggplot</a:t>
+            </a:r>
+            <a:endParaRPr lang="en-US" dirty="0"/>
+          </a:p>
+        </p:txBody>
+      </p:sp>
+      <p:sp>
+        <p:nvSpPr>
+          <p:cNvPr id="3" name="TextBox 2">
+            <a:extLst>
+              <a:ext uri="{FF2B5EF4-FFF2-40B4-BE49-F238E27FC236}">
+                <a16:creationId xmlns:a16="http://schemas.microsoft.com/office/drawing/2014/main" id="{B0E71378-DCC3-EC64-3A63-94C96963874B}"/>
+              </a:ext>
+            </a:extLst>
+          </p:cNvPr>
+          <p:cNvSpPr txBox="1"/>
+          <p:nvPr/>
+        </p:nvSpPr>
+        <p:spPr>
+          <a:xfrm>
+            <a:off x="5080602" y="681742"/>
+            <a:ext cx="1688123" cy="369332"/>
+          </a:xfrm>
+          <a:prstGeom prst="rect">
+            <a:avLst/>
+          </a:prstGeom>
+          <a:noFill/>
+        </p:spPr>
+        <p:txBody>
+          <a:bodyPr wrap="square" rtlCol="0">
+            <a:spAutoFit/>
+          </a:bodyPr>
+          <a:lstStyle/>
+          <a:p>
+            <a:r>
+              <a:rPr lang="en-US" dirty="0"/>
+              <a:t>library(ggplot2)</a:t>
+            </a:r>
+          </a:p>
+        </p:txBody>
+      </p:sp>
+      <p:sp>
+        <p:nvSpPr>
+          <p:cNvPr id="5" name="TextBox 4">
+            <a:extLst>
+              <a:ext uri="{FF2B5EF4-FFF2-40B4-BE49-F238E27FC236}">
+                <a16:creationId xmlns:a16="http://schemas.microsoft.com/office/drawing/2014/main" id="{FE48D9F7-C7D5-5F4E-9188-FC845831B06D}"/>
+              </a:ext>
+            </a:extLst>
+          </p:cNvPr>
+          <p:cNvSpPr txBox="1"/>
+          <p:nvPr/>
+        </p:nvSpPr>
+        <p:spPr>
+          <a:xfrm>
+            <a:off x="8870762" y="6167437"/>
+            <a:ext cx="6097802" cy="369332"/>
+          </a:xfrm>
+          <a:prstGeom prst="rect">
+            <a:avLst/>
+          </a:prstGeom>
+          <a:noFill/>
+        </p:spPr>
+        <p:txBody>
+          <a:bodyPr wrap="square">
+            <a:spAutoFit/>
+          </a:bodyPr>
+          <a:lstStyle/>
+          <a:p>
+            <a:r>
+              <a:rPr lang="en-US" dirty="0"/>
+              <a:t>https://ggplot2.tidyverse.org/</a:t>
+            </a:r>
+          </a:p>
+        </p:txBody>
+      </p:sp>
       <p:pic>
         <p:nvPicPr>
-          <p:cNvPr id="333" name="Image" descr="Image"/>
+          <p:cNvPr id="6" name="Picture 5">
+            <a:extLst>
+              <a:ext uri="{FF2B5EF4-FFF2-40B4-BE49-F238E27FC236}">
+                <a16:creationId xmlns:a16="http://schemas.microsoft.com/office/drawing/2014/main" id="{758E8B14-F7B1-36D5-1409-573B8CDD5197}"/>
+              </a:ext>
+            </a:extLst>
+          </p:cNvPr>
           <p:cNvPicPr>
             <a:picLocks noChangeAspect="1"/>
           </p:cNvPicPr>
@@ -4122,115 +4529,288 @@
         </p:blipFill>
         <p:spPr>
           <a:xfrm>
-            <a:off x="548667" y="1956759"/>
-            <a:ext cx="2557080" cy="3752929"/>
-          </a:xfrm>
-          <a:prstGeom prst="rect">
-            <a:avLst/>
-          </a:prstGeom>
-          <a:ln w="12700">
-            <a:miter lim="400000"/>
-          </a:ln>
+            <a:off x="2616200" y="1687297"/>
+            <a:ext cx="6959600" cy="431800"/>
+          </a:xfrm>
+          <a:prstGeom prst="rect">
+            <a:avLst/>
+          </a:prstGeom>
         </p:spPr>
       </p:pic>
       <p:sp>
         <p:nvSpPr>
-          <p:cNvPr id="334" name="What if we want to look at expression levels of these 4 genes?"/>
+          <p:cNvPr id="7" name="TextBox 6">
+            <a:extLst>
+              <a:ext uri="{FF2B5EF4-FFF2-40B4-BE49-F238E27FC236}">
+                <a16:creationId xmlns:a16="http://schemas.microsoft.com/office/drawing/2014/main" id="{58A52827-F68B-075C-9FB9-F3CEAA30A2E8}"/>
+              </a:ext>
+            </a:extLst>
+          </p:cNvPr>
           <p:cNvSpPr txBox="1"/>
           <p:nvPr/>
         </p:nvSpPr>
         <p:spPr>
           <a:xfrm>
-            <a:off x="3105747" y="316171"/>
-            <a:ext cx="5295360" cy="328295"/>
-          </a:xfrm>
-          <a:prstGeom prst="rect">
-            <a:avLst/>
-          </a:prstGeom>
-          <a:ln w="12700">
-            <a:miter lim="400000"/>
-          </a:ln>
-          <a:extLst>
-            <a:ext uri="{C572A759-6A51-4108-AA02-DFA0A04FC94B}">
-              <ma14:wrappingTextBoxFlag xmlns:ma14="http://schemas.microsoft.com/office/mac/drawingml/2011/main" xmlns:a14="http://schemas.microsoft.com/office/drawing/2010/main" xmlns:m="http://schemas.openxmlformats.org/officeDocument/2006/math" xmlns="" val="1"/>
-            </a:ext>
-          </a:extLst>
-        </p:spPr>
-        <p:txBody>
-          <a:bodyPr wrap="none" lIns="25400" tIns="25400" rIns="25400" bIns="25400" anchor="ctr">
+            <a:off x="3181463" y="2570654"/>
+            <a:ext cx="599716" cy="369332"/>
+          </a:xfrm>
+          <a:prstGeom prst="rect">
+            <a:avLst/>
+          </a:prstGeom>
+          <a:noFill/>
+        </p:spPr>
+        <p:txBody>
+          <a:bodyPr wrap="none" rtlCol="0">
             <a:spAutoFit/>
           </a:bodyPr>
-          <a:lstStyle>
-            <a:lvl1pPr>
-              <a:defRPr sz="3600"/>
-            </a:lvl1pPr>
-          </a:lstStyle>
-          <a:p>
-            <a:r>
-              <a:rPr sz="1800" dirty="0"/>
-              <a:t>What if we want to look at expression levels of 4 genes?</a:t>
-            </a:r>
-          </a:p>
-        </p:txBody>
-      </p:sp>
-      <p:pic>
-        <p:nvPicPr>
-          <p:cNvPr id="335" name="Image" descr="Image"/>
-          <p:cNvPicPr>
-            <a:picLocks noChangeAspect="1"/>
-          </p:cNvPicPr>
-          <p:nvPr/>
-        </p:nvPicPr>
-        <p:blipFill>
-          <a:blip r:embed="rId3"/>
-          <a:stretch>
-            <a:fillRect/>
-          </a:stretch>
-        </p:blipFill>
-        <p:spPr>
-          <a:xfrm>
-            <a:off x="3794882" y="2257620"/>
-            <a:ext cx="7979507" cy="414838"/>
-          </a:xfrm>
-          <a:prstGeom prst="rect">
-            <a:avLst/>
-          </a:prstGeom>
-          <a:ln w="12700">
-            <a:miter lim="400000"/>
+          <a:lstStyle/>
+          <a:p>
+            <a:r>
+              <a:rPr lang="en-US" dirty="0"/>
+              <a:t>data</a:t>
+            </a:r>
+          </a:p>
+        </p:txBody>
+      </p:sp>
+      <p:sp>
+        <p:nvSpPr>
+          <p:cNvPr id="9" name="TextBox 8">
+            <a:extLst>
+              <a:ext uri="{FF2B5EF4-FFF2-40B4-BE49-F238E27FC236}">
+                <a16:creationId xmlns:a16="http://schemas.microsoft.com/office/drawing/2014/main" id="{9984B211-744B-0F49-0214-2007D806E3F3}"/>
+              </a:ext>
+            </a:extLst>
+          </p:cNvPr>
+          <p:cNvSpPr txBox="1"/>
+          <p:nvPr/>
+        </p:nvSpPr>
+        <p:spPr>
+          <a:xfrm>
+            <a:off x="5531871" y="2570654"/>
+            <a:ext cx="1128258" cy="369332"/>
+          </a:xfrm>
+          <a:prstGeom prst="rect">
+            <a:avLst/>
+          </a:prstGeom>
+          <a:noFill/>
+        </p:spPr>
+        <p:txBody>
+          <a:bodyPr wrap="none" rtlCol="0">
+            <a:spAutoFit/>
+          </a:bodyPr>
+          <a:lstStyle/>
+          <a:p>
+            <a:r>
+              <a:rPr lang="en-US" dirty="0"/>
+              <a:t>aesthetics</a:t>
+            </a:r>
+          </a:p>
+        </p:txBody>
+      </p:sp>
+      <p:sp>
+        <p:nvSpPr>
+          <p:cNvPr id="10" name="TextBox 9">
+            <a:extLst>
+              <a:ext uri="{FF2B5EF4-FFF2-40B4-BE49-F238E27FC236}">
+                <a16:creationId xmlns:a16="http://schemas.microsoft.com/office/drawing/2014/main" id="{381756F0-2D9B-7013-F93B-793D486B14B0}"/>
+              </a:ext>
+            </a:extLst>
+          </p:cNvPr>
+          <p:cNvSpPr txBox="1"/>
+          <p:nvPr/>
+        </p:nvSpPr>
+        <p:spPr>
+          <a:xfrm>
+            <a:off x="8523961" y="2633887"/>
+            <a:ext cx="1299523" cy="369332"/>
+          </a:xfrm>
+          <a:prstGeom prst="rect">
+            <a:avLst/>
+          </a:prstGeom>
+          <a:noFill/>
+        </p:spPr>
+        <p:txBody>
+          <a:bodyPr wrap="none" rtlCol="0">
+            <a:spAutoFit/>
+          </a:bodyPr>
+          <a:lstStyle/>
+          <a:p>
+            <a:r>
+              <a:rPr lang="en-US" dirty="0"/>
+              <a:t>Type of plot</a:t>
+            </a:r>
+          </a:p>
+        </p:txBody>
+      </p:sp>
+      <p:cxnSp>
+        <p:nvCxnSpPr>
+          <p:cNvPr id="12" name="Straight Arrow Connector 11">
+            <a:extLst>
+              <a:ext uri="{FF2B5EF4-FFF2-40B4-BE49-F238E27FC236}">
+                <a16:creationId xmlns:a16="http://schemas.microsoft.com/office/drawing/2014/main" id="{D6574E1F-B2BF-6B7D-46EE-8BC501F660FA}"/>
+              </a:ext>
+            </a:extLst>
+          </p:cNvPr>
+          <p:cNvCxnSpPr>
+            <a:cxnSpLocks/>
+            <a:stCxn id="7" idx="0"/>
+          </p:cNvCxnSpPr>
+          <p:nvPr/>
+        </p:nvCxnSpPr>
+        <p:spPr>
+          <a:xfrm flipV="1">
+            <a:off x="3481321" y="2119097"/>
+            <a:ext cx="107386" cy="451557"/>
+          </a:xfrm>
+          <a:prstGeom prst="straightConnector1">
+            <a:avLst/>
+          </a:prstGeom>
+          <a:ln w="34925">
+            <a:tailEnd type="triangle"/>
           </a:ln>
         </p:spPr>
-      </p:pic>
-      <p:pic>
-        <p:nvPicPr>
-          <p:cNvPr id="336" name="Image" descr="Image"/>
-          <p:cNvPicPr>
-            <a:picLocks noChangeAspect="1"/>
-          </p:cNvPicPr>
-          <p:nvPr/>
-        </p:nvPicPr>
-        <p:blipFill>
-          <a:blip r:embed="rId4"/>
-          <a:stretch>
-            <a:fillRect/>
-          </a:stretch>
-        </p:blipFill>
-        <p:spPr>
-          <a:xfrm>
-            <a:off x="3541283" y="2870097"/>
-            <a:ext cx="5653199" cy="3572603"/>
-          </a:xfrm>
-          <a:prstGeom prst="rect">
-            <a:avLst/>
-          </a:prstGeom>
-          <a:ln w="12700">
-            <a:miter lim="400000"/>
+        <p:style>
+          <a:lnRef idx="1">
+            <a:schemeClr val="accent1"/>
+          </a:lnRef>
+          <a:fillRef idx="0">
+            <a:schemeClr val="accent1"/>
+          </a:fillRef>
+          <a:effectRef idx="0">
+            <a:schemeClr val="accent1"/>
+          </a:effectRef>
+          <a:fontRef idx="minor">
+            <a:schemeClr val="tx1"/>
+          </a:fontRef>
+        </p:style>
+      </p:cxnSp>
+      <p:cxnSp>
+        <p:nvCxnSpPr>
+          <p:cNvPr id="14" name="Straight Arrow Connector 13">
+            <a:extLst>
+              <a:ext uri="{FF2B5EF4-FFF2-40B4-BE49-F238E27FC236}">
+                <a16:creationId xmlns:a16="http://schemas.microsoft.com/office/drawing/2014/main" id="{1527A65B-D2D0-21C0-AFD5-CF267277532D}"/>
+              </a:ext>
+            </a:extLst>
+          </p:cNvPr>
+          <p:cNvCxnSpPr>
+            <a:cxnSpLocks/>
+          </p:cNvCxnSpPr>
+          <p:nvPr/>
+        </p:nvCxnSpPr>
+        <p:spPr>
+          <a:xfrm flipH="1" flipV="1">
+            <a:off x="5417507" y="2211430"/>
+            <a:ext cx="538494" cy="393357"/>
+          </a:xfrm>
+          <a:prstGeom prst="straightConnector1">
+            <a:avLst/>
+          </a:prstGeom>
+          <a:ln w="34925">
+            <a:tailEnd type="triangle"/>
           </a:ln>
         </p:spPr>
-      </p:pic>
+        <p:style>
+          <a:lnRef idx="1">
+            <a:schemeClr val="accent1"/>
+          </a:lnRef>
+          <a:fillRef idx="0">
+            <a:schemeClr val="accent1"/>
+          </a:fillRef>
+          <a:effectRef idx="0">
+            <a:schemeClr val="accent1"/>
+          </a:effectRef>
+          <a:fontRef idx="minor">
+            <a:schemeClr val="tx1"/>
+          </a:fontRef>
+        </p:style>
+      </p:cxnSp>
+      <p:cxnSp>
+        <p:nvCxnSpPr>
+          <p:cNvPr id="16" name="Straight Arrow Connector 15">
+            <a:extLst>
+              <a:ext uri="{FF2B5EF4-FFF2-40B4-BE49-F238E27FC236}">
+                <a16:creationId xmlns:a16="http://schemas.microsoft.com/office/drawing/2014/main" id="{2A936A9C-316F-9495-ADE9-3EBE6276D74A}"/>
+              </a:ext>
+            </a:extLst>
+          </p:cNvPr>
+          <p:cNvCxnSpPr>
+            <a:cxnSpLocks/>
+          </p:cNvCxnSpPr>
+          <p:nvPr/>
+        </p:nvCxnSpPr>
+        <p:spPr>
+          <a:xfrm flipV="1">
+            <a:off x="6494495" y="2158024"/>
+            <a:ext cx="332190" cy="475863"/>
+          </a:xfrm>
+          <a:prstGeom prst="straightConnector1">
+            <a:avLst/>
+          </a:prstGeom>
+          <a:ln w="34925">
+            <a:tailEnd type="triangle"/>
+          </a:ln>
+        </p:spPr>
+        <p:style>
+          <a:lnRef idx="1">
+            <a:schemeClr val="accent1"/>
+          </a:lnRef>
+          <a:fillRef idx="0">
+            <a:schemeClr val="accent1"/>
+          </a:fillRef>
+          <a:effectRef idx="0">
+            <a:schemeClr val="accent1"/>
+          </a:effectRef>
+          <a:fontRef idx="minor">
+            <a:schemeClr val="tx1"/>
+          </a:fontRef>
+        </p:style>
+      </p:cxnSp>
+      <p:cxnSp>
+        <p:nvCxnSpPr>
+          <p:cNvPr id="18" name="Straight Arrow Connector 17">
+            <a:extLst>
+              <a:ext uri="{FF2B5EF4-FFF2-40B4-BE49-F238E27FC236}">
+                <a16:creationId xmlns:a16="http://schemas.microsoft.com/office/drawing/2014/main" id="{EA01CE6F-0C83-90BD-D0DA-A166ABB0D9E2}"/>
+              </a:ext>
+            </a:extLst>
+          </p:cNvPr>
+          <p:cNvCxnSpPr>
+            <a:cxnSpLocks/>
+          </p:cNvCxnSpPr>
+          <p:nvPr/>
+        </p:nvCxnSpPr>
+        <p:spPr>
+          <a:xfrm flipH="1" flipV="1">
+            <a:off x="8906256" y="2138671"/>
+            <a:ext cx="175114" cy="616649"/>
+          </a:xfrm>
+          <a:prstGeom prst="straightConnector1">
+            <a:avLst/>
+          </a:prstGeom>
+          <a:ln w="34925">
+            <a:tailEnd type="triangle"/>
+          </a:ln>
+        </p:spPr>
+        <p:style>
+          <a:lnRef idx="1">
+            <a:schemeClr val="accent1"/>
+          </a:lnRef>
+          <a:fillRef idx="0">
+            <a:schemeClr val="accent1"/>
+          </a:fillRef>
+          <a:effectRef idx="0">
+            <a:schemeClr val="accent1"/>
+          </a:effectRef>
+          <a:fontRef idx="minor">
+            <a:schemeClr val="tx1"/>
+          </a:fontRef>
+        </p:style>
+      </p:cxnSp>
     </p:spTree>
     <p:extLst>
       <p:ext uri="{BB962C8B-B14F-4D97-AF65-F5344CB8AC3E}">
-        <p14:creationId xmlns:p14="http://schemas.microsoft.com/office/powerpoint/2010/main" val="2696821515"/>
+        <p14:creationId xmlns:p14="http://schemas.microsoft.com/office/powerpoint/2010/main" val="1970389113"/>
       </p:ext>
     </p:extLst>
   </p:cSld>
@@ -4257,9 +4837,425 @@
           <a:chExt cx="0" cy="0"/>
         </a:xfrm>
       </p:grpSpPr>
+      <p:sp>
+        <p:nvSpPr>
+          <p:cNvPr id="2" name="TextBox 1">
+            <a:extLst>
+              <a:ext uri="{FF2B5EF4-FFF2-40B4-BE49-F238E27FC236}">
+                <a16:creationId xmlns:a16="http://schemas.microsoft.com/office/drawing/2014/main" id="{6B4160CC-7053-9CF3-384D-01F51F309646}"/>
+              </a:ext>
+            </a:extLst>
+          </p:cNvPr>
+          <p:cNvSpPr txBox="1"/>
+          <p:nvPr/>
+        </p:nvSpPr>
+        <p:spPr>
+          <a:xfrm>
+            <a:off x="4754103" y="110969"/>
+            <a:ext cx="5231589" cy="646331"/>
+          </a:xfrm>
+          <a:prstGeom prst="rect">
+            <a:avLst/>
+          </a:prstGeom>
+          <a:noFill/>
+        </p:spPr>
+        <p:txBody>
+          <a:bodyPr wrap="square" rtlCol="0">
+            <a:spAutoFit/>
+          </a:bodyPr>
+          <a:lstStyle/>
+          <a:p>
+            <a:r>
+              <a:rPr lang="en-US" sz="3600" dirty="0"/>
+              <a:t>Plotting using </a:t>
+            </a:r>
+            <a:r>
+              <a:rPr lang="en-US" sz="3600" dirty="0" err="1"/>
+              <a:t>ggplot</a:t>
+            </a:r>
+            <a:endParaRPr lang="en-US" sz="3600" dirty="0"/>
+          </a:p>
+        </p:txBody>
+      </p:sp>
+      <p:sp>
+        <p:nvSpPr>
+          <p:cNvPr id="3" name="TextBox 2">
+            <a:extLst>
+              <a:ext uri="{FF2B5EF4-FFF2-40B4-BE49-F238E27FC236}">
+                <a16:creationId xmlns:a16="http://schemas.microsoft.com/office/drawing/2014/main" id="{B0E71378-DCC3-EC64-3A63-94C96963874B}"/>
+              </a:ext>
+            </a:extLst>
+          </p:cNvPr>
+          <p:cNvSpPr txBox="1"/>
+          <p:nvPr/>
+        </p:nvSpPr>
+        <p:spPr>
+          <a:xfrm>
+            <a:off x="5080602" y="681742"/>
+            <a:ext cx="1688123" cy="369332"/>
+          </a:xfrm>
+          <a:prstGeom prst="rect">
+            <a:avLst/>
+          </a:prstGeom>
+          <a:noFill/>
+        </p:spPr>
+        <p:txBody>
+          <a:bodyPr wrap="square" rtlCol="0">
+            <a:spAutoFit/>
+          </a:bodyPr>
+          <a:lstStyle/>
+          <a:p>
+            <a:r>
+              <a:rPr lang="en-US" dirty="0"/>
+              <a:t>library(ggplot2)</a:t>
+            </a:r>
+          </a:p>
+        </p:txBody>
+      </p:sp>
+      <p:sp>
+        <p:nvSpPr>
+          <p:cNvPr id="5" name="TextBox 4">
+            <a:extLst>
+              <a:ext uri="{FF2B5EF4-FFF2-40B4-BE49-F238E27FC236}">
+                <a16:creationId xmlns:a16="http://schemas.microsoft.com/office/drawing/2014/main" id="{FE48D9F7-C7D5-5F4E-9188-FC845831B06D}"/>
+              </a:ext>
+            </a:extLst>
+          </p:cNvPr>
+          <p:cNvSpPr txBox="1"/>
+          <p:nvPr/>
+        </p:nvSpPr>
+        <p:spPr>
+          <a:xfrm>
+            <a:off x="8870762" y="6167437"/>
+            <a:ext cx="6097802" cy="369332"/>
+          </a:xfrm>
+          <a:prstGeom prst="rect">
+            <a:avLst/>
+          </a:prstGeom>
+          <a:noFill/>
+        </p:spPr>
+        <p:txBody>
+          <a:bodyPr wrap="square">
+            <a:spAutoFit/>
+          </a:bodyPr>
+          <a:lstStyle/>
+          <a:p>
+            <a:r>
+              <a:rPr lang="en-US" dirty="0"/>
+              <a:t>https://ggplot2.tidyverse.org/</a:t>
+            </a:r>
+          </a:p>
+        </p:txBody>
+      </p:sp>
       <p:pic>
         <p:nvPicPr>
-          <p:cNvPr id="338" name="Image" descr="Image"/>
+          <p:cNvPr id="6" name="Picture 5">
+            <a:extLst>
+              <a:ext uri="{FF2B5EF4-FFF2-40B4-BE49-F238E27FC236}">
+                <a16:creationId xmlns:a16="http://schemas.microsoft.com/office/drawing/2014/main" id="{758E8B14-F7B1-36D5-1409-573B8CDD5197}"/>
+              </a:ext>
+            </a:extLst>
+          </p:cNvPr>
+          <p:cNvPicPr>
+            <a:picLocks noChangeAspect="1"/>
+          </p:cNvPicPr>
+          <p:nvPr/>
+        </p:nvPicPr>
+        <p:blipFill>
+          <a:blip r:embed="rId2"/>
+          <a:stretch>
+            <a:fillRect/>
+          </a:stretch>
+        </p:blipFill>
+        <p:spPr>
+          <a:xfrm>
+            <a:off x="2616200" y="1687297"/>
+            <a:ext cx="6959600" cy="431800"/>
+          </a:xfrm>
+          <a:prstGeom prst="rect">
+            <a:avLst/>
+          </a:prstGeom>
+        </p:spPr>
+      </p:pic>
+      <p:sp>
+        <p:nvSpPr>
+          <p:cNvPr id="7" name="TextBox 6">
+            <a:extLst>
+              <a:ext uri="{FF2B5EF4-FFF2-40B4-BE49-F238E27FC236}">
+                <a16:creationId xmlns:a16="http://schemas.microsoft.com/office/drawing/2014/main" id="{58A52827-F68B-075C-9FB9-F3CEAA30A2E8}"/>
+              </a:ext>
+            </a:extLst>
+          </p:cNvPr>
+          <p:cNvSpPr txBox="1"/>
+          <p:nvPr/>
+        </p:nvSpPr>
+        <p:spPr>
+          <a:xfrm>
+            <a:off x="3181463" y="2570654"/>
+            <a:ext cx="599716" cy="369332"/>
+          </a:xfrm>
+          <a:prstGeom prst="rect">
+            <a:avLst/>
+          </a:prstGeom>
+          <a:noFill/>
+        </p:spPr>
+        <p:txBody>
+          <a:bodyPr wrap="none" rtlCol="0">
+            <a:spAutoFit/>
+          </a:bodyPr>
+          <a:lstStyle/>
+          <a:p>
+            <a:r>
+              <a:rPr lang="en-US" dirty="0"/>
+              <a:t>data</a:t>
+            </a:r>
+          </a:p>
+        </p:txBody>
+      </p:sp>
+      <p:sp>
+        <p:nvSpPr>
+          <p:cNvPr id="9" name="TextBox 8">
+            <a:extLst>
+              <a:ext uri="{FF2B5EF4-FFF2-40B4-BE49-F238E27FC236}">
+                <a16:creationId xmlns:a16="http://schemas.microsoft.com/office/drawing/2014/main" id="{9984B211-744B-0F49-0214-2007D806E3F3}"/>
+              </a:ext>
+            </a:extLst>
+          </p:cNvPr>
+          <p:cNvSpPr txBox="1"/>
+          <p:nvPr/>
+        </p:nvSpPr>
+        <p:spPr>
+          <a:xfrm>
+            <a:off x="5531871" y="2570654"/>
+            <a:ext cx="1128258" cy="369332"/>
+          </a:xfrm>
+          <a:prstGeom prst="rect">
+            <a:avLst/>
+          </a:prstGeom>
+          <a:noFill/>
+        </p:spPr>
+        <p:txBody>
+          <a:bodyPr wrap="none" rtlCol="0">
+            <a:spAutoFit/>
+          </a:bodyPr>
+          <a:lstStyle/>
+          <a:p>
+            <a:r>
+              <a:rPr lang="en-US" dirty="0"/>
+              <a:t>aesthetics</a:t>
+            </a:r>
+          </a:p>
+        </p:txBody>
+      </p:sp>
+      <p:sp>
+        <p:nvSpPr>
+          <p:cNvPr id="10" name="TextBox 9">
+            <a:extLst>
+              <a:ext uri="{FF2B5EF4-FFF2-40B4-BE49-F238E27FC236}">
+                <a16:creationId xmlns:a16="http://schemas.microsoft.com/office/drawing/2014/main" id="{381756F0-2D9B-7013-F93B-793D486B14B0}"/>
+              </a:ext>
+            </a:extLst>
+          </p:cNvPr>
+          <p:cNvSpPr txBox="1"/>
+          <p:nvPr/>
+        </p:nvSpPr>
+        <p:spPr>
+          <a:xfrm>
+            <a:off x="8523961" y="2633887"/>
+            <a:ext cx="1299523" cy="369332"/>
+          </a:xfrm>
+          <a:prstGeom prst="rect">
+            <a:avLst/>
+          </a:prstGeom>
+          <a:noFill/>
+        </p:spPr>
+        <p:txBody>
+          <a:bodyPr wrap="none" rtlCol="0">
+            <a:spAutoFit/>
+          </a:bodyPr>
+          <a:lstStyle/>
+          <a:p>
+            <a:r>
+              <a:rPr lang="en-US" dirty="0"/>
+              <a:t>Type of plot</a:t>
+            </a:r>
+          </a:p>
+        </p:txBody>
+      </p:sp>
+      <p:cxnSp>
+        <p:nvCxnSpPr>
+          <p:cNvPr id="12" name="Straight Arrow Connector 11">
+            <a:extLst>
+              <a:ext uri="{FF2B5EF4-FFF2-40B4-BE49-F238E27FC236}">
+                <a16:creationId xmlns:a16="http://schemas.microsoft.com/office/drawing/2014/main" id="{D6574E1F-B2BF-6B7D-46EE-8BC501F660FA}"/>
+              </a:ext>
+            </a:extLst>
+          </p:cNvPr>
+          <p:cNvCxnSpPr>
+            <a:cxnSpLocks/>
+            <a:stCxn id="7" idx="0"/>
+          </p:cNvCxnSpPr>
+          <p:nvPr/>
+        </p:nvCxnSpPr>
+        <p:spPr>
+          <a:xfrm flipV="1">
+            <a:off x="3481321" y="2119097"/>
+            <a:ext cx="107386" cy="451557"/>
+          </a:xfrm>
+          <a:prstGeom prst="straightConnector1">
+            <a:avLst/>
+          </a:prstGeom>
+          <a:ln w="34925">
+            <a:tailEnd type="triangle"/>
+          </a:ln>
+        </p:spPr>
+        <p:style>
+          <a:lnRef idx="1">
+            <a:schemeClr val="accent1"/>
+          </a:lnRef>
+          <a:fillRef idx="0">
+            <a:schemeClr val="accent1"/>
+          </a:fillRef>
+          <a:effectRef idx="0">
+            <a:schemeClr val="accent1"/>
+          </a:effectRef>
+          <a:fontRef idx="minor">
+            <a:schemeClr val="tx1"/>
+          </a:fontRef>
+        </p:style>
+      </p:cxnSp>
+      <p:cxnSp>
+        <p:nvCxnSpPr>
+          <p:cNvPr id="14" name="Straight Arrow Connector 13">
+            <a:extLst>
+              <a:ext uri="{FF2B5EF4-FFF2-40B4-BE49-F238E27FC236}">
+                <a16:creationId xmlns:a16="http://schemas.microsoft.com/office/drawing/2014/main" id="{1527A65B-D2D0-21C0-AFD5-CF267277532D}"/>
+              </a:ext>
+            </a:extLst>
+          </p:cNvPr>
+          <p:cNvCxnSpPr>
+            <a:cxnSpLocks/>
+          </p:cNvCxnSpPr>
+          <p:nvPr/>
+        </p:nvCxnSpPr>
+        <p:spPr>
+          <a:xfrm flipH="1" flipV="1">
+            <a:off x="5417507" y="2211430"/>
+            <a:ext cx="538494" cy="393357"/>
+          </a:xfrm>
+          <a:prstGeom prst="straightConnector1">
+            <a:avLst/>
+          </a:prstGeom>
+          <a:ln w="34925">
+            <a:tailEnd type="triangle"/>
+          </a:ln>
+        </p:spPr>
+        <p:style>
+          <a:lnRef idx="1">
+            <a:schemeClr val="accent1"/>
+          </a:lnRef>
+          <a:fillRef idx="0">
+            <a:schemeClr val="accent1"/>
+          </a:fillRef>
+          <a:effectRef idx="0">
+            <a:schemeClr val="accent1"/>
+          </a:effectRef>
+          <a:fontRef idx="minor">
+            <a:schemeClr val="tx1"/>
+          </a:fontRef>
+        </p:style>
+      </p:cxnSp>
+      <p:cxnSp>
+        <p:nvCxnSpPr>
+          <p:cNvPr id="16" name="Straight Arrow Connector 15">
+            <a:extLst>
+              <a:ext uri="{FF2B5EF4-FFF2-40B4-BE49-F238E27FC236}">
+                <a16:creationId xmlns:a16="http://schemas.microsoft.com/office/drawing/2014/main" id="{2A936A9C-316F-9495-ADE9-3EBE6276D74A}"/>
+              </a:ext>
+            </a:extLst>
+          </p:cNvPr>
+          <p:cNvCxnSpPr>
+            <a:cxnSpLocks/>
+          </p:cNvCxnSpPr>
+          <p:nvPr/>
+        </p:nvCxnSpPr>
+        <p:spPr>
+          <a:xfrm flipV="1">
+            <a:off x="6494495" y="2158024"/>
+            <a:ext cx="332190" cy="475863"/>
+          </a:xfrm>
+          <a:prstGeom prst="straightConnector1">
+            <a:avLst/>
+          </a:prstGeom>
+          <a:ln w="34925">
+            <a:tailEnd type="triangle"/>
+          </a:ln>
+        </p:spPr>
+        <p:style>
+          <a:lnRef idx="1">
+            <a:schemeClr val="accent1"/>
+          </a:lnRef>
+          <a:fillRef idx="0">
+            <a:schemeClr val="accent1"/>
+          </a:fillRef>
+          <a:effectRef idx="0">
+            <a:schemeClr val="accent1"/>
+          </a:effectRef>
+          <a:fontRef idx="minor">
+            <a:schemeClr val="tx1"/>
+          </a:fontRef>
+        </p:style>
+      </p:cxnSp>
+      <p:cxnSp>
+        <p:nvCxnSpPr>
+          <p:cNvPr id="18" name="Straight Arrow Connector 17">
+            <a:extLst>
+              <a:ext uri="{FF2B5EF4-FFF2-40B4-BE49-F238E27FC236}">
+                <a16:creationId xmlns:a16="http://schemas.microsoft.com/office/drawing/2014/main" id="{EA01CE6F-0C83-90BD-D0DA-A166ABB0D9E2}"/>
+              </a:ext>
+            </a:extLst>
+          </p:cNvPr>
+          <p:cNvCxnSpPr>
+            <a:cxnSpLocks/>
+          </p:cNvCxnSpPr>
+          <p:nvPr/>
+        </p:nvCxnSpPr>
+        <p:spPr>
+          <a:xfrm flipH="1" flipV="1">
+            <a:off x="8906256" y="2138671"/>
+            <a:ext cx="175114" cy="616649"/>
+          </a:xfrm>
+          <a:prstGeom prst="straightConnector1">
+            <a:avLst/>
+          </a:prstGeom>
+          <a:ln w="34925">
+            <a:tailEnd type="triangle"/>
+          </a:ln>
+        </p:spPr>
+        <p:style>
+          <a:lnRef idx="1">
+            <a:schemeClr val="accent1"/>
+          </a:lnRef>
+          <a:fillRef idx="0">
+            <a:schemeClr val="accent1"/>
+          </a:fillRef>
+          <a:effectRef idx="0">
+            <a:schemeClr val="accent1"/>
+          </a:effectRef>
+          <a:fontRef idx="minor">
+            <a:schemeClr val="tx1"/>
+          </a:fontRef>
+        </p:style>
+      </p:cxnSp>
+      <p:pic>
+        <p:nvPicPr>
+          <p:cNvPr id="4" name="Picture 3">
+            <a:extLst>
+              <a:ext uri="{FF2B5EF4-FFF2-40B4-BE49-F238E27FC236}">
+                <a16:creationId xmlns:a16="http://schemas.microsoft.com/office/drawing/2014/main" id="{26812886-00C7-CC34-35F9-C5AB6DC21C61}"/>
+              </a:ext>
+            </a:extLst>
+          </p:cNvPr>
           <p:cNvPicPr>
             <a:picLocks noChangeAspect="1"/>
           </p:cNvPicPr>
@@ -4273,303 +5269,60 @@
         </p:blipFill>
         <p:spPr>
           <a:xfrm>
-            <a:off x="202599" y="2139318"/>
-            <a:ext cx="7412239" cy="1593559"/>
-          </a:xfrm>
-          <a:prstGeom prst="rect">
-            <a:avLst/>
-          </a:prstGeom>
-          <a:ln w="12700">
-            <a:miter lim="400000"/>
-          </a:ln>
+            <a:off x="4479428" y="3226047"/>
+            <a:ext cx="2890470" cy="3210998"/>
+          </a:xfrm>
+          <a:prstGeom prst="rect">
+            <a:avLst/>
+          </a:prstGeom>
         </p:spPr>
       </p:pic>
       <p:sp>
         <p:nvSpPr>
-          <p:cNvPr id="339" name="A little more complicated example - samples from different conditions"/>
+          <p:cNvPr id="11" name="TextBox 10">
+            <a:extLst>
+              <a:ext uri="{FF2B5EF4-FFF2-40B4-BE49-F238E27FC236}">
+                <a16:creationId xmlns:a16="http://schemas.microsoft.com/office/drawing/2014/main" id="{8CB302A6-B9A2-DA18-2A94-3D2322BC2684}"/>
+              </a:ext>
+            </a:extLst>
+          </p:cNvPr>
           <p:cNvSpPr txBox="1"/>
           <p:nvPr/>
         </p:nvSpPr>
         <p:spPr>
           <a:xfrm>
-            <a:off x="1197886" y="163197"/>
-            <a:ext cx="8978099" cy="420628"/>
-          </a:xfrm>
-          <a:prstGeom prst="rect">
-            <a:avLst/>
-          </a:prstGeom>
-          <a:ln w="12700">
-            <a:miter lim="400000"/>
-          </a:ln>
-          <a:extLst>
-            <a:ext uri="{C572A759-6A51-4108-AA02-DFA0A04FC94B}">
-              <ma14:wrappingTextBoxFlag xmlns="" xmlns:m="http://schemas.openxmlformats.org/officeDocument/2006/math" xmlns:a14="http://schemas.microsoft.com/office/drawing/2010/main" xmlns:ma14="http://schemas.microsoft.com/office/mac/drawingml/2011/main" val="1"/>
-            </a:ext>
-          </a:extLst>
-        </p:spPr>
-        <p:txBody>
-          <a:bodyPr wrap="none" lIns="25400" tIns="25400" rIns="25400" bIns="25400" anchor="ctr">
+            <a:off x="7637745" y="5618016"/>
+            <a:ext cx="7484300" cy="369332"/>
+          </a:xfrm>
+          <a:prstGeom prst="rect">
+            <a:avLst/>
+          </a:prstGeom>
+          <a:noFill/>
+        </p:spPr>
+        <p:txBody>
+          <a:bodyPr wrap="square">
             <a:spAutoFit/>
           </a:bodyPr>
-          <a:lstStyle>
-            <a:lvl1pPr>
-              <a:defRPr sz="4800" b="1"/>
-            </a:lvl1pPr>
-          </a:lstStyle>
-          <a:p>
-            <a:r>
-              <a:rPr sz="2400"/>
-              <a:t>A little more complicated example - samples from different conditions</a:t>
-            </a:r>
-          </a:p>
-        </p:txBody>
-      </p:sp>
-      <p:sp>
-        <p:nvSpPr>
-          <p:cNvPr id="340" name="Untreated"/>
-          <p:cNvSpPr txBox="1"/>
-          <p:nvPr/>
-        </p:nvSpPr>
-        <p:spPr>
-          <a:xfrm>
-            <a:off x="2004675" y="1526185"/>
-            <a:ext cx="1355949" cy="420628"/>
-          </a:xfrm>
-          <a:prstGeom prst="rect">
-            <a:avLst/>
-          </a:prstGeom>
-          <a:ln w="12700">
-            <a:miter lim="400000"/>
-          </a:ln>
-          <a:extLst>
-            <a:ext uri="{C572A759-6A51-4108-AA02-DFA0A04FC94B}">
-              <ma14:wrappingTextBoxFlag xmlns="" xmlns:m="http://schemas.openxmlformats.org/officeDocument/2006/math" xmlns:a14="http://schemas.microsoft.com/office/drawing/2010/main" xmlns:ma14="http://schemas.microsoft.com/office/mac/drawingml/2011/main" val="1"/>
-            </a:ext>
-          </a:extLst>
-        </p:spPr>
-        <p:txBody>
-          <a:bodyPr wrap="none" lIns="25400" tIns="25400" rIns="25400" bIns="25400" anchor="ctr">
-            <a:spAutoFit/>
-          </a:bodyPr>
-          <a:lstStyle>
-            <a:lvl1pPr>
-              <a:defRPr sz="4800" b="1"/>
-            </a:lvl1pPr>
-          </a:lstStyle>
-          <a:p>
-            <a:r>
-              <a:rPr sz="2400"/>
-              <a:t>Untreated</a:t>
-            </a:r>
-          </a:p>
-        </p:txBody>
-      </p:sp>
-      <p:sp>
-        <p:nvSpPr>
-          <p:cNvPr id="341" name="Treated"/>
-          <p:cNvSpPr txBox="1"/>
-          <p:nvPr/>
-        </p:nvSpPr>
-        <p:spPr>
-          <a:xfrm>
-            <a:off x="5376405" y="1526185"/>
-            <a:ext cx="1022459" cy="420628"/>
-          </a:xfrm>
-          <a:prstGeom prst="rect">
-            <a:avLst/>
-          </a:prstGeom>
-          <a:ln w="12700">
-            <a:miter lim="400000"/>
-          </a:ln>
-          <a:extLst>
-            <a:ext uri="{C572A759-6A51-4108-AA02-DFA0A04FC94B}">
-              <ma14:wrappingTextBoxFlag xmlns="" xmlns:m="http://schemas.openxmlformats.org/officeDocument/2006/math" xmlns:a14="http://schemas.microsoft.com/office/drawing/2010/main" xmlns:ma14="http://schemas.microsoft.com/office/mac/drawingml/2011/main" val="1"/>
-            </a:ext>
-          </a:extLst>
-        </p:spPr>
-        <p:txBody>
-          <a:bodyPr wrap="none" lIns="25400" tIns="25400" rIns="25400" bIns="25400" anchor="ctr">
-            <a:spAutoFit/>
-          </a:bodyPr>
-          <a:lstStyle>
-            <a:lvl1pPr>
-              <a:defRPr sz="4800" b="1"/>
-            </a:lvl1pPr>
-          </a:lstStyle>
-          <a:p>
-            <a:r>
-              <a:rPr sz="2400"/>
-              <a:t>Treated</a:t>
-            </a:r>
-          </a:p>
-        </p:txBody>
-      </p:sp>
-      <p:sp>
-        <p:nvSpPr>
-          <p:cNvPr id="342" name="Line"/>
-          <p:cNvSpPr/>
-          <p:nvPr/>
-        </p:nvSpPr>
-        <p:spPr>
-          <a:xfrm>
-            <a:off x="1584692" y="1990499"/>
-            <a:ext cx="2342480" cy="1"/>
-          </a:xfrm>
-          <a:prstGeom prst="line">
-            <a:avLst/>
-          </a:prstGeom>
-          <a:ln w="101600">
-            <a:solidFill>
-              <a:srgbClr val="000000"/>
-            </a:solidFill>
-            <a:miter lim="400000"/>
-          </a:ln>
-        </p:spPr>
-        <p:txBody>
-          <a:bodyPr lIns="25400" tIns="25400" rIns="25400" bIns="25400" anchor="ctr"/>
           <a:lstStyle/>
           <a:p>
-            <a:endParaRPr sz="900"/>
-          </a:p>
-        </p:txBody>
-      </p:sp>
-      <p:sp>
-        <p:nvSpPr>
-          <p:cNvPr id="343" name="Line"/>
-          <p:cNvSpPr/>
-          <p:nvPr/>
-        </p:nvSpPr>
-        <p:spPr>
-          <a:xfrm>
-            <a:off x="4778570" y="2040473"/>
-            <a:ext cx="2342480" cy="1"/>
-          </a:xfrm>
-          <a:prstGeom prst="line">
-            <a:avLst/>
-          </a:prstGeom>
-          <a:ln w="101600">
-            <a:solidFill>
-              <a:srgbClr val="000000"/>
-            </a:solidFill>
-            <a:miter lim="400000"/>
-          </a:ln>
-        </p:spPr>
-        <p:txBody>
-          <a:bodyPr lIns="25400" tIns="25400" rIns="25400" bIns="25400" anchor="ctr"/>
-          <a:lstStyle/>
-          <a:p>
-            <a:endParaRPr sz="900"/>
-          </a:p>
-        </p:txBody>
-      </p:sp>
-      <p:pic>
-        <p:nvPicPr>
-          <p:cNvPr id="344" name="Image" descr="Image"/>
-          <p:cNvPicPr>
-            <a:picLocks noChangeAspect="1"/>
-          </p:cNvPicPr>
-          <p:nvPr/>
-        </p:nvPicPr>
-        <p:blipFill>
-          <a:blip r:embed="rId4"/>
-          <a:stretch>
-            <a:fillRect/>
-          </a:stretch>
-        </p:blipFill>
-        <p:spPr>
-          <a:xfrm>
-            <a:off x="8169033" y="2142844"/>
-            <a:ext cx="3510206" cy="3194288"/>
-          </a:xfrm>
-          <a:prstGeom prst="rect">
-            <a:avLst/>
-          </a:prstGeom>
-          <a:ln w="12700">
-            <a:miter lim="400000"/>
-          </a:ln>
-        </p:spPr>
-      </p:pic>
-      <p:sp>
-        <p:nvSpPr>
-          <p:cNvPr id="345" name="Wide"/>
-          <p:cNvSpPr txBox="1"/>
-          <p:nvPr/>
-        </p:nvSpPr>
-        <p:spPr>
-          <a:xfrm>
-            <a:off x="3771499" y="3835594"/>
-            <a:ext cx="726161" cy="420628"/>
-          </a:xfrm>
-          <a:prstGeom prst="rect">
-            <a:avLst/>
-          </a:prstGeom>
-          <a:ln w="12700">
-            <a:miter lim="400000"/>
-          </a:ln>
-          <a:extLst>
-            <a:ext uri="{C572A759-6A51-4108-AA02-DFA0A04FC94B}">
-              <ma14:wrappingTextBoxFlag xmlns="" xmlns:m="http://schemas.openxmlformats.org/officeDocument/2006/math" xmlns:a14="http://schemas.microsoft.com/office/drawing/2010/main" xmlns:ma14="http://schemas.microsoft.com/office/mac/drawingml/2011/main" val="1"/>
-            </a:ext>
-          </a:extLst>
-        </p:spPr>
-        <p:txBody>
-          <a:bodyPr wrap="none" lIns="25400" tIns="25400" rIns="25400" bIns="25400" anchor="ctr">
-            <a:spAutoFit/>
-          </a:bodyPr>
-          <a:lstStyle>
-            <a:lvl1pPr>
-              <a:defRPr sz="4800" b="1"/>
-            </a:lvl1pPr>
-          </a:lstStyle>
-          <a:p>
-            <a:r>
-              <a:rPr sz="2400"/>
-              <a:t>Wide</a:t>
-            </a:r>
-          </a:p>
-        </p:txBody>
-      </p:sp>
-      <p:sp>
-        <p:nvSpPr>
-          <p:cNvPr id="346" name="Long"/>
-          <p:cNvSpPr txBox="1"/>
-          <p:nvPr/>
-        </p:nvSpPr>
-        <p:spPr>
-          <a:xfrm>
-            <a:off x="9528582" y="5396883"/>
-            <a:ext cx="657231" cy="420628"/>
-          </a:xfrm>
-          <a:prstGeom prst="rect">
-            <a:avLst/>
-          </a:prstGeom>
-          <a:ln w="12700">
-            <a:miter lim="400000"/>
-          </a:ln>
-          <a:extLst>
-            <a:ext uri="{C572A759-6A51-4108-AA02-DFA0A04FC94B}">
-              <ma14:wrappingTextBoxFlag xmlns="" xmlns:m="http://schemas.openxmlformats.org/officeDocument/2006/math" xmlns:a14="http://schemas.microsoft.com/office/drawing/2010/main" xmlns:ma14="http://schemas.microsoft.com/office/mac/drawingml/2011/main" val="1"/>
-            </a:ext>
-          </a:extLst>
-        </p:spPr>
-        <p:txBody>
-          <a:bodyPr wrap="none" lIns="25400" tIns="25400" rIns="25400" bIns="25400" anchor="ctr">
-            <a:spAutoFit/>
-          </a:bodyPr>
-          <a:lstStyle>
-            <a:lvl1pPr>
-              <a:defRPr sz="4800" b="1"/>
-            </a:lvl1pPr>
-          </a:lstStyle>
-          <a:p>
-            <a:r>
-              <a:rPr sz="2400"/>
-              <a:t>Long</a:t>
-            </a:r>
+            <a:r>
+              <a:rPr lang="en-US" dirty="0"/>
+              <a:t>https://r4ds.had.co.nz/data-</a:t>
+            </a:r>
+            <a:r>
+              <a:rPr lang="en-US" dirty="0" err="1"/>
+              <a:t>visualisation.html</a:t>
+            </a:r>
+            <a:endParaRPr lang="en-US" dirty="0"/>
           </a:p>
         </p:txBody>
       </p:sp>
     </p:spTree>
+    <p:extLst>
+      <p:ext uri="{BB962C8B-B14F-4D97-AF65-F5344CB8AC3E}">
+        <p14:creationId xmlns:p14="http://schemas.microsoft.com/office/powerpoint/2010/main" val="3910450632"/>
+      </p:ext>
+    </p:extLst>
   </p:cSld>
   <p:clrMapOvr>
     <a:masterClrMapping/>
@@ -4594,9 +5347,80 @@
           <a:chExt cx="0" cy="0"/>
         </a:xfrm>
       </p:grpSpPr>
+      <p:sp>
+        <p:nvSpPr>
+          <p:cNvPr id="3" name="TextBox 2">
+            <a:extLst>
+              <a:ext uri="{FF2B5EF4-FFF2-40B4-BE49-F238E27FC236}">
+                <a16:creationId xmlns:a16="http://schemas.microsoft.com/office/drawing/2014/main" id="{65154B13-23B4-D285-8E9C-1D05B2CC3314}"/>
+              </a:ext>
+            </a:extLst>
+          </p:cNvPr>
+          <p:cNvSpPr txBox="1"/>
+          <p:nvPr/>
+        </p:nvSpPr>
+        <p:spPr>
+          <a:xfrm>
+            <a:off x="8253086" y="6281896"/>
+            <a:ext cx="6097044" cy="369332"/>
+          </a:xfrm>
+          <a:prstGeom prst="rect">
+            <a:avLst/>
+          </a:prstGeom>
+          <a:noFill/>
+        </p:spPr>
+        <p:txBody>
+          <a:bodyPr wrap="square">
+            <a:spAutoFit/>
+          </a:bodyPr>
+          <a:lstStyle/>
+          <a:p>
+            <a:r>
+              <a:rPr lang="en-US" dirty="0"/>
+              <a:t>https://ggplot2.tidyverse.org/reference/</a:t>
+            </a:r>
+          </a:p>
+        </p:txBody>
+      </p:sp>
       <p:pic>
         <p:nvPicPr>
-          <p:cNvPr id="350" name="Image" descr="Image"/>
+          <p:cNvPr id="4" name="Picture 3">
+            <a:extLst>
+              <a:ext uri="{FF2B5EF4-FFF2-40B4-BE49-F238E27FC236}">
+                <a16:creationId xmlns:a16="http://schemas.microsoft.com/office/drawing/2014/main" id="{427FDFC9-867C-629E-80F8-EC69839FE04B}"/>
+              </a:ext>
+            </a:extLst>
+          </p:cNvPr>
+          <p:cNvPicPr>
+            <a:picLocks noChangeAspect="1"/>
+          </p:cNvPicPr>
+          <p:nvPr/>
+        </p:nvPicPr>
+        <p:blipFill>
+          <a:blip r:embed="rId2"/>
+          <a:stretch>
+            <a:fillRect/>
+          </a:stretch>
+        </p:blipFill>
+        <p:spPr>
+          <a:xfrm>
+            <a:off x="287055" y="781822"/>
+            <a:ext cx="11244374" cy="1842381"/>
+          </a:xfrm>
+          <a:prstGeom prst="rect">
+            <a:avLst/>
+          </a:prstGeom>
+        </p:spPr>
+      </p:pic>
+      <p:pic>
+        <p:nvPicPr>
+          <p:cNvPr id="5" name="Picture 4">
+            <a:extLst>
+              <a:ext uri="{FF2B5EF4-FFF2-40B4-BE49-F238E27FC236}">
+                <a16:creationId xmlns:a16="http://schemas.microsoft.com/office/drawing/2014/main" id="{6F350F51-53FD-22B7-D40E-9040D4480D15}"/>
+              </a:ext>
+            </a:extLst>
+          </p:cNvPr>
           <p:cNvPicPr>
             <a:picLocks noChangeAspect="1"/>
           </p:cNvPicPr>
@@ -4610,20 +5434,23 @@
         </p:blipFill>
         <p:spPr>
           <a:xfrm>
-            <a:off x="6672906" y="3124151"/>
-            <a:ext cx="5067520" cy="3091072"/>
-          </a:xfrm>
-          <a:prstGeom prst="rect">
-            <a:avLst/>
-          </a:prstGeom>
-          <a:ln w="12700">
-            <a:miter lim="400000"/>
-          </a:ln>
+            <a:off x="287054" y="2799838"/>
+            <a:ext cx="11084223" cy="1258595"/>
+          </a:xfrm>
+          <a:prstGeom prst="rect">
+            <a:avLst/>
+          </a:prstGeom>
         </p:spPr>
       </p:pic>
       <p:pic>
         <p:nvPicPr>
-          <p:cNvPr id="351" name="Image" descr="Image"/>
+          <p:cNvPr id="6" name="Picture 5">
+            <a:extLst>
+              <a:ext uri="{FF2B5EF4-FFF2-40B4-BE49-F238E27FC236}">
+                <a16:creationId xmlns:a16="http://schemas.microsoft.com/office/drawing/2014/main" id="{F6DF3007-C154-2C33-1059-808C0550F56E}"/>
+              </a:ext>
+            </a:extLst>
+          </p:cNvPr>
           <p:cNvPicPr>
             <a:picLocks noChangeAspect="1"/>
           </p:cNvPicPr>
@@ -4637,60 +5464,23 @@
         </p:blipFill>
         <p:spPr>
           <a:xfrm>
-            <a:off x="889780" y="1831857"/>
-            <a:ext cx="3510206" cy="3194287"/>
-          </a:xfrm>
-          <a:prstGeom prst="rect">
-            <a:avLst/>
-          </a:prstGeom>
-          <a:ln w="12700">
-            <a:miter lim="400000"/>
-          </a:ln>
+            <a:off x="287053" y="4006496"/>
+            <a:ext cx="10925879" cy="1035230"/>
+          </a:xfrm>
+          <a:prstGeom prst="rect">
+            <a:avLst/>
+          </a:prstGeom>
         </p:spPr>
       </p:pic>
-      <p:sp>
-        <p:nvSpPr>
-          <p:cNvPr id="352" name="A little more complicated example - samples from different conditions"/>
-          <p:cNvSpPr txBox="1"/>
-          <p:nvPr/>
-        </p:nvSpPr>
-        <p:spPr>
-          <a:xfrm>
-            <a:off x="1197886" y="163197"/>
-            <a:ext cx="8978099" cy="420628"/>
-          </a:xfrm>
-          <a:prstGeom prst="rect">
-            <a:avLst/>
-          </a:prstGeom>
-          <a:ln w="12700">
-            <a:miter lim="400000"/>
-          </a:ln>
-          <a:extLst>
-            <a:ext uri="{C572A759-6A51-4108-AA02-DFA0A04FC94B}">
-              <ma14:wrappingTextBoxFlag xmlns="" xmlns:m="http://schemas.openxmlformats.org/officeDocument/2006/math" xmlns:a14="http://schemas.microsoft.com/office/drawing/2010/main" xmlns:ma14="http://schemas.microsoft.com/office/mac/drawingml/2011/main" val="1"/>
-            </a:ext>
-          </a:extLst>
-        </p:spPr>
-        <p:txBody>
-          <a:bodyPr wrap="none" lIns="25400" tIns="25400" rIns="25400" bIns="25400" anchor="ctr">
-            <a:spAutoFit/>
-          </a:bodyPr>
-          <a:lstStyle>
-            <a:lvl1pPr>
-              <a:defRPr sz="4800" b="1"/>
-            </a:lvl1pPr>
-          </a:lstStyle>
-          <a:p>
-            <a:r>
-              <a:rPr sz="2400"/>
-              <a:t>A little more complicated example - samples from different conditions</a:t>
-            </a:r>
-          </a:p>
-        </p:txBody>
-      </p:sp>
       <p:pic>
         <p:nvPicPr>
-          <p:cNvPr id="353" name="Image" descr="Image"/>
+          <p:cNvPr id="7" name="Picture 6">
+            <a:extLst>
+              <a:ext uri="{FF2B5EF4-FFF2-40B4-BE49-F238E27FC236}">
+                <a16:creationId xmlns:a16="http://schemas.microsoft.com/office/drawing/2014/main" id="{D2C29005-1F40-FEC8-5E08-701F87647250}"/>
+              </a:ext>
+            </a:extLst>
+          </p:cNvPr>
           <p:cNvPicPr>
             <a:picLocks noChangeAspect="1"/>
           </p:cNvPicPr>
@@ -4704,18 +5494,67 @@
         </p:blipFill>
         <p:spPr>
           <a:xfrm>
-            <a:off x="5312266" y="1746648"/>
-            <a:ext cx="5475550" cy="882045"/>
-          </a:xfrm>
-          <a:prstGeom prst="rect">
-            <a:avLst/>
-          </a:prstGeom>
-          <a:ln w="12700">
-            <a:miter lim="400000"/>
-          </a:ln>
+            <a:off x="337158" y="5206868"/>
+            <a:ext cx="10742249" cy="937148"/>
+          </a:xfrm>
+          <a:prstGeom prst="rect">
+            <a:avLst/>
+          </a:prstGeom>
         </p:spPr>
       </p:pic>
+      <p:sp>
+        <p:nvSpPr>
+          <p:cNvPr id="8" name="TextBox 7">
+            <a:extLst>
+              <a:ext uri="{FF2B5EF4-FFF2-40B4-BE49-F238E27FC236}">
+                <a16:creationId xmlns:a16="http://schemas.microsoft.com/office/drawing/2014/main" id="{D2302473-7FDB-78CA-6715-5FD17DD32A35}"/>
+              </a:ext>
+            </a:extLst>
+          </p:cNvPr>
+          <p:cNvSpPr txBox="1"/>
+          <p:nvPr/>
+        </p:nvSpPr>
+        <p:spPr>
+          <a:xfrm>
+            <a:off x="3563655" y="247348"/>
+            <a:ext cx="7273914" cy="369332"/>
+          </a:xfrm>
+          <a:prstGeom prst="rect">
+            <a:avLst/>
+          </a:prstGeom>
+          <a:noFill/>
+        </p:spPr>
+        <p:txBody>
+          <a:bodyPr wrap="none" rtlCol="0">
+            <a:spAutoFit/>
+          </a:bodyPr>
+          <a:lstStyle/>
+          <a:p>
+            <a:r>
+              <a:rPr lang="en-US" dirty="0" err="1"/>
+              <a:t>ggplot</a:t>
+            </a:r>
+            <a:r>
+              <a:rPr lang="en-US" dirty="0"/>
+              <a:t> lets you make many different kinds of plots by using different ‘</a:t>
+            </a:r>
+            <a:r>
+              <a:rPr lang="en-US" dirty="0" err="1"/>
+              <a:t>geoms</a:t>
+            </a:r>
+            <a:r>
+              <a:rPr lang="en-US" dirty="0"/>
+              <a:t>’</a:t>
+            </a:r>
+          </a:p>
+        </p:txBody>
+      </p:sp>
     </p:spTree>
+    <p:extLst>
+      <p:ext uri="{BB962C8B-B14F-4D97-AF65-F5344CB8AC3E}">
+        <p14:creationId xmlns:p14="http://schemas.microsoft.com/office/powerpoint/2010/main" val="1698419793"/>
+      </p:ext>
+    </p:extLst>
   </p:cSld>
   <p:clrMapOvr>
     <a:masterClrMapping/>
@@ -4742,22 +5581,22 @@
       </p:grpSpPr>
       <p:pic>
         <p:nvPicPr>
-          <p:cNvPr id="357" name="Image" descr="Image"/>
+          <p:cNvPr id="333" name="Image" descr="Image"/>
           <p:cNvPicPr>
             <a:picLocks noChangeAspect="1"/>
           </p:cNvPicPr>
           <p:nvPr/>
         </p:nvPicPr>
         <p:blipFill>
-          <a:blip r:embed="rId3"/>
+          <a:blip r:embed="rId2"/>
           <a:stretch>
             <a:fillRect/>
           </a:stretch>
         </p:blipFill>
         <p:spPr>
           <a:xfrm>
-            <a:off x="889780" y="1831857"/>
-            <a:ext cx="3510206" cy="3194287"/>
+            <a:off x="548667" y="1956759"/>
+            <a:ext cx="2557080" cy="3752929"/>
           </a:xfrm>
           <a:prstGeom prst="rect">
             <a:avLst/>
@@ -4769,14 +5608,14 @@
       </p:pic>
       <p:sp>
         <p:nvSpPr>
-          <p:cNvPr id="358" name="A little more complicated example - samples from different conditions"/>
+          <p:cNvPr id="334" name="What if we want to look at expression levels of these 4 genes?"/>
           <p:cNvSpPr txBox="1"/>
           <p:nvPr/>
         </p:nvSpPr>
         <p:spPr>
           <a:xfrm>
-            <a:off x="1197886" y="163197"/>
-            <a:ext cx="8978099" cy="420628"/>
+            <a:off x="3448320" y="337559"/>
+            <a:ext cx="5295360" cy="328295"/>
           </a:xfrm>
           <a:prstGeom prst="rect">
             <a:avLst/>
@@ -4786,7 +5625,7 @@
           </a:ln>
           <a:extLst>
             <a:ext uri="{C572A759-6A51-4108-AA02-DFA0A04FC94B}">
-              <ma14:wrappingTextBoxFlag xmlns="" xmlns:m="http://schemas.openxmlformats.org/officeDocument/2006/math" xmlns:a14="http://schemas.microsoft.com/office/drawing/2010/main" xmlns:ma14="http://schemas.microsoft.com/office/mac/drawingml/2011/main" val="1"/>
+              <ma14:wrappingTextBoxFlag xmlns:ma14="http://schemas.microsoft.com/office/mac/drawingml/2011/main" xmlns:a14="http://schemas.microsoft.com/office/drawing/2010/main" xmlns:m="http://schemas.openxmlformats.org/officeDocument/2006/math" xmlns="" val="1"/>
             </a:ext>
           </a:extLst>
         </p:spPr>
@@ -4796,71 +5635,17 @@
           </a:bodyPr>
           <a:lstStyle>
             <a:lvl1pPr>
-              <a:defRPr sz="4800" b="1"/>
+              <a:defRPr sz="3600"/>
             </a:lvl1pPr>
           </a:lstStyle>
           <a:p>
             <a:r>
-              <a:rPr sz="2400"/>
-              <a:t>A little more complicated example - samples from different conditions</a:t>
-            </a:r>
-          </a:p>
-        </p:txBody>
-      </p:sp>
-      <p:pic>
-        <p:nvPicPr>
-          <p:cNvPr id="359" name="Image" descr="Image"/>
-          <p:cNvPicPr>
-            <a:picLocks noChangeAspect="1"/>
-          </p:cNvPicPr>
-          <p:nvPr/>
-        </p:nvPicPr>
-        <p:blipFill>
-          <a:blip r:embed="rId4"/>
-          <a:stretch>
-            <a:fillRect/>
-          </a:stretch>
-        </p:blipFill>
-        <p:spPr>
-          <a:xfrm>
-            <a:off x="4859685" y="3045933"/>
-            <a:ext cx="6626289" cy="3194287"/>
-          </a:xfrm>
-          <a:prstGeom prst="rect">
-            <a:avLst/>
-          </a:prstGeom>
-          <a:ln w="12700">
-            <a:miter lim="400000"/>
-          </a:ln>
-        </p:spPr>
-      </p:pic>
-      <p:pic>
-        <p:nvPicPr>
-          <p:cNvPr id="360" name="Image" descr="Image"/>
-          <p:cNvPicPr>
-            <a:picLocks noChangeAspect="1"/>
-          </p:cNvPicPr>
-          <p:nvPr/>
-        </p:nvPicPr>
-        <p:blipFill>
-          <a:blip r:embed="rId5"/>
-          <a:stretch>
-            <a:fillRect/>
-          </a:stretch>
-        </p:blipFill>
-        <p:spPr>
-          <a:xfrm>
-            <a:off x="4602042" y="1695828"/>
-            <a:ext cx="7141574" cy="828009"/>
-          </a:xfrm>
-          <a:prstGeom prst="rect">
-            <a:avLst/>
-          </a:prstGeom>
-          <a:ln w="12700">
-            <a:miter lim="400000"/>
-          </a:ln>
-        </p:spPr>
-      </p:pic>
+              <a:rPr sz="1800" dirty="0"/>
+              <a:t>What if we want to look at expression levels of 4 genes?</a:t>
+            </a:r>
+          </a:p>
+        </p:txBody>
+      </p:sp>
     </p:spTree>
   </p:cSld>
   <p:clrMapOvr>
@@ -4886,137 +5671,9 @@
           <a:chExt cx="0" cy="0"/>
         </a:xfrm>
       </p:grpSpPr>
-      <p:sp>
-        <p:nvSpPr>
-          <p:cNvPr id="2" name="TextBox 1">
-            <a:extLst>
-              <a:ext uri="{FF2B5EF4-FFF2-40B4-BE49-F238E27FC236}">
-                <a16:creationId xmlns:a16="http://schemas.microsoft.com/office/drawing/2014/main" id="{EE808F59-D6A1-6EC7-8215-A1414DD3D939}"/>
-              </a:ext>
-            </a:extLst>
-          </p:cNvPr>
-          <p:cNvSpPr txBox="1"/>
-          <p:nvPr/>
-        </p:nvSpPr>
-        <p:spPr>
-          <a:xfrm>
-            <a:off x="4008329" y="294362"/>
-            <a:ext cx="4416274" cy="369332"/>
-          </a:xfrm>
-          <a:prstGeom prst="rect">
-            <a:avLst/>
-          </a:prstGeom>
-          <a:noFill/>
-        </p:spPr>
-        <p:txBody>
-          <a:bodyPr wrap="none" rtlCol="0">
-            <a:spAutoFit/>
-          </a:bodyPr>
-          <a:lstStyle/>
-          <a:p>
-            <a:r>
-              <a:rPr lang="en-US" dirty="0"/>
-              <a:t>Converting between wide and long formats </a:t>
-            </a:r>
-          </a:p>
-        </p:txBody>
-      </p:sp>
-      <p:sp>
-        <p:nvSpPr>
-          <p:cNvPr id="5" name="TextBox 4">
-            <a:extLst>
-              <a:ext uri="{FF2B5EF4-FFF2-40B4-BE49-F238E27FC236}">
-                <a16:creationId xmlns:a16="http://schemas.microsoft.com/office/drawing/2014/main" id="{B79559C3-A22F-1230-70F5-89B6E2C4E39A}"/>
-              </a:ext>
-            </a:extLst>
-          </p:cNvPr>
-          <p:cNvSpPr txBox="1"/>
-          <p:nvPr/>
-        </p:nvSpPr>
-        <p:spPr>
-          <a:xfrm>
-            <a:off x="753650" y="1054274"/>
-            <a:ext cx="1515928" cy="369332"/>
-          </a:xfrm>
-          <a:prstGeom prst="rect">
-            <a:avLst/>
-          </a:prstGeom>
-          <a:noFill/>
-        </p:spPr>
-        <p:txBody>
-          <a:bodyPr wrap="none" rtlCol="0">
-            <a:spAutoFit/>
-          </a:bodyPr>
-          <a:lstStyle/>
-          <a:p>
-            <a:r>
-              <a:rPr lang="en-US" dirty="0" err="1"/>
-              <a:t>pivot_longer</a:t>
-            </a:r>
-            <a:r>
-              <a:rPr lang="en-US" dirty="0"/>
-              <a:t>()</a:t>
-            </a:r>
-          </a:p>
-        </p:txBody>
-      </p:sp>
-      <p:sp>
-        <p:nvSpPr>
-          <p:cNvPr id="7" name="TextBox 6">
-            <a:extLst>
-              <a:ext uri="{FF2B5EF4-FFF2-40B4-BE49-F238E27FC236}">
-                <a16:creationId xmlns:a16="http://schemas.microsoft.com/office/drawing/2014/main" id="{D45D8B8A-91FB-510E-E86D-3BBB80461A55}"/>
-              </a:ext>
-            </a:extLst>
-          </p:cNvPr>
-          <p:cNvSpPr txBox="1"/>
-          <p:nvPr/>
-        </p:nvSpPr>
-        <p:spPr>
-          <a:xfrm>
-            <a:off x="7733257" y="6194306"/>
-            <a:ext cx="6097044" cy="369332"/>
-          </a:xfrm>
-          <a:prstGeom prst="rect">
-            <a:avLst/>
-          </a:prstGeom>
-          <a:noFill/>
-        </p:spPr>
-        <p:txBody>
-          <a:bodyPr wrap="square">
-            <a:spAutoFit/>
-          </a:bodyPr>
-          <a:lstStyle/>
-          <a:p>
-            <a:r>
-              <a:rPr lang="en-US" dirty="0"/>
-              <a:t>https://</a:t>
-            </a:r>
-            <a:r>
-              <a:rPr lang="en-US" dirty="0" err="1"/>
-              <a:t>tidyr.tidyverse.org</a:t>
-            </a:r>
-            <a:r>
-              <a:rPr lang="en-US" dirty="0"/>
-              <a:t>/articles/</a:t>
-            </a:r>
-            <a:r>
-              <a:rPr lang="en-US" dirty="0" err="1"/>
-              <a:t>pivot.html</a:t>
-            </a:r>
-            <a:endParaRPr lang="en-US" dirty="0"/>
-          </a:p>
-        </p:txBody>
-      </p:sp>
       <p:pic>
         <p:nvPicPr>
-          <p:cNvPr id="8" name="Picture 7">
-            <a:extLst>
-              <a:ext uri="{FF2B5EF4-FFF2-40B4-BE49-F238E27FC236}">
-                <a16:creationId xmlns:a16="http://schemas.microsoft.com/office/drawing/2014/main" id="{127BA8B8-06AE-6E6A-8720-78F1858E5025}"/>
-              </a:ext>
-            </a:extLst>
-          </p:cNvPr>
+          <p:cNvPr id="333" name="Image" descr="Image"/>
           <p:cNvPicPr>
             <a:picLocks noChangeAspect="1"/>
           </p:cNvPicPr>
@@ -5030,23 +5687,60 @@
         </p:blipFill>
         <p:spPr>
           <a:xfrm>
-            <a:off x="2591844" y="1100513"/>
-            <a:ext cx="7772400" cy="276853"/>
-          </a:xfrm>
-          <a:prstGeom prst="rect">
-            <a:avLst/>
-          </a:prstGeom>
+            <a:off x="548667" y="1956759"/>
+            <a:ext cx="2557080" cy="3752929"/>
+          </a:xfrm>
+          <a:prstGeom prst="rect">
+            <a:avLst/>
+          </a:prstGeom>
+          <a:ln w="12700">
+            <a:miter lim="400000"/>
+          </a:ln>
         </p:spPr>
       </p:pic>
+      <p:sp>
+        <p:nvSpPr>
+          <p:cNvPr id="334" name="What if we want to look at expression levels of these 4 genes?"/>
+          <p:cNvSpPr txBox="1"/>
+          <p:nvPr/>
+        </p:nvSpPr>
+        <p:spPr>
+          <a:xfrm>
+            <a:off x="3105747" y="316171"/>
+            <a:ext cx="5295360" cy="328295"/>
+          </a:xfrm>
+          <a:prstGeom prst="rect">
+            <a:avLst/>
+          </a:prstGeom>
+          <a:ln w="12700">
+            <a:miter lim="400000"/>
+          </a:ln>
+          <a:extLst>
+            <a:ext uri="{C572A759-6A51-4108-AA02-DFA0A04FC94B}">
+              <ma14:wrappingTextBoxFlag xmlns="" xmlns:m="http://schemas.openxmlformats.org/officeDocument/2006/math" xmlns:a14="http://schemas.microsoft.com/office/drawing/2010/main" xmlns:ma14="http://schemas.microsoft.com/office/mac/drawingml/2011/main" val="1"/>
+            </a:ext>
+          </a:extLst>
+        </p:spPr>
+        <p:txBody>
+          <a:bodyPr wrap="none" lIns="25400" tIns="25400" rIns="25400" bIns="25400" anchor="ctr">
+            <a:spAutoFit/>
+          </a:bodyPr>
+          <a:lstStyle>
+            <a:lvl1pPr>
+              <a:defRPr sz="3600"/>
+            </a:lvl1pPr>
+          </a:lstStyle>
+          <a:p>
+            <a:r>
+              <a:rPr sz="1800" dirty="0"/>
+              <a:t>What if we want to look at expression levels of 4 genes?</a:t>
+            </a:r>
+          </a:p>
+        </p:txBody>
+      </p:sp>
       <p:pic>
         <p:nvPicPr>
-          <p:cNvPr id="9" name="Picture 8">
-            <a:extLst>
-              <a:ext uri="{FF2B5EF4-FFF2-40B4-BE49-F238E27FC236}">
-                <a16:creationId xmlns:a16="http://schemas.microsoft.com/office/drawing/2014/main" id="{6E2F069F-068C-300C-AF56-3432AF4D767F}"/>
-              </a:ext>
-            </a:extLst>
-          </p:cNvPr>
+          <p:cNvPr id="335" name="Image" descr="Image"/>
           <p:cNvPicPr>
             <a:picLocks noChangeAspect="1"/>
           </p:cNvPicPr>
@@ -5060,18 +5754,48 @@
         </p:blipFill>
         <p:spPr>
           <a:xfrm>
-            <a:off x="697108" y="1745292"/>
-            <a:ext cx="4612017" cy="2181618"/>
-          </a:xfrm>
-          <a:prstGeom prst="rect">
-            <a:avLst/>
-          </a:prstGeom>
+            <a:off x="3794882" y="2257620"/>
+            <a:ext cx="7979507" cy="414838"/>
+          </a:xfrm>
+          <a:prstGeom prst="rect">
+            <a:avLst/>
+          </a:prstGeom>
+          <a:ln w="12700">
+            <a:miter lim="400000"/>
+          </a:ln>
+        </p:spPr>
+      </p:pic>
+      <p:pic>
+        <p:nvPicPr>
+          <p:cNvPr id="336" name="Image" descr="Image"/>
+          <p:cNvPicPr>
+            <a:picLocks noChangeAspect="1"/>
+          </p:cNvPicPr>
+          <p:nvPr/>
+        </p:nvPicPr>
+        <p:blipFill>
+          <a:blip r:embed="rId4"/>
+          <a:stretch>
+            <a:fillRect/>
+          </a:stretch>
+        </p:blipFill>
+        <p:spPr>
+          <a:xfrm>
+            <a:off x="3541283" y="2870097"/>
+            <a:ext cx="5653199" cy="3572603"/>
+          </a:xfrm>
+          <a:prstGeom prst="rect">
+            <a:avLst/>
+          </a:prstGeom>
+          <a:ln w="12700">
+            <a:miter lim="400000"/>
+          </a:ln>
         </p:spPr>
       </p:pic>
     </p:spTree>
     <p:extLst>
       <p:ext uri="{BB962C8B-B14F-4D97-AF65-F5344CB8AC3E}">
-        <p14:creationId xmlns:p14="http://schemas.microsoft.com/office/powerpoint/2010/main" val="55680800"/>
+        <p14:creationId xmlns:p14="http://schemas.microsoft.com/office/powerpoint/2010/main" val="2696821515"/>
       </p:ext>
     </p:extLst>
   </p:cSld>
@@ -5098,167 +5822,9 @@
           <a:chExt cx="0" cy="0"/>
         </a:xfrm>
       </p:grpSpPr>
-      <p:sp>
-        <p:nvSpPr>
-          <p:cNvPr id="2" name="TextBox 1">
-            <a:extLst>
-              <a:ext uri="{FF2B5EF4-FFF2-40B4-BE49-F238E27FC236}">
-                <a16:creationId xmlns:a16="http://schemas.microsoft.com/office/drawing/2014/main" id="{EE808F59-D6A1-6EC7-8215-A1414DD3D939}"/>
-              </a:ext>
-            </a:extLst>
-          </p:cNvPr>
-          <p:cNvSpPr txBox="1"/>
-          <p:nvPr/>
-        </p:nvSpPr>
-        <p:spPr>
-          <a:xfrm>
-            <a:off x="4008329" y="294362"/>
-            <a:ext cx="4416274" cy="369332"/>
-          </a:xfrm>
-          <a:prstGeom prst="rect">
-            <a:avLst/>
-          </a:prstGeom>
-          <a:noFill/>
-        </p:spPr>
-        <p:txBody>
-          <a:bodyPr wrap="none" rtlCol="0">
-            <a:spAutoFit/>
-          </a:bodyPr>
-          <a:lstStyle/>
-          <a:p>
-            <a:r>
-              <a:rPr lang="en-US" dirty="0"/>
-              <a:t>Converting between wide and long formats </a:t>
-            </a:r>
-          </a:p>
-        </p:txBody>
-      </p:sp>
-      <p:sp>
-        <p:nvSpPr>
-          <p:cNvPr id="5" name="TextBox 4">
-            <a:extLst>
-              <a:ext uri="{FF2B5EF4-FFF2-40B4-BE49-F238E27FC236}">
-                <a16:creationId xmlns:a16="http://schemas.microsoft.com/office/drawing/2014/main" id="{B79559C3-A22F-1230-70F5-89B6E2C4E39A}"/>
-              </a:ext>
-            </a:extLst>
-          </p:cNvPr>
-          <p:cNvSpPr txBox="1"/>
-          <p:nvPr/>
-        </p:nvSpPr>
-        <p:spPr>
-          <a:xfrm>
-            <a:off x="753650" y="1054274"/>
-            <a:ext cx="1515928" cy="369332"/>
-          </a:xfrm>
-          <a:prstGeom prst="rect">
-            <a:avLst/>
-          </a:prstGeom>
-          <a:noFill/>
-        </p:spPr>
-        <p:txBody>
-          <a:bodyPr wrap="none" rtlCol="0">
-            <a:spAutoFit/>
-          </a:bodyPr>
-          <a:lstStyle/>
-          <a:p>
-            <a:r>
-              <a:rPr lang="en-US" dirty="0" err="1"/>
-              <a:t>pivot_longer</a:t>
-            </a:r>
-            <a:r>
-              <a:rPr lang="en-US" dirty="0"/>
-              <a:t>()</a:t>
-            </a:r>
-          </a:p>
-        </p:txBody>
-      </p:sp>
-      <p:sp>
-        <p:nvSpPr>
-          <p:cNvPr id="7" name="TextBox 6">
-            <a:extLst>
-              <a:ext uri="{FF2B5EF4-FFF2-40B4-BE49-F238E27FC236}">
-                <a16:creationId xmlns:a16="http://schemas.microsoft.com/office/drawing/2014/main" id="{D45D8B8A-91FB-510E-E86D-3BBB80461A55}"/>
-              </a:ext>
-            </a:extLst>
-          </p:cNvPr>
-          <p:cNvSpPr txBox="1"/>
-          <p:nvPr/>
-        </p:nvSpPr>
-        <p:spPr>
-          <a:xfrm>
-            <a:off x="7733257" y="6194306"/>
-            <a:ext cx="6097044" cy="369332"/>
-          </a:xfrm>
-          <a:prstGeom prst="rect">
-            <a:avLst/>
-          </a:prstGeom>
-          <a:noFill/>
-        </p:spPr>
-        <p:txBody>
-          <a:bodyPr wrap="square">
-            <a:spAutoFit/>
-          </a:bodyPr>
-          <a:lstStyle/>
-          <a:p>
-            <a:r>
-              <a:rPr lang="en-US" dirty="0"/>
-              <a:t>https://</a:t>
-            </a:r>
-            <a:r>
-              <a:rPr lang="en-US" dirty="0" err="1"/>
-              <a:t>tidyr.tidyverse.org</a:t>
-            </a:r>
-            <a:r>
-              <a:rPr lang="en-US" dirty="0"/>
-              <a:t>/articles/</a:t>
-            </a:r>
-            <a:r>
-              <a:rPr lang="en-US" dirty="0" err="1"/>
-              <a:t>pivot.html</a:t>
-            </a:r>
-            <a:endParaRPr lang="en-US" dirty="0"/>
-          </a:p>
-        </p:txBody>
-      </p:sp>
       <p:pic>
         <p:nvPicPr>
-          <p:cNvPr id="8" name="Picture 7">
-            <a:extLst>
-              <a:ext uri="{FF2B5EF4-FFF2-40B4-BE49-F238E27FC236}">
-                <a16:creationId xmlns:a16="http://schemas.microsoft.com/office/drawing/2014/main" id="{127BA8B8-06AE-6E6A-8720-78F1858E5025}"/>
-              </a:ext>
-            </a:extLst>
-          </p:cNvPr>
-          <p:cNvPicPr>
-            <a:picLocks noChangeAspect="1"/>
-          </p:cNvPicPr>
-          <p:nvPr/>
-        </p:nvPicPr>
-        <p:blipFill>
-          <a:blip r:embed="rId2"/>
-          <a:stretch>
-            <a:fillRect/>
-          </a:stretch>
-        </p:blipFill>
-        <p:spPr>
-          <a:xfrm>
-            <a:off x="2591844" y="1100513"/>
-            <a:ext cx="7772400" cy="276853"/>
-          </a:xfrm>
-          <a:prstGeom prst="rect">
-            <a:avLst/>
-          </a:prstGeom>
-        </p:spPr>
-      </p:pic>
-      <p:pic>
-        <p:nvPicPr>
-          <p:cNvPr id="9" name="Picture 8">
-            <a:extLst>
-              <a:ext uri="{FF2B5EF4-FFF2-40B4-BE49-F238E27FC236}">
-                <a16:creationId xmlns:a16="http://schemas.microsoft.com/office/drawing/2014/main" id="{6E2F069F-068C-300C-AF56-3432AF4D767F}"/>
-              </a:ext>
-            </a:extLst>
-          </p:cNvPr>
+          <p:cNvPr id="338" name="Image" descr="Image"/>
           <p:cNvPicPr>
             <a:picLocks noChangeAspect="1"/>
           </p:cNvPicPr>
@@ -5272,23 +5838,198 @@
         </p:blipFill>
         <p:spPr>
           <a:xfrm>
-            <a:off x="697108" y="1745292"/>
-            <a:ext cx="4612017" cy="2181618"/>
-          </a:xfrm>
-          <a:prstGeom prst="rect">
-            <a:avLst/>
-          </a:prstGeom>
+            <a:off x="202599" y="2139318"/>
+            <a:ext cx="7412239" cy="1593559"/>
+          </a:xfrm>
+          <a:prstGeom prst="rect">
+            <a:avLst/>
+          </a:prstGeom>
+          <a:ln w="12700">
+            <a:miter lim="400000"/>
+          </a:ln>
         </p:spPr>
       </p:pic>
+      <p:sp>
+        <p:nvSpPr>
+          <p:cNvPr id="339" name="A little more complicated example - samples from different conditions"/>
+          <p:cNvSpPr txBox="1"/>
+          <p:nvPr/>
+        </p:nvSpPr>
+        <p:spPr>
+          <a:xfrm>
+            <a:off x="1197886" y="163197"/>
+            <a:ext cx="8978099" cy="420628"/>
+          </a:xfrm>
+          <a:prstGeom prst="rect">
+            <a:avLst/>
+          </a:prstGeom>
+          <a:ln w="12700">
+            <a:miter lim="400000"/>
+          </a:ln>
+          <a:extLst>
+            <a:ext uri="{C572A759-6A51-4108-AA02-DFA0A04FC94B}">
+              <ma14:wrappingTextBoxFlag xmlns:ma14="http://schemas.microsoft.com/office/mac/drawingml/2011/main" xmlns:a14="http://schemas.microsoft.com/office/drawing/2010/main" xmlns:m="http://schemas.openxmlformats.org/officeDocument/2006/math" xmlns="" val="1"/>
+            </a:ext>
+          </a:extLst>
+        </p:spPr>
+        <p:txBody>
+          <a:bodyPr wrap="none" lIns="25400" tIns="25400" rIns="25400" bIns="25400" anchor="ctr">
+            <a:spAutoFit/>
+          </a:bodyPr>
+          <a:lstStyle>
+            <a:lvl1pPr>
+              <a:defRPr sz="4800" b="1"/>
+            </a:lvl1pPr>
+          </a:lstStyle>
+          <a:p>
+            <a:r>
+              <a:rPr sz="2400"/>
+              <a:t>A little more complicated example - samples from different conditions</a:t>
+            </a:r>
+          </a:p>
+        </p:txBody>
+      </p:sp>
+      <p:sp>
+        <p:nvSpPr>
+          <p:cNvPr id="340" name="Untreated"/>
+          <p:cNvSpPr txBox="1"/>
+          <p:nvPr/>
+        </p:nvSpPr>
+        <p:spPr>
+          <a:xfrm>
+            <a:off x="2004675" y="1526185"/>
+            <a:ext cx="1355949" cy="420628"/>
+          </a:xfrm>
+          <a:prstGeom prst="rect">
+            <a:avLst/>
+          </a:prstGeom>
+          <a:ln w="12700">
+            <a:miter lim="400000"/>
+          </a:ln>
+          <a:extLst>
+            <a:ext uri="{C572A759-6A51-4108-AA02-DFA0A04FC94B}">
+              <ma14:wrappingTextBoxFlag xmlns:ma14="http://schemas.microsoft.com/office/mac/drawingml/2011/main" xmlns:a14="http://schemas.microsoft.com/office/drawing/2010/main" xmlns:m="http://schemas.openxmlformats.org/officeDocument/2006/math" xmlns="" val="1"/>
+            </a:ext>
+          </a:extLst>
+        </p:spPr>
+        <p:txBody>
+          <a:bodyPr wrap="none" lIns="25400" tIns="25400" rIns="25400" bIns="25400" anchor="ctr">
+            <a:spAutoFit/>
+          </a:bodyPr>
+          <a:lstStyle>
+            <a:lvl1pPr>
+              <a:defRPr sz="4800" b="1"/>
+            </a:lvl1pPr>
+          </a:lstStyle>
+          <a:p>
+            <a:r>
+              <a:rPr sz="2400"/>
+              <a:t>Untreated</a:t>
+            </a:r>
+          </a:p>
+        </p:txBody>
+      </p:sp>
+      <p:sp>
+        <p:nvSpPr>
+          <p:cNvPr id="341" name="Treated"/>
+          <p:cNvSpPr txBox="1"/>
+          <p:nvPr/>
+        </p:nvSpPr>
+        <p:spPr>
+          <a:xfrm>
+            <a:off x="5376405" y="1526185"/>
+            <a:ext cx="1022459" cy="420628"/>
+          </a:xfrm>
+          <a:prstGeom prst="rect">
+            <a:avLst/>
+          </a:prstGeom>
+          <a:ln w="12700">
+            <a:miter lim="400000"/>
+          </a:ln>
+          <a:extLst>
+            <a:ext uri="{C572A759-6A51-4108-AA02-DFA0A04FC94B}">
+              <ma14:wrappingTextBoxFlag xmlns:ma14="http://schemas.microsoft.com/office/mac/drawingml/2011/main" xmlns:a14="http://schemas.microsoft.com/office/drawing/2010/main" xmlns:m="http://schemas.openxmlformats.org/officeDocument/2006/math" xmlns="" val="1"/>
+            </a:ext>
+          </a:extLst>
+        </p:spPr>
+        <p:txBody>
+          <a:bodyPr wrap="none" lIns="25400" tIns="25400" rIns="25400" bIns="25400" anchor="ctr">
+            <a:spAutoFit/>
+          </a:bodyPr>
+          <a:lstStyle>
+            <a:lvl1pPr>
+              <a:defRPr sz="4800" b="1"/>
+            </a:lvl1pPr>
+          </a:lstStyle>
+          <a:p>
+            <a:r>
+              <a:rPr sz="2400"/>
+              <a:t>Treated</a:t>
+            </a:r>
+          </a:p>
+        </p:txBody>
+      </p:sp>
+      <p:sp>
+        <p:nvSpPr>
+          <p:cNvPr id="342" name="Line"/>
+          <p:cNvSpPr/>
+          <p:nvPr/>
+        </p:nvSpPr>
+        <p:spPr>
+          <a:xfrm>
+            <a:off x="1584692" y="1990499"/>
+            <a:ext cx="2342480" cy="1"/>
+          </a:xfrm>
+          <a:prstGeom prst="line">
+            <a:avLst/>
+          </a:prstGeom>
+          <a:ln w="101600">
+            <a:solidFill>
+              <a:srgbClr val="000000"/>
+            </a:solidFill>
+            <a:miter lim="400000"/>
+          </a:ln>
+        </p:spPr>
+        <p:txBody>
+          <a:bodyPr lIns="25400" tIns="25400" rIns="25400" bIns="25400" anchor="ctr"/>
+          <a:lstStyle/>
+          <a:p>
+            <a:endParaRPr sz="900"/>
+          </a:p>
+        </p:txBody>
+      </p:sp>
+      <p:sp>
+        <p:nvSpPr>
+          <p:cNvPr id="343" name="Line"/>
+          <p:cNvSpPr/>
+          <p:nvPr/>
+        </p:nvSpPr>
+        <p:spPr>
+          <a:xfrm>
+            <a:off x="4778570" y="2040473"/>
+            <a:ext cx="2342480" cy="1"/>
+          </a:xfrm>
+          <a:prstGeom prst="line">
+            <a:avLst/>
+          </a:prstGeom>
+          <a:ln w="101600">
+            <a:solidFill>
+              <a:srgbClr val="000000"/>
+            </a:solidFill>
+            <a:miter lim="400000"/>
+          </a:ln>
+        </p:spPr>
+        <p:txBody>
+          <a:bodyPr lIns="25400" tIns="25400" rIns="25400" bIns="25400" anchor="ctr"/>
+          <a:lstStyle/>
+          <a:p>
+            <a:endParaRPr sz="900"/>
+          </a:p>
+        </p:txBody>
+      </p:sp>
       <p:pic>
         <p:nvPicPr>
-          <p:cNvPr id="10" name="Picture 9">
-            <a:extLst>
-              <a:ext uri="{FF2B5EF4-FFF2-40B4-BE49-F238E27FC236}">
-                <a16:creationId xmlns:a16="http://schemas.microsoft.com/office/drawing/2014/main" id="{489A0044-0EA4-60BE-B9E6-980517DA0E47}"/>
-              </a:ext>
-            </a:extLst>
-          </p:cNvPr>
+          <p:cNvPr id="344" name="Image" descr="Image"/>
           <p:cNvPicPr>
             <a:picLocks noChangeAspect="1"/>
           </p:cNvPicPr>
@@ -5302,150 +6043,98 @@
         </p:blipFill>
         <p:spPr>
           <a:xfrm>
-            <a:off x="6568858" y="1704419"/>
-            <a:ext cx="2080364" cy="2220706"/>
-          </a:xfrm>
-          <a:prstGeom prst="rect">
-            <a:avLst/>
-          </a:prstGeom>
+            <a:off x="8169033" y="2142844"/>
+            <a:ext cx="3510206" cy="3194288"/>
+          </a:xfrm>
+          <a:prstGeom prst="rect">
+            <a:avLst/>
+          </a:prstGeom>
+          <a:ln w="12700">
+            <a:miter lim="400000"/>
+          </a:ln>
         </p:spPr>
       </p:pic>
       <p:sp>
         <p:nvSpPr>
-          <p:cNvPr id="11" name="TextBox 10">
-            <a:extLst>
-              <a:ext uri="{FF2B5EF4-FFF2-40B4-BE49-F238E27FC236}">
-                <a16:creationId xmlns:a16="http://schemas.microsoft.com/office/drawing/2014/main" id="{E6A912FF-30D2-79B4-01F1-07C981BE9D8E}"/>
-              </a:ext>
-            </a:extLst>
-          </p:cNvPr>
+          <p:cNvPr id="345" name="Wide"/>
           <p:cNvSpPr txBox="1"/>
           <p:nvPr/>
         </p:nvSpPr>
         <p:spPr>
           <a:xfrm>
-            <a:off x="594986" y="4294836"/>
-            <a:ext cx="4576959" cy="369332"/>
-          </a:xfrm>
-          <a:prstGeom prst="rect">
-            <a:avLst/>
-          </a:prstGeom>
-          <a:noFill/>
-        </p:spPr>
-        <p:txBody>
-          <a:bodyPr wrap="none" rtlCol="0">
+            <a:off x="3771499" y="3835594"/>
+            <a:ext cx="726161" cy="420628"/>
+          </a:xfrm>
+          <a:prstGeom prst="rect">
+            <a:avLst/>
+          </a:prstGeom>
+          <a:ln w="12700">
+            <a:miter lim="400000"/>
+          </a:ln>
+          <a:extLst>
+            <a:ext uri="{C572A759-6A51-4108-AA02-DFA0A04FC94B}">
+              <ma14:wrappingTextBoxFlag xmlns:ma14="http://schemas.microsoft.com/office/mac/drawingml/2011/main" xmlns:a14="http://schemas.microsoft.com/office/drawing/2010/main" xmlns:m="http://schemas.openxmlformats.org/officeDocument/2006/math" xmlns="" val="1"/>
+            </a:ext>
+          </a:extLst>
+        </p:spPr>
+        <p:txBody>
+          <a:bodyPr wrap="none" lIns="25400" tIns="25400" rIns="25400" bIns="25400" anchor="ctr">
             <a:spAutoFit/>
           </a:bodyPr>
-          <a:lstStyle/>
-          <a:p>
-            <a:r>
-              <a:rPr lang="en-US" dirty="0"/>
-              <a:t>More useful if you want to plot length vs width</a:t>
-            </a:r>
-          </a:p>
-        </p:txBody>
-      </p:sp>
-      <p:sp>
-        <p:nvSpPr>
-          <p:cNvPr id="13" name="TextBox 12">
-            <a:extLst>
-              <a:ext uri="{FF2B5EF4-FFF2-40B4-BE49-F238E27FC236}">
-                <a16:creationId xmlns:a16="http://schemas.microsoft.com/office/drawing/2014/main" id="{5E2DCCF8-1717-F444-955C-F62097346BEF}"/>
-              </a:ext>
-            </a:extLst>
-          </p:cNvPr>
+          <a:lstStyle>
+            <a:lvl1pPr>
+              <a:defRPr sz="4800" b="1"/>
+            </a:lvl1pPr>
+          </a:lstStyle>
+          <a:p>
+            <a:r>
+              <a:rPr sz="2400"/>
+              <a:t>Wide</a:t>
+            </a:r>
+          </a:p>
+        </p:txBody>
+      </p:sp>
+      <p:sp>
+        <p:nvSpPr>
+          <p:cNvPr id="346" name="Long"/>
           <p:cNvSpPr txBox="1"/>
           <p:nvPr/>
         </p:nvSpPr>
         <p:spPr>
           <a:xfrm>
-            <a:off x="6330864" y="3981046"/>
-            <a:ext cx="5194948" cy="369332"/>
-          </a:xfrm>
-          <a:prstGeom prst="rect">
-            <a:avLst/>
-          </a:prstGeom>
-          <a:noFill/>
-        </p:spPr>
-        <p:txBody>
-          <a:bodyPr wrap="none" rtlCol="0">
+            <a:off x="9528582" y="5396883"/>
+            <a:ext cx="657231" cy="420628"/>
+          </a:xfrm>
+          <a:prstGeom prst="rect">
+            <a:avLst/>
+          </a:prstGeom>
+          <a:ln w="12700">
+            <a:miter lim="400000"/>
+          </a:ln>
+          <a:extLst>
+            <a:ext uri="{C572A759-6A51-4108-AA02-DFA0A04FC94B}">
+              <ma14:wrappingTextBoxFlag xmlns:ma14="http://schemas.microsoft.com/office/mac/drawingml/2011/main" xmlns:a14="http://schemas.microsoft.com/office/drawing/2010/main" xmlns:m="http://schemas.openxmlformats.org/officeDocument/2006/math" xmlns="" val="1"/>
+            </a:ext>
+          </a:extLst>
+        </p:spPr>
+        <p:txBody>
+          <a:bodyPr wrap="none" lIns="25400" tIns="25400" rIns="25400" bIns="25400" anchor="ctr">
             <a:spAutoFit/>
           </a:bodyPr>
-          <a:lstStyle/>
-          <a:p>
-            <a:r>
-              <a:rPr lang="en-US" dirty="0"/>
-              <a:t>More useful if you want to plot all attributes together</a:t>
-            </a:r>
-          </a:p>
-        </p:txBody>
-      </p:sp>
-      <p:pic>
-        <p:nvPicPr>
-          <p:cNvPr id="14" name="Picture 13">
-            <a:extLst>
-              <a:ext uri="{FF2B5EF4-FFF2-40B4-BE49-F238E27FC236}">
-                <a16:creationId xmlns:a16="http://schemas.microsoft.com/office/drawing/2014/main" id="{F9D1E1A7-24D9-1564-6745-23EBC52DBF63}"/>
-              </a:ext>
-            </a:extLst>
-          </p:cNvPr>
-          <p:cNvPicPr>
-            <a:picLocks noChangeAspect="1"/>
-          </p:cNvPicPr>
-          <p:nvPr/>
-        </p:nvPicPr>
-        <p:blipFill>
-          <a:blip r:embed="rId5"/>
-          <a:stretch>
-            <a:fillRect/>
-          </a:stretch>
-        </p:blipFill>
-        <p:spPr>
-          <a:xfrm>
-            <a:off x="1429340" y="4766961"/>
-            <a:ext cx="1797778" cy="1997136"/>
-          </a:xfrm>
-          <a:prstGeom prst="rect">
-            <a:avLst/>
-          </a:prstGeom>
-        </p:spPr>
-      </p:pic>
-      <p:pic>
-        <p:nvPicPr>
-          <p:cNvPr id="15" name="Picture 14">
-            <a:extLst>
-              <a:ext uri="{FF2B5EF4-FFF2-40B4-BE49-F238E27FC236}">
-                <a16:creationId xmlns:a16="http://schemas.microsoft.com/office/drawing/2014/main" id="{37AABA38-6352-FF7A-A86F-B49D58CF2110}"/>
-              </a:ext>
-            </a:extLst>
-          </p:cNvPr>
-          <p:cNvPicPr>
-            <a:picLocks noChangeAspect="1"/>
-          </p:cNvPicPr>
-          <p:nvPr/>
-        </p:nvPicPr>
-        <p:blipFill>
-          <a:blip r:embed="rId6"/>
-          <a:stretch>
-            <a:fillRect/>
-          </a:stretch>
-        </p:blipFill>
-        <p:spPr>
-          <a:xfrm>
-            <a:off x="5840849" y="4406299"/>
-            <a:ext cx="1892408" cy="2095279"/>
-          </a:xfrm>
-          <a:prstGeom prst="rect">
-            <a:avLst/>
-          </a:prstGeom>
-        </p:spPr>
-      </p:pic>
+          <a:lstStyle>
+            <a:lvl1pPr>
+              <a:defRPr sz="4800" b="1"/>
+            </a:lvl1pPr>
+          </a:lstStyle>
+          <a:p>
+            <a:r>
+              <a:rPr sz="2400"/>
+              <a:t>Long</a:t>
+            </a:r>
+          </a:p>
+        </p:txBody>
+      </p:sp>
     </p:spTree>
-    <p:extLst>
-      <p:ext uri="{BB962C8B-B14F-4D97-AF65-F5344CB8AC3E}">
-        <p14:creationId xmlns:p14="http://schemas.microsoft.com/office/powerpoint/2010/main" val="1309205567"/>
-      </p:ext>
-    </p:extLst>
   </p:cSld>
   <p:clrMapOvr>
     <a:masterClrMapping/>
@@ -5470,206 +6159,9 @@
           <a:chExt cx="0" cy="0"/>
         </a:xfrm>
       </p:grpSpPr>
-      <p:sp>
-        <p:nvSpPr>
-          <p:cNvPr id="2" name="TextBox 1">
-            <a:extLst>
-              <a:ext uri="{FF2B5EF4-FFF2-40B4-BE49-F238E27FC236}">
-                <a16:creationId xmlns:a16="http://schemas.microsoft.com/office/drawing/2014/main" id="{EE808F59-D6A1-6EC7-8215-A1414DD3D939}"/>
-              </a:ext>
-            </a:extLst>
-          </p:cNvPr>
-          <p:cNvSpPr txBox="1"/>
-          <p:nvPr/>
-        </p:nvSpPr>
-        <p:spPr>
-          <a:xfrm>
-            <a:off x="4008329" y="294362"/>
-            <a:ext cx="4416274" cy="369332"/>
-          </a:xfrm>
-          <a:prstGeom prst="rect">
-            <a:avLst/>
-          </a:prstGeom>
-          <a:noFill/>
-        </p:spPr>
-        <p:txBody>
-          <a:bodyPr wrap="none" rtlCol="0">
-            <a:spAutoFit/>
-          </a:bodyPr>
-          <a:lstStyle/>
-          <a:p>
-            <a:r>
-              <a:rPr lang="en-US" dirty="0"/>
-              <a:t>Converting between wide and long formats </a:t>
-            </a:r>
-          </a:p>
-        </p:txBody>
-      </p:sp>
-      <p:sp>
-        <p:nvSpPr>
-          <p:cNvPr id="3" name="TextBox 2">
-            <a:extLst>
-              <a:ext uri="{FF2B5EF4-FFF2-40B4-BE49-F238E27FC236}">
-                <a16:creationId xmlns:a16="http://schemas.microsoft.com/office/drawing/2014/main" id="{3852B5D8-7BCC-7D6F-F6AF-3A1EB2E97A2C}"/>
-              </a:ext>
-            </a:extLst>
-          </p:cNvPr>
-          <p:cNvSpPr txBox="1"/>
-          <p:nvPr/>
-        </p:nvSpPr>
-        <p:spPr>
-          <a:xfrm>
-            <a:off x="785549" y="1549362"/>
-            <a:ext cx="1452129" cy="369332"/>
-          </a:xfrm>
-          <a:prstGeom prst="rect">
-            <a:avLst/>
-          </a:prstGeom>
-          <a:noFill/>
-        </p:spPr>
-        <p:txBody>
-          <a:bodyPr wrap="none" rtlCol="0">
-            <a:spAutoFit/>
-          </a:bodyPr>
-          <a:lstStyle/>
-          <a:p>
-            <a:r>
-              <a:rPr lang="en-US" dirty="0" err="1"/>
-              <a:t>pivot_wider</a:t>
-            </a:r>
-            <a:r>
-              <a:rPr lang="en-US" dirty="0"/>
-              <a:t>()</a:t>
-            </a:r>
-          </a:p>
-        </p:txBody>
-      </p:sp>
-      <p:sp>
-        <p:nvSpPr>
-          <p:cNvPr id="5" name="TextBox 4">
-            <a:extLst>
-              <a:ext uri="{FF2B5EF4-FFF2-40B4-BE49-F238E27FC236}">
-                <a16:creationId xmlns:a16="http://schemas.microsoft.com/office/drawing/2014/main" id="{B79559C3-A22F-1230-70F5-89B6E2C4E39A}"/>
-              </a:ext>
-            </a:extLst>
-          </p:cNvPr>
-          <p:cNvSpPr txBox="1"/>
-          <p:nvPr/>
-        </p:nvSpPr>
-        <p:spPr>
-          <a:xfrm>
-            <a:off x="753650" y="1054274"/>
-            <a:ext cx="1515928" cy="369332"/>
-          </a:xfrm>
-          <a:prstGeom prst="rect">
-            <a:avLst/>
-          </a:prstGeom>
-          <a:noFill/>
-        </p:spPr>
-        <p:txBody>
-          <a:bodyPr wrap="none" rtlCol="0">
-            <a:spAutoFit/>
-          </a:bodyPr>
-          <a:lstStyle/>
-          <a:p>
-            <a:r>
-              <a:rPr lang="en-US" dirty="0" err="1"/>
-              <a:t>pivot_longer</a:t>
-            </a:r>
-            <a:r>
-              <a:rPr lang="en-US" dirty="0"/>
-              <a:t>()</a:t>
-            </a:r>
-          </a:p>
-        </p:txBody>
-      </p:sp>
-      <p:sp>
-        <p:nvSpPr>
-          <p:cNvPr id="7" name="TextBox 6">
-            <a:extLst>
-              <a:ext uri="{FF2B5EF4-FFF2-40B4-BE49-F238E27FC236}">
-                <a16:creationId xmlns:a16="http://schemas.microsoft.com/office/drawing/2014/main" id="{D45D8B8A-91FB-510E-E86D-3BBB80461A55}"/>
-              </a:ext>
-            </a:extLst>
-          </p:cNvPr>
-          <p:cNvSpPr txBox="1"/>
-          <p:nvPr/>
-        </p:nvSpPr>
-        <p:spPr>
-          <a:xfrm>
-            <a:off x="7733257" y="6194306"/>
-            <a:ext cx="6097044" cy="369332"/>
-          </a:xfrm>
-          <a:prstGeom prst="rect">
-            <a:avLst/>
-          </a:prstGeom>
-          <a:noFill/>
-        </p:spPr>
-        <p:txBody>
-          <a:bodyPr wrap="square">
-            <a:spAutoFit/>
-          </a:bodyPr>
-          <a:lstStyle/>
-          <a:p>
-            <a:r>
-              <a:rPr lang="en-US" dirty="0"/>
-              <a:t>https://</a:t>
-            </a:r>
-            <a:r>
-              <a:rPr lang="en-US" dirty="0" err="1"/>
-              <a:t>tidyr.tidyverse.org</a:t>
-            </a:r>
-            <a:r>
-              <a:rPr lang="en-US" dirty="0"/>
-              <a:t>/articles/</a:t>
-            </a:r>
-            <a:r>
-              <a:rPr lang="en-US" dirty="0" err="1"/>
-              <a:t>pivot.html</a:t>
-            </a:r>
-            <a:endParaRPr lang="en-US" dirty="0"/>
-          </a:p>
-        </p:txBody>
-      </p:sp>
       <p:pic>
         <p:nvPicPr>
-          <p:cNvPr id="8" name="Picture 7">
-            <a:extLst>
-              <a:ext uri="{FF2B5EF4-FFF2-40B4-BE49-F238E27FC236}">
-                <a16:creationId xmlns:a16="http://schemas.microsoft.com/office/drawing/2014/main" id="{127BA8B8-06AE-6E6A-8720-78F1858E5025}"/>
-              </a:ext>
-            </a:extLst>
-          </p:cNvPr>
-          <p:cNvPicPr>
-            <a:picLocks noChangeAspect="1"/>
-          </p:cNvPicPr>
-          <p:nvPr/>
-        </p:nvPicPr>
-        <p:blipFill>
-          <a:blip r:embed="rId2"/>
-          <a:stretch>
-            <a:fillRect/>
-          </a:stretch>
-        </p:blipFill>
-        <p:spPr>
-          <a:xfrm>
-            <a:off x="2591844" y="1100513"/>
-            <a:ext cx="7772400" cy="276853"/>
-          </a:xfrm>
-          <a:prstGeom prst="rect">
-            <a:avLst/>
-          </a:prstGeom>
-        </p:spPr>
-      </p:pic>
-      <p:pic>
-        <p:nvPicPr>
-          <p:cNvPr id="4" name="Picture 3">
-            <a:extLst>
-              <a:ext uri="{FF2B5EF4-FFF2-40B4-BE49-F238E27FC236}">
-                <a16:creationId xmlns:a16="http://schemas.microsoft.com/office/drawing/2014/main" id="{C1D1F3EE-BADC-BAF1-9B77-F89BBD66B765}"/>
-              </a:ext>
-            </a:extLst>
-          </p:cNvPr>
+          <p:cNvPr id="350" name="Image" descr="Image"/>
           <p:cNvPicPr>
             <a:picLocks noChangeAspect="1"/>
           </p:cNvPicPr>
@@ -5683,23 +6175,20 @@
         </p:blipFill>
         <p:spPr>
           <a:xfrm>
-            <a:off x="2635685" y="1688979"/>
-            <a:ext cx="7772400" cy="250411"/>
-          </a:xfrm>
-          <a:prstGeom prst="rect">
-            <a:avLst/>
-          </a:prstGeom>
+            <a:off x="6672906" y="3124151"/>
+            <a:ext cx="5067520" cy="3091072"/>
+          </a:xfrm>
+          <a:prstGeom prst="rect">
+            <a:avLst/>
+          </a:prstGeom>
+          <a:ln w="12700">
+            <a:miter lim="400000"/>
+          </a:ln>
         </p:spPr>
       </p:pic>
       <p:pic>
         <p:nvPicPr>
-          <p:cNvPr id="6" name="Picture 5">
-            <a:extLst>
-              <a:ext uri="{FF2B5EF4-FFF2-40B4-BE49-F238E27FC236}">
-                <a16:creationId xmlns:a16="http://schemas.microsoft.com/office/drawing/2014/main" id="{30B92E9A-0F26-8F60-44E6-6F6CF12A6218}"/>
-              </a:ext>
-            </a:extLst>
-          </p:cNvPr>
+          <p:cNvPr id="351" name="Image" descr="Image"/>
           <p:cNvPicPr>
             <a:picLocks noChangeAspect="1"/>
           </p:cNvPicPr>
@@ -5713,23 +6202,60 @@
         </p:blipFill>
         <p:spPr>
           <a:xfrm>
-            <a:off x="3146207" y="2029152"/>
-            <a:ext cx="6388100" cy="1524000"/>
-          </a:xfrm>
-          <a:prstGeom prst="rect">
-            <a:avLst/>
-          </a:prstGeom>
+            <a:off x="889780" y="1831857"/>
+            <a:ext cx="3510206" cy="3194287"/>
+          </a:xfrm>
+          <a:prstGeom prst="rect">
+            <a:avLst/>
+          </a:prstGeom>
+          <a:ln w="12700">
+            <a:miter lim="400000"/>
+          </a:ln>
         </p:spPr>
       </p:pic>
+      <p:sp>
+        <p:nvSpPr>
+          <p:cNvPr id="352" name="A little more complicated example - samples from different conditions"/>
+          <p:cNvSpPr txBox="1"/>
+          <p:nvPr/>
+        </p:nvSpPr>
+        <p:spPr>
+          <a:xfrm>
+            <a:off x="1197886" y="163197"/>
+            <a:ext cx="8978099" cy="420628"/>
+          </a:xfrm>
+          <a:prstGeom prst="rect">
+            <a:avLst/>
+          </a:prstGeom>
+          <a:ln w="12700">
+            <a:miter lim="400000"/>
+          </a:ln>
+          <a:extLst>
+            <a:ext uri="{C572A759-6A51-4108-AA02-DFA0A04FC94B}">
+              <ma14:wrappingTextBoxFlag xmlns:ma14="http://schemas.microsoft.com/office/mac/drawingml/2011/main" xmlns:a14="http://schemas.microsoft.com/office/drawing/2010/main" xmlns:m="http://schemas.openxmlformats.org/officeDocument/2006/math" xmlns="" val="1"/>
+            </a:ext>
+          </a:extLst>
+        </p:spPr>
+        <p:txBody>
+          <a:bodyPr wrap="none" lIns="25400" tIns="25400" rIns="25400" bIns="25400" anchor="ctr">
+            <a:spAutoFit/>
+          </a:bodyPr>
+          <a:lstStyle>
+            <a:lvl1pPr>
+              <a:defRPr sz="4800" b="1"/>
+            </a:lvl1pPr>
+          </a:lstStyle>
+          <a:p>
+            <a:r>
+              <a:rPr sz="2400"/>
+              <a:t>A little more complicated example - samples from different conditions</a:t>
+            </a:r>
+          </a:p>
+        </p:txBody>
+      </p:sp>
       <p:pic>
         <p:nvPicPr>
-          <p:cNvPr id="9" name="Picture 8">
-            <a:extLst>
-              <a:ext uri="{FF2B5EF4-FFF2-40B4-BE49-F238E27FC236}">
-                <a16:creationId xmlns:a16="http://schemas.microsoft.com/office/drawing/2014/main" id="{E0C84F01-AEDE-EA93-ECB9-73BC968C1A25}"/>
-              </a:ext>
-            </a:extLst>
-          </p:cNvPr>
+          <p:cNvPr id="353" name="Image" descr="Image"/>
           <p:cNvPicPr>
             <a:picLocks noChangeAspect="1"/>
           </p:cNvPicPr>
@@ -5743,90 +6269,18 @@
         </p:blipFill>
         <p:spPr>
           <a:xfrm>
-            <a:off x="1741116" y="3811787"/>
-            <a:ext cx="8288144" cy="676583"/>
-          </a:xfrm>
-          <a:prstGeom prst="rect">
-            <a:avLst/>
-          </a:prstGeom>
+            <a:off x="5312266" y="1746648"/>
+            <a:ext cx="5475550" cy="882045"/>
+          </a:xfrm>
+          <a:prstGeom prst="rect">
+            <a:avLst/>
+          </a:prstGeom>
+          <a:ln w="12700">
+            <a:miter lim="400000"/>
+          </a:ln>
         </p:spPr>
       </p:pic>
-      <p:pic>
-        <p:nvPicPr>
-          <p:cNvPr id="10" name="Picture 9">
-            <a:extLst>
-              <a:ext uri="{FF2B5EF4-FFF2-40B4-BE49-F238E27FC236}">
-                <a16:creationId xmlns:a16="http://schemas.microsoft.com/office/drawing/2014/main" id="{BC5A67C5-3F5C-6C5A-896B-CA8504919DBB}"/>
-              </a:ext>
-            </a:extLst>
-          </p:cNvPr>
-          <p:cNvPicPr>
-            <a:picLocks noChangeAspect="1"/>
-          </p:cNvPicPr>
-          <p:nvPr/>
-        </p:nvPicPr>
-        <p:blipFill>
-          <a:blip r:embed="rId6"/>
-          <a:stretch>
-            <a:fillRect/>
-          </a:stretch>
-        </p:blipFill>
-        <p:spPr>
-          <a:xfrm>
-            <a:off x="1453772" y="4609294"/>
-            <a:ext cx="2276144" cy="1954344"/>
-          </a:xfrm>
-          <a:prstGeom prst="rect">
-            <a:avLst/>
-          </a:prstGeom>
-        </p:spPr>
-      </p:pic>
-      <p:sp>
-        <p:nvSpPr>
-          <p:cNvPr id="11" name="TextBox 10">
-            <a:extLst>
-              <a:ext uri="{FF2B5EF4-FFF2-40B4-BE49-F238E27FC236}">
-                <a16:creationId xmlns:a16="http://schemas.microsoft.com/office/drawing/2014/main" id="{DE30BB2C-1F2D-90B3-B5B3-DA406BCB8928}"/>
-              </a:ext>
-            </a:extLst>
-          </p:cNvPr>
-          <p:cNvSpPr txBox="1"/>
-          <p:nvPr/>
-        </p:nvSpPr>
-        <p:spPr>
-          <a:xfrm>
-            <a:off x="3864279" y="4830467"/>
-            <a:ext cx="5760103" cy="338554"/>
-          </a:xfrm>
-          <a:prstGeom prst="rect">
-            <a:avLst/>
-          </a:prstGeom>
-          <a:noFill/>
-        </p:spPr>
-        <p:txBody>
-          <a:bodyPr wrap="none" rtlCol="0">
-            <a:spAutoFit/>
-          </a:bodyPr>
-          <a:lstStyle/>
-          <a:p>
-            <a:r>
-              <a:rPr lang="en-US" sz="1600" dirty="0"/>
-              <a:t>Each set of 4 measurements – (originally 1 row) has a unique </a:t>
-            </a:r>
-            <a:r>
-              <a:rPr lang="en-US" sz="1600" dirty="0" err="1"/>
-              <a:t>rowid</a:t>
-            </a:r>
-            <a:endParaRPr lang="en-US" sz="1600" dirty="0"/>
-          </a:p>
-        </p:txBody>
-      </p:sp>
     </p:spTree>
-    <p:extLst>
-      <p:ext uri="{BB962C8B-B14F-4D97-AF65-F5344CB8AC3E}">
-        <p14:creationId xmlns:p14="http://schemas.microsoft.com/office/powerpoint/2010/main" val="3382798192"/>
-      </p:ext>
-    </p:extLst>
   </p:cSld>
   <p:clrMapOvr>
     <a:masterClrMapping/>
@@ -5851,16 +6305,43 @@
           <a:chExt cx="0" cy="0"/>
         </a:xfrm>
       </p:grpSpPr>
-      <p:sp>
-        <p:nvSpPr>
-          <p:cNvPr id="366" name="Merging and Joining (relational data)"/>
+      <p:pic>
+        <p:nvPicPr>
+          <p:cNvPr id="357" name="Image" descr="Image"/>
+          <p:cNvPicPr>
+            <a:picLocks noChangeAspect="1"/>
+          </p:cNvPicPr>
+          <p:nvPr/>
+        </p:nvPicPr>
+        <p:blipFill>
+          <a:blip r:embed="rId3"/>
+          <a:stretch>
+            <a:fillRect/>
+          </a:stretch>
+        </p:blipFill>
+        <p:spPr>
+          <a:xfrm>
+            <a:off x="889780" y="1831857"/>
+            <a:ext cx="3510206" cy="3194287"/>
+          </a:xfrm>
+          <a:prstGeom prst="rect">
+            <a:avLst/>
+          </a:prstGeom>
+          <a:ln w="12700">
+            <a:miter lim="400000"/>
+          </a:ln>
+        </p:spPr>
+      </p:pic>
+      <p:sp>
+        <p:nvSpPr>
+          <p:cNvPr id="358" name="A little more complicated example - samples from different conditions"/>
           <p:cNvSpPr txBox="1"/>
           <p:nvPr/>
         </p:nvSpPr>
         <p:spPr>
           <a:xfrm>
-            <a:off x="3437070" y="248014"/>
-            <a:ext cx="5255926" cy="420628"/>
+            <a:off x="1197886" y="163197"/>
+            <a:ext cx="8978099" cy="420628"/>
           </a:xfrm>
           <a:prstGeom prst="rect">
             <a:avLst/>
@@ -5870,7 +6351,1283 @@
           </a:ln>
           <a:extLst>
             <a:ext uri="{C572A759-6A51-4108-AA02-DFA0A04FC94B}">
-              <ma14:wrappingTextBoxFlag xmlns="" xmlns:m="http://schemas.openxmlformats.org/officeDocument/2006/math" xmlns:a14="http://schemas.microsoft.com/office/drawing/2010/main" xmlns:ma14="http://schemas.microsoft.com/office/mac/drawingml/2011/main" val="1"/>
+              <ma14:wrappingTextBoxFlag xmlns:ma14="http://schemas.microsoft.com/office/mac/drawingml/2011/main" xmlns:a14="http://schemas.microsoft.com/office/drawing/2010/main" xmlns:m="http://schemas.openxmlformats.org/officeDocument/2006/math" xmlns="" val="1"/>
+            </a:ext>
+          </a:extLst>
+        </p:spPr>
+        <p:txBody>
+          <a:bodyPr wrap="none" lIns="25400" tIns="25400" rIns="25400" bIns="25400" anchor="ctr">
+            <a:spAutoFit/>
+          </a:bodyPr>
+          <a:lstStyle>
+            <a:lvl1pPr>
+              <a:defRPr sz="4800" b="1"/>
+            </a:lvl1pPr>
+          </a:lstStyle>
+          <a:p>
+            <a:r>
+              <a:rPr sz="2400"/>
+              <a:t>A little more complicated example - samples from different conditions</a:t>
+            </a:r>
+          </a:p>
+        </p:txBody>
+      </p:sp>
+      <p:pic>
+        <p:nvPicPr>
+          <p:cNvPr id="359" name="Image" descr="Image"/>
+          <p:cNvPicPr>
+            <a:picLocks noChangeAspect="1"/>
+          </p:cNvPicPr>
+          <p:nvPr/>
+        </p:nvPicPr>
+        <p:blipFill>
+          <a:blip r:embed="rId4"/>
+          <a:stretch>
+            <a:fillRect/>
+          </a:stretch>
+        </p:blipFill>
+        <p:spPr>
+          <a:xfrm>
+            <a:off x="4859685" y="3045933"/>
+            <a:ext cx="6626289" cy="3194287"/>
+          </a:xfrm>
+          <a:prstGeom prst="rect">
+            <a:avLst/>
+          </a:prstGeom>
+          <a:ln w="12700">
+            <a:miter lim="400000"/>
+          </a:ln>
+        </p:spPr>
+      </p:pic>
+      <p:pic>
+        <p:nvPicPr>
+          <p:cNvPr id="360" name="Image" descr="Image"/>
+          <p:cNvPicPr>
+            <a:picLocks noChangeAspect="1"/>
+          </p:cNvPicPr>
+          <p:nvPr/>
+        </p:nvPicPr>
+        <p:blipFill>
+          <a:blip r:embed="rId5"/>
+          <a:stretch>
+            <a:fillRect/>
+          </a:stretch>
+        </p:blipFill>
+        <p:spPr>
+          <a:xfrm>
+            <a:off x="4602042" y="1695828"/>
+            <a:ext cx="7141574" cy="828009"/>
+          </a:xfrm>
+          <a:prstGeom prst="rect">
+            <a:avLst/>
+          </a:prstGeom>
+          <a:ln w="12700">
+            <a:miter lim="400000"/>
+          </a:ln>
+        </p:spPr>
+      </p:pic>
+    </p:spTree>
+  </p:cSld>
+  <p:clrMapOvr>
+    <a:masterClrMapping/>
+  </p:clrMapOvr>
+</p:sld>
+</file>
+
+<file path=ppt/slides/slide19.xml><?xml version="1.0" encoding="utf-8"?>
+<p:sld xmlns:a="http://schemas.openxmlformats.org/drawingml/2006/main" xmlns:r="http://schemas.openxmlformats.org/officeDocument/2006/relationships" xmlns:p="http://schemas.openxmlformats.org/presentationml/2006/main">
+  <p:cSld>
+    <p:spTree>
+      <p:nvGrpSpPr>
+        <p:cNvPr id="1" name=""/>
+        <p:cNvGrpSpPr/>
+        <p:nvPr/>
+      </p:nvGrpSpPr>
+      <p:grpSpPr>
+        <a:xfrm>
+          <a:off x="0" y="0"/>
+          <a:ext cx="0" cy="0"/>
+          <a:chOff x="0" y="0"/>
+          <a:chExt cx="0" cy="0"/>
+        </a:xfrm>
+      </p:grpSpPr>
+      <p:sp>
+        <p:nvSpPr>
+          <p:cNvPr id="2" name="TextBox 1">
+            <a:extLst>
+              <a:ext uri="{FF2B5EF4-FFF2-40B4-BE49-F238E27FC236}">
+                <a16:creationId xmlns:a16="http://schemas.microsoft.com/office/drawing/2014/main" id="{A819696E-90FA-20E5-DEDA-9D8EF88EF437}"/>
+              </a:ext>
+            </a:extLst>
+          </p:cNvPr>
+          <p:cNvSpPr txBox="1"/>
+          <p:nvPr/>
+        </p:nvSpPr>
+        <p:spPr>
+          <a:xfrm>
+            <a:off x="4816257" y="413359"/>
+            <a:ext cx="5423770" cy="369332"/>
+          </a:xfrm>
+          <a:prstGeom prst="rect">
+            <a:avLst/>
+          </a:prstGeom>
+          <a:noFill/>
+        </p:spPr>
+        <p:txBody>
+          <a:bodyPr wrap="square" rtlCol="0">
+            <a:spAutoFit/>
+          </a:bodyPr>
+          <a:lstStyle/>
+          <a:p>
+            <a:r>
+              <a:rPr lang="en-US" dirty="0"/>
+              <a:t>Adding to plots</a:t>
+            </a:r>
+          </a:p>
+        </p:txBody>
+      </p:sp>
+      <p:pic>
+        <p:nvPicPr>
+          <p:cNvPr id="3" name="Picture 2">
+            <a:extLst>
+              <a:ext uri="{FF2B5EF4-FFF2-40B4-BE49-F238E27FC236}">
+                <a16:creationId xmlns:a16="http://schemas.microsoft.com/office/drawing/2014/main" id="{3AEB7DA1-01E0-57D5-BCCD-A3B23DEC2DDD}"/>
+              </a:ext>
+            </a:extLst>
+          </p:cNvPr>
+          <p:cNvPicPr>
+            <a:picLocks noChangeAspect="1"/>
+          </p:cNvPicPr>
+          <p:nvPr/>
+        </p:nvPicPr>
+        <p:blipFill>
+          <a:blip r:embed="rId2"/>
+          <a:stretch>
+            <a:fillRect/>
+          </a:stretch>
+        </p:blipFill>
+        <p:spPr>
+          <a:xfrm>
+            <a:off x="860730" y="1507298"/>
+            <a:ext cx="4481621" cy="632699"/>
+          </a:xfrm>
+          <a:prstGeom prst="rect">
+            <a:avLst/>
+          </a:prstGeom>
+        </p:spPr>
+      </p:pic>
+      <p:pic>
+        <p:nvPicPr>
+          <p:cNvPr id="4" name="Picture 3">
+            <a:extLst>
+              <a:ext uri="{FF2B5EF4-FFF2-40B4-BE49-F238E27FC236}">
+                <a16:creationId xmlns:a16="http://schemas.microsoft.com/office/drawing/2014/main" id="{527AC54C-DA3A-2D2F-9F68-4BD9D7A7B114}"/>
+              </a:ext>
+            </a:extLst>
+          </p:cNvPr>
+          <p:cNvPicPr>
+            <a:picLocks noChangeAspect="1"/>
+          </p:cNvPicPr>
+          <p:nvPr/>
+        </p:nvPicPr>
+        <p:blipFill>
+          <a:blip r:embed="rId3"/>
+          <a:stretch>
+            <a:fillRect/>
+          </a:stretch>
+        </p:blipFill>
+        <p:spPr>
+          <a:xfrm>
+            <a:off x="997337" y="2256166"/>
+            <a:ext cx="3762553" cy="4194738"/>
+          </a:xfrm>
+          <a:prstGeom prst="rect">
+            <a:avLst/>
+          </a:prstGeom>
+        </p:spPr>
+      </p:pic>
+    </p:spTree>
+    <p:extLst>
+      <p:ext uri="{BB962C8B-B14F-4D97-AF65-F5344CB8AC3E}">
+        <p14:creationId xmlns:p14="http://schemas.microsoft.com/office/powerpoint/2010/main" val="959462186"/>
+      </p:ext>
+    </p:extLst>
+  </p:cSld>
+  <p:clrMapOvr>
+    <a:masterClrMapping/>
+  </p:clrMapOvr>
+</p:sld>
+</file>
+
+<file path=ppt/slides/slide2.xml><?xml version="1.0" encoding="utf-8"?>
+<p:sld xmlns:a="http://schemas.openxmlformats.org/drawingml/2006/main" xmlns:r="http://schemas.openxmlformats.org/officeDocument/2006/relationships" xmlns:p="http://schemas.openxmlformats.org/presentationml/2006/main">
+  <p:cSld>
+    <p:spTree>
+      <p:nvGrpSpPr>
+        <p:cNvPr id="1" name=""/>
+        <p:cNvGrpSpPr/>
+        <p:nvPr/>
+      </p:nvGrpSpPr>
+      <p:grpSpPr>
+        <a:xfrm>
+          <a:off x="0" y="0"/>
+          <a:ext cx="0" cy="0"/>
+          <a:chOff x="0" y="0"/>
+          <a:chExt cx="0" cy="0"/>
+        </a:xfrm>
+      </p:grpSpPr>
+      <p:sp>
+        <p:nvSpPr>
+          <p:cNvPr id="311" name="Recap"/>
+          <p:cNvSpPr txBox="1"/>
+          <p:nvPr/>
+        </p:nvSpPr>
+        <p:spPr>
+          <a:xfrm>
+            <a:off x="5819759" y="383337"/>
+            <a:ext cx="51361" cy="420628"/>
+          </a:xfrm>
+          <a:prstGeom prst="rect">
+            <a:avLst/>
+          </a:prstGeom>
+          <a:ln w="12700">
+            <a:miter lim="400000"/>
+          </a:ln>
+          <a:extLst>
+            <a:ext uri="{C572A759-6A51-4108-AA02-DFA0A04FC94B}">
+              <ma14:wrappingTextBoxFlag xmlns:ma14="http://schemas.microsoft.com/office/mac/drawingml/2011/main" xmlns:a14="http://schemas.microsoft.com/office/drawing/2010/main" xmlns:m="http://schemas.openxmlformats.org/officeDocument/2006/math" xmlns="" val="1"/>
+            </a:ext>
+          </a:extLst>
+        </p:spPr>
+        <p:txBody>
+          <a:bodyPr wrap="none" lIns="25400" tIns="25400" rIns="25400" bIns="25400" anchor="ctr">
+            <a:spAutoFit/>
+          </a:bodyPr>
+          <a:lstStyle>
+            <a:lvl1pPr>
+              <a:defRPr sz="4800"/>
+            </a:lvl1pPr>
+          </a:lstStyle>
+          <a:p>
+            <a:endParaRPr sz="2400" dirty="0"/>
+          </a:p>
+        </p:txBody>
+      </p:sp>
+      <p:sp>
+        <p:nvSpPr>
+          <p:cNvPr id="312" name="Installing/loading libraries  - library()…"/>
+          <p:cNvSpPr txBox="1"/>
+          <p:nvPr/>
+        </p:nvSpPr>
+        <p:spPr>
+          <a:xfrm>
+            <a:off x="2170887" y="1184653"/>
+            <a:ext cx="7850226" cy="974626"/>
+          </a:xfrm>
+          <a:prstGeom prst="rect">
+            <a:avLst/>
+          </a:prstGeom>
+          <a:ln w="12700">
+            <a:miter lim="400000"/>
+          </a:ln>
+          <a:extLst>
+            <a:ext uri="{C572A759-6A51-4108-AA02-DFA0A04FC94B}">
+              <ma14:wrappingTextBoxFlag xmlns:ma14="http://schemas.microsoft.com/office/mac/drawingml/2011/main" xmlns:a14="http://schemas.microsoft.com/office/drawing/2010/main" xmlns:m="http://schemas.openxmlformats.org/officeDocument/2006/math" xmlns="" val="1"/>
+            </a:ext>
+          </a:extLst>
+        </p:spPr>
+        <p:txBody>
+          <a:bodyPr wrap="none" lIns="25400" tIns="25400" rIns="25400" bIns="25400" anchor="ctr">
+            <a:spAutoFit/>
+          </a:bodyPr>
+          <a:lstStyle/>
+          <a:p>
+            <a:pPr marL="152400" indent="-152400">
+              <a:buSzPct val="123000"/>
+              <a:buChar char="•"/>
+              <a:defRPr sz="4000"/>
+            </a:pPr>
+            <a:r>
+              <a:rPr sz="2000" dirty="0"/>
+              <a:t>Installing/loading libraries  - library()</a:t>
+            </a:r>
+          </a:p>
+          <a:p>
+            <a:pPr marL="152400" indent="-152400">
+              <a:buSzPct val="123000"/>
+              <a:buChar char="•"/>
+              <a:defRPr sz="4000"/>
+            </a:pPr>
+            <a:r>
+              <a:rPr sz="2000" dirty="0"/>
+              <a:t>Filter/Grouping/Summarizing - filter(), </a:t>
+            </a:r>
+            <a:r>
+              <a:rPr sz="2000" dirty="0" err="1"/>
+              <a:t>group_by</a:t>
+            </a:r>
+            <a:r>
+              <a:rPr sz="2000" dirty="0"/>
+              <a:t>(), </a:t>
+            </a:r>
+            <a:r>
+              <a:rPr sz="2000" dirty="0" err="1"/>
+              <a:t>summarise</a:t>
+            </a:r>
+            <a:r>
+              <a:rPr sz="2000" dirty="0"/>
+              <a:t>(), mutate()</a:t>
+            </a:r>
+          </a:p>
+          <a:p>
+            <a:pPr marL="152400" indent="-152400">
+              <a:buSzPct val="123000"/>
+              <a:buChar char="•"/>
+              <a:defRPr sz="4000"/>
+            </a:pPr>
+            <a:r>
+              <a:rPr sz="2000" dirty="0"/>
+              <a:t>Importing Data - </a:t>
+            </a:r>
+            <a:r>
+              <a:rPr sz="2000" dirty="0" err="1"/>
+              <a:t>read_csv</a:t>
+            </a:r>
+            <a:r>
+              <a:rPr sz="2000" dirty="0"/>
+              <a:t>(), </a:t>
+            </a:r>
+            <a:r>
+              <a:rPr sz="2000" dirty="0" err="1"/>
+              <a:t>read_tsv</a:t>
+            </a:r>
+            <a:r>
+              <a:rPr sz="2000" dirty="0"/>
+              <a:t>()</a:t>
+            </a:r>
+          </a:p>
+        </p:txBody>
+      </p:sp>
+      <p:sp>
+        <p:nvSpPr>
+          <p:cNvPr id="2" name="TextBox 1">
+            <a:extLst>
+              <a:ext uri="{FF2B5EF4-FFF2-40B4-BE49-F238E27FC236}">
+                <a16:creationId xmlns:a16="http://schemas.microsoft.com/office/drawing/2014/main" id="{E9D58880-F304-2884-78F0-DEE8B9D1069D}"/>
+              </a:ext>
+            </a:extLst>
+          </p:cNvPr>
+          <p:cNvSpPr txBox="1"/>
+          <p:nvPr/>
+        </p:nvSpPr>
+        <p:spPr>
+          <a:xfrm>
+            <a:off x="5177993" y="360875"/>
+            <a:ext cx="3976828" cy="369332"/>
+          </a:xfrm>
+          <a:prstGeom prst="rect">
+            <a:avLst/>
+          </a:prstGeom>
+          <a:noFill/>
+        </p:spPr>
+        <p:txBody>
+          <a:bodyPr wrap="square" rtlCol="0">
+            <a:spAutoFit/>
+          </a:bodyPr>
+          <a:lstStyle/>
+          <a:p>
+            <a:r>
+              <a:rPr lang="en-US" dirty="0"/>
+              <a:t>Last time</a:t>
+            </a:r>
+          </a:p>
+        </p:txBody>
+      </p:sp>
+    </p:spTree>
+  </p:cSld>
+  <p:clrMapOvr>
+    <a:masterClrMapping/>
+  </p:clrMapOvr>
+</p:sld>
+</file>
+
+<file path=ppt/slides/slide20.xml><?xml version="1.0" encoding="utf-8"?>
+<p:sld xmlns:a="http://schemas.openxmlformats.org/drawingml/2006/main" xmlns:r="http://schemas.openxmlformats.org/officeDocument/2006/relationships" xmlns:p="http://schemas.openxmlformats.org/presentationml/2006/main">
+  <p:cSld>
+    <p:spTree>
+      <p:nvGrpSpPr>
+        <p:cNvPr id="1" name=""/>
+        <p:cNvGrpSpPr/>
+        <p:nvPr/>
+      </p:nvGrpSpPr>
+      <p:grpSpPr>
+        <a:xfrm>
+          <a:off x="0" y="0"/>
+          <a:ext cx="0" cy="0"/>
+          <a:chOff x="0" y="0"/>
+          <a:chExt cx="0" cy="0"/>
+        </a:xfrm>
+      </p:grpSpPr>
+      <p:sp>
+        <p:nvSpPr>
+          <p:cNvPr id="2" name="TextBox 1">
+            <a:extLst>
+              <a:ext uri="{FF2B5EF4-FFF2-40B4-BE49-F238E27FC236}">
+                <a16:creationId xmlns:a16="http://schemas.microsoft.com/office/drawing/2014/main" id="{A819696E-90FA-20E5-DEDA-9D8EF88EF437}"/>
+              </a:ext>
+            </a:extLst>
+          </p:cNvPr>
+          <p:cNvSpPr txBox="1"/>
+          <p:nvPr/>
+        </p:nvSpPr>
+        <p:spPr>
+          <a:xfrm>
+            <a:off x="4816257" y="413359"/>
+            <a:ext cx="5423770" cy="369332"/>
+          </a:xfrm>
+          <a:prstGeom prst="rect">
+            <a:avLst/>
+          </a:prstGeom>
+          <a:noFill/>
+        </p:spPr>
+        <p:txBody>
+          <a:bodyPr wrap="square" rtlCol="0">
+            <a:spAutoFit/>
+          </a:bodyPr>
+          <a:lstStyle/>
+          <a:p>
+            <a:r>
+              <a:rPr lang="en-US" dirty="0"/>
+              <a:t>Adding to plots</a:t>
+            </a:r>
+          </a:p>
+        </p:txBody>
+      </p:sp>
+      <p:pic>
+        <p:nvPicPr>
+          <p:cNvPr id="3" name="Picture 2">
+            <a:extLst>
+              <a:ext uri="{FF2B5EF4-FFF2-40B4-BE49-F238E27FC236}">
+                <a16:creationId xmlns:a16="http://schemas.microsoft.com/office/drawing/2014/main" id="{3AEB7DA1-01E0-57D5-BCCD-A3B23DEC2DDD}"/>
+              </a:ext>
+            </a:extLst>
+          </p:cNvPr>
+          <p:cNvPicPr>
+            <a:picLocks noChangeAspect="1"/>
+          </p:cNvPicPr>
+          <p:nvPr/>
+        </p:nvPicPr>
+        <p:blipFill>
+          <a:blip r:embed="rId2"/>
+          <a:stretch>
+            <a:fillRect/>
+          </a:stretch>
+        </p:blipFill>
+        <p:spPr>
+          <a:xfrm>
+            <a:off x="860730" y="1507298"/>
+            <a:ext cx="4481621" cy="632699"/>
+          </a:xfrm>
+          <a:prstGeom prst="rect">
+            <a:avLst/>
+          </a:prstGeom>
+        </p:spPr>
+      </p:pic>
+      <p:pic>
+        <p:nvPicPr>
+          <p:cNvPr id="4" name="Picture 3">
+            <a:extLst>
+              <a:ext uri="{FF2B5EF4-FFF2-40B4-BE49-F238E27FC236}">
+                <a16:creationId xmlns:a16="http://schemas.microsoft.com/office/drawing/2014/main" id="{527AC54C-DA3A-2D2F-9F68-4BD9D7A7B114}"/>
+              </a:ext>
+            </a:extLst>
+          </p:cNvPr>
+          <p:cNvPicPr>
+            <a:picLocks noChangeAspect="1"/>
+          </p:cNvPicPr>
+          <p:nvPr/>
+        </p:nvPicPr>
+        <p:blipFill>
+          <a:blip r:embed="rId3"/>
+          <a:stretch>
+            <a:fillRect/>
+          </a:stretch>
+        </p:blipFill>
+        <p:spPr>
+          <a:xfrm>
+            <a:off x="997337" y="2256166"/>
+            <a:ext cx="3762553" cy="4194738"/>
+          </a:xfrm>
+          <a:prstGeom prst="rect">
+            <a:avLst/>
+          </a:prstGeom>
+        </p:spPr>
+      </p:pic>
+      <p:pic>
+        <p:nvPicPr>
+          <p:cNvPr id="5" name="Picture 4">
+            <a:extLst>
+              <a:ext uri="{FF2B5EF4-FFF2-40B4-BE49-F238E27FC236}">
+                <a16:creationId xmlns:a16="http://schemas.microsoft.com/office/drawing/2014/main" id="{69CEE7E9-BA82-A3E8-8076-D4CB078E2281}"/>
+              </a:ext>
+            </a:extLst>
+          </p:cNvPr>
+          <p:cNvPicPr>
+            <a:picLocks noChangeAspect="1"/>
+          </p:cNvPicPr>
+          <p:nvPr/>
+        </p:nvPicPr>
+        <p:blipFill>
+          <a:blip r:embed="rId4"/>
+          <a:stretch>
+            <a:fillRect/>
+          </a:stretch>
+        </p:blipFill>
+        <p:spPr>
+          <a:xfrm>
+            <a:off x="5828430" y="1417247"/>
+            <a:ext cx="5232400" cy="812800"/>
+          </a:xfrm>
+          <a:prstGeom prst="rect">
+            <a:avLst/>
+          </a:prstGeom>
+        </p:spPr>
+      </p:pic>
+      <p:pic>
+        <p:nvPicPr>
+          <p:cNvPr id="6" name="Picture 5">
+            <a:extLst>
+              <a:ext uri="{FF2B5EF4-FFF2-40B4-BE49-F238E27FC236}">
+                <a16:creationId xmlns:a16="http://schemas.microsoft.com/office/drawing/2014/main" id="{4B750163-A931-293D-B26C-1E073FA430BE}"/>
+              </a:ext>
+            </a:extLst>
+          </p:cNvPr>
+          <p:cNvPicPr>
+            <a:picLocks noChangeAspect="1"/>
+          </p:cNvPicPr>
+          <p:nvPr/>
+        </p:nvPicPr>
+        <p:blipFill>
+          <a:blip r:embed="rId5"/>
+          <a:stretch>
+            <a:fillRect/>
+          </a:stretch>
+        </p:blipFill>
+        <p:spPr>
+          <a:xfrm>
+            <a:off x="6194679" y="2256166"/>
+            <a:ext cx="3932613" cy="4416729"/>
+          </a:xfrm>
+          <a:prstGeom prst="rect">
+            <a:avLst/>
+          </a:prstGeom>
+        </p:spPr>
+      </p:pic>
+    </p:spTree>
+    <p:extLst>
+      <p:ext uri="{BB962C8B-B14F-4D97-AF65-F5344CB8AC3E}">
+        <p14:creationId xmlns:p14="http://schemas.microsoft.com/office/powerpoint/2010/main" val="3465441234"/>
+      </p:ext>
+    </p:extLst>
+  </p:cSld>
+  <p:clrMapOvr>
+    <a:masterClrMapping/>
+  </p:clrMapOvr>
+</p:sld>
+</file>
+
+<file path=ppt/slides/slide21.xml><?xml version="1.0" encoding="utf-8"?>
+<p:sld xmlns:a="http://schemas.openxmlformats.org/drawingml/2006/main" xmlns:r="http://schemas.openxmlformats.org/officeDocument/2006/relationships" xmlns:p="http://schemas.openxmlformats.org/presentationml/2006/main">
+  <p:cSld>
+    <p:spTree>
+      <p:nvGrpSpPr>
+        <p:cNvPr id="1" name=""/>
+        <p:cNvGrpSpPr/>
+        <p:nvPr/>
+      </p:nvGrpSpPr>
+      <p:grpSpPr>
+        <a:xfrm>
+          <a:off x="0" y="0"/>
+          <a:ext cx="0" cy="0"/>
+          <a:chOff x="0" y="0"/>
+          <a:chExt cx="0" cy="0"/>
+        </a:xfrm>
+      </p:grpSpPr>
+      <p:sp>
+        <p:nvSpPr>
+          <p:cNvPr id="2" name="TextBox 1">
+            <a:extLst>
+              <a:ext uri="{FF2B5EF4-FFF2-40B4-BE49-F238E27FC236}">
+                <a16:creationId xmlns:a16="http://schemas.microsoft.com/office/drawing/2014/main" id="{A819696E-90FA-20E5-DEDA-9D8EF88EF437}"/>
+              </a:ext>
+            </a:extLst>
+          </p:cNvPr>
+          <p:cNvSpPr txBox="1"/>
+          <p:nvPr/>
+        </p:nvSpPr>
+        <p:spPr>
+          <a:xfrm>
+            <a:off x="4816257" y="413359"/>
+            <a:ext cx="5423770" cy="369332"/>
+          </a:xfrm>
+          <a:prstGeom prst="rect">
+            <a:avLst/>
+          </a:prstGeom>
+          <a:noFill/>
+        </p:spPr>
+        <p:txBody>
+          <a:bodyPr wrap="square" rtlCol="0">
+            <a:spAutoFit/>
+          </a:bodyPr>
+          <a:lstStyle/>
+          <a:p>
+            <a:r>
+              <a:rPr lang="en-US" dirty="0"/>
+              <a:t>Adding to plots</a:t>
+            </a:r>
+          </a:p>
+        </p:txBody>
+      </p:sp>
+      <p:pic>
+        <p:nvPicPr>
+          <p:cNvPr id="7" name="Picture 6">
+            <a:extLst>
+              <a:ext uri="{FF2B5EF4-FFF2-40B4-BE49-F238E27FC236}">
+                <a16:creationId xmlns:a16="http://schemas.microsoft.com/office/drawing/2014/main" id="{CE5CC22E-0EFC-D30F-2A68-07750058C185}"/>
+              </a:ext>
+            </a:extLst>
+          </p:cNvPr>
+          <p:cNvPicPr>
+            <a:picLocks noChangeAspect="1"/>
+          </p:cNvPicPr>
+          <p:nvPr/>
+        </p:nvPicPr>
+        <p:blipFill>
+          <a:blip r:embed="rId2"/>
+          <a:stretch>
+            <a:fillRect/>
+          </a:stretch>
+        </p:blipFill>
+        <p:spPr>
+          <a:xfrm>
+            <a:off x="372736" y="1221809"/>
+            <a:ext cx="4756672" cy="988148"/>
+          </a:xfrm>
+          <a:prstGeom prst="rect">
+            <a:avLst/>
+          </a:prstGeom>
+        </p:spPr>
+      </p:pic>
+      <p:pic>
+        <p:nvPicPr>
+          <p:cNvPr id="8" name="Picture 7">
+            <a:extLst>
+              <a:ext uri="{FF2B5EF4-FFF2-40B4-BE49-F238E27FC236}">
+                <a16:creationId xmlns:a16="http://schemas.microsoft.com/office/drawing/2014/main" id="{FEE92BA7-B87D-BAB5-F39F-F551F17D326D}"/>
+              </a:ext>
+            </a:extLst>
+          </p:cNvPr>
+          <p:cNvPicPr>
+            <a:picLocks noChangeAspect="1"/>
+          </p:cNvPicPr>
+          <p:nvPr/>
+        </p:nvPicPr>
+        <p:blipFill>
+          <a:blip r:embed="rId3"/>
+          <a:stretch>
+            <a:fillRect/>
+          </a:stretch>
+        </p:blipFill>
+        <p:spPr>
+          <a:xfrm>
+            <a:off x="859109" y="2308924"/>
+            <a:ext cx="3759103" cy="4173295"/>
+          </a:xfrm>
+          <a:prstGeom prst="rect">
+            <a:avLst/>
+          </a:prstGeom>
+        </p:spPr>
+      </p:pic>
+      <p:pic>
+        <p:nvPicPr>
+          <p:cNvPr id="9" name="Picture 8">
+            <a:extLst>
+              <a:ext uri="{FF2B5EF4-FFF2-40B4-BE49-F238E27FC236}">
+                <a16:creationId xmlns:a16="http://schemas.microsoft.com/office/drawing/2014/main" id="{71E68F9D-CE1C-3433-A199-4F022E618C77}"/>
+              </a:ext>
+            </a:extLst>
+          </p:cNvPr>
+          <p:cNvPicPr>
+            <a:picLocks noChangeAspect="1"/>
+          </p:cNvPicPr>
+          <p:nvPr/>
+        </p:nvPicPr>
+        <p:blipFill>
+          <a:blip r:embed="rId4"/>
+          <a:stretch>
+            <a:fillRect/>
+          </a:stretch>
+        </p:blipFill>
+        <p:spPr>
+          <a:xfrm>
+            <a:off x="6530061" y="1164396"/>
+            <a:ext cx="4505369" cy="1102974"/>
+          </a:xfrm>
+          <a:prstGeom prst="rect">
+            <a:avLst/>
+          </a:prstGeom>
+        </p:spPr>
+      </p:pic>
+      <p:pic>
+        <p:nvPicPr>
+          <p:cNvPr id="10" name="Picture 9">
+            <a:extLst>
+              <a:ext uri="{FF2B5EF4-FFF2-40B4-BE49-F238E27FC236}">
+                <a16:creationId xmlns:a16="http://schemas.microsoft.com/office/drawing/2014/main" id="{D85A8081-977E-A64B-5127-7198A85BC7E2}"/>
+              </a:ext>
+            </a:extLst>
+          </p:cNvPr>
+          <p:cNvPicPr>
+            <a:picLocks noChangeAspect="1"/>
+          </p:cNvPicPr>
+          <p:nvPr/>
+        </p:nvPicPr>
+        <p:blipFill>
+          <a:blip r:embed="rId5"/>
+          <a:stretch>
+            <a:fillRect/>
+          </a:stretch>
+        </p:blipFill>
+        <p:spPr>
+          <a:xfrm>
+            <a:off x="6735425" y="2308924"/>
+            <a:ext cx="3586021" cy="3975155"/>
+          </a:xfrm>
+          <a:prstGeom prst="rect">
+            <a:avLst/>
+          </a:prstGeom>
+        </p:spPr>
+      </p:pic>
+    </p:spTree>
+    <p:extLst>
+      <p:ext uri="{BB962C8B-B14F-4D97-AF65-F5344CB8AC3E}">
+        <p14:creationId xmlns:p14="http://schemas.microsoft.com/office/powerpoint/2010/main" val="3204375063"/>
+      </p:ext>
+    </p:extLst>
+  </p:cSld>
+  <p:clrMapOvr>
+    <a:masterClrMapping/>
+  </p:clrMapOvr>
+</p:sld>
+</file>
+
+<file path=ppt/slides/slide22.xml><?xml version="1.0" encoding="utf-8"?>
+<p:sld xmlns:a="http://schemas.openxmlformats.org/drawingml/2006/main" xmlns:r="http://schemas.openxmlformats.org/officeDocument/2006/relationships" xmlns:p="http://schemas.openxmlformats.org/presentationml/2006/main">
+  <p:cSld>
+    <p:spTree>
+      <p:nvGrpSpPr>
+        <p:cNvPr id="1" name=""/>
+        <p:cNvGrpSpPr/>
+        <p:nvPr/>
+      </p:nvGrpSpPr>
+      <p:grpSpPr>
+        <a:xfrm>
+          <a:off x="0" y="0"/>
+          <a:ext cx="0" cy="0"/>
+          <a:chOff x="0" y="0"/>
+          <a:chExt cx="0" cy="0"/>
+        </a:xfrm>
+      </p:grpSpPr>
+      <p:sp>
+        <p:nvSpPr>
+          <p:cNvPr id="2" name="TextBox 1">
+            <a:extLst>
+              <a:ext uri="{FF2B5EF4-FFF2-40B4-BE49-F238E27FC236}">
+                <a16:creationId xmlns:a16="http://schemas.microsoft.com/office/drawing/2014/main" id="{BC3D68CD-363F-FDDD-56F1-E286D0BB3EA5}"/>
+              </a:ext>
+            </a:extLst>
+          </p:cNvPr>
+          <p:cNvSpPr txBox="1"/>
+          <p:nvPr/>
+        </p:nvSpPr>
+        <p:spPr>
+          <a:xfrm>
+            <a:off x="4283901" y="482252"/>
+            <a:ext cx="4014592" cy="369332"/>
+          </a:xfrm>
+          <a:prstGeom prst="rect">
+            <a:avLst/>
+          </a:prstGeom>
+          <a:noFill/>
+        </p:spPr>
+        <p:txBody>
+          <a:bodyPr wrap="square" rtlCol="0">
+            <a:spAutoFit/>
+          </a:bodyPr>
+          <a:lstStyle/>
+          <a:p>
+            <a:r>
+              <a:rPr lang="en-US" dirty="0"/>
+              <a:t>Making plots look better – Themes!</a:t>
+            </a:r>
+          </a:p>
+        </p:txBody>
+      </p:sp>
+      <p:pic>
+        <p:nvPicPr>
+          <p:cNvPr id="3" name="Picture 2">
+            <a:extLst>
+              <a:ext uri="{FF2B5EF4-FFF2-40B4-BE49-F238E27FC236}">
+                <a16:creationId xmlns:a16="http://schemas.microsoft.com/office/drawing/2014/main" id="{98D59025-87C0-C6BC-53D3-2AD1D8216A6E}"/>
+              </a:ext>
+            </a:extLst>
+          </p:cNvPr>
+          <p:cNvPicPr>
+            <a:picLocks noChangeAspect="1"/>
+          </p:cNvPicPr>
+          <p:nvPr/>
+        </p:nvPicPr>
+        <p:blipFill>
+          <a:blip r:embed="rId2"/>
+          <a:stretch>
+            <a:fillRect/>
+          </a:stretch>
+        </p:blipFill>
+        <p:spPr>
+          <a:xfrm>
+            <a:off x="1027831" y="1479202"/>
+            <a:ext cx="1117600" cy="292100"/>
+          </a:xfrm>
+          <a:prstGeom prst="rect">
+            <a:avLst/>
+          </a:prstGeom>
+        </p:spPr>
+      </p:pic>
+      <p:pic>
+        <p:nvPicPr>
+          <p:cNvPr id="4" name="Picture 3">
+            <a:extLst>
+              <a:ext uri="{FF2B5EF4-FFF2-40B4-BE49-F238E27FC236}">
+                <a16:creationId xmlns:a16="http://schemas.microsoft.com/office/drawing/2014/main" id="{33CED6A7-4ECC-F738-ABF9-8DD1BD4DC339}"/>
+              </a:ext>
+            </a:extLst>
+          </p:cNvPr>
+          <p:cNvPicPr>
+            <a:picLocks noChangeAspect="1"/>
+          </p:cNvPicPr>
+          <p:nvPr/>
+        </p:nvPicPr>
+        <p:blipFill>
+          <a:blip r:embed="rId3"/>
+          <a:stretch>
+            <a:fillRect/>
+          </a:stretch>
+        </p:blipFill>
+        <p:spPr>
+          <a:xfrm>
+            <a:off x="124865" y="1910218"/>
+            <a:ext cx="3524866" cy="3895595"/>
+          </a:xfrm>
+          <a:prstGeom prst="rect">
+            <a:avLst/>
+          </a:prstGeom>
+        </p:spPr>
+      </p:pic>
+      <p:pic>
+        <p:nvPicPr>
+          <p:cNvPr id="5" name="Picture 4">
+            <a:extLst>
+              <a:ext uri="{FF2B5EF4-FFF2-40B4-BE49-F238E27FC236}">
+                <a16:creationId xmlns:a16="http://schemas.microsoft.com/office/drawing/2014/main" id="{5E95CDF4-2363-3B7E-A97E-B81AC7B0612B}"/>
+              </a:ext>
+            </a:extLst>
+          </p:cNvPr>
+          <p:cNvPicPr>
+            <a:picLocks noChangeAspect="1"/>
+          </p:cNvPicPr>
+          <p:nvPr/>
+        </p:nvPicPr>
+        <p:blipFill>
+          <a:blip r:embed="rId4"/>
+          <a:stretch>
+            <a:fillRect/>
+          </a:stretch>
+        </p:blipFill>
+        <p:spPr>
+          <a:xfrm>
+            <a:off x="4158641" y="1930271"/>
+            <a:ext cx="3651337" cy="3875542"/>
+          </a:xfrm>
+          <a:prstGeom prst="rect">
+            <a:avLst/>
+          </a:prstGeom>
+        </p:spPr>
+      </p:pic>
+      <p:pic>
+        <p:nvPicPr>
+          <p:cNvPr id="6" name="Picture 5">
+            <a:extLst>
+              <a:ext uri="{FF2B5EF4-FFF2-40B4-BE49-F238E27FC236}">
+                <a16:creationId xmlns:a16="http://schemas.microsoft.com/office/drawing/2014/main" id="{83579CEE-E3D4-3118-F0EA-5357BE50F129}"/>
+              </a:ext>
+            </a:extLst>
+          </p:cNvPr>
+          <p:cNvPicPr>
+            <a:picLocks noChangeAspect="1"/>
+          </p:cNvPicPr>
+          <p:nvPr/>
+        </p:nvPicPr>
+        <p:blipFill>
+          <a:blip r:embed="rId5"/>
+          <a:stretch>
+            <a:fillRect/>
+          </a:stretch>
+        </p:blipFill>
+        <p:spPr>
+          <a:xfrm>
+            <a:off x="5276850" y="1453802"/>
+            <a:ext cx="1638300" cy="317500"/>
+          </a:xfrm>
+          <a:prstGeom prst="rect">
+            <a:avLst/>
+          </a:prstGeom>
+        </p:spPr>
+      </p:pic>
+      <p:pic>
+        <p:nvPicPr>
+          <p:cNvPr id="7" name="Picture 6">
+            <a:extLst>
+              <a:ext uri="{FF2B5EF4-FFF2-40B4-BE49-F238E27FC236}">
+                <a16:creationId xmlns:a16="http://schemas.microsoft.com/office/drawing/2014/main" id="{6128C118-F8CB-10C6-CB0C-2F8F7A41E6EA}"/>
+              </a:ext>
+            </a:extLst>
+          </p:cNvPr>
+          <p:cNvPicPr>
+            <a:picLocks noChangeAspect="1"/>
+          </p:cNvPicPr>
+          <p:nvPr/>
+        </p:nvPicPr>
+        <p:blipFill>
+          <a:blip r:embed="rId6"/>
+          <a:stretch>
+            <a:fillRect/>
+          </a:stretch>
+        </p:blipFill>
+        <p:spPr>
+          <a:xfrm>
+            <a:off x="8284136" y="527343"/>
+            <a:ext cx="3524866" cy="1097909"/>
+          </a:xfrm>
+          <a:prstGeom prst="rect">
+            <a:avLst/>
+          </a:prstGeom>
+        </p:spPr>
+      </p:pic>
+      <p:pic>
+        <p:nvPicPr>
+          <p:cNvPr id="8" name="Picture 7">
+            <a:extLst>
+              <a:ext uri="{FF2B5EF4-FFF2-40B4-BE49-F238E27FC236}">
+                <a16:creationId xmlns:a16="http://schemas.microsoft.com/office/drawing/2014/main" id="{C1C346ED-6D3D-F60C-9413-E6360C27D1B1}"/>
+              </a:ext>
+            </a:extLst>
+          </p:cNvPr>
+          <p:cNvPicPr>
+            <a:picLocks noChangeAspect="1"/>
+          </p:cNvPicPr>
+          <p:nvPr/>
+        </p:nvPicPr>
+        <p:blipFill>
+          <a:blip r:embed="rId7"/>
+          <a:stretch>
+            <a:fillRect/>
+          </a:stretch>
+        </p:blipFill>
+        <p:spPr>
+          <a:xfrm>
+            <a:off x="8041449" y="2174206"/>
+            <a:ext cx="3717418" cy="3895595"/>
+          </a:xfrm>
+          <a:prstGeom prst="rect">
+            <a:avLst/>
+          </a:prstGeom>
+        </p:spPr>
+      </p:pic>
+      <p:pic>
+        <p:nvPicPr>
+          <p:cNvPr id="9" name="Picture 8">
+            <a:extLst>
+              <a:ext uri="{FF2B5EF4-FFF2-40B4-BE49-F238E27FC236}">
+                <a16:creationId xmlns:a16="http://schemas.microsoft.com/office/drawing/2014/main" id="{1D89B98D-6FC3-10BC-EC07-DD686B028A73}"/>
+              </a:ext>
+            </a:extLst>
+          </p:cNvPr>
+          <p:cNvPicPr>
+            <a:picLocks noChangeAspect="1"/>
+          </p:cNvPicPr>
+          <p:nvPr/>
+        </p:nvPicPr>
+        <p:blipFill>
+          <a:blip r:embed="rId8"/>
+          <a:stretch>
+            <a:fillRect/>
+          </a:stretch>
+        </p:blipFill>
+        <p:spPr>
+          <a:xfrm>
+            <a:off x="8808319" y="1740979"/>
+            <a:ext cx="2476500" cy="317500"/>
+          </a:xfrm>
+          <a:prstGeom prst="rect">
+            <a:avLst/>
+          </a:prstGeom>
+        </p:spPr>
+      </p:pic>
+    </p:spTree>
+    <p:extLst>
+      <p:ext uri="{BB962C8B-B14F-4D97-AF65-F5344CB8AC3E}">
+        <p14:creationId xmlns:p14="http://schemas.microsoft.com/office/powerpoint/2010/main" val="295684193"/>
+      </p:ext>
+    </p:extLst>
+  </p:cSld>
+  <p:clrMapOvr>
+    <a:masterClrMapping/>
+  </p:clrMapOvr>
+</p:sld>
+</file>
+
+<file path=ppt/slides/slide23.xml><?xml version="1.0" encoding="utf-8"?>
+<p:sld xmlns:a="http://schemas.openxmlformats.org/drawingml/2006/main" xmlns:r="http://schemas.openxmlformats.org/officeDocument/2006/relationships" xmlns:p="http://schemas.openxmlformats.org/presentationml/2006/main">
+  <p:cSld>
+    <p:spTree>
+      <p:nvGrpSpPr>
+        <p:cNvPr id="1" name=""/>
+        <p:cNvGrpSpPr/>
+        <p:nvPr/>
+      </p:nvGrpSpPr>
+      <p:grpSpPr>
+        <a:xfrm>
+          <a:off x="0" y="0"/>
+          <a:ext cx="0" cy="0"/>
+          <a:chOff x="0" y="0"/>
+          <a:chExt cx="0" cy="0"/>
+        </a:xfrm>
+      </p:grpSpPr>
+      <p:sp>
+        <p:nvSpPr>
+          <p:cNvPr id="2" name="TextBox 1">
+            <a:extLst>
+              <a:ext uri="{FF2B5EF4-FFF2-40B4-BE49-F238E27FC236}">
+                <a16:creationId xmlns:a16="http://schemas.microsoft.com/office/drawing/2014/main" id="{BB0ED4C7-7072-9DBF-33A9-4AA4D246AA68}"/>
+              </a:ext>
+            </a:extLst>
+          </p:cNvPr>
+          <p:cNvSpPr txBox="1"/>
+          <p:nvPr/>
+        </p:nvSpPr>
+        <p:spPr>
+          <a:xfrm>
+            <a:off x="3331923" y="269310"/>
+            <a:ext cx="5073440" cy="369332"/>
+          </a:xfrm>
+          <a:prstGeom prst="rect">
+            <a:avLst/>
+          </a:prstGeom>
+          <a:noFill/>
+        </p:spPr>
+        <p:txBody>
+          <a:bodyPr wrap="none" rtlCol="0">
+            <a:spAutoFit/>
+          </a:bodyPr>
+          <a:lstStyle/>
+          <a:p>
+            <a:r>
+              <a:rPr lang="en-US" dirty="0"/>
+              <a:t>Themes can be added to like any other plot element</a:t>
+            </a:r>
+          </a:p>
+        </p:txBody>
+      </p:sp>
+      <p:pic>
+        <p:nvPicPr>
+          <p:cNvPr id="3" name="Picture 2">
+            <a:extLst>
+              <a:ext uri="{FF2B5EF4-FFF2-40B4-BE49-F238E27FC236}">
+                <a16:creationId xmlns:a16="http://schemas.microsoft.com/office/drawing/2014/main" id="{96F45484-C265-8873-5FCA-E2E58BE96ABD}"/>
+              </a:ext>
+            </a:extLst>
+          </p:cNvPr>
+          <p:cNvPicPr>
+            <a:picLocks noChangeAspect="1"/>
+          </p:cNvPicPr>
+          <p:nvPr/>
+        </p:nvPicPr>
+        <p:blipFill>
+          <a:blip r:embed="rId2"/>
+          <a:stretch>
+            <a:fillRect/>
+          </a:stretch>
+        </p:blipFill>
+        <p:spPr>
+          <a:xfrm>
+            <a:off x="322023" y="1191785"/>
+            <a:ext cx="4801122" cy="1285462"/>
+          </a:xfrm>
+          <a:prstGeom prst="rect">
+            <a:avLst/>
+          </a:prstGeom>
+        </p:spPr>
+      </p:pic>
+      <p:pic>
+        <p:nvPicPr>
+          <p:cNvPr id="4" name="Picture 3">
+            <a:extLst>
+              <a:ext uri="{FF2B5EF4-FFF2-40B4-BE49-F238E27FC236}">
+                <a16:creationId xmlns:a16="http://schemas.microsoft.com/office/drawing/2014/main" id="{0CE3BC9A-8B3E-F9BF-FF6D-0D13A563D8E0}"/>
+              </a:ext>
+            </a:extLst>
+          </p:cNvPr>
+          <p:cNvPicPr>
+            <a:picLocks noChangeAspect="1"/>
+          </p:cNvPicPr>
+          <p:nvPr/>
+        </p:nvPicPr>
+        <p:blipFill>
+          <a:blip r:embed="rId3"/>
+          <a:stretch>
+            <a:fillRect/>
+          </a:stretch>
+        </p:blipFill>
+        <p:spPr>
+          <a:xfrm>
+            <a:off x="800121" y="2477247"/>
+            <a:ext cx="3844926" cy="4267868"/>
+          </a:xfrm>
+          <a:prstGeom prst="rect">
+            <a:avLst/>
+          </a:prstGeom>
+        </p:spPr>
+      </p:pic>
+      <p:pic>
+        <p:nvPicPr>
+          <p:cNvPr id="5" name="Picture 4">
+            <a:extLst>
+              <a:ext uri="{FF2B5EF4-FFF2-40B4-BE49-F238E27FC236}">
+                <a16:creationId xmlns:a16="http://schemas.microsoft.com/office/drawing/2014/main" id="{6E06D12F-FC24-750F-E5C8-857AC5C81927}"/>
+              </a:ext>
+            </a:extLst>
+          </p:cNvPr>
+          <p:cNvPicPr>
+            <a:picLocks noChangeAspect="1"/>
+          </p:cNvPicPr>
+          <p:nvPr/>
+        </p:nvPicPr>
+        <p:blipFill>
+          <a:blip r:embed="rId4"/>
+          <a:stretch>
+            <a:fillRect/>
+          </a:stretch>
+        </p:blipFill>
+        <p:spPr>
+          <a:xfrm>
+            <a:off x="5795718" y="1139868"/>
+            <a:ext cx="3053920" cy="5357682"/>
+          </a:xfrm>
+          <a:prstGeom prst="rect">
+            <a:avLst/>
+          </a:prstGeom>
+        </p:spPr>
+      </p:pic>
+      <p:sp>
+        <p:nvSpPr>
+          <p:cNvPr id="7" name="TextBox 6">
+            <a:extLst>
+              <a:ext uri="{FF2B5EF4-FFF2-40B4-BE49-F238E27FC236}">
+                <a16:creationId xmlns:a16="http://schemas.microsoft.com/office/drawing/2014/main" id="{7CF36290-573D-639B-4CB0-8A36DCE32216}"/>
+              </a:ext>
+            </a:extLst>
+          </p:cNvPr>
+          <p:cNvSpPr txBox="1"/>
+          <p:nvPr/>
+        </p:nvSpPr>
+        <p:spPr>
+          <a:xfrm>
+            <a:off x="7125744" y="6147100"/>
+            <a:ext cx="6097044" cy="369332"/>
+          </a:xfrm>
+          <a:prstGeom prst="rect">
+            <a:avLst/>
+          </a:prstGeom>
+          <a:noFill/>
+        </p:spPr>
+        <p:txBody>
+          <a:bodyPr wrap="square">
+            <a:spAutoFit/>
+          </a:bodyPr>
+          <a:lstStyle/>
+          <a:p>
+            <a:r>
+              <a:rPr lang="en-US" dirty="0"/>
+              <a:t>https://ggplot2.tidyverse.org/reference/</a:t>
+            </a:r>
+            <a:r>
+              <a:rPr lang="en-US" dirty="0" err="1"/>
+              <a:t>theme.html</a:t>
+            </a:r>
+            <a:endParaRPr lang="en-US" dirty="0"/>
+          </a:p>
+        </p:txBody>
+      </p:sp>
+    </p:spTree>
+    <p:extLst>
+      <p:ext uri="{BB962C8B-B14F-4D97-AF65-F5344CB8AC3E}">
+        <p14:creationId xmlns:p14="http://schemas.microsoft.com/office/powerpoint/2010/main" val="1375084345"/>
+      </p:ext>
+    </p:extLst>
+  </p:cSld>
+  <p:clrMapOvr>
+    <a:masterClrMapping/>
+  </p:clrMapOvr>
+</p:sld>
+</file>
+
+<file path=ppt/slides/slide24.xml><?xml version="1.0" encoding="utf-8"?>
+<p:sld xmlns:a="http://schemas.openxmlformats.org/drawingml/2006/main" xmlns:r="http://schemas.openxmlformats.org/officeDocument/2006/relationships" xmlns:p="http://schemas.openxmlformats.org/presentationml/2006/main">
+  <p:cSld>
+    <p:spTree>
+      <p:nvGrpSpPr>
+        <p:cNvPr id="1" name=""/>
+        <p:cNvGrpSpPr/>
+        <p:nvPr/>
+      </p:nvGrpSpPr>
+      <p:grpSpPr>
+        <a:xfrm>
+          <a:off x="0" y="0"/>
+          <a:ext cx="0" cy="0"/>
+          <a:chOff x="0" y="0"/>
+          <a:chExt cx="0" cy="0"/>
+        </a:xfrm>
+      </p:grpSpPr>
+      <p:sp>
+        <p:nvSpPr>
+          <p:cNvPr id="366" name="Merging and Joining (relational data)"/>
+          <p:cNvSpPr txBox="1"/>
+          <p:nvPr/>
+        </p:nvSpPr>
+        <p:spPr>
+          <a:xfrm>
+            <a:off x="3437070" y="248014"/>
+            <a:ext cx="5255926" cy="420628"/>
+          </a:xfrm>
+          <a:prstGeom prst="rect">
+            <a:avLst/>
+          </a:prstGeom>
+          <a:ln w="12700">
+            <a:miter lim="400000"/>
+          </a:ln>
+          <a:extLst>
+            <a:ext uri="{C572A759-6A51-4108-AA02-DFA0A04FC94B}">
+              <ma14:wrappingTextBoxFlag xmlns:ma14="http://schemas.microsoft.com/office/mac/drawingml/2011/main" xmlns:a14="http://schemas.microsoft.com/office/drawing/2010/main" xmlns:m="http://schemas.openxmlformats.org/officeDocument/2006/math" xmlns="" val="1"/>
             </a:ext>
           </a:extLst>
         </p:spPr>
@@ -6464,7 +8221,7 @@
 </p:sld>
 </file>
 
-<file path=ppt/slides/slide19.xml><?xml version="1.0" encoding="utf-8"?>
+<file path=ppt/slides/slide25.xml><?xml version="1.0" encoding="utf-8"?>
 <p:sld xmlns:a="http://schemas.openxmlformats.org/drawingml/2006/main" xmlns:r="http://schemas.openxmlformats.org/officeDocument/2006/relationships" xmlns:p="http://schemas.openxmlformats.org/presentationml/2006/main">
   <p:cSld>
     <p:spTree>
@@ -6500,7 +8257,7 @@
           </a:ln>
           <a:extLst>
             <a:ext uri="{C572A759-6A51-4108-AA02-DFA0A04FC94B}">
-              <ma14:wrappingTextBoxFlag xmlns="" xmlns:m="http://schemas.openxmlformats.org/officeDocument/2006/math" xmlns:a14="http://schemas.microsoft.com/office/drawing/2010/main" xmlns:ma14="http://schemas.microsoft.com/office/mac/drawingml/2011/main" val="1"/>
+              <ma14:wrappingTextBoxFlag xmlns:ma14="http://schemas.microsoft.com/office/mac/drawingml/2011/main" xmlns:a14="http://schemas.microsoft.com/office/drawing/2010/main" xmlns:m="http://schemas.openxmlformats.org/officeDocument/2006/math" xmlns="" val="1"/>
             </a:ext>
           </a:extLst>
         </p:spPr>
@@ -7051,199 +8808,7 @@
 </p:sld>
 </file>
 
-<file path=ppt/slides/slide2.xml><?xml version="1.0" encoding="utf-8"?>
-<p:sld xmlns:a="http://schemas.openxmlformats.org/drawingml/2006/main" xmlns:r="http://schemas.openxmlformats.org/officeDocument/2006/relationships" xmlns:p="http://schemas.openxmlformats.org/presentationml/2006/main">
-  <p:cSld>
-    <p:spTree>
-      <p:nvGrpSpPr>
-        <p:cNvPr id="1" name=""/>
-        <p:cNvGrpSpPr/>
-        <p:nvPr/>
-      </p:nvGrpSpPr>
-      <p:grpSpPr>
-        <a:xfrm>
-          <a:off x="0" y="0"/>
-          <a:ext cx="0" cy="0"/>
-          <a:chOff x="0" y="0"/>
-          <a:chExt cx="0" cy="0"/>
-        </a:xfrm>
-      </p:grpSpPr>
-      <p:sp>
-        <p:nvSpPr>
-          <p:cNvPr id="311" name="Recap"/>
-          <p:cNvSpPr txBox="1"/>
-          <p:nvPr/>
-        </p:nvSpPr>
-        <p:spPr>
-          <a:xfrm>
-            <a:off x="5819759" y="383337"/>
-            <a:ext cx="51361" cy="420628"/>
-          </a:xfrm>
-          <a:prstGeom prst="rect">
-            <a:avLst/>
-          </a:prstGeom>
-          <a:ln w="12700">
-            <a:miter lim="400000"/>
-          </a:ln>
-          <a:extLst>
-            <a:ext uri="{C572A759-6A51-4108-AA02-DFA0A04FC94B}">
-              <ma14:wrappingTextBoxFlag xmlns="" xmlns:m="http://schemas.openxmlformats.org/officeDocument/2006/math" xmlns:a14="http://schemas.microsoft.com/office/drawing/2010/main" xmlns:ma14="http://schemas.microsoft.com/office/mac/drawingml/2011/main" val="1"/>
-            </a:ext>
-          </a:extLst>
-        </p:spPr>
-        <p:txBody>
-          <a:bodyPr wrap="none" lIns="25400" tIns="25400" rIns="25400" bIns="25400" anchor="ctr">
-            <a:spAutoFit/>
-          </a:bodyPr>
-          <a:lstStyle>
-            <a:lvl1pPr>
-              <a:defRPr sz="4800"/>
-            </a:lvl1pPr>
-          </a:lstStyle>
-          <a:p>
-            <a:endParaRPr sz="2400" dirty="0"/>
-          </a:p>
-        </p:txBody>
-      </p:sp>
-      <p:sp>
-        <p:nvSpPr>
-          <p:cNvPr id="312" name="Installing/loading libraries  - library()…"/>
-          <p:cNvSpPr txBox="1"/>
-          <p:nvPr/>
-        </p:nvSpPr>
-        <p:spPr>
-          <a:xfrm>
-            <a:off x="2161626" y="2277958"/>
-            <a:ext cx="7850226" cy="974626"/>
-          </a:xfrm>
-          <a:prstGeom prst="rect">
-            <a:avLst/>
-          </a:prstGeom>
-          <a:ln w="12700">
-            <a:miter lim="400000"/>
-          </a:ln>
-          <a:extLst>
-            <a:ext uri="{C572A759-6A51-4108-AA02-DFA0A04FC94B}">
-              <ma14:wrappingTextBoxFlag xmlns="" xmlns:m="http://schemas.openxmlformats.org/officeDocument/2006/math" xmlns:a14="http://schemas.microsoft.com/office/drawing/2010/main" xmlns:ma14="http://schemas.microsoft.com/office/mac/drawingml/2011/main" val="1"/>
-            </a:ext>
-          </a:extLst>
-        </p:spPr>
-        <p:txBody>
-          <a:bodyPr wrap="none" lIns="25400" tIns="25400" rIns="25400" bIns="25400" anchor="ctr">
-            <a:spAutoFit/>
-          </a:bodyPr>
-          <a:lstStyle/>
-          <a:p>
-            <a:pPr marL="152400" indent="-152400">
-              <a:buSzPct val="123000"/>
-              <a:buChar char="•"/>
-              <a:defRPr sz="4000"/>
-            </a:pPr>
-            <a:r>
-              <a:rPr sz="2000" dirty="0"/>
-              <a:t>Installing/loading libraries  - library()</a:t>
-            </a:r>
-          </a:p>
-          <a:p>
-            <a:pPr marL="152400" indent="-152400">
-              <a:buSzPct val="123000"/>
-              <a:buChar char="•"/>
-              <a:defRPr sz="4000"/>
-            </a:pPr>
-            <a:r>
-              <a:rPr sz="2000" dirty="0"/>
-              <a:t>Filter/Grouping/Summarizing - filter(), </a:t>
-            </a:r>
-            <a:r>
-              <a:rPr sz="2000" dirty="0" err="1"/>
-              <a:t>group_by</a:t>
-            </a:r>
-            <a:r>
-              <a:rPr sz="2000" dirty="0"/>
-              <a:t>(), </a:t>
-            </a:r>
-            <a:r>
-              <a:rPr sz="2000" dirty="0" err="1"/>
-              <a:t>summarise</a:t>
-            </a:r>
-            <a:r>
-              <a:rPr sz="2000" dirty="0"/>
-              <a:t>(), mutate()</a:t>
-            </a:r>
-          </a:p>
-          <a:p>
-            <a:pPr marL="152400" indent="-152400">
-              <a:buSzPct val="123000"/>
-              <a:buChar char="•"/>
-              <a:defRPr sz="4000"/>
-            </a:pPr>
-            <a:r>
-              <a:rPr sz="2000" dirty="0"/>
-              <a:t>Importing Data - </a:t>
-            </a:r>
-            <a:r>
-              <a:rPr sz="2000" dirty="0" err="1"/>
-              <a:t>read_csv</a:t>
-            </a:r>
-            <a:r>
-              <a:rPr sz="2000" dirty="0"/>
-              <a:t>(), </a:t>
-            </a:r>
-            <a:r>
-              <a:rPr sz="2000" dirty="0" err="1"/>
-              <a:t>read_tsv</a:t>
-            </a:r>
-            <a:r>
-              <a:rPr sz="2000" dirty="0"/>
-              <a:t>()</a:t>
-            </a:r>
-          </a:p>
-        </p:txBody>
-      </p:sp>
-      <p:sp>
-        <p:nvSpPr>
-          <p:cNvPr id="2" name="TextBox 1">
-            <a:extLst>
-              <a:ext uri="{FF2B5EF4-FFF2-40B4-BE49-F238E27FC236}">
-                <a16:creationId xmlns:a16="http://schemas.microsoft.com/office/drawing/2014/main" id="{E9D58880-F304-2884-78F0-DEE8B9D1069D}"/>
-              </a:ext>
-            </a:extLst>
-          </p:cNvPr>
-          <p:cNvSpPr txBox="1"/>
-          <p:nvPr/>
-        </p:nvSpPr>
-        <p:spPr>
-          <a:xfrm>
-            <a:off x="5177993" y="360875"/>
-            <a:ext cx="3976828" cy="369332"/>
-          </a:xfrm>
-          <a:prstGeom prst="rect">
-            <a:avLst/>
-          </a:prstGeom>
-          <a:noFill/>
-        </p:spPr>
-        <p:txBody>
-          <a:bodyPr wrap="square" rtlCol="0">
-            <a:spAutoFit/>
-          </a:bodyPr>
-          <a:lstStyle/>
-          <a:p>
-            <a:r>
-              <a:rPr lang="en-US" dirty="0"/>
-              <a:t>Last time</a:t>
-            </a:r>
-          </a:p>
-        </p:txBody>
-      </p:sp>
-    </p:spTree>
-  </p:cSld>
-  <p:clrMapOvr>
-    <a:masterClrMapping/>
-  </p:clrMapOvr>
-</p:sld>
-</file>
-
-<file path=ppt/slides/slide20.xml><?xml version="1.0" encoding="utf-8"?>
+<file path=ppt/slides/slide26.xml><?xml version="1.0" encoding="utf-8"?>
 <p:sld xmlns:a="http://schemas.openxmlformats.org/drawingml/2006/main" xmlns:r="http://schemas.openxmlformats.org/officeDocument/2006/relationships" xmlns:p="http://schemas.openxmlformats.org/presentationml/2006/main">
   <p:cSld>
     <p:spTree>
@@ -7682,7 +9247,7 @@
           </a:ln>
           <a:extLst>
             <a:ext uri="{C572A759-6A51-4108-AA02-DFA0A04FC94B}">
-              <ma14:wrappingTextBoxFlag xmlns="" xmlns:m="http://schemas.openxmlformats.org/officeDocument/2006/math" xmlns:a14="http://schemas.microsoft.com/office/drawing/2010/main" xmlns:ma14="http://schemas.microsoft.com/office/mac/drawingml/2011/main" val="1"/>
+              <ma14:wrappingTextBoxFlag xmlns:ma14="http://schemas.microsoft.com/office/mac/drawingml/2011/main" xmlns:a14="http://schemas.microsoft.com/office/drawing/2010/main" xmlns:m="http://schemas.openxmlformats.org/officeDocument/2006/math" xmlns="" val="1"/>
             </a:ext>
           </a:extLst>
         </p:spPr>
@@ -7741,7 +9306,7 @@
 </p:sld>
 </file>
 
-<file path=ppt/slides/slide21.xml><?xml version="1.0" encoding="utf-8"?>
+<file path=ppt/slides/slide27.xml><?xml version="1.0" encoding="utf-8"?>
 <p:sld xmlns:a="http://schemas.openxmlformats.org/drawingml/2006/main" xmlns:r="http://schemas.openxmlformats.org/officeDocument/2006/relationships" xmlns:p="http://schemas.openxmlformats.org/presentationml/2006/main">
   <p:cSld>
     <p:spTree>
@@ -7777,7 +9342,7 @@
           </a:ln>
           <a:extLst>
             <a:ext uri="{C572A759-6A51-4108-AA02-DFA0A04FC94B}">
-              <ma14:wrappingTextBoxFlag xmlns="" xmlns:m="http://schemas.openxmlformats.org/officeDocument/2006/math" xmlns:a14="http://schemas.microsoft.com/office/drawing/2010/main" xmlns:ma14="http://schemas.microsoft.com/office/mac/drawingml/2011/main" val="1"/>
+              <ma14:wrappingTextBoxFlag xmlns:ma14="http://schemas.microsoft.com/office/mac/drawingml/2011/main" xmlns:a14="http://schemas.microsoft.com/office/drawing/2010/main" xmlns:m="http://schemas.openxmlformats.org/officeDocument/2006/math" xmlns="" val="1"/>
             </a:ext>
           </a:extLst>
         </p:spPr>
@@ -8677,7 +10242,7 @@
 </p:sld>
 </file>
 
-<file path=ppt/slides/slide22.xml><?xml version="1.0" encoding="utf-8"?>
+<file path=ppt/slides/slide28.xml><?xml version="1.0" encoding="utf-8"?>
 <p:sld xmlns:a="http://schemas.openxmlformats.org/drawingml/2006/main" xmlns:r="http://schemas.openxmlformats.org/officeDocument/2006/relationships" xmlns:p="http://schemas.openxmlformats.org/presentationml/2006/main">
   <p:cSld>
     <p:spTree>
@@ -8740,7 +10305,7 @@
           </a:ln>
           <a:extLst>
             <a:ext uri="{C572A759-6A51-4108-AA02-DFA0A04FC94B}">
-              <ma14:wrappingTextBoxFlag xmlns="" xmlns:m="http://schemas.openxmlformats.org/officeDocument/2006/math" xmlns:a14="http://schemas.microsoft.com/office/drawing/2010/main" xmlns:ma14="http://schemas.microsoft.com/office/mac/drawingml/2011/main" val="1"/>
+              <ma14:wrappingTextBoxFlag xmlns:ma14="http://schemas.microsoft.com/office/mac/drawingml/2011/main" xmlns:a14="http://schemas.microsoft.com/office/drawing/2010/main" xmlns:m="http://schemas.openxmlformats.org/officeDocument/2006/math" xmlns="" val="1"/>
             </a:ext>
           </a:extLst>
         </p:spPr>
@@ -8776,7 +10341,7 @@
           </a:ln>
           <a:extLst>
             <a:ext uri="{C572A759-6A51-4108-AA02-DFA0A04FC94B}">
-              <ma14:wrappingTextBoxFlag xmlns="" xmlns:m="http://schemas.openxmlformats.org/officeDocument/2006/math" xmlns:a14="http://schemas.microsoft.com/office/drawing/2010/main" xmlns:ma14="http://schemas.microsoft.com/office/mac/drawingml/2011/main" val="1"/>
+              <ma14:wrappingTextBoxFlag xmlns:ma14="http://schemas.microsoft.com/office/mac/drawingml/2011/main" xmlns:a14="http://schemas.microsoft.com/office/drawing/2010/main" xmlns:m="http://schemas.openxmlformats.org/officeDocument/2006/math" xmlns="" val="1"/>
             </a:ext>
           </a:extLst>
         </p:spPr>
@@ -8812,7 +10377,7 @@
 </p:sld>
 </file>
 
-<file path=ppt/slides/slide23.xml><?xml version="1.0" encoding="utf-8"?>
+<file path=ppt/slides/slide29.xml><?xml version="1.0" encoding="utf-8"?>
 <p:sld xmlns:a="http://schemas.openxmlformats.org/drawingml/2006/main" xmlns:r="http://schemas.openxmlformats.org/officeDocument/2006/relationships" xmlns:p="http://schemas.openxmlformats.org/presentationml/2006/main">
   <p:cSld>
     <p:spTree>
@@ -8831,979 +10396,14 @@
       </p:grpSpPr>
       <p:sp>
         <p:nvSpPr>
-          <p:cNvPr id="2" name="TextBox 1">
-            <a:extLst>
-              <a:ext uri="{FF2B5EF4-FFF2-40B4-BE49-F238E27FC236}">
-                <a16:creationId xmlns:a16="http://schemas.microsoft.com/office/drawing/2014/main" id="{A819696E-90FA-20E5-DEDA-9D8EF88EF437}"/>
-              </a:ext>
-            </a:extLst>
-          </p:cNvPr>
-          <p:cNvSpPr txBox="1"/>
-          <p:nvPr/>
-        </p:nvSpPr>
-        <p:spPr>
-          <a:xfrm>
-            <a:off x="4816257" y="413359"/>
-            <a:ext cx="5423770" cy="369332"/>
-          </a:xfrm>
-          <a:prstGeom prst="rect">
-            <a:avLst/>
-          </a:prstGeom>
-          <a:noFill/>
-        </p:spPr>
-        <p:txBody>
-          <a:bodyPr wrap="square" rtlCol="0">
-            <a:spAutoFit/>
-          </a:bodyPr>
-          <a:lstStyle/>
-          <a:p>
-            <a:r>
-              <a:rPr lang="en-US" dirty="0"/>
-              <a:t>Adding to plots</a:t>
-            </a:r>
-          </a:p>
-        </p:txBody>
-      </p:sp>
-      <p:pic>
-        <p:nvPicPr>
-          <p:cNvPr id="3" name="Picture 2">
-            <a:extLst>
-              <a:ext uri="{FF2B5EF4-FFF2-40B4-BE49-F238E27FC236}">
-                <a16:creationId xmlns:a16="http://schemas.microsoft.com/office/drawing/2014/main" id="{3AEB7DA1-01E0-57D5-BCCD-A3B23DEC2DDD}"/>
-              </a:ext>
-            </a:extLst>
-          </p:cNvPr>
-          <p:cNvPicPr>
-            <a:picLocks noChangeAspect="1"/>
-          </p:cNvPicPr>
-          <p:nvPr/>
-        </p:nvPicPr>
-        <p:blipFill>
-          <a:blip r:embed="rId2"/>
-          <a:stretch>
-            <a:fillRect/>
-          </a:stretch>
-        </p:blipFill>
-        <p:spPr>
-          <a:xfrm>
-            <a:off x="860730" y="1507298"/>
-            <a:ext cx="4481621" cy="632699"/>
-          </a:xfrm>
-          <a:prstGeom prst="rect">
-            <a:avLst/>
-          </a:prstGeom>
-        </p:spPr>
-      </p:pic>
-      <p:pic>
-        <p:nvPicPr>
-          <p:cNvPr id="4" name="Picture 3">
-            <a:extLst>
-              <a:ext uri="{FF2B5EF4-FFF2-40B4-BE49-F238E27FC236}">
-                <a16:creationId xmlns:a16="http://schemas.microsoft.com/office/drawing/2014/main" id="{527AC54C-DA3A-2D2F-9F68-4BD9D7A7B114}"/>
-              </a:ext>
-            </a:extLst>
-          </p:cNvPr>
-          <p:cNvPicPr>
-            <a:picLocks noChangeAspect="1"/>
-          </p:cNvPicPr>
-          <p:nvPr/>
-        </p:nvPicPr>
-        <p:blipFill>
-          <a:blip r:embed="rId3"/>
-          <a:stretch>
-            <a:fillRect/>
-          </a:stretch>
-        </p:blipFill>
-        <p:spPr>
-          <a:xfrm>
-            <a:off x="997337" y="2256166"/>
-            <a:ext cx="3762553" cy="4194738"/>
-          </a:xfrm>
-          <a:prstGeom prst="rect">
-            <a:avLst/>
-          </a:prstGeom>
-        </p:spPr>
-      </p:pic>
-    </p:spTree>
-    <p:extLst>
-      <p:ext uri="{BB962C8B-B14F-4D97-AF65-F5344CB8AC3E}">
-        <p14:creationId xmlns:p14="http://schemas.microsoft.com/office/powerpoint/2010/main" val="959462186"/>
-      </p:ext>
-    </p:extLst>
-  </p:cSld>
-  <p:clrMapOvr>
-    <a:masterClrMapping/>
-  </p:clrMapOvr>
-</p:sld>
-</file>
-
-<file path=ppt/slides/slide24.xml><?xml version="1.0" encoding="utf-8"?>
-<p:sld xmlns:a="http://schemas.openxmlformats.org/drawingml/2006/main" xmlns:r="http://schemas.openxmlformats.org/officeDocument/2006/relationships" xmlns:p="http://schemas.openxmlformats.org/presentationml/2006/main">
-  <p:cSld>
-    <p:spTree>
-      <p:nvGrpSpPr>
-        <p:cNvPr id="1" name=""/>
-        <p:cNvGrpSpPr/>
-        <p:nvPr/>
-      </p:nvGrpSpPr>
-      <p:grpSpPr>
-        <a:xfrm>
-          <a:off x="0" y="0"/>
-          <a:ext cx="0" cy="0"/>
-          <a:chOff x="0" y="0"/>
-          <a:chExt cx="0" cy="0"/>
-        </a:xfrm>
-      </p:grpSpPr>
-      <p:sp>
-        <p:nvSpPr>
-          <p:cNvPr id="2" name="TextBox 1">
-            <a:extLst>
-              <a:ext uri="{FF2B5EF4-FFF2-40B4-BE49-F238E27FC236}">
-                <a16:creationId xmlns:a16="http://schemas.microsoft.com/office/drawing/2014/main" id="{A819696E-90FA-20E5-DEDA-9D8EF88EF437}"/>
-              </a:ext>
-            </a:extLst>
-          </p:cNvPr>
-          <p:cNvSpPr txBox="1"/>
-          <p:nvPr/>
-        </p:nvSpPr>
-        <p:spPr>
-          <a:xfrm>
-            <a:off x="4816257" y="413359"/>
-            <a:ext cx="5423770" cy="369332"/>
-          </a:xfrm>
-          <a:prstGeom prst="rect">
-            <a:avLst/>
-          </a:prstGeom>
-          <a:noFill/>
-        </p:spPr>
-        <p:txBody>
-          <a:bodyPr wrap="square" rtlCol="0">
-            <a:spAutoFit/>
-          </a:bodyPr>
-          <a:lstStyle/>
-          <a:p>
-            <a:r>
-              <a:rPr lang="en-US" dirty="0"/>
-              <a:t>Adding to plots</a:t>
-            </a:r>
-          </a:p>
-        </p:txBody>
-      </p:sp>
-      <p:pic>
-        <p:nvPicPr>
-          <p:cNvPr id="3" name="Picture 2">
-            <a:extLst>
-              <a:ext uri="{FF2B5EF4-FFF2-40B4-BE49-F238E27FC236}">
-                <a16:creationId xmlns:a16="http://schemas.microsoft.com/office/drawing/2014/main" id="{3AEB7DA1-01E0-57D5-BCCD-A3B23DEC2DDD}"/>
-              </a:ext>
-            </a:extLst>
-          </p:cNvPr>
-          <p:cNvPicPr>
-            <a:picLocks noChangeAspect="1"/>
-          </p:cNvPicPr>
-          <p:nvPr/>
-        </p:nvPicPr>
-        <p:blipFill>
-          <a:blip r:embed="rId2"/>
-          <a:stretch>
-            <a:fillRect/>
-          </a:stretch>
-        </p:blipFill>
-        <p:spPr>
-          <a:xfrm>
-            <a:off x="860730" y="1507298"/>
-            <a:ext cx="4481621" cy="632699"/>
-          </a:xfrm>
-          <a:prstGeom prst="rect">
-            <a:avLst/>
-          </a:prstGeom>
-        </p:spPr>
-      </p:pic>
-      <p:pic>
-        <p:nvPicPr>
-          <p:cNvPr id="4" name="Picture 3">
-            <a:extLst>
-              <a:ext uri="{FF2B5EF4-FFF2-40B4-BE49-F238E27FC236}">
-                <a16:creationId xmlns:a16="http://schemas.microsoft.com/office/drawing/2014/main" id="{527AC54C-DA3A-2D2F-9F68-4BD9D7A7B114}"/>
-              </a:ext>
-            </a:extLst>
-          </p:cNvPr>
-          <p:cNvPicPr>
-            <a:picLocks noChangeAspect="1"/>
-          </p:cNvPicPr>
-          <p:nvPr/>
-        </p:nvPicPr>
-        <p:blipFill>
-          <a:blip r:embed="rId3"/>
-          <a:stretch>
-            <a:fillRect/>
-          </a:stretch>
-        </p:blipFill>
-        <p:spPr>
-          <a:xfrm>
-            <a:off x="997337" y="2256166"/>
-            <a:ext cx="3762553" cy="4194738"/>
-          </a:xfrm>
-          <a:prstGeom prst="rect">
-            <a:avLst/>
-          </a:prstGeom>
-        </p:spPr>
-      </p:pic>
-      <p:pic>
-        <p:nvPicPr>
-          <p:cNvPr id="5" name="Picture 4">
-            <a:extLst>
-              <a:ext uri="{FF2B5EF4-FFF2-40B4-BE49-F238E27FC236}">
-                <a16:creationId xmlns:a16="http://schemas.microsoft.com/office/drawing/2014/main" id="{69CEE7E9-BA82-A3E8-8076-D4CB078E2281}"/>
-              </a:ext>
-            </a:extLst>
-          </p:cNvPr>
-          <p:cNvPicPr>
-            <a:picLocks noChangeAspect="1"/>
-          </p:cNvPicPr>
-          <p:nvPr/>
-        </p:nvPicPr>
-        <p:blipFill>
-          <a:blip r:embed="rId4"/>
-          <a:stretch>
-            <a:fillRect/>
-          </a:stretch>
-        </p:blipFill>
-        <p:spPr>
-          <a:xfrm>
-            <a:off x="5828430" y="1417247"/>
-            <a:ext cx="5232400" cy="812800"/>
-          </a:xfrm>
-          <a:prstGeom prst="rect">
-            <a:avLst/>
-          </a:prstGeom>
-        </p:spPr>
-      </p:pic>
-      <p:pic>
-        <p:nvPicPr>
-          <p:cNvPr id="6" name="Picture 5">
-            <a:extLst>
-              <a:ext uri="{FF2B5EF4-FFF2-40B4-BE49-F238E27FC236}">
-                <a16:creationId xmlns:a16="http://schemas.microsoft.com/office/drawing/2014/main" id="{4B750163-A931-293D-B26C-1E073FA430BE}"/>
-              </a:ext>
-            </a:extLst>
-          </p:cNvPr>
-          <p:cNvPicPr>
-            <a:picLocks noChangeAspect="1"/>
-          </p:cNvPicPr>
-          <p:nvPr/>
-        </p:nvPicPr>
-        <p:blipFill>
-          <a:blip r:embed="rId5"/>
-          <a:stretch>
-            <a:fillRect/>
-          </a:stretch>
-        </p:blipFill>
-        <p:spPr>
-          <a:xfrm>
-            <a:off x="6194679" y="2256166"/>
-            <a:ext cx="3932613" cy="4416729"/>
-          </a:xfrm>
-          <a:prstGeom prst="rect">
-            <a:avLst/>
-          </a:prstGeom>
-        </p:spPr>
-      </p:pic>
-    </p:spTree>
-    <p:extLst>
-      <p:ext uri="{BB962C8B-B14F-4D97-AF65-F5344CB8AC3E}">
-        <p14:creationId xmlns:p14="http://schemas.microsoft.com/office/powerpoint/2010/main" val="3465441234"/>
-      </p:ext>
-    </p:extLst>
-  </p:cSld>
-  <p:clrMapOvr>
-    <a:masterClrMapping/>
-  </p:clrMapOvr>
-</p:sld>
-</file>
-
-<file path=ppt/slides/slide25.xml><?xml version="1.0" encoding="utf-8"?>
-<p:sld xmlns:a="http://schemas.openxmlformats.org/drawingml/2006/main" xmlns:r="http://schemas.openxmlformats.org/officeDocument/2006/relationships" xmlns:p="http://schemas.openxmlformats.org/presentationml/2006/main">
-  <p:cSld>
-    <p:spTree>
-      <p:nvGrpSpPr>
-        <p:cNvPr id="1" name=""/>
-        <p:cNvGrpSpPr/>
-        <p:nvPr/>
-      </p:nvGrpSpPr>
-      <p:grpSpPr>
-        <a:xfrm>
-          <a:off x="0" y="0"/>
-          <a:ext cx="0" cy="0"/>
-          <a:chOff x="0" y="0"/>
-          <a:chExt cx="0" cy="0"/>
-        </a:xfrm>
-      </p:grpSpPr>
-      <p:sp>
-        <p:nvSpPr>
-          <p:cNvPr id="2" name="TextBox 1">
-            <a:extLst>
-              <a:ext uri="{FF2B5EF4-FFF2-40B4-BE49-F238E27FC236}">
-                <a16:creationId xmlns:a16="http://schemas.microsoft.com/office/drawing/2014/main" id="{A819696E-90FA-20E5-DEDA-9D8EF88EF437}"/>
-              </a:ext>
-            </a:extLst>
-          </p:cNvPr>
-          <p:cNvSpPr txBox="1"/>
-          <p:nvPr/>
-        </p:nvSpPr>
-        <p:spPr>
-          <a:xfrm>
-            <a:off x="4816257" y="413359"/>
-            <a:ext cx="5423770" cy="369332"/>
-          </a:xfrm>
-          <a:prstGeom prst="rect">
-            <a:avLst/>
-          </a:prstGeom>
-          <a:noFill/>
-        </p:spPr>
-        <p:txBody>
-          <a:bodyPr wrap="square" rtlCol="0">
-            <a:spAutoFit/>
-          </a:bodyPr>
-          <a:lstStyle/>
-          <a:p>
-            <a:r>
-              <a:rPr lang="en-US" dirty="0"/>
-              <a:t>Adding to plots</a:t>
-            </a:r>
-          </a:p>
-        </p:txBody>
-      </p:sp>
-      <p:pic>
-        <p:nvPicPr>
-          <p:cNvPr id="7" name="Picture 6">
-            <a:extLst>
-              <a:ext uri="{FF2B5EF4-FFF2-40B4-BE49-F238E27FC236}">
-                <a16:creationId xmlns:a16="http://schemas.microsoft.com/office/drawing/2014/main" id="{CE5CC22E-0EFC-D30F-2A68-07750058C185}"/>
-              </a:ext>
-            </a:extLst>
-          </p:cNvPr>
-          <p:cNvPicPr>
-            <a:picLocks noChangeAspect="1"/>
-          </p:cNvPicPr>
-          <p:nvPr/>
-        </p:nvPicPr>
-        <p:blipFill>
-          <a:blip r:embed="rId2"/>
-          <a:stretch>
-            <a:fillRect/>
-          </a:stretch>
-        </p:blipFill>
-        <p:spPr>
-          <a:xfrm>
-            <a:off x="372736" y="1221809"/>
-            <a:ext cx="4756672" cy="988148"/>
-          </a:xfrm>
-          <a:prstGeom prst="rect">
-            <a:avLst/>
-          </a:prstGeom>
-        </p:spPr>
-      </p:pic>
-      <p:pic>
-        <p:nvPicPr>
-          <p:cNvPr id="8" name="Picture 7">
-            <a:extLst>
-              <a:ext uri="{FF2B5EF4-FFF2-40B4-BE49-F238E27FC236}">
-                <a16:creationId xmlns:a16="http://schemas.microsoft.com/office/drawing/2014/main" id="{FEE92BA7-B87D-BAB5-F39F-F551F17D326D}"/>
-              </a:ext>
-            </a:extLst>
-          </p:cNvPr>
-          <p:cNvPicPr>
-            <a:picLocks noChangeAspect="1"/>
-          </p:cNvPicPr>
-          <p:nvPr/>
-        </p:nvPicPr>
-        <p:blipFill>
-          <a:blip r:embed="rId3"/>
-          <a:stretch>
-            <a:fillRect/>
-          </a:stretch>
-        </p:blipFill>
-        <p:spPr>
-          <a:xfrm>
-            <a:off x="859109" y="2308924"/>
-            <a:ext cx="3759103" cy="4173295"/>
-          </a:xfrm>
-          <a:prstGeom prst="rect">
-            <a:avLst/>
-          </a:prstGeom>
-        </p:spPr>
-      </p:pic>
-      <p:pic>
-        <p:nvPicPr>
-          <p:cNvPr id="9" name="Picture 8">
-            <a:extLst>
-              <a:ext uri="{FF2B5EF4-FFF2-40B4-BE49-F238E27FC236}">
-                <a16:creationId xmlns:a16="http://schemas.microsoft.com/office/drawing/2014/main" id="{71E68F9D-CE1C-3433-A199-4F022E618C77}"/>
-              </a:ext>
-            </a:extLst>
-          </p:cNvPr>
-          <p:cNvPicPr>
-            <a:picLocks noChangeAspect="1"/>
-          </p:cNvPicPr>
-          <p:nvPr/>
-        </p:nvPicPr>
-        <p:blipFill>
-          <a:blip r:embed="rId4"/>
-          <a:stretch>
-            <a:fillRect/>
-          </a:stretch>
-        </p:blipFill>
-        <p:spPr>
-          <a:xfrm>
-            <a:off x="6530061" y="1164396"/>
-            <a:ext cx="4505369" cy="1102974"/>
-          </a:xfrm>
-          <a:prstGeom prst="rect">
-            <a:avLst/>
-          </a:prstGeom>
-        </p:spPr>
-      </p:pic>
-      <p:pic>
-        <p:nvPicPr>
-          <p:cNvPr id="10" name="Picture 9">
-            <a:extLst>
-              <a:ext uri="{FF2B5EF4-FFF2-40B4-BE49-F238E27FC236}">
-                <a16:creationId xmlns:a16="http://schemas.microsoft.com/office/drawing/2014/main" id="{D85A8081-977E-A64B-5127-7198A85BC7E2}"/>
-              </a:ext>
-            </a:extLst>
-          </p:cNvPr>
-          <p:cNvPicPr>
-            <a:picLocks noChangeAspect="1"/>
-          </p:cNvPicPr>
-          <p:nvPr/>
-        </p:nvPicPr>
-        <p:blipFill>
-          <a:blip r:embed="rId5"/>
-          <a:stretch>
-            <a:fillRect/>
-          </a:stretch>
-        </p:blipFill>
-        <p:spPr>
-          <a:xfrm>
-            <a:off x="6735425" y="2308924"/>
-            <a:ext cx="3586021" cy="3975155"/>
-          </a:xfrm>
-          <a:prstGeom prst="rect">
-            <a:avLst/>
-          </a:prstGeom>
-        </p:spPr>
-      </p:pic>
-    </p:spTree>
-    <p:extLst>
-      <p:ext uri="{BB962C8B-B14F-4D97-AF65-F5344CB8AC3E}">
-        <p14:creationId xmlns:p14="http://schemas.microsoft.com/office/powerpoint/2010/main" val="3204375063"/>
-      </p:ext>
-    </p:extLst>
-  </p:cSld>
-  <p:clrMapOvr>
-    <a:masterClrMapping/>
-  </p:clrMapOvr>
-</p:sld>
-</file>
-
-<file path=ppt/slides/slide26.xml><?xml version="1.0" encoding="utf-8"?>
-<p:sld xmlns:a="http://schemas.openxmlformats.org/drawingml/2006/main" xmlns:r="http://schemas.openxmlformats.org/officeDocument/2006/relationships" xmlns:p="http://schemas.openxmlformats.org/presentationml/2006/main">
-  <p:cSld>
-    <p:spTree>
-      <p:nvGrpSpPr>
-        <p:cNvPr id="1" name=""/>
-        <p:cNvGrpSpPr/>
-        <p:nvPr/>
-      </p:nvGrpSpPr>
-      <p:grpSpPr>
-        <a:xfrm>
-          <a:off x="0" y="0"/>
-          <a:ext cx="0" cy="0"/>
-          <a:chOff x="0" y="0"/>
-          <a:chExt cx="0" cy="0"/>
-        </a:xfrm>
-      </p:grpSpPr>
-      <p:sp>
-        <p:nvSpPr>
-          <p:cNvPr id="2" name="TextBox 1">
-            <a:extLst>
-              <a:ext uri="{FF2B5EF4-FFF2-40B4-BE49-F238E27FC236}">
-                <a16:creationId xmlns:a16="http://schemas.microsoft.com/office/drawing/2014/main" id="{BC3D68CD-363F-FDDD-56F1-E286D0BB3EA5}"/>
-              </a:ext>
-            </a:extLst>
-          </p:cNvPr>
-          <p:cNvSpPr txBox="1"/>
-          <p:nvPr/>
-        </p:nvSpPr>
-        <p:spPr>
-          <a:xfrm>
-            <a:off x="4283901" y="482252"/>
-            <a:ext cx="4014592" cy="369332"/>
-          </a:xfrm>
-          <a:prstGeom prst="rect">
-            <a:avLst/>
-          </a:prstGeom>
-          <a:noFill/>
-        </p:spPr>
-        <p:txBody>
-          <a:bodyPr wrap="square" rtlCol="0">
-            <a:spAutoFit/>
-          </a:bodyPr>
-          <a:lstStyle/>
-          <a:p>
-            <a:r>
-              <a:rPr lang="en-US" dirty="0"/>
-              <a:t>Making plots look better – Themes!</a:t>
-            </a:r>
-          </a:p>
-        </p:txBody>
-      </p:sp>
-      <p:pic>
-        <p:nvPicPr>
-          <p:cNvPr id="3" name="Picture 2">
-            <a:extLst>
-              <a:ext uri="{FF2B5EF4-FFF2-40B4-BE49-F238E27FC236}">
-                <a16:creationId xmlns:a16="http://schemas.microsoft.com/office/drawing/2014/main" id="{98D59025-87C0-C6BC-53D3-2AD1D8216A6E}"/>
-              </a:ext>
-            </a:extLst>
-          </p:cNvPr>
-          <p:cNvPicPr>
-            <a:picLocks noChangeAspect="1"/>
-          </p:cNvPicPr>
-          <p:nvPr/>
-        </p:nvPicPr>
-        <p:blipFill>
-          <a:blip r:embed="rId2"/>
-          <a:stretch>
-            <a:fillRect/>
-          </a:stretch>
-        </p:blipFill>
-        <p:spPr>
-          <a:xfrm>
-            <a:off x="1027831" y="1479202"/>
-            <a:ext cx="1117600" cy="292100"/>
-          </a:xfrm>
-          <a:prstGeom prst="rect">
-            <a:avLst/>
-          </a:prstGeom>
-        </p:spPr>
-      </p:pic>
-      <p:pic>
-        <p:nvPicPr>
-          <p:cNvPr id="4" name="Picture 3">
-            <a:extLst>
-              <a:ext uri="{FF2B5EF4-FFF2-40B4-BE49-F238E27FC236}">
-                <a16:creationId xmlns:a16="http://schemas.microsoft.com/office/drawing/2014/main" id="{33CED6A7-4ECC-F738-ABF9-8DD1BD4DC339}"/>
-              </a:ext>
-            </a:extLst>
-          </p:cNvPr>
-          <p:cNvPicPr>
-            <a:picLocks noChangeAspect="1"/>
-          </p:cNvPicPr>
-          <p:nvPr/>
-        </p:nvPicPr>
-        <p:blipFill>
-          <a:blip r:embed="rId3"/>
-          <a:stretch>
-            <a:fillRect/>
-          </a:stretch>
-        </p:blipFill>
-        <p:spPr>
-          <a:xfrm>
-            <a:off x="124865" y="1910218"/>
-            <a:ext cx="3524866" cy="3895595"/>
-          </a:xfrm>
-          <a:prstGeom prst="rect">
-            <a:avLst/>
-          </a:prstGeom>
-        </p:spPr>
-      </p:pic>
-      <p:pic>
-        <p:nvPicPr>
-          <p:cNvPr id="5" name="Picture 4">
-            <a:extLst>
-              <a:ext uri="{FF2B5EF4-FFF2-40B4-BE49-F238E27FC236}">
-                <a16:creationId xmlns:a16="http://schemas.microsoft.com/office/drawing/2014/main" id="{5E95CDF4-2363-3B7E-A97E-B81AC7B0612B}"/>
-              </a:ext>
-            </a:extLst>
-          </p:cNvPr>
-          <p:cNvPicPr>
-            <a:picLocks noChangeAspect="1"/>
-          </p:cNvPicPr>
-          <p:nvPr/>
-        </p:nvPicPr>
-        <p:blipFill>
-          <a:blip r:embed="rId4"/>
-          <a:stretch>
-            <a:fillRect/>
-          </a:stretch>
-        </p:blipFill>
-        <p:spPr>
-          <a:xfrm>
-            <a:off x="4158641" y="1930271"/>
-            <a:ext cx="3651337" cy="3875542"/>
-          </a:xfrm>
-          <a:prstGeom prst="rect">
-            <a:avLst/>
-          </a:prstGeom>
-        </p:spPr>
-      </p:pic>
-      <p:pic>
-        <p:nvPicPr>
-          <p:cNvPr id="6" name="Picture 5">
-            <a:extLst>
-              <a:ext uri="{FF2B5EF4-FFF2-40B4-BE49-F238E27FC236}">
-                <a16:creationId xmlns:a16="http://schemas.microsoft.com/office/drawing/2014/main" id="{83579CEE-E3D4-3118-F0EA-5357BE50F129}"/>
-              </a:ext>
-            </a:extLst>
-          </p:cNvPr>
-          <p:cNvPicPr>
-            <a:picLocks noChangeAspect="1"/>
-          </p:cNvPicPr>
-          <p:nvPr/>
-        </p:nvPicPr>
-        <p:blipFill>
-          <a:blip r:embed="rId5"/>
-          <a:stretch>
-            <a:fillRect/>
-          </a:stretch>
-        </p:blipFill>
-        <p:spPr>
-          <a:xfrm>
-            <a:off x="5276850" y="1453802"/>
-            <a:ext cx="1638300" cy="317500"/>
-          </a:xfrm>
-          <a:prstGeom prst="rect">
-            <a:avLst/>
-          </a:prstGeom>
-        </p:spPr>
-      </p:pic>
-      <p:pic>
-        <p:nvPicPr>
-          <p:cNvPr id="7" name="Picture 6">
-            <a:extLst>
-              <a:ext uri="{FF2B5EF4-FFF2-40B4-BE49-F238E27FC236}">
-                <a16:creationId xmlns:a16="http://schemas.microsoft.com/office/drawing/2014/main" id="{6128C118-F8CB-10C6-CB0C-2F8F7A41E6EA}"/>
-              </a:ext>
-            </a:extLst>
-          </p:cNvPr>
-          <p:cNvPicPr>
-            <a:picLocks noChangeAspect="1"/>
-          </p:cNvPicPr>
-          <p:nvPr/>
-        </p:nvPicPr>
-        <p:blipFill>
-          <a:blip r:embed="rId6"/>
-          <a:stretch>
-            <a:fillRect/>
-          </a:stretch>
-        </p:blipFill>
-        <p:spPr>
-          <a:xfrm>
-            <a:off x="8284136" y="527343"/>
-            <a:ext cx="3524866" cy="1097909"/>
-          </a:xfrm>
-          <a:prstGeom prst="rect">
-            <a:avLst/>
-          </a:prstGeom>
-        </p:spPr>
-      </p:pic>
-      <p:pic>
-        <p:nvPicPr>
-          <p:cNvPr id="8" name="Picture 7">
-            <a:extLst>
-              <a:ext uri="{FF2B5EF4-FFF2-40B4-BE49-F238E27FC236}">
-                <a16:creationId xmlns:a16="http://schemas.microsoft.com/office/drawing/2014/main" id="{C1C346ED-6D3D-F60C-9413-E6360C27D1B1}"/>
-              </a:ext>
-            </a:extLst>
-          </p:cNvPr>
-          <p:cNvPicPr>
-            <a:picLocks noChangeAspect="1"/>
-          </p:cNvPicPr>
-          <p:nvPr/>
-        </p:nvPicPr>
-        <p:blipFill>
-          <a:blip r:embed="rId7"/>
-          <a:stretch>
-            <a:fillRect/>
-          </a:stretch>
-        </p:blipFill>
-        <p:spPr>
-          <a:xfrm>
-            <a:off x="8041449" y="2174206"/>
-            <a:ext cx="3717418" cy="3895595"/>
-          </a:xfrm>
-          <a:prstGeom prst="rect">
-            <a:avLst/>
-          </a:prstGeom>
-        </p:spPr>
-      </p:pic>
-      <p:pic>
-        <p:nvPicPr>
-          <p:cNvPr id="9" name="Picture 8">
-            <a:extLst>
-              <a:ext uri="{FF2B5EF4-FFF2-40B4-BE49-F238E27FC236}">
-                <a16:creationId xmlns:a16="http://schemas.microsoft.com/office/drawing/2014/main" id="{1D89B98D-6FC3-10BC-EC07-DD686B028A73}"/>
-              </a:ext>
-            </a:extLst>
-          </p:cNvPr>
-          <p:cNvPicPr>
-            <a:picLocks noChangeAspect="1"/>
-          </p:cNvPicPr>
-          <p:nvPr/>
-        </p:nvPicPr>
-        <p:blipFill>
-          <a:blip r:embed="rId8"/>
-          <a:stretch>
-            <a:fillRect/>
-          </a:stretch>
-        </p:blipFill>
-        <p:spPr>
-          <a:xfrm>
-            <a:off x="8808319" y="1740979"/>
-            <a:ext cx="2476500" cy="317500"/>
-          </a:xfrm>
-          <a:prstGeom prst="rect">
-            <a:avLst/>
-          </a:prstGeom>
-        </p:spPr>
-      </p:pic>
-    </p:spTree>
-    <p:extLst>
-      <p:ext uri="{BB962C8B-B14F-4D97-AF65-F5344CB8AC3E}">
-        <p14:creationId xmlns:p14="http://schemas.microsoft.com/office/powerpoint/2010/main" val="295684193"/>
-      </p:ext>
-    </p:extLst>
-  </p:cSld>
-  <p:clrMapOvr>
-    <a:masterClrMapping/>
-  </p:clrMapOvr>
-</p:sld>
-</file>
-
-<file path=ppt/slides/slide27.xml><?xml version="1.0" encoding="utf-8"?>
-<p:sld xmlns:a="http://schemas.openxmlformats.org/drawingml/2006/main" xmlns:r="http://schemas.openxmlformats.org/officeDocument/2006/relationships" xmlns:p="http://schemas.openxmlformats.org/presentationml/2006/main">
-  <p:cSld>
-    <p:spTree>
-      <p:nvGrpSpPr>
-        <p:cNvPr id="1" name=""/>
-        <p:cNvGrpSpPr/>
-        <p:nvPr/>
-      </p:nvGrpSpPr>
-      <p:grpSpPr>
-        <a:xfrm>
-          <a:off x="0" y="0"/>
-          <a:ext cx="0" cy="0"/>
-          <a:chOff x="0" y="0"/>
-          <a:chExt cx="0" cy="0"/>
-        </a:xfrm>
-      </p:grpSpPr>
-      <p:sp>
-        <p:nvSpPr>
-          <p:cNvPr id="2" name="TextBox 1">
-            <a:extLst>
-              <a:ext uri="{FF2B5EF4-FFF2-40B4-BE49-F238E27FC236}">
-                <a16:creationId xmlns:a16="http://schemas.microsoft.com/office/drawing/2014/main" id="{BB0ED4C7-7072-9DBF-33A9-4AA4D246AA68}"/>
-              </a:ext>
-            </a:extLst>
-          </p:cNvPr>
-          <p:cNvSpPr txBox="1"/>
-          <p:nvPr/>
-        </p:nvSpPr>
-        <p:spPr>
-          <a:xfrm>
-            <a:off x="3331923" y="269310"/>
-            <a:ext cx="5073440" cy="369332"/>
-          </a:xfrm>
-          <a:prstGeom prst="rect">
-            <a:avLst/>
-          </a:prstGeom>
-          <a:noFill/>
-        </p:spPr>
-        <p:txBody>
-          <a:bodyPr wrap="none" rtlCol="0">
-            <a:spAutoFit/>
-          </a:bodyPr>
-          <a:lstStyle/>
-          <a:p>
-            <a:r>
-              <a:rPr lang="en-US" dirty="0"/>
-              <a:t>Themes can be added to like any other plot element</a:t>
-            </a:r>
-          </a:p>
-        </p:txBody>
-      </p:sp>
-      <p:pic>
-        <p:nvPicPr>
-          <p:cNvPr id="3" name="Picture 2">
-            <a:extLst>
-              <a:ext uri="{FF2B5EF4-FFF2-40B4-BE49-F238E27FC236}">
-                <a16:creationId xmlns:a16="http://schemas.microsoft.com/office/drawing/2014/main" id="{96F45484-C265-8873-5FCA-E2E58BE96ABD}"/>
-              </a:ext>
-            </a:extLst>
-          </p:cNvPr>
-          <p:cNvPicPr>
-            <a:picLocks noChangeAspect="1"/>
-          </p:cNvPicPr>
-          <p:nvPr/>
-        </p:nvPicPr>
-        <p:blipFill>
-          <a:blip r:embed="rId2"/>
-          <a:stretch>
-            <a:fillRect/>
-          </a:stretch>
-        </p:blipFill>
-        <p:spPr>
-          <a:xfrm>
-            <a:off x="322023" y="1191785"/>
-            <a:ext cx="4801122" cy="1285462"/>
-          </a:xfrm>
-          <a:prstGeom prst="rect">
-            <a:avLst/>
-          </a:prstGeom>
-        </p:spPr>
-      </p:pic>
-      <p:pic>
-        <p:nvPicPr>
-          <p:cNvPr id="4" name="Picture 3">
-            <a:extLst>
-              <a:ext uri="{FF2B5EF4-FFF2-40B4-BE49-F238E27FC236}">
-                <a16:creationId xmlns:a16="http://schemas.microsoft.com/office/drawing/2014/main" id="{0CE3BC9A-8B3E-F9BF-FF6D-0D13A563D8E0}"/>
-              </a:ext>
-            </a:extLst>
-          </p:cNvPr>
-          <p:cNvPicPr>
-            <a:picLocks noChangeAspect="1"/>
-          </p:cNvPicPr>
-          <p:nvPr/>
-        </p:nvPicPr>
-        <p:blipFill>
-          <a:blip r:embed="rId3"/>
-          <a:stretch>
-            <a:fillRect/>
-          </a:stretch>
-        </p:blipFill>
-        <p:spPr>
-          <a:xfrm>
-            <a:off x="800121" y="2477247"/>
-            <a:ext cx="3844926" cy="4267868"/>
-          </a:xfrm>
-          <a:prstGeom prst="rect">
-            <a:avLst/>
-          </a:prstGeom>
-        </p:spPr>
-      </p:pic>
-      <p:pic>
-        <p:nvPicPr>
-          <p:cNvPr id="5" name="Picture 4">
-            <a:extLst>
-              <a:ext uri="{FF2B5EF4-FFF2-40B4-BE49-F238E27FC236}">
-                <a16:creationId xmlns:a16="http://schemas.microsoft.com/office/drawing/2014/main" id="{6E06D12F-FC24-750F-E5C8-857AC5C81927}"/>
-              </a:ext>
-            </a:extLst>
-          </p:cNvPr>
-          <p:cNvPicPr>
-            <a:picLocks noChangeAspect="1"/>
-          </p:cNvPicPr>
-          <p:nvPr/>
-        </p:nvPicPr>
-        <p:blipFill>
-          <a:blip r:embed="rId4"/>
-          <a:stretch>
-            <a:fillRect/>
-          </a:stretch>
-        </p:blipFill>
-        <p:spPr>
-          <a:xfrm>
-            <a:off x="5795718" y="1139868"/>
-            <a:ext cx="3053920" cy="5357682"/>
-          </a:xfrm>
-          <a:prstGeom prst="rect">
-            <a:avLst/>
-          </a:prstGeom>
-        </p:spPr>
-      </p:pic>
-      <p:sp>
-        <p:nvSpPr>
-          <p:cNvPr id="7" name="TextBox 6">
-            <a:extLst>
-              <a:ext uri="{FF2B5EF4-FFF2-40B4-BE49-F238E27FC236}">
-                <a16:creationId xmlns:a16="http://schemas.microsoft.com/office/drawing/2014/main" id="{7CF36290-573D-639B-4CB0-8A36DCE32216}"/>
-              </a:ext>
-            </a:extLst>
-          </p:cNvPr>
-          <p:cNvSpPr txBox="1"/>
-          <p:nvPr/>
-        </p:nvSpPr>
-        <p:spPr>
-          <a:xfrm>
-            <a:off x="7125744" y="6147100"/>
-            <a:ext cx="6097044" cy="369332"/>
-          </a:xfrm>
-          <a:prstGeom prst="rect">
-            <a:avLst/>
-          </a:prstGeom>
-          <a:noFill/>
-        </p:spPr>
-        <p:txBody>
-          <a:bodyPr wrap="square">
-            <a:spAutoFit/>
-          </a:bodyPr>
-          <a:lstStyle/>
-          <a:p>
-            <a:r>
-              <a:rPr lang="en-US" dirty="0"/>
-              <a:t>https://ggplot2.tidyverse.org/reference/</a:t>
-            </a:r>
-            <a:r>
-              <a:rPr lang="en-US" dirty="0" err="1"/>
-              <a:t>theme.html</a:t>
-            </a:r>
-            <a:endParaRPr lang="en-US" dirty="0"/>
-          </a:p>
-        </p:txBody>
-      </p:sp>
-    </p:spTree>
-    <p:extLst>
-      <p:ext uri="{BB962C8B-B14F-4D97-AF65-F5344CB8AC3E}">
-        <p14:creationId xmlns:p14="http://schemas.microsoft.com/office/powerpoint/2010/main" val="1375084345"/>
-      </p:ext>
-    </p:extLst>
-  </p:cSld>
-  <p:clrMapOvr>
-    <a:masterClrMapping/>
-  </p:clrMapOvr>
-</p:sld>
-</file>
-
-<file path=ppt/slides/slide28.xml><?xml version="1.0" encoding="utf-8"?>
-<p:sld xmlns:a="http://schemas.openxmlformats.org/drawingml/2006/main" xmlns:r="http://schemas.openxmlformats.org/officeDocument/2006/relationships" xmlns:p="http://schemas.openxmlformats.org/presentationml/2006/main">
-  <p:cSld>
-    <p:spTree>
-      <p:nvGrpSpPr>
-        <p:cNvPr id="1" name=""/>
-        <p:cNvGrpSpPr/>
-        <p:nvPr/>
-      </p:nvGrpSpPr>
-      <p:grpSpPr>
-        <a:xfrm>
-          <a:off x="0" y="0"/>
-          <a:ext cx="0" cy="0"/>
-          <a:chOff x="0" y="0"/>
-          <a:chExt cx="0" cy="0"/>
-        </a:xfrm>
-      </p:grpSpPr>
-      <p:sp>
-        <p:nvSpPr>
           <p:cNvPr id="391" name="back to code"/>
           <p:cNvSpPr txBox="1"/>
           <p:nvPr/>
         </p:nvSpPr>
         <p:spPr>
           <a:xfrm>
-            <a:off x="5619979" y="3334102"/>
-            <a:ext cx="646011" cy="189796"/>
+            <a:off x="5318765" y="2631502"/>
+            <a:ext cx="2879699" cy="605294"/>
           </a:xfrm>
           <a:prstGeom prst="rect">
             <a:avLst/>
@@ -9813,7 +10413,7 @@
           </a:ln>
           <a:extLst>
             <a:ext uri="{C572A759-6A51-4108-AA02-DFA0A04FC94B}">
-              <ma14:wrappingTextBoxFlag xmlns="" xmlns:m="http://schemas.openxmlformats.org/officeDocument/2006/math" xmlns:a14="http://schemas.microsoft.com/office/drawing/2010/main" xmlns:ma14="http://schemas.microsoft.com/office/mac/drawingml/2011/main" val="1"/>
+              <ma14:wrappingTextBoxFlag xmlns:ma14="http://schemas.microsoft.com/office/mac/drawingml/2011/main" xmlns:a14="http://schemas.microsoft.com/office/drawing/2010/main" xmlns:m="http://schemas.openxmlformats.org/officeDocument/2006/math" xmlns="" val="1"/>
             </a:ext>
           </a:extLst>
         </p:spPr>
@@ -9824,9 +10424,10 @@
           <a:lstStyle/>
           <a:p>
             <a:r>
-              <a:rPr sz="900"/>
-              <a:t>back to code</a:t>
-            </a:r>
+              <a:rPr lang="en-US" sz="3600" dirty="0"/>
+              <a:t>Code examples</a:t>
+            </a:r>
+            <a:endParaRPr sz="3600" dirty="0"/>
           </a:p>
         </p:txBody>
       </p:sp>
@@ -9874,7 +10475,7 @@
           </a:ln>
           <a:extLst>
             <a:ext uri="{C572A759-6A51-4108-AA02-DFA0A04FC94B}">
-              <ma14:wrappingTextBoxFlag xmlns="" xmlns:m="http://schemas.openxmlformats.org/officeDocument/2006/math" xmlns:a14="http://schemas.microsoft.com/office/drawing/2010/main" xmlns:ma14="http://schemas.microsoft.com/office/mac/drawingml/2011/main" val="1"/>
+              <ma14:wrappingTextBoxFlag xmlns:ma14="http://schemas.microsoft.com/office/mac/drawingml/2011/main" xmlns:a14="http://schemas.microsoft.com/office/drawing/2010/main" xmlns:m="http://schemas.openxmlformats.org/officeDocument/2006/math" xmlns="" val="1"/>
             </a:ext>
           </a:extLst>
         </p:spPr>
@@ -9918,7 +10519,7 @@
           </a:ln>
           <a:extLst>
             <a:ext uri="{C572A759-6A51-4108-AA02-DFA0A04FC94B}">
-              <ma14:wrappingTextBoxFlag xmlns="" xmlns:m="http://schemas.openxmlformats.org/officeDocument/2006/math" xmlns:a14="http://schemas.microsoft.com/office/drawing/2010/main" xmlns:ma14="http://schemas.microsoft.com/office/mac/drawingml/2011/main" val="1"/>
+              <ma14:wrappingTextBoxFlag xmlns:ma14="http://schemas.microsoft.com/office/mac/drawingml/2011/main" xmlns:a14="http://schemas.microsoft.com/office/drawing/2010/main" xmlns:m="http://schemas.openxmlformats.org/officeDocument/2006/math" xmlns="" val="1"/>
             </a:ext>
           </a:extLst>
         </p:spPr>
@@ -9955,7 +10556,7 @@
           </a:ln>
           <a:extLst>
             <a:ext uri="{C572A759-6A51-4108-AA02-DFA0A04FC94B}">
-              <ma14:wrappingTextBoxFlag xmlns="" xmlns:m="http://schemas.openxmlformats.org/officeDocument/2006/math" xmlns:a14="http://schemas.microsoft.com/office/drawing/2010/main" xmlns:ma14="http://schemas.microsoft.com/office/mac/drawingml/2011/main" val="1"/>
+              <ma14:wrappingTextBoxFlag xmlns:ma14="http://schemas.microsoft.com/office/mac/drawingml/2011/main" xmlns:a14="http://schemas.microsoft.com/office/drawing/2010/main" xmlns:m="http://schemas.openxmlformats.org/officeDocument/2006/math" xmlns="" val="1"/>
             </a:ext>
           </a:extLst>
         </p:spPr>
@@ -10124,8 +10725,8 @@
         </p:nvSpPr>
         <p:spPr>
           <a:xfrm>
-            <a:off x="748896" y="2027084"/>
-            <a:ext cx="2321170" cy="4801314"/>
+            <a:off x="748896" y="1779687"/>
+            <a:ext cx="2321170" cy="5078313"/>
           </a:xfrm>
           <a:prstGeom prst="rect">
             <a:avLst/>
@@ -10167,7 +10768,7 @@
           <a:p>
             <a:r>
               <a:rPr lang="en-US" dirty="0"/>
-              <a:t>Which carrier had the most departure delays</a:t>
+              <a:t>Which carrier had the most departure delays (&gt; 0)</a:t>
             </a:r>
           </a:p>
           <a:p>
@@ -10176,12 +10777,156 @@
           <a:p>
             <a:r>
               <a:rPr lang="en-US" dirty="0"/>
-              <a:t>How many flights per year</a:t>
+              <a:t>How many flights per month</a:t>
             </a:r>
           </a:p>
         </p:txBody>
       </p:sp>
     </p:spTree>
+  </p:cSld>
+  <p:clrMapOvr>
+    <a:masterClrMapping/>
+  </p:clrMapOvr>
+</p:sld>
+</file>
+
+<file path=ppt/slides/slide30.xml><?xml version="1.0" encoding="utf-8"?>
+<p:sld xmlns:a="http://schemas.openxmlformats.org/drawingml/2006/main" xmlns:r="http://schemas.openxmlformats.org/officeDocument/2006/relationships" xmlns:p="http://schemas.openxmlformats.org/presentationml/2006/main">
+  <p:cSld>
+    <p:spTree>
+      <p:nvGrpSpPr>
+        <p:cNvPr id="1" name=""/>
+        <p:cNvGrpSpPr/>
+        <p:nvPr/>
+      </p:nvGrpSpPr>
+      <p:grpSpPr>
+        <a:xfrm>
+          <a:off x="0" y="0"/>
+          <a:ext cx="0" cy="0"/>
+          <a:chOff x="0" y="0"/>
+          <a:chExt cx="0" cy="0"/>
+        </a:xfrm>
+      </p:grpSpPr>
+      <p:sp>
+        <p:nvSpPr>
+          <p:cNvPr id="2" name="TextBox 1">
+            <a:extLst>
+              <a:ext uri="{FF2B5EF4-FFF2-40B4-BE49-F238E27FC236}">
+                <a16:creationId xmlns:a16="http://schemas.microsoft.com/office/drawing/2014/main" id="{550E8E94-1AA1-A896-D625-D1F7DE2AB81E}"/>
+              </a:ext>
+            </a:extLst>
+          </p:cNvPr>
+          <p:cNvSpPr txBox="1"/>
+          <p:nvPr/>
+        </p:nvSpPr>
+        <p:spPr>
+          <a:xfrm>
+            <a:off x="1473798" y="925158"/>
+            <a:ext cx="9316122" cy="369332"/>
+          </a:xfrm>
+          <a:prstGeom prst="rect">
+            <a:avLst/>
+          </a:prstGeom>
+          <a:noFill/>
+        </p:spPr>
+        <p:txBody>
+          <a:bodyPr wrap="square" rtlCol="0">
+            <a:spAutoFit/>
+          </a:bodyPr>
+          <a:lstStyle/>
+          <a:p>
+            <a:r>
+              <a:rPr lang="en-US" dirty="0"/>
+              <a:t>Class Practice</a:t>
+            </a:r>
+          </a:p>
+        </p:txBody>
+      </p:sp>
+      <p:sp>
+        <p:nvSpPr>
+          <p:cNvPr id="3" name="TextBox 2">
+            <a:extLst>
+              <a:ext uri="{FF2B5EF4-FFF2-40B4-BE49-F238E27FC236}">
+                <a16:creationId xmlns:a16="http://schemas.microsoft.com/office/drawing/2014/main" id="{84EE9E08-2678-03F1-DD59-56FB0B0D6249}"/>
+              </a:ext>
+            </a:extLst>
+          </p:cNvPr>
+          <p:cNvSpPr txBox="1"/>
+          <p:nvPr/>
+        </p:nvSpPr>
+        <p:spPr>
+          <a:xfrm>
+            <a:off x="1366222" y="1602890"/>
+            <a:ext cx="12919934" cy="1477328"/>
+          </a:xfrm>
+          <a:prstGeom prst="rect">
+            <a:avLst/>
+          </a:prstGeom>
+          <a:noFill/>
+        </p:spPr>
+        <p:txBody>
+          <a:bodyPr wrap="square" rtlCol="0">
+            <a:spAutoFit/>
+          </a:bodyPr>
+          <a:lstStyle/>
+          <a:p>
+            <a:pPr marL="342900" indent="-342900">
+              <a:buAutoNum type="arabicPeriod"/>
+            </a:pPr>
+            <a:r>
+              <a:rPr lang="en-US" dirty="0"/>
+              <a:t>Load Duke vs UNC basketball data  - data/</a:t>
+            </a:r>
+            <a:r>
+              <a:rPr lang="en-US" dirty="0" err="1"/>
+              <a:t>duke_unc_hoops.csv</a:t>
+            </a:r>
+            <a:endParaRPr lang="en-US" dirty="0"/>
+          </a:p>
+          <a:p>
+            <a:pPr marL="342900" indent="-342900">
+              <a:buAutoNum type="arabicPeriod"/>
+            </a:pPr>
+            <a:r>
+              <a:rPr lang="en-US" dirty="0"/>
+              <a:t>Make some plots to show which team is better</a:t>
+            </a:r>
+          </a:p>
+          <a:p>
+            <a:pPr marL="342900" indent="-342900">
+              <a:buAutoNum type="arabicPeriod"/>
+            </a:pPr>
+            <a:r>
+              <a:rPr lang="en-US" dirty="0"/>
+              <a:t>Use glimpse() to see an overview of the data frame (and data types)</a:t>
+            </a:r>
+          </a:p>
+          <a:p>
+            <a:pPr marL="342900" indent="-342900">
+              <a:buAutoNum type="arabicPeriod"/>
+            </a:pPr>
+            <a:r>
+              <a:rPr lang="en-US" dirty="0"/>
+              <a:t>Compare pre and post season ranking</a:t>
+            </a:r>
+          </a:p>
+          <a:p>
+            <a:pPr marL="342900" indent="-342900">
+              <a:buAutoNum type="arabicPeriod"/>
+            </a:pPr>
+            <a:r>
+              <a:rPr lang="en-US" dirty="0"/>
+              <a:t>Is there missing data? Why?</a:t>
+            </a:r>
+          </a:p>
+        </p:txBody>
+      </p:sp>
+    </p:spTree>
+    <p:extLst>
+      <p:ext uri="{BB962C8B-B14F-4D97-AF65-F5344CB8AC3E}">
+        <p14:creationId xmlns:p14="http://schemas.microsoft.com/office/powerpoint/2010/main" val="1400656078"/>
+      </p:ext>
+    </p:extLst>
   </p:cSld>
   <p:clrMapOvr>
     <a:masterClrMapping/>
@@ -10208,274 +10953,104 @@
       </p:grpSpPr>
       <p:sp>
         <p:nvSpPr>
-          <p:cNvPr id="318" name="Tidy Data"/>
+          <p:cNvPr id="2" name="TextBox 1">
+            <a:extLst>
+              <a:ext uri="{FF2B5EF4-FFF2-40B4-BE49-F238E27FC236}">
+                <a16:creationId xmlns:a16="http://schemas.microsoft.com/office/drawing/2014/main" id="{BF7D0C15-9868-0394-584D-B1F548C00E08}"/>
+              </a:ext>
+            </a:extLst>
+          </p:cNvPr>
           <p:cNvSpPr txBox="1"/>
           <p:nvPr/>
         </p:nvSpPr>
         <p:spPr>
           <a:xfrm>
-            <a:off x="5409819" y="177130"/>
-            <a:ext cx="1382879" cy="420628"/>
-          </a:xfrm>
-          <a:prstGeom prst="rect">
-            <a:avLst/>
-          </a:prstGeom>
-          <a:ln w="12700">
-            <a:miter lim="400000"/>
-          </a:ln>
-          <a:extLst>
-            <a:ext uri="{C572A759-6A51-4108-AA02-DFA0A04FC94B}">
-              <ma14:wrappingTextBoxFlag xmlns="" xmlns:m="http://schemas.openxmlformats.org/officeDocument/2006/math" xmlns:a14="http://schemas.microsoft.com/office/drawing/2010/main" xmlns:ma14="http://schemas.microsoft.com/office/mac/drawingml/2011/main" val="1"/>
-            </a:ext>
-          </a:extLst>
-        </p:spPr>
-        <p:txBody>
-          <a:bodyPr wrap="none" lIns="25400" tIns="25400" rIns="25400" bIns="25400" anchor="ctr">
-            <a:spAutoFit/>
-          </a:bodyPr>
-          <a:lstStyle>
-            <a:lvl1pPr>
-              <a:defRPr sz="4800">
-                <a:latin typeface="Avenir Next Regular"/>
-                <a:ea typeface="Avenir Next Regular"/>
-                <a:cs typeface="Avenir Next Regular"/>
-                <a:sym typeface="Avenir Next Regular"/>
-              </a:defRPr>
-            </a:lvl1pPr>
-          </a:lstStyle>
-          <a:p>
-            <a:r>
-              <a:rPr sz="2400"/>
-              <a:t>Tidy Data</a:t>
-            </a:r>
-          </a:p>
-        </p:txBody>
-      </p:sp>
-      <p:pic>
-        <p:nvPicPr>
-          <p:cNvPr id="319" name="Image" descr="Image"/>
-          <p:cNvPicPr>
-            <a:picLocks noChangeAspect="1"/>
-          </p:cNvPicPr>
-          <p:nvPr/>
-        </p:nvPicPr>
-        <p:blipFill>
-          <a:blip r:embed="rId2"/>
-          <a:stretch>
-            <a:fillRect/>
-          </a:stretch>
-        </p:blipFill>
-        <p:spPr>
-          <a:xfrm>
-            <a:off x="489345" y="1079287"/>
-            <a:ext cx="5125620" cy="1521018"/>
-          </a:xfrm>
-          <a:prstGeom prst="rect">
-            <a:avLst/>
-          </a:prstGeom>
-          <a:ln w="12700">
-            <a:miter lim="400000"/>
-          </a:ln>
-        </p:spPr>
-      </p:pic>
-      <p:pic>
-        <p:nvPicPr>
-          <p:cNvPr id="320" name="Image" descr="Image"/>
-          <p:cNvPicPr>
-            <a:picLocks noChangeAspect="1"/>
-          </p:cNvPicPr>
-          <p:nvPr/>
-        </p:nvPicPr>
-        <p:blipFill>
-          <a:blip r:embed="rId3"/>
-          <a:stretch>
-            <a:fillRect/>
-          </a:stretch>
-        </p:blipFill>
-        <p:spPr>
-          <a:xfrm>
-            <a:off x="237077" y="2297728"/>
-            <a:ext cx="6491694" cy="2540985"/>
-          </a:xfrm>
-          <a:prstGeom prst="rect">
-            <a:avLst/>
-          </a:prstGeom>
-          <a:ln w="12700">
-            <a:miter lim="400000"/>
-          </a:ln>
-        </p:spPr>
-      </p:pic>
-      <p:sp>
-        <p:nvSpPr>
-          <p:cNvPr id="321" name="https://r4ds.had.co.nz/tidy-data.html"/>
-          <p:cNvSpPr txBox="1"/>
-          <p:nvPr/>
-        </p:nvSpPr>
-        <p:spPr>
-          <a:xfrm>
-            <a:off x="9346138" y="6221681"/>
-            <a:ext cx="1812997" cy="189796"/>
-          </a:xfrm>
-          <a:prstGeom prst="rect">
-            <a:avLst/>
-          </a:prstGeom>
-          <a:ln w="12700">
-            <a:miter lim="400000"/>
-          </a:ln>
-          <a:extLst>
-            <a:ext uri="{C572A759-6A51-4108-AA02-DFA0A04FC94B}">
-              <ma14:wrappingTextBoxFlag xmlns="" xmlns:m="http://schemas.openxmlformats.org/officeDocument/2006/math" xmlns:a14="http://schemas.microsoft.com/office/drawing/2010/main" xmlns:ma14="http://schemas.microsoft.com/office/mac/drawingml/2011/main" val="1"/>
-            </a:ext>
-          </a:extLst>
-        </p:spPr>
-        <p:txBody>
-          <a:bodyPr wrap="none" lIns="25400" tIns="25400" rIns="25400" bIns="25400" anchor="ctr">
+            <a:off x="5550946" y="333487"/>
+            <a:ext cx="6433073" cy="369332"/>
+          </a:xfrm>
+          <a:prstGeom prst="rect">
+            <a:avLst/>
+          </a:prstGeom>
+          <a:noFill/>
+        </p:spPr>
+        <p:txBody>
+          <a:bodyPr wrap="square" rtlCol="0">
             <a:spAutoFit/>
           </a:bodyPr>
           <a:lstStyle/>
           <a:p>
             <a:r>
-              <a:rPr sz="900"/>
-              <a:t>https://r4ds.had.co.nz/tidy-data.html</a:t>
-            </a:r>
-          </a:p>
-        </p:txBody>
-      </p:sp>
-      <p:sp>
-        <p:nvSpPr>
-          <p:cNvPr id="322" name="Not Tidy - wide"/>
+              <a:rPr lang="en-US" dirty="0"/>
+              <a:t>Today’s Goals</a:t>
+            </a:r>
+          </a:p>
+        </p:txBody>
+      </p:sp>
+      <p:sp>
+        <p:nvSpPr>
+          <p:cNvPr id="3" name="TextBox 2">
+            <a:extLst>
+              <a:ext uri="{FF2B5EF4-FFF2-40B4-BE49-F238E27FC236}">
+                <a16:creationId xmlns:a16="http://schemas.microsoft.com/office/drawing/2014/main" id="{4D2F2DB7-B785-759B-32FA-605A8FA354E1}"/>
+              </a:ext>
+            </a:extLst>
+          </p:cNvPr>
           <p:cNvSpPr txBox="1"/>
           <p:nvPr/>
         </p:nvSpPr>
         <p:spPr>
           <a:xfrm>
-            <a:off x="8432134" y="1102077"/>
-            <a:ext cx="1505220" cy="328295"/>
-          </a:xfrm>
-          <a:prstGeom prst="rect">
-            <a:avLst/>
-          </a:prstGeom>
-          <a:ln w="12700">
-            <a:miter lim="400000"/>
-          </a:ln>
-          <a:extLst>
-            <a:ext uri="{C572A759-6A51-4108-AA02-DFA0A04FC94B}">
-              <ma14:wrappingTextBoxFlag xmlns="" xmlns:m="http://schemas.openxmlformats.org/officeDocument/2006/math" xmlns:a14="http://schemas.microsoft.com/office/drawing/2010/main" xmlns:ma14="http://schemas.microsoft.com/office/mac/drawingml/2011/main" val="1"/>
-            </a:ext>
-          </a:extLst>
-        </p:spPr>
-        <p:txBody>
-          <a:bodyPr wrap="none" lIns="25400" tIns="25400" rIns="25400" bIns="25400" anchor="ctr">
+            <a:off x="4442908" y="2323651"/>
+            <a:ext cx="8186569" cy="1200329"/>
+          </a:xfrm>
+          <a:prstGeom prst="rect">
+            <a:avLst/>
+          </a:prstGeom>
+          <a:noFill/>
+        </p:spPr>
+        <p:txBody>
+          <a:bodyPr wrap="square" rtlCol="0">
             <a:spAutoFit/>
           </a:bodyPr>
-          <a:lstStyle>
-            <a:lvl1pPr>
-              <a:defRPr sz="3600" b="1"/>
-            </a:lvl1pPr>
-          </a:lstStyle>
-          <a:p>
-            <a:r>
-              <a:rPr sz="1800"/>
-              <a:t>Not Tidy - wide</a:t>
-            </a:r>
-          </a:p>
-        </p:txBody>
-      </p:sp>
-      <p:sp>
-        <p:nvSpPr>
-          <p:cNvPr id="323" name="Tidy - long"/>
-          <p:cNvSpPr txBox="1"/>
-          <p:nvPr/>
-        </p:nvSpPr>
-        <p:spPr>
-          <a:xfrm>
-            <a:off x="9825690" y="4412340"/>
-            <a:ext cx="1041952" cy="328295"/>
-          </a:xfrm>
-          <a:prstGeom prst="rect">
-            <a:avLst/>
-          </a:prstGeom>
-          <a:ln w="12700">
-            <a:miter lim="400000"/>
-          </a:ln>
-          <a:extLst>
-            <a:ext uri="{C572A759-6A51-4108-AA02-DFA0A04FC94B}">
-              <ma14:wrappingTextBoxFlag xmlns="" xmlns:m="http://schemas.openxmlformats.org/officeDocument/2006/math" xmlns:a14="http://schemas.microsoft.com/office/drawing/2010/main" xmlns:ma14="http://schemas.microsoft.com/office/mac/drawingml/2011/main" val="1"/>
-            </a:ext>
-          </a:extLst>
-        </p:spPr>
-        <p:txBody>
-          <a:bodyPr wrap="none" lIns="25400" tIns="25400" rIns="25400" bIns="25400" anchor="ctr">
-            <a:spAutoFit/>
-          </a:bodyPr>
-          <a:lstStyle>
-            <a:lvl1pPr>
-              <a:defRPr sz="3600" b="1"/>
-            </a:lvl1pPr>
-          </a:lstStyle>
-          <a:p>
-            <a:r>
-              <a:rPr sz="1800"/>
-              <a:t>Tidy - long</a:t>
-            </a:r>
-          </a:p>
-        </p:txBody>
-      </p:sp>
-      <p:pic>
-        <p:nvPicPr>
-          <p:cNvPr id="324" name="Image" descr="Image"/>
-          <p:cNvPicPr>
-            <a:picLocks noChangeAspect="1"/>
-          </p:cNvPicPr>
-          <p:nvPr/>
-        </p:nvPicPr>
-        <p:blipFill>
-          <a:blip r:embed="rId4"/>
-          <a:stretch>
-            <a:fillRect/>
-          </a:stretch>
-        </p:blipFill>
-        <p:spPr>
-          <a:xfrm>
-            <a:off x="7617571" y="1455154"/>
-            <a:ext cx="3452745" cy="1496583"/>
-          </a:xfrm>
-          <a:prstGeom prst="rect">
-            <a:avLst/>
-          </a:prstGeom>
-          <a:ln w="12700">
-            <a:miter lim="400000"/>
-          </a:ln>
-        </p:spPr>
-      </p:pic>
-      <p:pic>
-        <p:nvPicPr>
-          <p:cNvPr id="325" name="Image" descr="Image"/>
-          <p:cNvPicPr>
-            <a:picLocks noChangeAspect="1"/>
-          </p:cNvPicPr>
-          <p:nvPr/>
-        </p:nvPicPr>
-        <p:blipFill>
-          <a:blip r:embed="rId5"/>
-          <a:stretch>
-            <a:fillRect/>
-          </a:stretch>
-        </p:blipFill>
-        <p:spPr>
-          <a:xfrm>
-            <a:off x="7562460" y="3109826"/>
-            <a:ext cx="2068241" cy="2933323"/>
-          </a:xfrm>
-          <a:prstGeom prst="rect">
-            <a:avLst/>
-          </a:prstGeom>
-          <a:ln w="12700">
-            <a:miter lim="400000"/>
-          </a:ln>
-        </p:spPr>
-      </p:pic>
+          <a:lstStyle/>
+          <a:p>
+            <a:pPr marL="342900" indent="-342900">
+              <a:buAutoNum type="arabicPeriod"/>
+            </a:pPr>
+            <a:r>
+              <a:rPr lang="en-US" dirty="0"/>
+              <a:t>Tidy Data (wide vs long format of data)</a:t>
+            </a:r>
+          </a:p>
+          <a:p>
+            <a:pPr marL="342900" indent="-342900">
+              <a:buAutoNum type="arabicPeriod"/>
+            </a:pPr>
+            <a:r>
+              <a:rPr lang="en-US" dirty="0"/>
+              <a:t>Plotting</a:t>
+            </a:r>
+          </a:p>
+          <a:p>
+            <a:pPr marL="342900" indent="-342900">
+              <a:buAutoNum type="arabicPeriod"/>
+            </a:pPr>
+            <a:r>
+              <a:rPr lang="en-US" dirty="0"/>
+              <a:t>Merging and joining (relational data)</a:t>
+            </a:r>
+          </a:p>
+          <a:p>
+            <a:endParaRPr lang="en-US" dirty="0"/>
+          </a:p>
+        </p:txBody>
+      </p:sp>
     </p:spTree>
+    <p:extLst>
+      <p:ext uri="{BB962C8B-B14F-4D97-AF65-F5344CB8AC3E}">
+        <p14:creationId xmlns:p14="http://schemas.microsoft.com/office/powerpoint/2010/main" val="3914751174"/>
+      </p:ext>
+    </p:extLst>
   </p:cSld>
   <p:clrMapOvr>
     <a:masterClrMapping/>
@@ -10502,14 +11077,14 @@
       </p:grpSpPr>
       <p:sp>
         <p:nvSpPr>
-          <p:cNvPr id="327" name="Why should data be Tidy"/>
+          <p:cNvPr id="318" name="Tidy Data"/>
           <p:cNvSpPr txBox="1"/>
           <p:nvPr/>
         </p:nvSpPr>
         <p:spPr>
           <a:xfrm>
-            <a:off x="4162500" y="895012"/>
-            <a:ext cx="3200941" cy="420628"/>
+            <a:off x="5409819" y="177130"/>
+            <a:ext cx="1382879" cy="420628"/>
           </a:xfrm>
           <a:prstGeom prst="rect">
             <a:avLst/>
@@ -10519,7 +11094,7 @@
           </a:ln>
           <a:extLst>
             <a:ext uri="{C572A759-6A51-4108-AA02-DFA0A04FC94B}">
-              <ma14:wrappingTextBoxFlag xmlns="" xmlns:m="http://schemas.openxmlformats.org/officeDocument/2006/math" xmlns:a14="http://schemas.microsoft.com/office/drawing/2010/main" xmlns:ma14="http://schemas.microsoft.com/office/mac/drawingml/2011/main" val="1"/>
+              <ma14:wrappingTextBoxFlag xmlns:ma14="http://schemas.microsoft.com/office/mac/drawingml/2011/main" xmlns:a14="http://schemas.microsoft.com/office/drawing/2010/main" xmlns:m="http://schemas.openxmlformats.org/officeDocument/2006/math" xmlns="" val="1"/>
             </a:ext>
           </a:extLst>
         </p:spPr>
@@ -10528,28 +11103,87 @@
             <a:spAutoFit/>
           </a:bodyPr>
           <a:lstStyle>
-            <a:lvl1pPr algn="l">
-              <a:defRPr sz="4800" b="1"/>
+            <a:lvl1pPr>
+              <a:defRPr sz="4800">
+                <a:latin typeface="Avenir Next Regular"/>
+                <a:ea typeface="Avenir Next Regular"/>
+                <a:cs typeface="Avenir Next Regular"/>
+                <a:sym typeface="Avenir Next Regular"/>
+              </a:defRPr>
             </a:lvl1pPr>
           </a:lstStyle>
           <a:p>
             <a:r>
-              <a:rPr sz="2400" dirty="0"/>
-              <a:t>Why should data be Tidy</a:t>
-            </a:r>
-          </a:p>
-        </p:txBody>
-      </p:sp>
-      <p:sp>
-        <p:nvSpPr>
-          <p:cNvPr id="328" name="Consistency - easier if you always know how the data should be represented…"/>
+              <a:rPr sz="2400"/>
+              <a:t>Tidy Data</a:t>
+            </a:r>
+          </a:p>
+        </p:txBody>
+      </p:sp>
+      <p:pic>
+        <p:nvPicPr>
+          <p:cNvPr id="319" name="Image" descr="Image"/>
+          <p:cNvPicPr>
+            <a:picLocks noChangeAspect="1"/>
+          </p:cNvPicPr>
+          <p:nvPr/>
+        </p:nvPicPr>
+        <p:blipFill>
+          <a:blip r:embed="rId2"/>
+          <a:stretch>
+            <a:fillRect/>
+          </a:stretch>
+        </p:blipFill>
+        <p:spPr>
+          <a:xfrm>
+            <a:off x="489345" y="1079287"/>
+            <a:ext cx="5125620" cy="1521018"/>
+          </a:xfrm>
+          <a:prstGeom prst="rect">
+            <a:avLst/>
+          </a:prstGeom>
+          <a:ln w="12700">
+            <a:miter lim="400000"/>
+          </a:ln>
+        </p:spPr>
+      </p:pic>
+      <p:pic>
+        <p:nvPicPr>
+          <p:cNvPr id="320" name="Image" descr="Image"/>
+          <p:cNvPicPr>
+            <a:picLocks noChangeAspect="1"/>
+          </p:cNvPicPr>
+          <p:nvPr/>
+        </p:nvPicPr>
+        <p:blipFill>
+          <a:blip r:embed="rId3"/>
+          <a:stretch>
+            <a:fillRect/>
+          </a:stretch>
+        </p:blipFill>
+        <p:spPr>
+          <a:xfrm>
+            <a:off x="237077" y="2297728"/>
+            <a:ext cx="6491694" cy="2540985"/>
+          </a:xfrm>
+          <a:prstGeom prst="rect">
+            <a:avLst/>
+          </a:prstGeom>
+          <a:ln w="12700">
+            <a:miter lim="400000"/>
+          </a:ln>
+        </p:spPr>
+      </p:pic>
+      <p:sp>
+        <p:nvSpPr>
+          <p:cNvPr id="321" name="https://r4ds.had.co.nz/tidy-data.html"/>
           <p:cNvSpPr txBox="1"/>
           <p:nvPr/>
         </p:nvSpPr>
         <p:spPr>
           <a:xfrm>
-            <a:off x="742760" y="2007347"/>
-            <a:ext cx="10419968" cy="1287532"/>
+            <a:off x="9346138" y="6221681"/>
+            <a:ext cx="1812997" cy="189796"/>
           </a:xfrm>
           <a:prstGeom prst="rect">
             <a:avLst/>
@@ -10559,7 +11193,7 @@
           </a:ln>
           <a:extLst>
             <a:ext uri="{C572A759-6A51-4108-AA02-DFA0A04FC94B}">
-              <ma14:wrappingTextBoxFlag xmlns="" xmlns:m="http://schemas.openxmlformats.org/officeDocument/2006/math" xmlns:a14="http://schemas.microsoft.com/office/drawing/2010/main" xmlns:ma14="http://schemas.microsoft.com/office/mac/drawingml/2011/main" val="1"/>
+              <ma14:wrappingTextBoxFlag xmlns:ma14="http://schemas.microsoft.com/office/mac/drawingml/2011/main" xmlns:a14="http://schemas.microsoft.com/office/drawing/2010/main" xmlns:m="http://schemas.openxmlformats.org/officeDocument/2006/math" xmlns="" val="1"/>
             </a:ext>
           </a:extLst>
         </p:spPr>
@@ -10569,75 +11203,23 @@
           </a:bodyPr>
           <a:lstStyle/>
           <a:p>
-            <a:pPr marL="152400" indent="-152400">
-              <a:spcBef>
-                <a:spcPts val="500"/>
-              </a:spcBef>
-              <a:buSzPct val="123000"/>
-              <a:buChar char="•"/>
-              <a:defRPr sz="3600"/>
-            </a:pPr>
-            <a:r>
-              <a:rPr sz="2400" dirty="0"/>
-              <a:t>Consistency - easier if you always know how the data should be represented</a:t>
-            </a:r>
-          </a:p>
-          <a:p>
-            <a:pPr marL="152400" indent="-152400">
-              <a:spcBef>
-                <a:spcPts val="500"/>
-              </a:spcBef>
-              <a:buSzPct val="123000"/>
-              <a:buChar char="•"/>
-              <a:defRPr sz="3600"/>
-            </a:pPr>
-            <a:r>
-              <a:rPr sz="2400" dirty="0"/>
-              <a:t>Ease - Works seamlessly with tools in the </a:t>
-            </a:r>
-            <a:r>
-              <a:rPr sz="2400" dirty="0" err="1"/>
-              <a:t>tidyverse</a:t>
-            </a:r>
-            <a:r>
-              <a:rPr sz="2400" dirty="0"/>
-              <a:t> (like </a:t>
-            </a:r>
-            <a:r>
-              <a:rPr sz="2400" dirty="0" err="1"/>
-              <a:t>ggplot</a:t>
-            </a:r>
-            <a:r>
-              <a:rPr sz="2400" dirty="0"/>
-              <a:t>)</a:t>
-            </a:r>
-          </a:p>
-          <a:p>
-            <a:pPr marL="152400" indent="-152400">
-              <a:spcBef>
-                <a:spcPts val="500"/>
-              </a:spcBef>
-              <a:buSzPct val="123000"/>
-              <a:buChar char="•"/>
-              <a:defRPr sz="3600"/>
-            </a:pPr>
-            <a:r>
-              <a:rPr sz="2400" dirty="0"/>
-              <a:t>Speed - Having variables in columns lets R work more quickly (using vectorization)</a:t>
-            </a:r>
-          </a:p>
-        </p:txBody>
-      </p:sp>
-      <p:sp>
-        <p:nvSpPr>
-          <p:cNvPr id="329" name="Not all data need to be in this format"/>
+            <a:r>
+              <a:rPr sz="900"/>
+              <a:t>https://r4ds.had.co.nz/tidy-data.html</a:t>
+            </a:r>
+          </a:p>
+        </p:txBody>
+      </p:sp>
+      <p:sp>
+        <p:nvSpPr>
+          <p:cNvPr id="322" name="Not Tidy - wide"/>
           <p:cNvSpPr txBox="1"/>
           <p:nvPr/>
         </p:nvSpPr>
         <p:spPr>
           <a:xfrm>
-            <a:off x="3366515" y="3442304"/>
-            <a:ext cx="4768485" cy="420628"/>
+            <a:off x="8432134" y="1102077"/>
+            <a:ext cx="1505220" cy="328295"/>
           </a:xfrm>
           <a:prstGeom prst="rect">
             <a:avLst/>
@@ -10647,7 +11229,7 @@
           </a:ln>
           <a:extLst>
             <a:ext uri="{C572A759-6A51-4108-AA02-DFA0A04FC94B}">
-              <ma14:wrappingTextBoxFlag xmlns="" xmlns:m="http://schemas.openxmlformats.org/officeDocument/2006/math" xmlns:a14="http://schemas.microsoft.com/office/drawing/2010/main" xmlns:ma14="http://schemas.microsoft.com/office/mac/drawingml/2011/main" val="1"/>
+              <ma14:wrappingTextBoxFlag xmlns:ma14="http://schemas.microsoft.com/office/mac/drawingml/2011/main" xmlns:a14="http://schemas.microsoft.com/office/drawing/2010/main" xmlns:m="http://schemas.openxmlformats.org/officeDocument/2006/math" xmlns="" val="1"/>
             </a:ext>
           </a:extLst>
         </p:spPr>
@@ -10656,28 +11238,28 @@
             <a:spAutoFit/>
           </a:bodyPr>
           <a:lstStyle>
-            <a:lvl1pPr algn="l">
-              <a:defRPr sz="4800" b="1"/>
+            <a:lvl1pPr>
+              <a:defRPr sz="3600" b="1"/>
             </a:lvl1pPr>
           </a:lstStyle>
           <a:p>
             <a:r>
-              <a:rPr sz="2400"/>
-              <a:t>Not all data need to be in this format</a:t>
-            </a:r>
-          </a:p>
-        </p:txBody>
-      </p:sp>
-      <p:sp>
-        <p:nvSpPr>
-          <p:cNvPr id="331" name="From JT Leek https://simplystatistics.org/2016/02/17/non-tidy-data/"/>
+              <a:rPr sz="1800"/>
+              <a:t>Not Tidy - wide</a:t>
+            </a:r>
+          </a:p>
+        </p:txBody>
+      </p:sp>
+      <p:sp>
+        <p:nvSpPr>
+          <p:cNvPr id="323" name="Tidy - long"/>
           <p:cNvSpPr txBox="1"/>
           <p:nvPr/>
         </p:nvSpPr>
         <p:spPr>
           <a:xfrm>
-            <a:off x="7300568" y="6163346"/>
-            <a:ext cx="3273332" cy="189796"/>
+            <a:off x="9825690" y="4412340"/>
+            <a:ext cx="1041952" cy="328295"/>
           </a:xfrm>
           <a:prstGeom prst="rect">
             <a:avLst/>
@@ -10687,7 +11269,7 @@
           </a:ln>
           <a:extLst>
             <a:ext uri="{C572A759-6A51-4108-AA02-DFA0A04FC94B}">
-              <ma14:wrappingTextBoxFlag xmlns="" xmlns:m="http://schemas.openxmlformats.org/officeDocument/2006/math" xmlns:a14="http://schemas.microsoft.com/office/drawing/2010/main" xmlns:ma14="http://schemas.microsoft.com/office/mac/drawingml/2011/main" val="1"/>
+              <ma14:wrappingTextBoxFlag xmlns:ma14="http://schemas.microsoft.com/office/mac/drawingml/2011/main" xmlns:a14="http://schemas.microsoft.com/office/drawing/2010/main" xmlns:m="http://schemas.openxmlformats.org/officeDocument/2006/math" xmlns="" val="1"/>
             </a:ext>
           </a:extLst>
         </p:spPr>
@@ -10695,15 +11277,73 @@
           <a:bodyPr wrap="none" lIns="25400" tIns="25400" rIns="25400" bIns="25400" anchor="ctr">
             <a:spAutoFit/>
           </a:bodyPr>
-          <a:lstStyle/>
-          <a:p>
-            <a:r>
-              <a:rPr sz="900"/>
-              <a:t>From JT Leek https://simplystatistics.org/2016/02/17/non-tidy-data/</a:t>
-            </a:r>
-          </a:p>
-        </p:txBody>
-      </p:sp>
+          <a:lstStyle>
+            <a:lvl1pPr>
+              <a:defRPr sz="3600" b="1"/>
+            </a:lvl1pPr>
+          </a:lstStyle>
+          <a:p>
+            <a:r>
+              <a:rPr sz="1800"/>
+              <a:t>Tidy - long</a:t>
+            </a:r>
+          </a:p>
+        </p:txBody>
+      </p:sp>
+      <p:pic>
+        <p:nvPicPr>
+          <p:cNvPr id="324" name="Image" descr="Image"/>
+          <p:cNvPicPr>
+            <a:picLocks noChangeAspect="1"/>
+          </p:cNvPicPr>
+          <p:nvPr/>
+        </p:nvPicPr>
+        <p:blipFill>
+          <a:blip r:embed="rId4"/>
+          <a:stretch>
+            <a:fillRect/>
+          </a:stretch>
+        </p:blipFill>
+        <p:spPr>
+          <a:xfrm>
+            <a:off x="7617571" y="1455154"/>
+            <a:ext cx="3452745" cy="1496583"/>
+          </a:xfrm>
+          <a:prstGeom prst="rect">
+            <a:avLst/>
+          </a:prstGeom>
+          <a:ln w="12700">
+            <a:miter lim="400000"/>
+          </a:ln>
+        </p:spPr>
+      </p:pic>
+      <p:pic>
+        <p:nvPicPr>
+          <p:cNvPr id="325" name="Image" descr="Image"/>
+          <p:cNvPicPr>
+            <a:picLocks noChangeAspect="1"/>
+          </p:cNvPicPr>
+          <p:nvPr/>
+        </p:nvPicPr>
+        <p:blipFill>
+          <a:blip r:embed="rId5"/>
+          <a:stretch>
+            <a:fillRect/>
+          </a:stretch>
+        </p:blipFill>
+        <p:spPr>
+          <a:xfrm>
+            <a:off x="7562460" y="3109826"/>
+            <a:ext cx="2068241" cy="2933323"/>
+          </a:xfrm>
+          <a:prstGeom prst="rect">
+            <a:avLst/>
+          </a:prstGeom>
+          <a:ln w="12700">
+            <a:miter lim="400000"/>
+          </a:ln>
+        </p:spPr>
+      </p:pic>
     </p:spTree>
   </p:cSld>
   <p:clrMapOvr>
@@ -10731,123 +11371,209 @@
       </p:grpSpPr>
       <p:sp>
         <p:nvSpPr>
-          <p:cNvPr id="3" name="TextBox 2">
-            <a:extLst>
-              <a:ext uri="{FF2B5EF4-FFF2-40B4-BE49-F238E27FC236}">
-                <a16:creationId xmlns:a16="http://schemas.microsoft.com/office/drawing/2014/main" id="{81C7A794-25EC-952E-3459-951B43C9BD05}"/>
-              </a:ext>
-            </a:extLst>
-          </p:cNvPr>
+          <p:cNvPr id="327" name="Why should data be Tidy"/>
           <p:cNvSpPr txBox="1"/>
           <p:nvPr/>
         </p:nvSpPr>
         <p:spPr>
           <a:xfrm>
-            <a:off x="1746569" y="2362937"/>
-            <a:ext cx="8949937" cy="2308324"/>
-          </a:xfrm>
-          <a:prstGeom prst="rect">
-            <a:avLst/>
-          </a:prstGeom>
-          <a:noFill/>
-        </p:spPr>
-        <p:txBody>
-          <a:bodyPr wrap="square">
+            <a:off x="4162500" y="895012"/>
+            <a:ext cx="3200941" cy="420628"/>
+          </a:xfrm>
+          <a:prstGeom prst="rect">
+            <a:avLst/>
+          </a:prstGeom>
+          <a:ln w="12700">
+            <a:miter lim="400000"/>
+          </a:ln>
+          <a:extLst>
+            <a:ext uri="{C572A759-6A51-4108-AA02-DFA0A04FC94B}">
+              <ma14:wrappingTextBoxFlag xmlns:ma14="http://schemas.microsoft.com/office/mac/drawingml/2011/main" xmlns:a14="http://schemas.microsoft.com/office/drawing/2010/main" xmlns:m="http://schemas.openxmlformats.org/officeDocument/2006/math" xmlns="" val="1"/>
+            </a:ext>
+          </a:extLst>
+        </p:spPr>
+        <p:txBody>
+          <a:bodyPr wrap="none" lIns="25400" tIns="25400" rIns="25400" bIns="25400" anchor="ctr">
+            <a:spAutoFit/>
+          </a:bodyPr>
+          <a:lstStyle>
+            <a:lvl1pPr algn="l">
+              <a:defRPr sz="4800" b="1"/>
+            </a:lvl1pPr>
+          </a:lstStyle>
+          <a:p>
+            <a:r>
+              <a:rPr sz="2400" dirty="0"/>
+              <a:t>Why should data be Tidy</a:t>
+            </a:r>
+          </a:p>
+        </p:txBody>
+      </p:sp>
+      <p:sp>
+        <p:nvSpPr>
+          <p:cNvPr id="328" name="Consistency - easier if you always know how the data should be represented…"/>
+          <p:cNvSpPr txBox="1"/>
+          <p:nvPr/>
+        </p:nvSpPr>
+        <p:spPr>
+          <a:xfrm>
+            <a:off x="742760" y="2007347"/>
+            <a:ext cx="10419968" cy="1287532"/>
+          </a:xfrm>
+          <a:prstGeom prst="rect">
+            <a:avLst/>
+          </a:prstGeom>
+          <a:ln w="12700">
+            <a:miter lim="400000"/>
+          </a:ln>
+          <a:extLst>
+            <a:ext uri="{C572A759-6A51-4108-AA02-DFA0A04FC94B}">
+              <ma14:wrappingTextBoxFlag xmlns:ma14="http://schemas.microsoft.com/office/mac/drawingml/2011/main" xmlns:a14="http://schemas.microsoft.com/office/drawing/2010/main" xmlns:m="http://schemas.openxmlformats.org/officeDocument/2006/math" xmlns="" val="1"/>
+            </a:ext>
+          </a:extLst>
+        </p:spPr>
+        <p:txBody>
+          <a:bodyPr wrap="none" lIns="25400" tIns="25400" rIns="25400" bIns="25400" anchor="ctr">
             <a:spAutoFit/>
           </a:bodyPr>
           <a:lstStyle/>
           <a:p>
             <a:pPr marL="152400" indent="-152400">
+              <a:spcBef>
+                <a:spcPts val="500"/>
+              </a:spcBef>
               <a:buSzPct val="123000"/>
               <a:buChar char="•"/>
               <a:defRPr sz="3600"/>
             </a:pPr>
             <a:r>
-              <a:rPr lang="en-US" sz="2400" dirty="0"/>
-              <a:t>Speed  - Some specialized data formats can be faster for specific problems/computations (gene expression matrices are an example of this) </a:t>
+              <a:rPr sz="2400" dirty="0"/>
+              <a:t>Consistency - easier if you always know how the data should be represented</a:t>
             </a:r>
           </a:p>
           <a:p>
             <a:pPr marL="152400" indent="-152400">
+              <a:spcBef>
+                <a:spcPts val="500"/>
+              </a:spcBef>
               <a:buSzPct val="123000"/>
               <a:buChar char="•"/>
               <a:defRPr sz="3600"/>
             </a:pPr>
             <a:r>
-              <a:rPr lang="en-US" sz="2400" dirty="0"/>
-              <a:t>Field norms - some fields are used to storing data in a </a:t>
-            </a:r>
-            <a:r>
-              <a:rPr lang="en-US" sz="2400" dirty="0" err="1"/>
-              <a:t>specfic</a:t>
-            </a:r>
-            <a:r>
-              <a:rPr lang="en-US" sz="2400" dirty="0"/>
-              <a:t> way (</a:t>
-            </a:r>
-            <a:r>
-              <a:rPr lang="en-US" sz="2400" dirty="0" err="1"/>
-              <a:t>summarizedExperiment</a:t>
-            </a:r>
-            <a:r>
-              <a:rPr lang="en-US" sz="2400" dirty="0"/>
-              <a:t> in R )</a:t>
+              <a:rPr sz="2400" dirty="0"/>
+              <a:t>Ease - Works seamlessly with tools in the </a:t>
+            </a:r>
+            <a:r>
+              <a:rPr sz="2400" dirty="0" err="1"/>
+              <a:t>tidyverse</a:t>
+            </a:r>
+            <a:r>
+              <a:rPr sz="2400" dirty="0"/>
+              <a:t> (like </a:t>
+            </a:r>
+            <a:r>
+              <a:rPr sz="2400" dirty="0" err="1"/>
+              <a:t>ggplot</a:t>
+            </a:r>
+            <a:r>
+              <a:rPr sz="2400" dirty="0"/>
+              <a:t>)</a:t>
             </a:r>
           </a:p>
           <a:p>
             <a:pPr marL="152400" indent="-152400">
+              <a:spcBef>
+                <a:spcPts val="500"/>
+              </a:spcBef>
               <a:buSzPct val="123000"/>
               <a:buChar char="•"/>
               <a:defRPr sz="3600"/>
             </a:pPr>
             <a:r>
-              <a:rPr lang="en-US" sz="2400" dirty="0"/>
-              <a:t>Some tools work more easily on matrices - Heatmaps </a:t>
-            </a:r>
-          </a:p>
-        </p:txBody>
-      </p:sp>
-      <p:sp>
-        <p:nvSpPr>
-          <p:cNvPr id="4" name="TextBox 3">
-            <a:extLst>
-              <a:ext uri="{FF2B5EF4-FFF2-40B4-BE49-F238E27FC236}">
-                <a16:creationId xmlns:a16="http://schemas.microsoft.com/office/drawing/2014/main" id="{04116BB3-6CD9-6461-C172-252D8F54FFC2}"/>
-              </a:ext>
-            </a:extLst>
-          </p:cNvPr>
+              <a:rPr sz="2400" dirty="0"/>
+              <a:t>Speed - Having variables in columns lets R work more quickly (using vectorization)</a:t>
+            </a:r>
+          </a:p>
+        </p:txBody>
+      </p:sp>
+      <p:sp>
+        <p:nvSpPr>
+          <p:cNvPr id="329" name="Not all data need to be in this format"/>
           <p:cNvSpPr txBox="1"/>
           <p:nvPr/>
         </p:nvSpPr>
         <p:spPr>
           <a:xfrm>
-            <a:off x="3111591" y="467069"/>
-            <a:ext cx="6690251" cy="584775"/>
-          </a:xfrm>
-          <a:prstGeom prst="rect">
-            <a:avLst/>
-          </a:prstGeom>
-          <a:noFill/>
-        </p:spPr>
-        <p:txBody>
-          <a:bodyPr wrap="square" rtlCol="0">
+            <a:off x="3366515" y="3442304"/>
+            <a:ext cx="4768485" cy="420628"/>
+          </a:xfrm>
+          <a:prstGeom prst="rect">
+            <a:avLst/>
+          </a:prstGeom>
+          <a:ln w="12700">
+            <a:miter lim="400000"/>
+          </a:ln>
+          <a:extLst>
+            <a:ext uri="{C572A759-6A51-4108-AA02-DFA0A04FC94B}">
+              <ma14:wrappingTextBoxFlag xmlns:ma14="http://schemas.microsoft.com/office/mac/drawingml/2011/main" xmlns:a14="http://schemas.microsoft.com/office/drawing/2010/main" xmlns:m="http://schemas.openxmlformats.org/officeDocument/2006/math" xmlns="" val="1"/>
+            </a:ext>
+          </a:extLst>
+        </p:spPr>
+        <p:txBody>
+          <a:bodyPr wrap="none" lIns="25400" tIns="25400" rIns="25400" bIns="25400" anchor="ctr">
+            <a:spAutoFit/>
+          </a:bodyPr>
+          <a:lstStyle>
+            <a:lvl1pPr algn="l">
+              <a:defRPr sz="4800" b="1"/>
+            </a:lvl1pPr>
+          </a:lstStyle>
+          <a:p>
+            <a:r>
+              <a:rPr sz="2400"/>
+              <a:t>Not all data need to be in this format</a:t>
+            </a:r>
+          </a:p>
+        </p:txBody>
+      </p:sp>
+      <p:sp>
+        <p:nvSpPr>
+          <p:cNvPr id="331" name="From JT Leek https://simplystatistics.org/2016/02/17/non-tidy-data/"/>
+          <p:cNvSpPr txBox="1"/>
+          <p:nvPr/>
+        </p:nvSpPr>
+        <p:spPr>
+          <a:xfrm>
+            <a:off x="7300568" y="6163346"/>
+            <a:ext cx="3273332" cy="189796"/>
+          </a:xfrm>
+          <a:prstGeom prst="rect">
+            <a:avLst/>
+          </a:prstGeom>
+          <a:ln w="12700">
+            <a:miter lim="400000"/>
+          </a:ln>
+          <a:extLst>
+            <a:ext uri="{C572A759-6A51-4108-AA02-DFA0A04FC94B}">
+              <ma14:wrappingTextBoxFlag xmlns:ma14="http://schemas.microsoft.com/office/mac/drawingml/2011/main" xmlns:a14="http://schemas.microsoft.com/office/drawing/2010/main" xmlns:m="http://schemas.openxmlformats.org/officeDocument/2006/math" xmlns="" val="1"/>
+            </a:ext>
+          </a:extLst>
+        </p:spPr>
+        <p:txBody>
+          <a:bodyPr wrap="none" lIns="25400" tIns="25400" rIns="25400" bIns="25400" anchor="ctr">
             <a:spAutoFit/>
           </a:bodyPr>
           <a:lstStyle/>
           <a:p>
             <a:r>
-              <a:rPr lang="en-US" sz="3200" dirty="0"/>
-              <a:t>Why might data NOT need to be tidy</a:t>
+              <a:rPr sz="900"/>
+              <a:t>From JT Leek https://simplystatistics.org/2016/02/17/non-tidy-data/</a:t>
             </a:r>
           </a:p>
         </p:txBody>
       </p:sp>
     </p:spTree>
-    <p:extLst>
-      <p:ext uri="{BB962C8B-B14F-4D97-AF65-F5344CB8AC3E}">
-        <p14:creationId xmlns:p14="http://schemas.microsoft.com/office/powerpoint/2010/main" val="369776918"/>
-      </p:ext>
-    </p:extLst>
   </p:cSld>
   <p:clrMapOvr>
     <a:masterClrMapping/>
@@ -10874,10 +11600,10 @@
       </p:grpSpPr>
       <p:sp>
         <p:nvSpPr>
-          <p:cNvPr id="2" name="TextBox 1">
-            <a:extLst>
-              <a:ext uri="{FF2B5EF4-FFF2-40B4-BE49-F238E27FC236}">
-                <a16:creationId xmlns:a16="http://schemas.microsoft.com/office/drawing/2014/main" id="{6B4160CC-7053-9CF3-384D-01F51F309646}"/>
+          <p:cNvPr id="3" name="TextBox 2">
+            <a:extLst>
+              <a:ext uri="{FF2B5EF4-FFF2-40B4-BE49-F238E27FC236}">
+                <a16:creationId xmlns:a16="http://schemas.microsoft.com/office/drawing/2014/main" id="{81C7A794-25EC-952E-3459-951B43C9BD05}"/>
               </a:ext>
             </a:extLst>
           </p:cNvPr>
@@ -10886,8 +11612,86 @@
         </p:nvSpPr>
         <p:spPr>
           <a:xfrm>
-            <a:off x="4912872" y="211015"/>
-            <a:ext cx="3289675" cy="369332"/>
+            <a:off x="1746569" y="2362937"/>
+            <a:ext cx="8949937" cy="2308324"/>
+          </a:xfrm>
+          <a:prstGeom prst="rect">
+            <a:avLst/>
+          </a:prstGeom>
+          <a:noFill/>
+        </p:spPr>
+        <p:txBody>
+          <a:bodyPr wrap="square">
+            <a:spAutoFit/>
+          </a:bodyPr>
+          <a:lstStyle/>
+          <a:p>
+            <a:pPr marL="152400" indent="-152400">
+              <a:buSzPct val="123000"/>
+              <a:buChar char="•"/>
+              <a:defRPr sz="3600"/>
+            </a:pPr>
+            <a:r>
+              <a:rPr lang="en-US" sz="2400" dirty="0"/>
+              <a:t>Speed  - Some specialized data formats can be faster for specific problems/computations (gene expression matrices are an example of this) </a:t>
+            </a:r>
+          </a:p>
+          <a:p>
+            <a:pPr marL="152400" indent="-152400">
+              <a:buSzPct val="123000"/>
+              <a:buChar char="•"/>
+              <a:defRPr sz="3600"/>
+            </a:pPr>
+            <a:r>
+              <a:rPr lang="en-US" sz="2400" dirty="0"/>
+              <a:t>Field norms - some fields are used to storing data in a </a:t>
+            </a:r>
+            <a:r>
+              <a:rPr lang="en-US" sz="2400" dirty="0" err="1"/>
+              <a:t>specfic</a:t>
+            </a:r>
+            <a:r>
+              <a:rPr lang="en-US" sz="2400" dirty="0"/>
+              <a:t> way (</a:t>
+            </a:r>
+            <a:r>
+              <a:rPr lang="en-US" sz="2400" dirty="0" err="1"/>
+              <a:t>summarizedExperiment</a:t>
+            </a:r>
+            <a:r>
+              <a:rPr lang="en-US" sz="2400" dirty="0"/>
+              <a:t> in R )</a:t>
+            </a:r>
+          </a:p>
+          <a:p>
+            <a:pPr marL="152400" indent="-152400">
+              <a:buSzPct val="123000"/>
+              <a:buChar char="•"/>
+              <a:defRPr sz="3600"/>
+            </a:pPr>
+            <a:r>
+              <a:rPr lang="en-US" sz="2400" dirty="0"/>
+              <a:t>Some tools work more easily on matrices - Heatmaps </a:t>
+            </a:r>
+          </a:p>
+        </p:txBody>
+      </p:sp>
+      <p:sp>
+        <p:nvSpPr>
+          <p:cNvPr id="4" name="TextBox 3">
+            <a:extLst>
+              <a:ext uri="{FF2B5EF4-FFF2-40B4-BE49-F238E27FC236}">
+                <a16:creationId xmlns:a16="http://schemas.microsoft.com/office/drawing/2014/main" id="{04116BB3-6CD9-6461-C172-252D8F54FFC2}"/>
+              </a:ext>
+            </a:extLst>
+          </p:cNvPr>
+          <p:cNvSpPr txBox="1"/>
+          <p:nvPr/>
+        </p:nvSpPr>
+        <p:spPr>
+          <a:xfrm>
+            <a:off x="3111591" y="467069"/>
+            <a:ext cx="6690251" cy="584775"/>
           </a:xfrm>
           <a:prstGeom prst="rect">
             <a:avLst/>
@@ -10901,391 +11705,16 @@
           <a:lstStyle/>
           <a:p>
             <a:r>
-              <a:rPr lang="en-US" dirty="0"/>
-              <a:t>Plotting using </a:t>
-            </a:r>
-            <a:r>
-              <a:rPr lang="en-US" dirty="0" err="1"/>
-              <a:t>ggplot</a:t>
-            </a:r>
-            <a:endParaRPr lang="en-US" dirty="0"/>
-          </a:p>
-        </p:txBody>
-      </p:sp>
-      <p:sp>
-        <p:nvSpPr>
-          <p:cNvPr id="3" name="TextBox 2">
-            <a:extLst>
-              <a:ext uri="{FF2B5EF4-FFF2-40B4-BE49-F238E27FC236}">
-                <a16:creationId xmlns:a16="http://schemas.microsoft.com/office/drawing/2014/main" id="{B0E71378-DCC3-EC64-3A63-94C96963874B}"/>
-              </a:ext>
-            </a:extLst>
-          </p:cNvPr>
-          <p:cNvSpPr txBox="1"/>
-          <p:nvPr/>
-        </p:nvSpPr>
-        <p:spPr>
-          <a:xfrm>
-            <a:off x="5080602" y="681742"/>
-            <a:ext cx="1688123" cy="369332"/>
-          </a:xfrm>
-          <a:prstGeom prst="rect">
-            <a:avLst/>
-          </a:prstGeom>
-          <a:noFill/>
-        </p:spPr>
-        <p:txBody>
-          <a:bodyPr wrap="square" rtlCol="0">
-            <a:spAutoFit/>
-          </a:bodyPr>
-          <a:lstStyle/>
-          <a:p>
-            <a:r>
-              <a:rPr lang="en-US" dirty="0"/>
-              <a:t>library(ggplot2)</a:t>
-            </a:r>
-          </a:p>
-        </p:txBody>
-      </p:sp>
-      <p:sp>
-        <p:nvSpPr>
-          <p:cNvPr id="5" name="TextBox 4">
-            <a:extLst>
-              <a:ext uri="{FF2B5EF4-FFF2-40B4-BE49-F238E27FC236}">
-                <a16:creationId xmlns:a16="http://schemas.microsoft.com/office/drawing/2014/main" id="{FE48D9F7-C7D5-5F4E-9188-FC845831B06D}"/>
-              </a:ext>
-            </a:extLst>
-          </p:cNvPr>
-          <p:cNvSpPr txBox="1"/>
-          <p:nvPr/>
-        </p:nvSpPr>
-        <p:spPr>
-          <a:xfrm>
-            <a:off x="8870762" y="6167437"/>
-            <a:ext cx="6097802" cy="369332"/>
-          </a:xfrm>
-          <a:prstGeom prst="rect">
-            <a:avLst/>
-          </a:prstGeom>
-          <a:noFill/>
-        </p:spPr>
-        <p:txBody>
-          <a:bodyPr wrap="square">
-            <a:spAutoFit/>
-          </a:bodyPr>
-          <a:lstStyle/>
-          <a:p>
-            <a:r>
-              <a:rPr lang="en-US" dirty="0"/>
-              <a:t>https://ggplot2.tidyverse.org/</a:t>
-            </a:r>
-          </a:p>
-        </p:txBody>
-      </p:sp>
-      <p:pic>
-        <p:nvPicPr>
-          <p:cNvPr id="6" name="Picture 5">
-            <a:extLst>
-              <a:ext uri="{FF2B5EF4-FFF2-40B4-BE49-F238E27FC236}">
-                <a16:creationId xmlns:a16="http://schemas.microsoft.com/office/drawing/2014/main" id="{758E8B14-F7B1-36D5-1409-573B8CDD5197}"/>
-              </a:ext>
-            </a:extLst>
-          </p:cNvPr>
-          <p:cNvPicPr>
-            <a:picLocks noChangeAspect="1"/>
-          </p:cNvPicPr>
-          <p:nvPr/>
-        </p:nvPicPr>
-        <p:blipFill>
-          <a:blip r:embed="rId2"/>
-          <a:stretch>
-            <a:fillRect/>
-          </a:stretch>
-        </p:blipFill>
-        <p:spPr>
-          <a:xfrm>
-            <a:off x="2616200" y="1687297"/>
-            <a:ext cx="6959600" cy="431800"/>
-          </a:xfrm>
-          <a:prstGeom prst="rect">
-            <a:avLst/>
-          </a:prstGeom>
-        </p:spPr>
-      </p:pic>
-      <p:sp>
-        <p:nvSpPr>
-          <p:cNvPr id="7" name="TextBox 6">
-            <a:extLst>
-              <a:ext uri="{FF2B5EF4-FFF2-40B4-BE49-F238E27FC236}">
-                <a16:creationId xmlns:a16="http://schemas.microsoft.com/office/drawing/2014/main" id="{58A52827-F68B-075C-9FB9-F3CEAA30A2E8}"/>
-              </a:ext>
-            </a:extLst>
-          </p:cNvPr>
-          <p:cNvSpPr txBox="1"/>
-          <p:nvPr/>
-        </p:nvSpPr>
-        <p:spPr>
-          <a:xfrm>
-            <a:off x="3181463" y="2570654"/>
-            <a:ext cx="599716" cy="369332"/>
-          </a:xfrm>
-          <a:prstGeom prst="rect">
-            <a:avLst/>
-          </a:prstGeom>
-          <a:noFill/>
-        </p:spPr>
-        <p:txBody>
-          <a:bodyPr wrap="none" rtlCol="0">
-            <a:spAutoFit/>
-          </a:bodyPr>
-          <a:lstStyle/>
-          <a:p>
-            <a:r>
-              <a:rPr lang="en-US" dirty="0"/>
-              <a:t>data</a:t>
-            </a:r>
-          </a:p>
-        </p:txBody>
-      </p:sp>
-      <p:sp>
-        <p:nvSpPr>
-          <p:cNvPr id="9" name="TextBox 8">
-            <a:extLst>
-              <a:ext uri="{FF2B5EF4-FFF2-40B4-BE49-F238E27FC236}">
-                <a16:creationId xmlns:a16="http://schemas.microsoft.com/office/drawing/2014/main" id="{9984B211-744B-0F49-0214-2007D806E3F3}"/>
-              </a:ext>
-            </a:extLst>
-          </p:cNvPr>
-          <p:cNvSpPr txBox="1"/>
-          <p:nvPr/>
-        </p:nvSpPr>
-        <p:spPr>
-          <a:xfrm>
-            <a:off x="5531871" y="2570654"/>
-            <a:ext cx="1128258" cy="369332"/>
-          </a:xfrm>
-          <a:prstGeom prst="rect">
-            <a:avLst/>
-          </a:prstGeom>
-          <a:noFill/>
-        </p:spPr>
-        <p:txBody>
-          <a:bodyPr wrap="none" rtlCol="0">
-            <a:spAutoFit/>
-          </a:bodyPr>
-          <a:lstStyle/>
-          <a:p>
-            <a:r>
-              <a:rPr lang="en-US" dirty="0"/>
-              <a:t>aesthetics</a:t>
-            </a:r>
-          </a:p>
-        </p:txBody>
-      </p:sp>
-      <p:sp>
-        <p:nvSpPr>
-          <p:cNvPr id="10" name="TextBox 9">
-            <a:extLst>
-              <a:ext uri="{FF2B5EF4-FFF2-40B4-BE49-F238E27FC236}">
-                <a16:creationId xmlns:a16="http://schemas.microsoft.com/office/drawing/2014/main" id="{381756F0-2D9B-7013-F93B-793D486B14B0}"/>
-              </a:ext>
-            </a:extLst>
-          </p:cNvPr>
-          <p:cNvSpPr txBox="1"/>
-          <p:nvPr/>
-        </p:nvSpPr>
-        <p:spPr>
-          <a:xfrm>
-            <a:off x="8523961" y="2633887"/>
-            <a:ext cx="1299523" cy="369332"/>
-          </a:xfrm>
-          <a:prstGeom prst="rect">
-            <a:avLst/>
-          </a:prstGeom>
-          <a:noFill/>
-        </p:spPr>
-        <p:txBody>
-          <a:bodyPr wrap="none" rtlCol="0">
-            <a:spAutoFit/>
-          </a:bodyPr>
-          <a:lstStyle/>
-          <a:p>
-            <a:r>
-              <a:rPr lang="en-US" dirty="0"/>
-              <a:t>Type of plot</a:t>
-            </a:r>
-          </a:p>
-        </p:txBody>
-      </p:sp>
-      <p:cxnSp>
-        <p:nvCxnSpPr>
-          <p:cNvPr id="12" name="Straight Arrow Connector 11">
-            <a:extLst>
-              <a:ext uri="{FF2B5EF4-FFF2-40B4-BE49-F238E27FC236}">
-                <a16:creationId xmlns:a16="http://schemas.microsoft.com/office/drawing/2014/main" id="{D6574E1F-B2BF-6B7D-46EE-8BC501F660FA}"/>
-              </a:ext>
-            </a:extLst>
-          </p:cNvPr>
-          <p:cNvCxnSpPr>
-            <a:cxnSpLocks/>
-            <a:stCxn id="7" idx="0"/>
-          </p:cNvCxnSpPr>
-          <p:nvPr/>
-        </p:nvCxnSpPr>
-        <p:spPr>
-          <a:xfrm flipV="1">
-            <a:off x="3481321" y="2119097"/>
-            <a:ext cx="107386" cy="451557"/>
-          </a:xfrm>
-          <a:prstGeom prst="straightConnector1">
-            <a:avLst/>
-          </a:prstGeom>
-          <a:ln w="34925">
-            <a:tailEnd type="triangle"/>
-          </a:ln>
-        </p:spPr>
-        <p:style>
-          <a:lnRef idx="1">
-            <a:schemeClr val="accent1"/>
-          </a:lnRef>
-          <a:fillRef idx="0">
-            <a:schemeClr val="accent1"/>
-          </a:fillRef>
-          <a:effectRef idx="0">
-            <a:schemeClr val="accent1"/>
-          </a:effectRef>
-          <a:fontRef idx="minor">
-            <a:schemeClr val="tx1"/>
-          </a:fontRef>
-        </p:style>
-      </p:cxnSp>
-      <p:cxnSp>
-        <p:nvCxnSpPr>
-          <p:cNvPr id="14" name="Straight Arrow Connector 13">
-            <a:extLst>
-              <a:ext uri="{FF2B5EF4-FFF2-40B4-BE49-F238E27FC236}">
-                <a16:creationId xmlns:a16="http://schemas.microsoft.com/office/drawing/2014/main" id="{1527A65B-D2D0-21C0-AFD5-CF267277532D}"/>
-              </a:ext>
-            </a:extLst>
-          </p:cNvPr>
-          <p:cNvCxnSpPr>
-            <a:cxnSpLocks/>
-          </p:cNvCxnSpPr>
-          <p:nvPr/>
-        </p:nvCxnSpPr>
-        <p:spPr>
-          <a:xfrm flipH="1" flipV="1">
-            <a:off x="5417507" y="2211430"/>
-            <a:ext cx="538494" cy="393357"/>
-          </a:xfrm>
-          <a:prstGeom prst="straightConnector1">
-            <a:avLst/>
-          </a:prstGeom>
-          <a:ln w="34925">
-            <a:tailEnd type="triangle"/>
-          </a:ln>
-        </p:spPr>
-        <p:style>
-          <a:lnRef idx="1">
-            <a:schemeClr val="accent1"/>
-          </a:lnRef>
-          <a:fillRef idx="0">
-            <a:schemeClr val="accent1"/>
-          </a:fillRef>
-          <a:effectRef idx="0">
-            <a:schemeClr val="accent1"/>
-          </a:effectRef>
-          <a:fontRef idx="minor">
-            <a:schemeClr val="tx1"/>
-          </a:fontRef>
-        </p:style>
-      </p:cxnSp>
-      <p:cxnSp>
-        <p:nvCxnSpPr>
-          <p:cNvPr id="16" name="Straight Arrow Connector 15">
-            <a:extLst>
-              <a:ext uri="{FF2B5EF4-FFF2-40B4-BE49-F238E27FC236}">
-                <a16:creationId xmlns:a16="http://schemas.microsoft.com/office/drawing/2014/main" id="{2A936A9C-316F-9495-ADE9-3EBE6276D74A}"/>
-              </a:ext>
-            </a:extLst>
-          </p:cNvPr>
-          <p:cNvCxnSpPr>
-            <a:cxnSpLocks/>
-          </p:cNvCxnSpPr>
-          <p:nvPr/>
-        </p:nvCxnSpPr>
-        <p:spPr>
-          <a:xfrm flipV="1">
-            <a:off x="6494495" y="2158024"/>
-            <a:ext cx="332190" cy="475863"/>
-          </a:xfrm>
-          <a:prstGeom prst="straightConnector1">
-            <a:avLst/>
-          </a:prstGeom>
-          <a:ln w="34925">
-            <a:tailEnd type="triangle"/>
-          </a:ln>
-        </p:spPr>
-        <p:style>
-          <a:lnRef idx="1">
-            <a:schemeClr val="accent1"/>
-          </a:lnRef>
-          <a:fillRef idx="0">
-            <a:schemeClr val="accent1"/>
-          </a:fillRef>
-          <a:effectRef idx="0">
-            <a:schemeClr val="accent1"/>
-          </a:effectRef>
-          <a:fontRef idx="minor">
-            <a:schemeClr val="tx1"/>
-          </a:fontRef>
-        </p:style>
-      </p:cxnSp>
-      <p:cxnSp>
-        <p:nvCxnSpPr>
-          <p:cNvPr id="18" name="Straight Arrow Connector 17">
-            <a:extLst>
-              <a:ext uri="{FF2B5EF4-FFF2-40B4-BE49-F238E27FC236}">
-                <a16:creationId xmlns:a16="http://schemas.microsoft.com/office/drawing/2014/main" id="{EA01CE6F-0C83-90BD-D0DA-A166ABB0D9E2}"/>
-              </a:ext>
-            </a:extLst>
-          </p:cNvPr>
-          <p:cNvCxnSpPr>
-            <a:cxnSpLocks/>
-          </p:cNvCxnSpPr>
-          <p:nvPr/>
-        </p:nvCxnSpPr>
-        <p:spPr>
-          <a:xfrm flipH="1" flipV="1">
-            <a:off x="8906256" y="2138671"/>
-            <a:ext cx="175114" cy="616649"/>
-          </a:xfrm>
-          <a:prstGeom prst="straightConnector1">
-            <a:avLst/>
-          </a:prstGeom>
-          <a:ln w="34925">
-            <a:tailEnd type="triangle"/>
-          </a:ln>
-        </p:spPr>
-        <p:style>
-          <a:lnRef idx="1">
-            <a:schemeClr val="accent1"/>
-          </a:lnRef>
-          <a:fillRef idx="0">
-            <a:schemeClr val="accent1"/>
-          </a:fillRef>
-          <a:effectRef idx="0">
-            <a:schemeClr val="accent1"/>
-          </a:effectRef>
-          <a:fontRef idx="minor">
-            <a:schemeClr val="tx1"/>
-          </a:fontRef>
-        </p:style>
-      </p:cxnSp>
+              <a:rPr lang="en-US" sz="3200" dirty="0"/>
+              <a:t>Why might data NOT need to be tidy</a:t>
+            </a:r>
+          </a:p>
+        </p:txBody>
+      </p:sp>
     </p:spTree>
     <p:extLst>
       <p:ext uri="{BB962C8B-B14F-4D97-AF65-F5344CB8AC3E}">
-        <p14:creationId xmlns:p14="http://schemas.microsoft.com/office/powerpoint/2010/main" val="1970389113"/>
+        <p14:creationId xmlns:p14="http://schemas.microsoft.com/office/powerpoint/2010/main" val="369776918"/>
       </p:ext>
     </p:extLst>
   </p:cSld>
@@ -11317,7 +11746,7 @@
           <p:cNvPr id="2" name="TextBox 1">
             <a:extLst>
               <a:ext uri="{FF2B5EF4-FFF2-40B4-BE49-F238E27FC236}">
-                <a16:creationId xmlns:a16="http://schemas.microsoft.com/office/drawing/2014/main" id="{6B4160CC-7053-9CF3-384D-01F51F309646}"/>
+                <a16:creationId xmlns:a16="http://schemas.microsoft.com/office/drawing/2014/main" id="{EE808F59-D6A1-6EC7-8215-A1414DD3D939}"/>
               </a:ext>
             </a:extLst>
           </p:cNvPr>
@@ -11326,8 +11755,8 @@
         </p:nvSpPr>
         <p:spPr>
           <a:xfrm>
-            <a:off x="4912872" y="211015"/>
-            <a:ext cx="3289675" cy="369332"/>
+            <a:off x="4008329" y="294362"/>
+            <a:ext cx="4416274" cy="369332"/>
           </a:xfrm>
           <a:prstGeom prst="rect">
             <a:avLst/>
@@ -11335,29 +11764,24 @@
           <a:noFill/>
         </p:spPr>
         <p:txBody>
-          <a:bodyPr wrap="square" rtlCol="0">
+          <a:bodyPr wrap="none" rtlCol="0">
             <a:spAutoFit/>
           </a:bodyPr>
           <a:lstStyle/>
           <a:p>
             <a:r>
               <a:rPr lang="en-US" dirty="0"/>
-              <a:t>Plotting using </a:t>
-            </a:r>
-            <a:r>
-              <a:rPr lang="en-US" dirty="0" err="1"/>
-              <a:t>ggplot</a:t>
-            </a:r>
-            <a:endParaRPr lang="en-US" dirty="0"/>
-          </a:p>
-        </p:txBody>
-      </p:sp>
-      <p:sp>
-        <p:nvSpPr>
-          <p:cNvPr id="3" name="TextBox 2">
-            <a:extLst>
-              <a:ext uri="{FF2B5EF4-FFF2-40B4-BE49-F238E27FC236}">
-                <a16:creationId xmlns:a16="http://schemas.microsoft.com/office/drawing/2014/main" id="{B0E71378-DCC3-EC64-3A63-94C96963874B}"/>
+              <a:t>Converting between wide and long formats </a:t>
+            </a:r>
+          </a:p>
+        </p:txBody>
+      </p:sp>
+      <p:sp>
+        <p:nvSpPr>
+          <p:cNvPr id="5" name="TextBox 4">
+            <a:extLst>
+              <a:ext uri="{FF2B5EF4-FFF2-40B4-BE49-F238E27FC236}">
+                <a16:creationId xmlns:a16="http://schemas.microsoft.com/office/drawing/2014/main" id="{B79559C3-A22F-1230-70F5-89B6E2C4E39A}"/>
               </a:ext>
             </a:extLst>
           </p:cNvPr>
@@ -11366,8 +11790,8 @@
         </p:nvSpPr>
         <p:spPr>
           <a:xfrm>
-            <a:off x="5080602" y="681742"/>
-            <a:ext cx="1688123" cy="369332"/>
+            <a:off x="753650" y="1054274"/>
+            <a:ext cx="1515928" cy="369332"/>
           </a:xfrm>
           <a:prstGeom prst="rect">
             <a:avLst/>
@@ -11375,24 +11799,28 @@
           <a:noFill/>
         </p:spPr>
         <p:txBody>
-          <a:bodyPr wrap="square" rtlCol="0">
+          <a:bodyPr wrap="none" rtlCol="0">
             <a:spAutoFit/>
           </a:bodyPr>
           <a:lstStyle/>
           <a:p>
             <a:r>
+              <a:rPr lang="en-US" dirty="0" err="1"/>
+              <a:t>pivot_longer</a:t>
+            </a:r>
+            <a:r>
               <a:rPr lang="en-US" dirty="0"/>
-              <a:t>library(ggplot2)</a:t>
-            </a:r>
-          </a:p>
-        </p:txBody>
-      </p:sp>
-      <p:sp>
-        <p:nvSpPr>
-          <p:cNvPr id="5" name="TextBox 4">
-            <a:extLst>
-              <a:ext uri="{FF2B5EF4-FFF2-40B4-BE49-F238E27FC236}">
-                <a16:creationId xmlns:a16="http://schemas.microsoft.com/office/drawing/2014/main" id="{FE48D9F7-C7D5-5F4E-9188-FC845831B06D}"/>
+              <a:t>()</a:t>
+            </a:r>
+          </a:p>
+        </p:txBody>
+      </p:sp>
+      <p:sp>
+        <p:nvSpPr>
+          <p:cNvPr id="7" name="TextBox 6">
+            <a:extLst>
+              <a:ext uri="{FF2B5EF4-FFF2-40B4-BE49-F238E27FC236}">
+                <a16:creationId xmlns:a16="http://schemas.microsoft.com/office/drawing/2014/main" id="{D45D8B8A-91FB-510E-E86D-3BBB80461A55}"/>
               </a:ext>
             </a:extLst>
           </p:cNvPr>
@@ -11401,8 +11829,8 @@
         </p:nvSpPr>
         <p:spPr>
           <a:xfrm>
-            <a:off x="8870762" y="6167437"/>
-            <a:ext cx="6097802" cy="369332"/>
+            <a:off x="7733257" y="6194306"/>
+            <a:ext cx="6097044" cy="369332"/>
           </a:xfrm>
           <a:prstGeom prst="rect">
             <a:avLst/>
@@ -11417,17 +11845,30 @@
           <a:p>
             <a:r>
               <a:rPr lang="en-US" dirty="0"/>
-              <a:t>https://ggplot2.tidyverse.org/</a:t>
-            </a:r>
+              <a:t>https://</a:t>
+            </a:r>
+            <a:r>
+              <a:rPr lang="en-US" dirty="0" err="1"/>
+              <a:t>tidyr.tidyverse.org</a:t>
+            </a:r>
+            <a:r>
+              <a:rPr lang="en-US" dirty="0"/>
+              <a:t>/articles/</a:t>
+            </a:r>
+            <a:r>
+              <a:rPr lang="en-US" dirty="0" err="1"/>
+              <a:t>pivot.html</a:t>
+            </a:r>
+            <a:endParaRPr lang="en-US" dirty="0"/>
           </a:p>
         </p:txBody>
       </p:sp>
       <p:pic>
         <p:nvPicPr>
-          <p:cNvPr id="6" name="Picture 5">
-            <a:extLst>
-              <a:ext uri="{FF2B5EF4-FFF2-40B4-BE49-F238E27FC236}">
-                <a16:creationId xmlns:a16="http://schemas.microsoft.com/office/drawing/2014/main" id="{758E8B14-F7B1-36D5-1409-573B8CDD5197}"/>
+          <p:cNvPr id="8" name="Picture 7">
+            <a:extLst>
+              <a:ext uri="{FF2B5EF4-FFF2-40B4-BE49-F238E27FC236}">
+                <a16:creationId xmlns:a16="http://schemas.microsoft.com/office/drawing/2014/main" id="{127BA8B8-06AE-6E6A-8720-78F1858E5025}"/>
               </a:ext>
             </a:extLst>
           </p:cNvPr>
@@ -11444,290 +11885,20 @@
         </p:blipFill>
         <p:spPr>
           <a:xfrm>
-            <a:off x="2616200" y="1687297"/>
-            <a:ext cx="6959600" cy="431800"/>
+            <a:off x="2591844" y="1100513"/>
+            <a:ext cx="7772400" cy="276853"/>
           </a:xfrm>
           <a:prstGeom prst="rect">
             <a:avLst/>
           </a:prstGeom>
         </p:spPr>
       </p:pic>
-      <p:sp>
-        <p:nvSpPr>
-          <p:cNvPr id="7" name="TextBox 6">
-            <a:extLst>
-              <a:ext uri="{FF2B5EF4-FFF2-40B4-BE49-F238E27FC236}">
-                <a16:creationId xmlns:a16="http://schemas.microsoft.com/office/drawing/2014/main" id="{58A52827-F68B-075C-9FB9-F3CEAA30A2E8}"/>
-              </a:ext>
-            </a:extLst>
-          </p:cNvPr>
-          <p:cNvSpPr txBox="1"/>
-          <p:nvPr/>
-        </p:nvSpPr>
-        <p:spPr>
-          <a:xfrm>
-            <a:off x="3181463" y="2570654"/>
-            <a:ext cx="599716" cy="369332"/>
-          </a:xfrm>
-          <a:prstGeom prst="rect">
-            <a:avLst/>
-          </a:prstGeom>
-          <a:noFill/>
-        </p:spPr>
-        <p:txBody>
-          <a:bodyPr wrap="none" rtlCol="0">
-            <a:spAutoFit/>
-          </a:bodyPr>
-          <a:lstStyle/>
-          <a:p>
-            <a:r>
-              <a:rPr lang="en-US" dirty="0"/>
-              <a:t>data</a:t>
-            </a:r>
-          </a:p>
-        </p:txBody>
-      </p:sp>
-      <p:sp>
-        <p:nvSpPr>
-          <p:cNvPr id="9" name="TextBox 8">
-            <a:extLst>
-              <a:ext uri="{FF2B5EF4-FFF2-40B4-BE49-F238E27FC236}">
-                <a16:creationId xmlns:a16="http://schemas.microsoft.com/office/drawing/2014/main" id="{9984B211-744B-0F49-0214-2007D806E3F3}"/>
-              </a:ext>
-            </a:extLst>
-          </p:cNvPr>
-          <p:cNvSpPr txBox="1"/>
-          <p:nvPr/>
-        </p:nvSpPr>
-        <p:spPr>
-          <a:xfrm>
-            <a:off x="5531871" y="2570654"/>
-            <a:ext cx="1128258" cy="369332"/>
-          </a:xfrm>
-          <a:prstGeom prst="rect">
-            <a:avLst/>
-          </a:prstGeom>
-          <a:noFill/>
-        </p:spPr>
-        <p:txBody>
-          <a:bodyPr wrap="none" rtlCol="0">
-            <a:spAutoFit/>
-          </a:bodyPr>
-          <a:lstStyle/>
-          <a:p>
-            <a:r>
-              <a:rPr lang="en-US" dirty="0"/>
-              <a:t>aesthetics</a:t>
-            </a:r>
-          </a:p>
-        </p:txBody>
-      </p:sp>
-      <p:sp>
-        <p:nvSpPr>
-          <p:cNvPr id="10" name="TextBox 9">
-            <a:extLst>
-              <a:ext uri="{FF2B5EF4-FFF2-40B4-BE49-F238E27FC236}">
-                <a16:creationId xmlns:a16="http://schemas.microsoft.com/office/drawing/2014/main" id="{381756F0-2D9B-7013-F93B-793D486B14B0}"/>
-              </a:ext>
-            </a:extLst>
-          </p:cNvPr>
-          <p:cNvSpPr txBox="1"/>
-          <p:nvPr/>
-        </p:nvSpPr>
-        <p:spPr>
-          <a:xfrm>
-            <a:off x="8523961" y="2633887"/>
-            <a:ext cx="1299523" cy="369332"/>
-          </a:xfrm>
-          <a:prstGeom prst="rect">
-            <a:avLst/>
-          </a:prstGeom>
-          <a:noFill/>
-        </p:spPr>
-        <p:txBody>
-          <a:bodyPr wrap="none" rtlCol="0">
-            <a:spAutoFit/>
-          </a:bodyPr>
-          <a:lstStyle/>
-          <a:p>
-            <a:r>
-              <a:rPr lang="en-US" dirty="0"/>
-              <a:t>Type of plot</a:t>
-            </a:r>
-          </a:p>
-        </p:txBody>
-      </p:sp>
-      <p:cxnSp>
-        <p:nvCxnSpPr>
-          <p:cNvPr id="12" name="Straight Arrow Connector 11">
-            <a:extLst>
-              <a:ext uri="{FF2B5EF4-FFF2-40B4-BE49-F238E27FC236}">
-                <a16:creationId xmlns:a16="http://schemas.microsoft.com/office/drawing/2014/main" id="{D6574E1F-B2BF-6B7D-46EE-8BC501F660FA}"/>
-              </a:ext>
-            </a:extLst>
-          </p:cNvPr>
-          <p:cNvCxnSpPr>
-            <a:cxnSpLocks/>
-            <a:stCxn id="7" idx="0"/>
-          </p:cNvCxnSpPr>
-          <p:nvPr/>
-        </p:nvCxnSpPr>
-        <p:spPr>
-          <a:xfrm flipV="1">
-            <a:off x="3481321" y="2119097"/>
-            <a:ext cx="107386" cy="451557"/>
-          </a:xfrm>
-          <a:prstGeom prst="straightConnector1">
-            <a:avLst/>
-          </a:prstGeom>
-          <a:ln w="34925">
-            <a:tailEnd type="triangle"/>
-          </a:ln>
-        </p:spPr>
-        <p:style>
-          <a:lnRef idx="1">
-            <a:schemeClr val="accent1"/>
-          </a:lnRef>
-          <a:fillRef idx="0">
-            <a:schemeClr val="accent1"/>
-          </a:fillRef>
-          <a:effectRef idx="0">
-            <a:schemeClr val="accent1"/>
-          </a:effectRef>
-          <a:fontRef idx="minor">
-            <a:schemeClr val="tx1"/>
-          </a:fontRef>
-        </p:style>
-      </p:cxnSp>
-      <p:cxnSp>
-        <p:nvCxnSpPr>
-          <p:cNvPr id="14" name="Straight Arrow Connector 13">
-            <a:extLst>
-              <a:ext uri="{FF2B5EF4-FFF2-40B4-BE49-F238E27FC236}">
-                <a16:creationId xmlns:a16="http://schemas.microsoft.com/office/drawing/2014/main" id="{1527A65B-D2D0-21C0-AFD5-CF267277532D}"/>
-              </a:ext>
-            </a:extLst>
-          </p:cNvPr>
-          <p:cNvCxnSpPr>
-            <a:cxnSpLocks/>
-          </p:cNvCxnSpPr>
-          <p:nvPr/>
-        </p:nvCxnSpPr>
-        <p:spPr>
-          <a:xfrm flipH="1" flipV="1">
-            <a:off x="5417507" y="2211430"/>
-            <a:ext cx="538494" cy="393357"/>
-          </a:xfrm>
-          <a:prstGeom prst="straightConnector1">
-            <a:avLst/>
-          </a:prstGeom>
-          <a:ln w="34925">
-            <a:tailEnd type="triangle"/>
-          </a:ln>
-        </p:spPr>
-        <p:style>
-          <a:lnRef idx="1">
-            <a:schemeClr val="accent1"/>
-          </a:lnRef>
-          <a:fillRef idx="0">
-            <a:schemeClr val="accent1"/>
-          </a:fillRef>
-          <a:effectRef idx="0">
-            <a:schemeClr val="accent1"/>
-          </a:effectRef>
-          <a:fontRef idx="minor">
-            <a:schemeClr val="tx1"/>
-          </a:fontRef>
-        </p:style>
-      </p:cxnSp>
-      <p:cxnSp>
-        <p:nvCxnSpPr>
-          <p:cNvPr id="16" name="Straight Arrow Connector 15">
-            <a:extLst>
-              <a:ext uri="{FF2B5EF4-FFF2-40B4-BE49-F238E27FC236}">
-                <a16:creationId xmlns:a16="http://schemas.microsoft.com/office/drawing/2014/main" id="{2A936A9C-316F-9495-ADE9-3EBE6276D74A}"/>
-              </a:ext>
-            </a:extLst>
-          </p:cNvPr>
-          <p:cNvCxnSpPr>
-            <a:cxnSpLocks/>
-          </p:cNvCxnSpPr>
-          <p:nvPr/>
-        </p:nvCxnSpPr>
-        <p:spPr>
-          <a:xfrm flipV="1">
-            <a:off x="6494495" y="2158024"/>
-            <a:ext cx="332190" cy="475863"/>
-          </a:xfrm>
-          <a:prstGeom prst="straightConnector1">
-            <a:avLst/>
-          </a:prstGeom>
-          <a:ln w="34925">
-            <a:tailEnd type="triangle"/>
-          </a:ln>
-        </p:spPr>
-        <p:style>
-          <a:lnRef idx="1">
-            <a:schemeClr val="accent1"/>
-          </a:lnRef>
-          <a:fillRef idx="0">
-            <a:schemeClr val="accent1"/>
-          </a:fillRef>
-          <a:effectRef idx="0">
-            <a:schemeClr val="accent1"/>
-          </a:effectRef>
-          <a:fontRef idx="minor">
-            <a:schemeClr val="tx1"/>
-          </a:fontRef>
-        </p:style>
-      </p:cxnSp>
-      <p:cxnSp>
-        <p:nvCxnSpPr>
-          <p:cNvPr id="18" name="Straight Arrow Connector 17">
-            <a:extLst>
-              <a:ext uri="{FF2B5EF4-FFF2-40B4-BE49-F238E27FC236}">
-                <a16:creationId xmlns:a16="http://schemas.microsoft.com/office/drawing/2014/main" id="{EA01CE6F-0C83-90BD-D0DA-A166ABB0D9E2}"/>
-              </a:ext>
-            </a:extLst>
-          </p:cNvPr>
-          <p:cNvCxnSpPr>
-            <a:cxnSpLocks/>
-          </p:cNvCxnSpPr>
-          <p:nvPr/>
-        </p:nvCxnSpPr>
-        <p:spPr>
-          <a:xfrm flipH="1" flipV="1">
-            <a:off x="8906256" y="2138671"/>
-            <a:ext cx="175114" cy="616649"/>
-          </a:xfrm>
-          <a:prstGeom prst="straightConnector1">
-            <a:avLst/>
-          </a:prstGeom>
-          <a:ln w="34925">
-            <a:tailEnd type="triangle"/>
-          </a:ln>
-        </p:spPr>
-        <p:style>
-          <a:lnRef idx="1">
-            <a:schemeClr val="accent1"/>
-          </a:lnRef>
-          <a:fillRef idx="0">
-            <a:schemeClr val="accent1"/>
-          </a:fillRef>
-          <a:effectRef idx="0">
-            <a:schemeClr val="accent1"/>
-          </a:effectRef>
-          <a:fontRef idx="minor">
-            <a:schemeClr val="tx1"/>
-          </a:fontRef>
-        </p:style>
-      </p:cxnSp>
       <p:pic>
         <p:nvPicPr>
-          <p:cNvPr id="4" name="Picture 3">
-            <a:extLst>
-              <a:ext uri="{FF2B5EF4-FFF2-40B4-BE49-F238E27FC236}">
-                <a16:creationId xmlns:a16="http://schemas.microsoft.com/office/drawing/2014/main" id="{26812886-00C7-CC34-35F9-C5AB6DC21C61}"/>
+          <p:cNvPr id="9" name="Picture 8">
+            <a:extLst>
+              <a:ext uri="{FF2B5EF4-FFF2-40B4-BE49-F238E27FC236}">
+                <a16:creationId xmlns:a16="http://schemas.microsoft.com/office/drawing/2014/main" id="{6E2F069F-068C-300C-AF56-3432AF4D767F}"/>
               </a:ext>
             </a:extLst>
           </p:cNvPr>
@@ -11744,58 +11915,18 @@
         </p:blipFill>
         <p:spPr>
           <a:xfrm>
-            <a:off x="4479428" y="3226047"/>
-            <a:ext cx="2890470" cy="3210998"/>
+            <a:off x="697108" y="1745292"/>
+            <a:ext cx="4612017" cy="2181618"/>
           </a:xfrm>
           <a:prstGeom prst="rect">
             <a:avLst/>
           </a:prstGeom>
         </p:spPr>
       </p:pic>
-      <p:sp>
-        <p:nvSpPr>
-          <p:cNvPr id="11" name="TextBox 10">
-            <a:extLst>
-              <a:ext uri="{FF2B5EF4-FFF2-40B4-BE49-F238E27FC236}">
-                <a16:creationId xmlns:a16="http://schemas.microsoft.com/office/drawing/2014/main" id="{8CB302A6-B9A2-DA18-2A94-3D2322BC2684}"/>
-              </a:ext>
-            </a:extLst>
-          </p:cNvPr>
-          <p:cNvSpPr txBox="1"/>
-          <p:nvPr/>
-        </p:nvSpPr>
-        <p:spPr>
-          <a:xfrm>
-            <a:off x="7637745" y="5618016"/>
-            <a:ext cx="7484300" cy="369332"/>
-          </a:xfrm>
-          <a:prstGeom prst="rect">
-            <a:avLst/>
-          </a:prstGeom>
-          <a:noFill/>
-        </p:spPr>
-        <p:txBody>
-          <a:bodyPr wrap="square">
-            <a:spAutoFit/>
-          </a:bodyPr>
-          <a:lstStyle/>
-          <a:p>
-            <a:r>
-              <a:rPr lang="en-US" dirty="0"/>
-              <a:t>https://r4ds.had.co.nz/data-</a:t>
-            </a:r>
-            <a:r>
-              <a:rPr lang="en-US" dirty="0" err="1"/>
-              <a:t>visualisation.html</a:t>
-            </a:r>
-            <a:endParaRPr lang="en-US" dirty="0"/>
-          </a:p>
-        </p:txBody>
-      </p:sp>
     </p:spTree>
     <p:extLst>
       <p:ext uri="{BB962C8B-B14F-4D97-AF65-F5344CB8AC3E}">
-        <p14:creationId xmlns:p14="http://schemas.microsoft.com/office/powerpoint/2010/main" val="3910450632"/>
+        <p14:creationId xmlns:p14="http://schemas.microsoft.com/office/powerpoint/2010/main" val="2028895342"/>
       </p:ext>
     </p:extLst>
   </p:cSld>
@@ -11824,10 +11955,10 @@
       </p:grpSpPr>
       <p:sp>
         <p:nvSpPr>
-          <p:cNvPr id="3" name="TextBox 2">
-            <a:extLst>
-              <a:ext uri="{FF2B5EF4-FFF2-40B4-BE49-F238E27FC236}">
-                <a16:creationId xmlns:a16="http://schemas.microsoft.com/office/drawing/2014/main" id="{65154B13-23B4-D285-8E9C-1D05B2CC3314}"/>
+          <p:cNvPr id="2" name="TextBox 1">
+            <a:extLst>
+              <a:ext uri="{FF2B5EF4-FFF2-40B4-BE49-F238E27FC236}">
+                <a16:creationId xmlns:a16="http://schemas.microsoft.com/office/drawing/2014/main" id="{EE808F59-D6A1-6EC7-8215-A1414DD3D939}"/>
               </a:ext>
             </a:extLst>
           </p:cNvPr>
@@ -11836,7 +11967,81 @@
         </p:nvSpPr>
         <p:spPr>
           <a:xfrm>
-            <a:off x="8253086" y="6281896"/>
+            <a:off x="4008329" y="294362"/>
+            <a:ext cx="4416274" cy="369332"/>
+          </a:xfrm>
+          <a:prstGeom prst="rect">
+            <a:avLst/>
+          </a:prstGeom>
+          <a:noFill/>
+        </p:spPr>
+        <p:txBody>
+          <a:bodyPr wrap="none" rtlCol="0">
+            <a:spAutoFit/>
+          </a:bodyPr>
+          <a:lstStyle/>
+          <a:p>
+            <a:r>
+              <a:rPr lang="en-US" dirty="0"/>
+              <a:t>Converting between wide and long formats </a:t>
+            </a:r>
+          </a:p>
+        </p:txBody>
+      </p:sp>
+      <p:sp>
+        <p:nvSpPr>
+          <p:cNvPr id="5" name="TextBox 4">
+            <a:extLst>
+              <a:ext uri="{FF2B5EF4-FFF2-40B4-BE49-F238E27FC236}">
+                <a16:creationId xmlns:a16="http://schemas.microsoft.com/office/drawing/2014/main" id="{B79559C3-A22F-1230-70F5-89B6E2C4E39A}"/>
+              </a:ext>
+            </a:extLst>
+          </p:cNvPr>
+          <p:cNvSpPr txBox="1"/>
+          <p:nvPr/>
+        </p:nvSpPr>
+        <p:spPr>
+          <a:xfrm>
+            <a:off x="753650" y="1054274"/>
+            <a:ext cx="1515928" cy="369332"/>
+          </a:xfrm>
+          <a:prstGeom prst="rect">
+            <a:avLst/>
+          </a:prstGeom>
+          <a:noFill/>
+        </p:spPr>
+        <p:txBody>
+          <a:bodyPr wrap="none" rtlCol="0">
+            <a:spAutoFit/>
+          </a:bodyPr>
+          <a:lstStyle/>
+          <a:p>
+            <a:r>
+              <a:rPr lang="en-US" dirty="0" err="1"/>
+              <a:t>pivot_longer</a:t>
+            </a:r>
+            <a:r>
+              <a:rPr lang="en-US" dirty="0"/>
+              <a:t>()</a:t>
+            </a:r>
+          </a:p>
+        </p:txBody>
+      </p:sp>
+      <p:sp>
+        <p:nvSpPr>
+          <p:cNvPr id="7" name="TextBox 6">
+            <a:extLst>
+              <a:ext uri="{FF2B5EF4-FFF2-40B4-BE49-F238E27FC236}">
+                <a16:creationId xmlns:a16="http://schemas.microsoft.com/office/drawing/2014/main" id="{D45D8B8A-91FB-510E-E86D-3BBB80461A55}"/>
+              </a:ext>
+            </a:extLst>
+          </p:cNvPr>
+          <p:cNvSpPr txBox="1"/>
+          <p:nvPr/>
+        </p:nvSpPr>
+        <p:spPr>
+          <a:xfrm>
+            <a:off x="7733257" y="6194306"/>
             <a:ext cx="6097044" cy="369332"/>
           </a:xfrm>
           <a:prstGeom prst="rect">
@@ -11852,17 +12057,30 @@
           <a:p>
             <a:r>
               <a:rPr lang="en-US" dirty="0"/>
-              <a:t>https://ggplot2.tidyverse.org/reference/</a:t>
-            </a:r>
+              <a:t>https://</a:t>
+            </a:r>
+            <a:r>
+              <a:rPr lang="en-US" dirty="0" err="1"/>
+              <a:t>tidyr.tidyverse.org</a:t>
+            </a:r>
+            <a:r>
+              <a:rPr lang="en-US" dirty="0"/>
+              <a:t>/articles/</a:t>
+            </a:r>
+            <a:r>
+              <a:rPr lang="en-US" dirty="0" err="1"/>
+              <a:t>pivot.html</a:t>
+            </a:r>
+            <a:endParaRPr lang="en-US" dirty="0"/>
           </a:p>
         </p:txBody>
       </p:sp>
       <p:pic>
         <p:nvPicPr>
-          <p:cNvPr id="4" name="Picture 3">
-            <a:extLst>
-              <a:ext uri="{FF2B5EF4-FFF2-40B4-BE49-F238E27FC236}">
-                <a16:creationId xmlns:a16="http://schemas.microsoft.com/office/drawing/2014/main" id="{427FDFC9-867C-629E-80F8-EC69839FE04B}"/>
+          <p:cNvPr id="8" name="Picture 7">
+            <a:extLst>
+              <a:ext uri="{FF2B5EF4-FFF2-40B4-BE49-F238E27FC236}">
+                <a16:creationId xmlns:a16="http://schemas.microsoft.com/office/drawing/2014/main" id="{127BA8B8-06AE-6E6A-8720-78F1858E5025}"/>
               </a:ext>
             </a:extLst>
           </p:cNvPr>
@@ -11879,8 +12097,8 @@
         </p:blipFill>
         <p:spPr>
           <a:xfrm>
-            <a:off x="287055" y="781822"/>
-            <a:ext cx="11244374" cy="1842381"/>
+            <a:off x="2591844" y="1100513"/>
+            <a:ext cx="7772400" cy="276853"/>
           </a:xfrm>
           <a:prstGeom prst="rect">
             <a:avLst/>
@@ -11889,10 +12107,10 @@
       </p:pic>
       <p:pic>
         <p:nvPicPr>
-          <p:cNvPr id="5" name="Picture 4">
-            <a:extLst>
-              <a:ext uri="{FF2B5EF4-FFF2-40B4-BE49-F238E27FC236}">
-                <a16:creationId xmlns:a16="http://schemas.microsoft.com/office/drawing/2014/main" id="{6F350F51-53FD-22B7-D40E-9040D4480D15}"/>
+          <p:cNvPr id="9" name="Picture 8">
+            <a:extLst>
+              <a:ext uri="{FF2B5EF4-FFF2-40B4-BE49-F238E27FC236}">
+                <a16:creationId xmlns:a16="http://schemas.microsoft.com/office/drawing/2014/main" id="{6E2F069F-068C-300C-AF56-3432AF4D767F}"/>
               </a:ext>
             </a:extLst>
           </p:cNvPr>
@@ -11909,8 +12127,8 @@
         </p:blipFill>
         <p:spPr>
           <a:xfrm>
-            <a:off x="287054" y="2799838"/>
-            <a:ext cx="11084223" cy="1258595"/>
+            <a:off x="697108" y="1745292"/>
+            <a:ext cx="4612017" cy="2181618"/>
           </a:xfrm>
           <a:prstGeom prst="rect">
             <a:avLst/>
@@ -11919,10 +12137,10 @@
       </p:pic>
       <p:pic>
         <p:nvPicPr>
-          <p:cNvPr id="6" name="Picture 5">
-            <a:extLst>
-              <a:ext uri="{FF2B5EF4-FFF2-40B4-BE49-F238E27FC236}">
-                <a16:creationId xmlns:a16="http://schemas.microsoft.com/office/drawing/2014/main" id="{F6DF3007-C154-2C33-1059-808C0550F56E}"/>
+          <p:cNvPr id="10" name="Picture 9">
+            <a:extLst>
+              <a:ext uri="{FF2B5EF4-FFF2-40B4-BE49-F238E27FC236}">
+                <a16:creationId xmlns:a16="http://schemas.microsoft.com/office/drawing/2014/main" id="{489A0044-0EA4-60BE-B9E6-980517DA0E47}"/>
               </a:ext>
             </a:extLst>
           </p:cNvPr>
@@ -11939,20 +12157,90 @@
         </p:blipFill>
         <p:spPr>
           <a:xfrm>
-            <a:off x="287053" y="4006496"/>
-            <a:ext cx="10925879" cy="1035230"/>
+            <a:off x="6568858" y="1704419"/>
+            <a:ext cx="2080364" cy="2220706"/>
           </a:xfrm>
           <a:prstGeom prst="rect">
             <a:avLst/>
           </a:prstGeom>
         </p:spPr>
       </p:pic>
+      <p:sp>
+        <p:nvSpPr>
+          <p:cNvPr id="11" name="TextBox 10">
+            <a:extLst>
+              <a:ext uri="{FF2B5EF4-FFF2-40B4-BE49-F238E27FC236}">
+                <a16:creationId xmlns:a16="http://schemas.microsoft.com/office/drawing/2014/main" id="{E6A912FF-30D2-79B4-01F1-07C981BE9D8E}"/>
+              </a:ext>
+            </a:extLst>
+          </p:cNvPr>
+          <p:cNvSpPr txBox="1"/>
+          <p:nvPr/>
+        </p:nvSpPr>
+        <p:spPr>
+          <a:xfrm>
+            <a:off x="594986" y="4294836"/>
+            <a:ext cx="4576959" cy="369332"/>
+          </a:xfrm>
+          <a:prstGeom prst="rect">
+            <a:avLst/>
+          </a:prstGeom>
+          <a:noFill/>
+        </p:spPr>
+        <p:txBody>
+          <a:bodyPr wrap="none" rtlCol="0">
+            <a:spAutoFit/>
+          </a:bodyPr>
+          <a:lstStyle/>
+          <a:p>
+            <a:r>
+              <a:rPr lang="en-US" dirty="0"/>
+              <a:t>More useful if you want to plot length vs width</a:t>
+            </a:r>
+          </a:p>
+        </p:txBody>
+      </p:sp>
+      <p:sp>
+        <p:nvSpPr>
+          <p:cNvPr id="13" name="TextBox 12">
+            <a:extLst>
+              <a:ext uri="{FF2B5EF4-FFF2-40B4-BE49-F238E27FC236}">
+                <a16:creationId xmlns:a16="http://schemas.microsoft.com/office/drawing/2014/main" id="{5E2DCCF8-1717-F444-955C-F62097346BEF}"/>
+              </a:ext>
+            </a:extLst>
+          </p:cNvPr>
+          <p:cNvSpPr txBox="1"/>
+          <p:nvPr/>
+        </p:nvSpPr>
+        <p:spPr>
+          <a:xfrm>
+            <a:off x="6330864" y="3981046"/>
+            <a:ext cx="5194948" cy="369332"/>
+          </a:xfrm>
+          <a:prstGeom prst="rect">
+            <a:avLst/>
+          </a:prstGeom>
+          <a:noFill/>
+        </p:spPr>
+        <p:txBody>
+          <a:bodyPr wrap="none" rtlCol="0">
+            <a:spAutoFit/>
+          </a:bodyPr>
+          <a:lstStyle/>
+          <a:p>
+            <a:r>
+              <a:rPr lang="en-US" dirty="0"/>
+              <a:t>More useful if you want to plot all attributes together</a:t>
+            </a:r>
+          </a:p>
+        </p:txBody>
+      </p:sp>
       <p:pic>
         <p:nvPicPr>
-          <p:cNvPr id="7" name="Picture 6">
-            <a:extLst>
-              <a:ext uri="{FF2B5EF4-FFF2-40B4-BE49-F238E27FC236}">
-                <a16:creationId xmlns:a16="http://schemas.microsoft.com/office/drawing/2014/main" id="{D2C29005-1F40-FEC8-5E08-701F87647250}"/>
+          <p:cNvPr id="14" name="Picture 13">
+            <a:extLst>
+              <a:ext uri="{FF2B5EF4-FFF2-40B4-BE49-F238E27FC236}">
+                <a16:creationId xmlns:a16="http://schemas.microsoft.com/office/drawing/2014/main" id="{F9D1E1A7-24D9-1564-6745-23EBC52DBF63}"/>
               </a:ext>
             </a:extLst>
           </p:cNvPr>
@@ -11969,65 +12257,48 @@
         </p:blipFill>
         <p:spPr>
           <a:xfrm>
-            <a:off x="337158" y="5206868"/>
-            <a:ext cx="10742249" cy="937148"/>
+            <a:off x="1429340" y="4766961"/>
+            <a:ext cx="1797778" cy="1997136"/>
           </a:xfrm>
           <a:prstGeom prst="rect">
             <a:avLst/>
           </a:prstGeom>
         </p:spPr>
       </p:pic>
-      <p:sp>
-        <p:nvSpPr>
-          <p:cNvPr id="8" name="TextBox 7">
-            <a:extLst>
-              <a:ext uri="{FF2B5EF4-FFF2-40B4-BE49-F238E27FC236}">
-                <a16:creationId xmlns:a16="http://schemas.microsoft.com/office/drawing/2014/main" id="{D2302473-7FDB-78CA-6715-5FD17DD32A35}"/>
-              </a:ext>
-            </a:extLst>
-          </p:cNvPr>
-          <p:cNvSpPr txBox="1"/>
-          <p:nvPr/>
-        </p:nvSpPr>
-        <p:spPr>
-          <a:xfrm>
-            <a:off x="3563655" y="247348"/>
-            <a:ext cx="7273914" cy="369332"/>
-          </a:xfrm>
-          <a:prstGeom prst="rect">
-            <a:avLst/>
-          </a:prstGeom>
-          <a:noFill/>
-        </p:spPr>
-        <p:txBody>
-          <a:bodyPr wrap="none" rtlCol="0">
-            <a:spAutoFit/>
-          </a:bodyPr>
-          <a:lstStyle/>
-          <a:p>
-            <a:r>
-              <a:rPr lang="en-US" dirty="0" err="1"/>
-              <a:t>ggplot</a:t>
-            </a:r>
-            <a:r>
-              <a:rPr lang="en-US" dirty="0"/>
-              <a:t> lets you make many different kinds of plots by using different ‘</a:t>
-            </a:r>
-            <a:r>
-              <a:rPr lang="en-US" dirty="0" err="1"/>
-              <a:t>geoms</a:t>
-            </a:r>
-            <a:r>
-              <a:rPr lang="en-US" dirty="0"/>
-              <a:t>’</a:t>
-            </a:r>
-          </a:p>
-        </p:txBody>
-      </p:sp>
+      <p:pic>
+        <p:nvPicPr>
+          <p:cNvPr id="15" name="Picture 14">
+            <a:extLst>
+              <a:ext uri="{FF2B5EF4-FFF2-40B4-BE49-F238E27FC236}">
+                <a16:creationId xmlns:a16="http://schemas.microsoft.com/office/drawing/2014/main" id="{37AABA38-6352-FF7A-A86F-B49D58CF2110}"/>
+              </a:ext>
+            </a:extLst>
+          </p:cNvPr>
+          <p:cNvPicPr>
+            <a:picLocks noChangeAspect="1"/>
+          </p:cNvPicPr>
+          <p:nvPr/>
+        </p:nvPicPr>
+        <p:blipFill>
+          <a:blip r:embed="rId6"/>
+          <a:stretch>
+            <a:fillRect/>
+          </a:stretch>
+        </p:blipFill>
+        <p:spPr>
+          <a:xfrm>
+            <a:off x="5840849" y="4406299"/>
+            <a:ext cx="1892408" cy="2095279"/>
+          </a:xfrm>
+          <a:prstGeom prst="rect">
+            <a:avLst/>
+          </a:prstGeom>
+        </p:spPr>
+      </p:pic>
     </p:spTree>
     <p:extLst>
       <p:ext uri="{BB962C8B-B14F-4D97-AF65-F5344CB8AC3E}">
-        <p14:creationId xmlns:p14="http://schemas.microsoft.com/office/powerpoint/2010/main" val="1698419793"/>
+        <p14:creationId xmlns:p14="http://schemas.microsoft.com/office/powerpoint/2010/main" val="1766242288"/>
       </p:ext>
     </p:extLst>
   </p:cSld>

--- a/lectures/2023_GNET749_Lecture2.pptx
+++ b/lectures/2023_GNET749_Lecture2.pptx
@@ -5,39 +5,40 @@
     <p:sldMasterId id="2147483648" r:id="rId1"/>
   </p:sldMasterIdLst>
   <p:notesMasterIdLst>
-    <p:notesMasterId r:id="rId32"/>
+    <p:notesMasterId r:id="rId33"/>
   </p:notesMasterIdLst>
   <p:sldIdLst>
     <p:sldId id="301" r:id="rId2"/>
-    <p:sldId id="284" r:id="rId3"/>
-    <p:sldId id="285" r:id="rId4"/>
-    <p:sldId id="315" r:id="rId5"/>
-    <p:sldId id="286" r:id="rId6"/>
-    <p:sldId id="287" r:id="rId7"/>
-    <p:sldId id="302" r:id="rId8"/>
-    <p:sldId id="308" r:id="rId9"/>
-    <p:sldId id="306" r:id="rId10"/>
-    <p:sldId id="307" r:id="rId11"/>
-    <p:sldId id="304" r:id="rId12"/>
-    <p:sldId id="305" r:id="rId13"/>
-    <p:sldId id="309" r:id="rId14"/>
-    <p:sldId id="288" r:id="rId15"/>
-    <p:sldId id="303" r:id="rId16"/>
-    <p:sldId id="289" r:id="rId17"/>
-    <p:sldId id="290" r:id="rId18"/>
-    <p:sldId id="291" r:id="rId19"/>
-    <p:sldId id="310" r:id="rId20"/>
-    <p:sldId id="311" r:id="rId21"/>
-    <p:sldId id="312" r:id="rId22"/>
-    <p:sldId id="313" r:id="rId23"/>
-    <p:sldId id="314" r:id="rId24"/>
-    <p:sldId id="293" r:id="rId25"/>
-    <p:sldId id="294" r:id="rId26"/>
-    <p:sldId id="295" r:id="rId27"/>
-    <p:sldId id="297" r:id="rId28"/>
-    <p:sldId id="298" r:id="rId29"/>
-    <p:sldId id="299" r:id="rId30"/>
-    <p:sldId id="316" r:id="rId31"/>
+    <p:sldId id="317" r:id="rId3"/>
+    <p:sldId id="284" r:id="rId4"/>
+    <p:sldId id="285" r:id="rId5"/>
+    <p:sldId id="315" r:id="rId6"/>
+    <p:sldId id="286" r:id="rId7"/>
+    <p:sldId id="287" r:id="rId8"/>
+    <p:sldId id="302" r:id="rId9"/>
+    <p:sldId id="308" r:id="rId10"/>
+    <p:sldId id="306" r:id="rId11"/>
+    <p:sldId id="307" r:id="rId12"/>
+    <p:sldId id="304" r:id="rId13"/>
+    <p:sldId id="305" r:id="rId14"/>
+    <p:sldId id="309" r:id="rId15"/>
+    <p:sldId id="288" r:id="rId16"/>
+    <p:sldId id="303" r:id="rId17"/>
+    <p:sldId id="289" r:id="rId18"/>
+    <p:sldId id="290" r:id="rId19"/>
+    <p:sldId id="291" r:id="rId20"/>
+    <p:sldId id="310" r:id="rId21"/>
+    <p:sldId id="311" r:id="rId22"/>
+    <p:sldId id="312" r:id="rId23"/>
+    <p:sldId id="313" r:id="rId24"/>
+    <p:sldId id="314" r:id="rId25"/>
+    <p:sldId id="293" r:id="rId26"/>
+    <p:sldId id="294" r:id="rId27"/>
+    <p:sldId id="295" r:id="rId28"/>
+    <p:sldId id="297" r:id="rId29"/>
+    <p:sldId id="298" r:id="rId30"/>
+    <p:sldId id="299" r:id="rId31"/>
+    <p:sldId id="316" r:id="rId32"/>
   </p:sldIdLst>
   <p:sldSz cx="12192000" cy="6858000"/>
   <p:notesSz cx="6858000" cy="9144000"/>
@@ -226,7 +227,7 @@
           <a:p>
             <a:fld id="{DE4242AA-3937-624B-9BD8-F1C01C498458}" type="datetimeFigureOut">
               <a:rPr lang="en-US" smtClean="0"/>
-              <a:t>4/16/23</a:t>
+              <a:t>4/17/23</a:t>
             </a:fld>
             <a:endParaRPr lang="en-US"/>
           </a:p>
@@ -884,7 +885,7 @@
           <a:p>
             <a:fld id="{B56C126C-0D09-7346-9096-8E1075EB9758}" type="datetimeFigureOut">
               <a:rPr lang="en-US" smtClean="0"/>
-              <a:t>4/16/23</a:t>
+              <a:t>4/17/23</a:t>
             </a:fld>
             <a:endParaRPr lang="en-US"/>
           </a:p>
@@ -1082,7 +1083,7 @@
           <a:p>
             <a:fld id="{B56C126C-0D09-7346-9096-8E1075EB9758}" type="datetimeFigureOut">
               <a:rPr lang="en-US" smtClean="0"/>
-              <a:t>4/16/23</a:t>
+              <a:t>4/17/23</a:t>
             </a:fld>
             <a:endParaRPr lang="en-US"/>
           </a:p>
@@ -1290,7 +1291,7 @@
           <a:p>
             <a:fld id="{B56C126C-0D09-7346-9096-8E1075EB9758}" type="datetimeFigureOut">
               <a:rPr lang="en-US" smtClean="0"/>
-              <a:t>4/16/23</a:t>
+              <a:t>4/17/23</a:t>
             </a:fld>
             <a:endParaRPr lang="en-US"/>
           </a:p>
@@ -1488,7 +1489,7 @@
           <a:p>
             <a:fld id="{B56C126C-0D09-7346-9096-8E1075EB9758}" type="datetimeFigureOut">
               <a:rPr lang="en-US" smtClean="0"/>
-              <a:t>4/16/23</a:t>
+              <a:t>4/17/23</a:t>
             </a:fld>
             <a:endParaRPr lang="en-US"/>
           </a:p>
@@ -1763,7 +1764,7 @@
           <a:p>
             <a:fld id="{B56C126C-0D09-7346-9096-8E1075EB9758}" type="datetimeFigureOut">
               <a:rPr lang="en-US" smtClean="0"/>
-              <a:t>4/16/23</a:t>
+              <a:t>4/17/23</a:t>
             </a:fld>
             <a:endParaRPr lang="en-US"/>
           </a:p>
@@ -2028,7 +2029,7 @@
           <a:p>
             <a:fld id="{B56C126C-0D09-7346-9096-8E1075EB9758}" type="datetimeFigureOut">
               <a:rPr lang="en-US" smtClean="0"/>
-              <a:t>4/16/23</a:t>
+              <a:t>4/17/23</a:t>
             </a:fld>
             <a:endParaRPr lang="en-US"/>
           </a:p>
@@ -2440,7 +2441,7 @@
           <a:p>
             <a:fld id="{B56C126C-0D09-7346-9096-8E1075EB9758}" type="datetimeFigureOut">
               <a:rPr lang="en-US" smtClean="0"/>
-              <a:t>4/16/23</a:t>
+              <a:t>4/17/23</a:t>
             </a:fld>
             <a:endParaRPr lang="en-US"/>
           </a:p>
@@ -2581,7 +2582,7 @@
           <a:p>
             <a:fld id="{B56C126C-0D09-7346-9096-8E1075EB9758}" type="datetimeFigureOut">
               <a:rPr lang="en-US" smtClean="0"/>
-              <a:t>4/16/23</a:t>
+              <a:t>4/17/23</a:t>
             </a:fld>
             <a:endParaRPr lang="en-US"/>
           </a:p>
@@ -2694,7 +2695,7 @@
           <a:p>
             <a:fld id="{B56C126C-0D09-7346-9096-8E1075EB9758}" type="datetimeFigureOut">
               <a:rPr lang="en-US" smtClean="0"/>
-              <a:t>4/16/23</a:t>
+              <a:t>4/17/23</a:t>
             </a:fld>
             <a:endParaRPr lang="en-US"/>
           </a:p>
@@ -3005,7 +3006,7 @@
           <a:p>
             <a:fld id="{B56C126C-0D09-7346-9096-8E1075EB9758}" type="datetimeFigureOut">
               <a:rPr lang="en-US" smtClean="0"/>
-              <a:t>4/16/23</a:t>
+              <a:t>4/17/23</a:t>
             </a:fld>
             <a:endParaRPr lang="en-US"/>
           </a:p>
@@ -3293,7 +3294,7 @@
           <a:p>
             <a:fld id="{B56C126C-0D09-7346-9096-8E1075EB9758}" type="datetimeFigureOut">
               <a:rPr lang="en-US" smtClean="0"/>
-              <a:t>4/16/23</a:t>
+              <a:t>4/17/23</a:t>
             </a:fld>
             <a:endParaRPr lang="en-US"/>
           </a:p>
@@ -3534,7 +3535,7 @@
           <a:p>
             <a:fld id="{B56C126C-0D09-7346-9096-8E1075EB9758}" type="datetimeFigureOut">
               <a:rPr lang="en-US" smtClean="0"/>
-              <a:t>4/16/23</a:t>
+              <a:t>4/17/23</a:t>
             </a:fld>
             <a:endParaRPr lang="en-US"/>
           </a:p>
@@ -4053,6 +4054,378 @@
       </p:sp>
       <p:sp>
         <p:nvSpPr>
+          <p:cNvPr id="5" name="TextBox 4">
+            <a:extLst>
+              <a:ext uri="{FF2B5EF4-FFF2-40B4-BE49-F238E27FC236}">
+                <a16:creationId xmlns:a16="http://schemas.microsoft.com/office/drawing/2014/main" id="{B79559C3-A22F-1230-70F5-89B6E2C4E39A}"/>
+              </a:ext>
+            </a:extLst>
+          </p:cNvPr>
+          <p:cNvSpPr txBox="1"/>
+          <p:nvPr/>
+        </p:nvSpPr>
+        <p:spPr>
+          <a:xfrm>
+            <a:off x="753650" y="1054274"/>
+            <a:ext cx="1515928" cy="369332"/>
+          </a:xfrm>
+          <a:prstGeom prst="rect">
+            <a:avLst/>
+          </a:prstGeom>
+          <a:noFill/>
+        </p:spPr>
+        <p:txBody>
+          <a:bodyPr wrap="none" rtlCol="0">
+            <a:spAutoFit/>
+          </a:bodyPr>
+          <a:lstStyle/>
+          <a:p>
+            <a:r>
+              <a:rPr lang="en-US" dirty="0" err="1"/>
+              <a:t>pivot_longer</a:t>
+            </a:r>
+            <a:r>
+              <a:rPr lang="en-US" dirty="0"/>
+              <a:t>()</a:t>
+            </a:r>
+          </a:p>
+        </p:txBody>
+      </p:sp>
+      <p:sp>
+        <p:nvSpPr>
+          <p:cNvPr id="7" name="TextBox 6">
+            <a:extLst>
+              <a:ext uri="{FF2B5EF4-FFF2-40B4-BE49-F238E27FC236}">
+                <a16:creationId xmlns:a16="http://schemas.microsoft.com/office/drawing/2014/main" id="{D45D8B8A-91FB-510E-E86D-3BBB80461A55}"/>
+              </a:ext>
+            </a:extLst>
+          </p:cNvPr>
+          <p:cNvSpPr txBox="1"/>
+          <p:nvPr/>
+        </p:nvSpPr>
+        <p:spPr>
+          <a:xfrm>
+            <a:off x="7733257" y="6194306"/>
+            <a:ext cx="6097044" cy="369332"/>
+          </a:xfrm>
+          <a:prstGeom prst="rect">
+            <a:avLst/>
+          </a:prstGeom>
+          <a:noFill/>
+        </p:spPr>
+        <p:txBody>
+          <a:bodyPr wrap="square">
+            <a:spAutoFit/>
+          </a:bodyPr>
+          <a:lstStyle/>
+          <a:p>
+            <a:r>
+              <a:rPr lang="en-US" dirty="0"/>
+              <a:t>https://</a:t>
+            </a:r>
+            <a:r>
+              <a:rPr lang="en-US" dirty="0" err="1"/>
+              <a:t>tidyr.tidyverse.org</a:t>
+            </a:r>
+            <a:r>
+              <a:rPr lang="en-US" dirty="0"/>
+              <a:t>/articles/</a:t>
+            </a:r>
+            <a:r>
+              <a:rPr lang="en-US" dirty="0" err="1"/>
+              <a:t>pivot.html</a:t>
+            </a:r>
+            <a:endParaRPr lang="en-US" dirty="0"/>
+          </a:p>
+        </p:txBody>
+      </p:sp>
+      <p:pic>
+        <p:nvPicPr>
+          <p:cNvPr id="8" name="Picture 7">
+            <a:extLst>
+              <a:ext uri="{FF2B5EF4-FFF2-40B4-BE49-F238E27FC236}">
+                <a16:creationId xmlns:a16="http://schemas.microsoft.com/office/drawing/2014/main" id="{127BA8B8-06AE-6E6A-8720-78F1858E5025}"/>
+              </a:ext>
+            </a:extLst>
+          </p:cNvPr>
+          <p:cNvPicPr>
+            <a:picLocks noChangeAspect="1"/>
+          </p:cNvPicPr>
+          <p:nvPr/>
+        </p:nvPicPr>
+        <p:blipFill>
+          <a:blip r:embed="rId2"/>
+          <a:stretch>
+            <a:fillRect/>
+          </a:stretch>
+        </p:blipFill>
+        <p:spPr>
+          <a:xfrm>
+            <a:off x="2591844" y="1100513"/>
+            <a:ext cx="7772400" cy="276853"/>
+          </a:xfrm>
+          <a:prstGeom prst="rect">
+            <a:avLst/>
+          </a:prstGeom>
+        </p:spPr>
+      </p:pic>
+      <p:pic>
+        <p:nvPicPr>
+          <p:cNvPr id="9" name="Picture 8">
+            <a:extLst>
+              <a:ext uri="{FF2B5EF4-FFF2-40B4-BE49-F238E27FC236}">
+                <a16:creationId xmlns:a16="http://schemas.microsoft.com/office/drawing/2014/main" id="{6E2F069F-068C-300C-AF56-3432AF4D767F}"/>
+              </a:ext>
+            </a:extLst>
+          </p:cNvPr>
+          <p:cNvPicPr>
+            <a:picLocks noChangeAspect="1"/>
+          </p:cNvPicPr>
+          <p:nvPr/>
+        </p:nvPicPr>
+        <p:blipFill>
+          <a:blip r:embed="rId3"/>
+          <a:stretch>
+            <a:fillRect/>
+          </a:stretch>
+        </p:blipFill>
+        <p:spPr>
+          <a:xfrm>
+            <a:off x="697108" y="1745292"/>
+            <a:ext cx="4612017" cy="2181618"/>
+          </a:xfrm>
+          <a:prstGeom prst="rect">
+            <a:avLst/>
+          </a:prstGeom>
+        </p:spPr>
+      </p:pic>
+      <p:pic>
+        <p:nvPicPr>
+          <p:cNvPr id="10" name="Picture 9">
+            <a:extLst>
+              <a:ext uri="{FF2B5EF4-FFF2-40B4-BE49-F238E27FC236}">
+                <a16:creationId xmlns:a16="http://schemas.microsoft.com/office/drawing/2014/main" id="{489A0044-0EA4-60BE-B9E6-980517DA0E47}"/>
+              </a:ext>
+            </a:extLst>
+          </p:cNvPr>
+          <p:cNvPicPr>
+            <a:picLocks noChangeAspect="1"/>
+          </p:cNvPicPr>
+          <p:nvPr/>
+        </p:nvPicPr>
+        <p:blipFill>
+          <a:blip r:embed="rId4"/>
+          <a:stretch>
+            <a:fillRect/>
+          </a:stretch>
+        </p:blipFill>
+        <p:spPr>
+          <a:xfrm>
+            <a:off x="6568858" y="1704419"/>
+            <a:ext cx="2080364" cy="2220706"/>
+          </a:xfrm>
+          <a:prstGeom prst="rect">
+            <a:avLst/>
+          </a:prstGeom>
+        </p:spPr>
+      </p:pic>
+      <p:sp>
+        <p:nvSpPr>
+          <p:cNvPr id="11" name="TextBox 10">
+            <a:extLst>
+              <a:ext uri="{FF2B5EF4-FFF2-40B4-BE49-F238E27FC236}">
+                <a16:creationId xmlns:a16="http://schemas.microsoft.com/office/drawing/2014/main" id="{E6A912FF-30D2-79B4-01F1-07C981BE9D8E}"/>
+              </a:ext>
+            </a:extLst>
+          </p:cNvPr>
+          <p:cNvSpPr txBox="1"/>
+          <p:nvPr/>
+        </p:nvSpPr>
+        <p:spPr>
+          <a:xfrm>
+            <a:off x="594986" y="4294836"/>
+            <a:ext cx="4576959" cy="369332"/>
+          </a:xfrm>
+          <a:prstGeom prst="rect">
+            <a:avLst/>
+          </a:prstGeom>
+          <a:noFill/>
+        </p:spPr>
+        <p:txBody>
+          <a:bodyPr wrap="none" rtlCol="0">
+            <a:spAutoFit/>
+          </a:bodyPr>
+          <a:lstStyle/>
+          <a:p>
+            <a:r>
+              <a:rPr lang="en-US" dirty="0"/>
+              <a:t>More useful if you want to plot length vs width</a:t>
+            </a:r>
+          </a:p>
+        </p:txBody>
+      </p:sp>
+      <p:sp>
+        <p:nvSpPr>
+          <p:cNvPr id="13" name="TextBox 12">
+            <a:extLst>
+              <a:ext uri="{FF2B5EF4-FFF2-40B4-BE49-F238E27FC236}">
+                <a16:creationId xmlns:a16="http://schemas.microsoft.com/office/drawing/2014/main" id="{5E2DCCF8-1717-F444-955C-F62097346BEF}"/>
+              </a:ext>
+            </a:extLst>
+          </p:cNvPr>
+          <p:cNvSpPr txBox="1"/>
+          <p:nvPr/>
+        </p:nvSpPr>
+        <p:spPr>
+          <a:xfrm>
+            <a:off x="6330864" y="3981046"/>
+            <a:ext cx="5194948" cy="369332"/>
+          </a:xfrm>
+          <a:prstGeom prst="rect">
+            <a:avLst/>
+          </a:prstGeom>
+          <a:noFill/>
+        </p:spPr>
+        <p:txBody>
+          <a:bodyPr wrap="none" rtlCol="0">
+            <a:spAutoFit/>
+          </a:bodyPr>
+          <a:lstStyle/>
+          <a:p>
+            <a:r>
+              <a:rPr lang="en-US" dirty="0"/>
+              <a:t>More useful if you want to plot all attributes together</a:t>
+            </a:r>
+          </a:p>
+        </p:txBody>
+      </p:sp>
+      <p:pic>
+        <p:nvPicPr>
+          <p:cNvPr id="14" name="Picture 13">
+            <a:extLst>
+              <a:ext uri="{FF2B5EF4-FFF2-40B4-BE49-F238E27FC236}">
+                <a16:creationId xmlns:a16="http://schemas.microsoft.com/office/drawing/2014/main" id="{F9D1E1A7-24D9-1564-6745-23EBC52DBF63}"/>
+              </a:ext>
+            </a:extLst>
+          </p:cNvPr>
+          <p:cNvPicPr>
+            <a:picLocks noChangeAspect="1"/>
+          </p:cNvPicPr>
+          <p:nvPr/>
+        </p:nvPicPr>
+        <p:blipFill>
+          <a:blip r:embed="rId5"/>
+          <a:stretch>
+            <a:fillRect/>
+          </a:stretch>
+        </p:blipFill>
+        <p:spPr>
+          <a:xfrm>
+            <a:off x="1429340" y="4766961"/>
+            <a:ext cx="1797778" cy="1997136"/>
+          </a:xfrm>
+          <a:prstGeom prst="rect">
+            <a:avLst/>
+          </a:prstGeom>
+        </p:spPr>
+      </p:pic>
+      <p:pic>
+        <p:nvPicPr>
+          <p:cNvPr id="15" name="Picture 14">
+            <a:extLst>
+              <a:ext uri="{FF2B5EF4-FFF2-40B4-BE49-F238E27FC236}">
+                <a16:creationId xmlns:a16="http://schemas.microsoft.com/office/drawing/2014/main" id="{37AABA38-6352-FF7A-A86F-B49D58CF2110}"/>
+              </a:ext>
+            </a:extLst>
+          </p:cNvPr>
+          <p:cNvPicPr>
+            <a:picLocks noChangeAspect="1"/>
+          </p:cNvPicPr>
+          <p:nvPr/>
+        </p:nvPicPr>
+        <p:blipFill>
+          <a:blip r:embed="rId6"/>
+          <a:stretch>
+            <a:fillRect/>
+          </a:stretch>
+        </p:blipFill>
+        <p:spPr>
+          <a:xfrm>
+            <a:off x="5840849" y="4406299"/>
+            <a:ext cx="1892408" cy="2095279"/>
+          </a:xfrm>
+          <a:prstGeom prst="rect">
+            <a:avLst/>
+          </a:prstGeom>
+        </p:spPr>
+      </p:pic>
+    </p:spTree>
+    <p:extLst>
+      <p:ext uri="{BB962C8B-B14F-4D97-AF65-F5344CB8AC3E}">
+        <p14:creationId xmlns:p14="http://schemas.microsoft.com/office/powerpoint/2010/main" val="1766242288"/>
+      </p:ext>
+    </p:extLst>
+  </p:cSld>
+  <p:clrMapOvr>
+    <a:masterClrMapping/>
+  </p:clrMapOvr>
+</p:sld>
+</file>
+
+<file path=ppt/slides/slide11.xml><?xml version="1.0" encoding="utf-8"?>
+<p:sld xmlns:a="http://schemas.openxmlformats.org/drawingml/2006/main" xmlns:r="http://schemas.openxmlformats.org/officeDocument/2006/relationships" xmlns:p="http://schemas.openxmlformats.org/presentationml/2006/main">
+  <p:cSld>
+    <p:spTree>
+      <p:nvGrpSpPr>
+        <p:cNvPr id="1" name=""/>
+        <p:cNvGrpSpPr/>
+        <p:nvPr/>
+      </p:nvGrpSpPr>
+      <p:grpSpPr>
+        <a:xfrm>
+          <a:off x="0" y="0"/>
+          <a:ext cx="0" cy="0"/>
+          <a:chOff x="0" y="0"/>
+          <a:chExt cx="0" cy="0"/>
+        </a:xfrm>
+      </p:grpSpPr>
+      <p:sp>
+        <p:nvSpPr>
+          <p:cNvPr id="2" name="TextBox 1">
+            <a:extLst>
+              <a:ext uri="{FF2B5EF4-FFF2-40B4-BE49-F238E27FC236}">
+                <a16:creationId xmlns:a16="http://schemas.microsoft.com/office/drawing/2014/main" id="{EE808F59-D6A1-6EC7-8215-A1414DD3D939}"/>
+              </a:ext>
+            </a:extLst>
+          </p:cNvPr>
+          <p:cNvSpPr txBox="1"/>
+          <p:nvPr/>
+        </p:nvSpPr>
+        <p:spPr>
+          <a:xfrm>
+            <a:off x="4008329" y="294362"/>
+            <a:ext cx="4416274" cy="369332"/>
+          </a:xfrm>
+          <a:prstGeom prst="rect">
+            <a:avLst/>
+          </a:prstGeom>
+          <a:noFill/>
+        </p:spPr>
+        <p:txBody>
+          <a:bodyPr wrap="none" rtlCol="0">
+            <a:spAutoFit/>
+          </a:bodyPr>
+          <a:lstStyle/>
+          <a:p>
+            <a:r>
+              <a:rPr lang="en-US" dirty="0"/>
+              <a:t>Converting between wide and long formats </a:t>
+            </a:r>
+          </a:p>
+        </p:txBody>
+      </p:sp>
+      <p:sp>
+        <p:nvSpPr>
           <p:cNvPr id="3" name="TextBox 2">
             <a:extLst>
               <a:ext uri="{FF2B5EF4-FFF2-40B4-BE49-F238E27FC236}">
@@ -4380,7 +4753,7 @@
 </p:sld>
 </file>
 
-<file path=ppt/slides/slide11.xml><?xml version="1.0" encoding="utf-8"?>
+<file path=ppt/slides/slide12.xml><?xml version="1.0" encoding="utf-8"?>
 <p:sld xmlns:a="http://schemas.openxmlformats.org/drawingml/2006/main" xmlns:r="http://schemas.openxmlformats.org/officeDocument/2006/relationships" xmlns:p="http://schemas.openxmlformats.org/presentationml/2006/main">
   <p:cSld>
     <p:spTree>
@@ -4820,7 +5193,7 @@
 </p:sld>
 </file>
 
-<file path=ppt/slides/slide12.xml><?xml version="1.0" encoding="utf-8"?>
+<file path=ppt/slides/slide13.xml><?xml version="1.0" encoding="utf-8"?>
 <p:sld xmlns:a="http://schemas.openxmlformats.org/drawingml/2006/main" xmlns:r="http://schemas.openxmlformats.org/officeDocument/2006/relationships" xmlns:p="http://schemas.openxmlformats.org/presentationml/2006/main">
   <p:cSld>
     <p:spTree>
@@ -5321,238 +5694,6 @@
     <p:extLst>
       <p:ext uri="{BB962C8B-B14F-4D97-AF65-F5344CB8AC3E}">
         <p14:creationId xmlns:p14="http://schemas.microsoft.com/office/powerpoint/2010/main" val="3910450632"/>
-      </p:ext>
-    </p:extLst>
-  </p:cSld>
-  <p:clrMapOvr>
-    <a:masterClrMapping/>
-  </p:clrMapOvr>
-</p:sld>
-</file>
-
-<file path=ppt/slides/slide13.xml><?xml version="1.0" encoding="utf-8"?>
-<p:sld xmlns:a="http://schemas.openxmlformats.org/drawingml/2006/main" xmlns:r="http://schemas.openxmlformats.org/officeDocument/2006/relationships" xmlns:p="http://schemas.openxmlformats.org/presentationml/2006/main">
-  <p:cSld>
-    <p:spTree>
-      <p:nvGrpSpPr>
-        <p:cNvPr id="1" name=""/>
-        <p:cNvGrpSpPr/>
-        <p:nvPr/>
-      </p:nvGrpSpPr>
-      <p:grpSpPr>
-        <a:xfrm>
-          <a:off x="0" y="0"/>
-          <a:ext cx="0" cy="0"/>
-          <a:chOff x="0" y="0"/>
-          <a:chExt cx="0" cy="0"/>
-        </a:xfrm>
-      </p:grpSpPr>
-      <p:sp>
-        <p:nvSpPr>
-          <p:cNvPr id="3" name="TextBox 2">
-            <a:extLst>
-              <a:ext uri="{FF2B5EF4-FFF2-40B4-BE49-F238E27FC236}">
-                <a16:creationId xmlns:a16="http://schemas.microsoft.com/office/drawing/2014/main" id="{65154B13-23B4-D285-8E9C-1D05B2CC3314}"/>
-              </a:ext>
-            </a:extLst>
-          </p:cNvPr>
-          <p:cNvSpPr txBox="1"/>
-          <p:nvPr/>
-        </p:nvSpPr>
-        <p:spPr>
-          <a:xfrm>
-            <a:off x="8253086" y="6281896"/>
-            <a:ext cx="6097044" cy="369332"/>
-          </a:xfrm>
-          <a:prstGeom prst="rect">
-            <a:avLst/>
-          </a:prstGeom>
-          <a:noFill/>
-        </p:spPr>
-        <p:txBody>
-          <a:bodyPr wrap="square">
-            <a:spAutoFit/>
-          </a:bodyPr>
-          <a:lstStyle/>
-          <a:p>
-            <a:r>
-              <a:rPr lang="en-US" dirty="0"/>
-              <a:t>https://ggplot2.tidyverse.org/reference/</a:t>
-            </a:r>
-          </a:p>
-        </p:txBody>
-      </p:sp>
-      <p:pic>
-        <p:nvPicPr>
-          <p:cNvPr id="4" name="Picture 3">
-            <a:extLst>
-              <a:ext uri="{FF2B5EF4-FFF2-40B4-BE49-F238E27FC236}">
-                <a16:creationId xmlns:a16="http://schemas.microsoft.com/office/drawing/2014/main" id="{427FDFC9-867C-629E-80F8-EC69839FE04B}"/>
-              </a:ext>
-            </a:extLst>
-          </p:cNvPr>
-          <p:cNvPicPr>
-            <a:picLocks noChangeAspect="1"/>
-          </p:cNvPicPr>
-          <p:nvPr/>
-        </p:nvPicPr>
-        <p:blipFill>
-          <a:blip r:embed="rId2"/>
-          <a:stretch>
-            <a:fillRect/>
-          </a:stretch>
-        </p:blipFill>
-        <p:spPr>
-          <a:xfrm>
-            <a:off x="287055" y="781822"/>
-            <a:ext cx="11244374" cy="1842381"/>
-          </a:xfrm>
-          <a:prstGeom prst="rect">
-            <a:avLst/>
-          </a:prstGeom>
-        </p:spPr>
-      </p:pic>
-      <p:pic>
-        <p:nvPicPr>
-          <p:cNvPr id="5" name="Picture 4">
-            <a:extLst>
-              <a:ext uri="{FF2B5EF4-FFF2-40B4-BE49-F238E27FC236}">
-                <a16:creationId xmlns:a16="http://schemas.microsoft.com/office/drawing/2014/main" id="{6F350F51-53FD-22B7-D40E-9040D4480D15}"/>
-              </a:ext>
-            </a:extLst>
-          </p:cNvPr>
-          <p:cNvPicPr>
-            <a:picLocks noChangeAspect="1"/>
-          </p:cNvPicPr>
-          <p:nvPr/>
-        </p:nvPicPr>
-        <p:blipFill>
-          <a:blip r:embed="rId3"/>
-          <a:stretch>
-            <a:fillRect/>
-          </a:stretch>
-        </p:blipFill>
-        <p:spPr>
-          <a:xfrm>
-            <a:off x="287054" y="2799838"/>
-            <a:ext cx="11084223" cy="1258595"/>
-          </a:xfrm>
-          <a:prstGeom prst="rect">
-            <a:avLst/>
-          </a:prstGeom>
-        </p:spPr>
-      </p:pic>
-      <p:pic>
-        <p:nvPicPr>
-          <p:cNvPr id="6" name="Picture 5">
-            <a:extLst>
-              <a:ext uri="{FF2B5EF4-FFF2-40B4-BE49-F238E27FC236}">
-                <a16:creationId xmlns:a16="http://schemas.microsoft.com/office/drawing/2014/main" id="{F6DF3007-C154-2C33-1059-808C0550F56E}"/>
-              </a:ext>
-            </a:extLst>
-          </p:cNvPr>
-          <p:cNvPicPr>
-            <a:picLocks noChangeAspect="1"/>
-          </p:cNvPicPr>
-          <p:nvPr/>
-        </p:nvPicPr>
-        <p:blipFill>
-          <a:blip r:embed="rId4"/>
-          <a:stretch>
-            <a:fillRect/>
-          </a:stretch>
-        </p:blipFill>
-        <p:spPr>
-          <a:xfrm>
-            <a:off x="287053" y="4006496"/>
-            <a:ext cx="10925879" cy="1035230"/>
-          </a:xfrm>
-          <a:prstGeom prst="rect">
-            <a:avLst/>
-          </a:prstGeom>
-        </p:spPr>
-      </p:pic>
-      <p:pic>
-        <p:nvPicPr>
-          <p:cNvPr id="7" name="Picture 6">
-            <a:extLst>
-              <a:ext uri="{FF2B5EF4-FFF2-40B4-BE49-F238E27FC236}">
-                <a16:creationId xmlns:a16="http://schemas.microsoft.com/office/drawing/2014/main" id="{D2C29005-1F40-FEC8-5E08-701F87647250}"/>
-              </a:ext>
-            </a:extLst>
-          </p:cNvPr>
-          <p:cNvPicPr>
-            <a:picLocks noChangeAspect="1"/>
-          </p:cNvPicPr>
-          <p:nvPr/>
-        </p:nvPicPr>
-        <p:blipFill>
-          <a:blip r:embed="rId5"/>
-          <a:stretch>
-            <a:fillRect/>
-          </a:stretch>
-        </p:blipFill>
-        <p:spPr>
-          <a:xfrm>
-            <a:off x="337158" y="5206868"/>
-            <a:ext cx="10742249" cy="937148"/>
-          </a:xfrm>
-          <a:prstGeom prst="rect">
-            <a:avLst/>
-          </a:prstGeom>
-        </p:spPr>
-      </p:pic>
-      <p:sp>
-        <p:nvSpPr>
-          <p:cNvPr id="8" name="TextBox 7">
-            <a:extLst>
-              <a:ext uri="{FF2B5EF4-FFF2-40B4-BE49-F238E27FC236}">
-                <a16:creationId xmlns:a16="http://schemas.microsoft.com/office/drawing/2014/main" id="{D2302473-7FDB-78CA-6715-5FD17DD32A35}"/>
-              </a:ext>
-            </a:extLst>
-          </p:cNvPr>
-          <p:cNvSpPr txBox="1"/>
-          <p:nvPr/>
-        </p:nvSpPr>
-        <p:spPr>
-          <a:xfrm>
-            <a:off x="3563655" y="247348"/>
-            <a:ext cx="7273914" cy="369332"/>
-          </a:xfrm>
-          <a:prstGeom prst="rect">
-            <a:avLst/>
-          </a:prstGeom>
-          <a:noFill/>
-        </p:spPr>
-        <p:txBody>
-          <a:bodyPr wrap="none" rtlCol="0">
-            <a:spAutoFit/>
-          </a:bodyPr>
-          <a:lstStyle/>
-          <a:p>
-            <a:r>
-              <a:rPr lang="en-US" dirty="0" err="1"/>
-              <a:t>ggplot</a:t>
-            </a:r>
-            <a:r>
-              <a:rPr lang="en-US" dirty="0"/>
-              <a:t> lets you make many different kinds of plots by using different ‘</a:t>
-            </a:r>
-            <a:r>
-              <a:rPr lang="en-US" dirty="0" err="1"/>
-              <a:t>geoms</a:t>
-            </a:r>
-            <a:r>
-              <a:rPr lang="en-US" dirty="0"/>
-              <a:t>’</a:t>
-            </a:r>
-          </a:p>
-        </p:txBody>
-      </p:sp>
-    </p:spTree>
-    <p:extLst>
-      <p:ext uri="{BB962C8B-B14F-4D97-AF65-F5344CB8AC3E}">
-        <p14:creationId xmlns:p14="http://schemas.microsoft.com/office/powerpoint/2010/main" val="1698419793"/>
       </p:ext>
     </p:extLst>
   </p:cSld>
@@ -5579,9 +5720,50 @@
           <a:chExt cx="0" cy="0"/>
         </a:xfrm>
       </p:grpSpPr>
+      <p:sp>
+        <p:nvSpPr>
+          <p:cNvPr id="3" name="TextBox 2">
+            <a:extLst>
+              <a:ext uri="{FF2B5EF4-FFF2-40B4-BE49-F238E27FC236}">
+                <a16:creationId xmlns:a16="http://schemas.microsoft.com/office/drawing/2014/main" id="{65154B13-23B4-D285-8E9C-1D05B2CC3314}"/>
+              </a:ext>
+            </a:extLst>
+          </p:cNvPr>
+          <p:cNvSpPr txBox="1"/>
+          <p:nvPr/>
+        </p:nvSpPr>
+        <p:spPr>
+          <a:xfrm>
+            <a:off x="8253086" y="6281896"/>
+            <a:ext cx="6097044" cy="369332"/>
+          </a:xfrm>
+          <a:prstGeom prst="rect">
+            <a:avLst/>
+          </a:prstGeom>
+          <a:noFill/>
+        </p:spPr>
+        <p:txBody>
+          <a:bodyPr wrap="square">
+            <a:spAutoFit/>
+          </a:bodyPr>
+          <a:lstStyle/>
+          <a:p>
+            <a:r>
+              <a:rPr lang="en-US" dirty="0"/>
+              <a:t>https://ggplot2.tidyverse.org/reference/</a:t>
+            </a:r>
+          </a:p>
+        </p:txBody>
+      </p:sp>
       <p:pic>
         <p:nvPicPr>
-          <p:cNvPr id="333" name="Image" descr="Image"/>
+          <p:cNvPr id="4" name="Picture 3">
+            <a:extLst>
+              <a:ext uri="{FF2B5EF4-FFF2-40B4-BE49-F238E27FC236}">
+                <a16:creationId xmlns:a16="http://schemas.microsoft.com/office/drawing/2014/main" id="{427FDFC9-867C-629E-80F8-EC69839FE04B}"/>
+              </a:ext>
+            </a:extLst>
+          </p:cNvPr>
           <p:cNvPicPr>
             <a:picLocks noChangeAspect="1"/>
           </p:cNvPicPr>
@@ -5595,58 +5777,157 @@
         </p:blipFill>
         <p:spPr>
           <a:xfrm>
-            <a:off x="548667" y="1956759"/>
-            <a:ext cx="2557080" cy="3752929"/>
-          </a:xfrm>
-          <a:prstGeom prst="rect">
-            <a:avLst/>
-          </a:prstGeom>
-          <a:ln w="12700">
-            <a:miter lim="400000"/>
-          </a:ln>
+            <a:off x="287055" y="781822"/>
+            <a:ext cx="11244374" cy="1842381"/>
+          </a:xfrm>
+          <a:prstGeom prst="rect">
+            <a:avLst/>
+          </a:prstGeom>
         </p:spPr>
       </p:pic>
-      <p:sp>
-        <p:nvSpPr>
-          <p:cNvPr id="334" name="What if we want to look at expression levels of these 4 genes?"/>
+      <p:pic>
+        <p:nvPicPr>
+          <p:cNvPr id="5" name="Picture 4">
+            <a:extLst>
+              <a:ext uri="{FF2B5EF4-FFF2-40B4-BE49-F238E27FC236}">
+                <a16:creationId xmlns:a16="http://schemas.microsoft.com/office/drawing/2014/main" id="{6F350F51-53FD-22B7-D40E-9040D4480D15}"/>
+              </a:ext>
+            </a:extLst>
+          </p:cNvPr>
+          <p:cNvPicPr>
+            <a:picLocks noChangeAspect="1"/>
+          </p:cNvPicPr>
+          <p:nvPr/>
+        </p:nvPicPr>
+        <p:blipFill>
+          <a:blip r:embed="rId3"/>
+          <a:stretch>
+            <a:fillRect/>
+          </a:stretch>
+        </p:blipFill>
+        <p:spPr>
+          <a:xfrm>
+            <a:off x="287054" y="2799838"/>
+            <a:ext cx="11084223" cy="1258595"/>
+          </a:xfrm>
+          <a:prstGeom prst="rect">
+            <a:avLst/>
+          </a:prstGeom>
+        </p:spPr>
+      </p:pic>
+      <p:pic>
+        <p:nvPicPr>
+          <p:cNvPr id="6" name="Picture 5">
+            <a:extLst>
+              <a:ext uri="{FF2B5EF4-FFF2-40B4-BE49-F238E27FC236}">
+                <a16:creationId xmlns:a16="http://schemas.microsoft.com/office/drawing/2014/main" id="{F6DF3007-C154-2C33-1059-808C0550F56E}"/>
+              </a:ext>
+            </a:extLst>
+          </p:cNvPr>
+          <p:cNvPicPr>
+            <a:picLocks noChangeAspect="1"/>
+          </p:cNvPicPr>
+          <p:nvPr/>
+        </p:nvPicPr>
+        <p:blipFill>
+          <a:blip r:embed="rId4"/>
+          <a:stretch>
+            <a:fillRect/>
+          </a:stretch>
+        </p:blipFill>
+        <p:spPr>
+          <a:xfrm>
+            <a:off x="287053" y="4006496"/>
+            <a:ext cx="10925879" cy="1035230"/>
+          </a:xfrm>
+          <a:prstGeom prst="rect">
+            <a:avLst/>
+          </a:prstGeom>
+        </p:spPr>
+      </p:pic>
+      <p:pic>
+        <p:nvPicPr>
+          <p:cNvPr id="7" name="Picture 6">
+            <a:extLst>
+              <a:ext uri="{FF2B5EF4-FFF2-40B4-BE49-F238E27FC236}">
+                <a16:creationId xmlns:a16="http://schemas.microsoft.com/office/drawing/2014/main" id="{D2C29005-1F40-FEC8-5E08-701F87647250}"/>
+              </a:ext>
+            </a:extLst>
+          </p:cNvPr>
+          <p:cNvPicPr>
+            <a:picLocks noChangeAspect="1"/>
+          </p:cNvPicPr>
+          <p:nvPr/>
+        </p:nvPicPr>
+        <p:blipFill>
+          <a:blip r:embed="rId5"/>
+          <a:stretch>
+            <a:fillRect/>
+          </a:stretch>
+        </p:blipFill>
+        <p:spPr>
+          <a:xfrm>
+            <a:off x="337158" y="5206868"/>
+            <a:ext cx="10742249" cy="937148"/>
+          </a:xfrm>
+          <a:prstGeom prst="rect">
+            <a:avLst/>
+          </a:prstGeom>
+        </p:spPr>
+      </p:pic>
+      <p:sp>
+        <p:nvSpPr>
+          <p:cNvPr id="8" name="TextBox 7">
+            <a:extLst>
+              <a:ext uri="{FF2B5EF4-FFF2-40B4-BE49-F238E27FC236}">
+                <a16:creationId xmlns:a16="http://schemas.microsoft.com/office/drawing/2014/main" id="{D2302473-7FDB-78CA-6715-5FD17DD32A35}"/>
+              </a:ext>
+            </a:extLst>
+          </p:cNvPr>
           <p:cNvSpPr txBox="1"/>
           <p:nvPr/>
         </p:nvSpPr>
         <p:spPr>
           <a:xfrm>
-            <a:off x="3448320" y="337559"/>
-            <a:ext cx="5295360" cy="328295"/>
-          </a:xfrm>
-          <a:prstGeom prst="rect">
-            <a:avLst/>
-          </a:prstGeom>
-          <a:ln w="12700">
-            <a:miter lim="400000"/>
-          </a:ln>
-          <a:extLst>
-            <a:ext uri="{C572A759-6A51-4108-AA02-DFA0A04FC94B}">
-              <ma14:wrappingTextBoxFlag xmlns:ma14="http://schemas.microsoft.com/office/mac/drawingml/2011/main" xmlns:a14="http://schemas.microsoft.com/office/drawing/2010/main" xmlns:m="http://schemas.openxmlformats.org/officeDocument/2006/math" xmlns="" val="1"/>
-            </a:ext>
-          </a:extLst>
-        </p:spPr>
-        <p:txBody>
-          <a:bodyPr wrap="none" lIns="25400" tIns="25400" rIns="25400" bIns="25400" anchor="ctr">
+            <a:off x="3563655" y="247348"/>
+            <a:ext cx="7273914" cy="369332"/>
+          </a:xfrm>
+          <a:prstGeom prst="rect">
+            <a:avLst/>
+          </a:prstGeom>
+          <a:noFill/>
+        </p:spPr>
+        <p:txBody>
+          <a:bodyPr wrap="none" rtlCol="0">
             <a:spAutoFit/>
           </a:bodyPr>
-          <a:lstStyle>
-            <a:lvl1pPr>
-              <a:defRPr sz="3600"/>
-            </a:lvl1pPr>
-          </a:lstStyle>
-          <a:p>
-            <a:r>
-              <a:rPr sz="1800" dirty="0"/>
-              <a:t>What if we want to look at expression levels of 4 genes?</a:t>
+          <a:lstStyle/>
+          <a:p>
+            <a:r>
+              <a:rPr lang="en-US" dirty="0" err="1"/>
+              <a:t>ggplot</a:t>
+            </a:r>
+            <a:r>
+              <a:rPr lang="en-US" dirty="0"/>
+              <a:t> lets you make many different kinds of plots by using different ‘</a:t>
+            </a:r>
+            <a:r>
+              <a:rPr lang="en-US" dirty="0" err="1"/>
+              <a:t>geoms</a:t>
+            </a:r>
+            <a:r>
+              <a:rPr lang="en-US" dirty="0"/>
+              <a:t>’</a:t>
             </a:r>
           </a:p>
         </p:txBody>
       </p:sp>
     </p:spTree>
+    <p:extLst>
+      <p:ext uri="{BB962C8B-B14F-4D97-AF65-F5344CB8AC3E}">
+        <p14:creationId xmlns:p14="http://schemas.microsoft.com/office/powerpoint/2010/main" val="1698419793"/>
+      </p:ext>
+    </p:extLst>
   </p:cSld>
   <p:clrMapOvr>
     <a:masterClrMapping/>
@@ -5706,7 +5987,7 @@
         </p:nvSpPr>
         <p:spPr>
           <a:xfrm>
-            <a:off x="3105747" y="316171"/>
+            <a:off x="3448320" y="337559"/>
             <a:ext cx="5295360" cy="328295"/>
           </a:xfrm>
           <a:prstGeom prst="rect">
@@ -5738,66 +6019,7 @@
           </a:p>
         </p:txBody>
       </p:sp>
-      <p:pic>
-        <p:nvPicPr>
-          <p:cNvPr id="335" name="Image" descr="Image"/>
-          <p:cNvPicPr>
-            <a:picLocks noChangeAspect="1"/>
-          </p:cNvPicPr>
-          <p:nvPr/>
-        </p:nvPicPr>
-        <p:blipFill>
-          <a:blip r:embed="rId3"/>
-          <a:stretch>
-            <a:fillRect/>
-          </a:stretch>
-        </p:blipFill>
-        <p:spPr>
-          <a:xfrm>
-            <a:off x="3794882" y="2257620"/>
-            <a:ext cx="7979507" cy="414838"/>
-          </a:xfrm>
-          <a:prstGeom prst="rect">
-            <a:avLst/>
-          </a:prstGeom>
-          <a:ln w="12700">
-            <a:miter lim="400000"/>
-          </a:ln>
-        </p:spPr>
-      </p:pic>
-      <p:pic>
-        <p:nvPicPr>
-          <p:cNvPr id="336" name="Image" descr="Image"/>
-          <p:cNvPicPr>
-            <a:picLocks noChangeAspect="1"/>
-          </p:cNvPicPr>
-          <p:nvPr/>
-        </p:nvPicPr>
-        <p:blipFill>
-          <a:blip r:embed="rId4"/>
-          <a:stretch>
-            <a:fillRect/>
-          </a:stretch>
-        </p:blipFill>
-        <p:spPr>
-          <a:xfrm>
-            <a:off x="3541283" y="2870097"/>
-            <a:ext cx="5653199" cy="3572603"/>
-          </a:xfrm>
-          <a:prstGeom prst="rect">
-            <a:avLst/>
-          </a:prstGeom>
-          <a:ln w="12700">
-            <a:miter lim="400000"/>
-          </a:ln>
-        </p:spPr>
-      </p:pic>
     </p:spTree>
-    <p:extLst>
-      <p:ext uri="{BB962C8B-B14F-4D97-AF65-F5344CB8AC3E}">
-        <p14:creationId xmlns:p14="http://schemas.microsoft.com/office/powerpoint/2010/main" val="2696821515"/>
-      </p:ext>
-    </p:extLst>
   </p:cSld>
   <p:clrMapOvr>
     <a:masterClrMapping/>
@@ -5824,22 +6046,22 @@
       </p:grpSpPr>
       <p:pic>
         <p:nvPicPr>
-          <p:cNvPr id="338" name="Image" descr="Image"/>
+          <p:cNvPr id="333" name="Image" descr="Image"/>
           <p:cNvPicPr>
             <a:picLocks noChangeAspect="1"/>
           </p:cNvPicPr>
           <p:nvPr/>
         </p:nvPicPr>
         <p:blipFill>
-          <a:blip r:embed="rId3"/>
+          <a:blip r:embed="rId2"/>
           <a:stretch>
             <a:fillRect/>
           </a:stretch>
         </p:blipFill>
         <p:spPr>
           <a:xfrm>
-            <a:off x="202599" y="2139318"/>
-            <a:ext cx="7412239" cy="1593559"/>
+            <a:off x="548667" y="1956759"/>
+            <a:ext cx="2557080" cy="3752929"/>
           </a:xfrm>
           <a:prstGeom prst="rect">
             <a:avLst/>
@@ -5851,14 +6073,14 @@
       </p:pic>
       <p:sp>
         <p:nvSpPr>
-          <p:cNvPr id="339" name="A little more complicated example - samples from different conditions"/>
+          <p:cNvPr id="334" name="What if we want to look at expression levels of these 4 genes?"/>
           <p:cNvSpPr txBox="1"/>
           <p:nvPr/>
         </p:nvSpPr>
         <p:spPr>
           <a:xfrm>
-            <a:off x="1197886" y="163197"/>
-            <a:ext cx="8978099" cy="420628"/>
+            <a:off x="3105747" y="316171"/>
+            <a:ext cx="5295360" cy="328295"/>
           </a:xfrm>
           <a:prstGeom prst="rect">
             <a:avLst/>
@@ -5878,27 +6100,35 @@
           </a:bodyPr>
           <a:lstStyle>
             <a:lvl1pPr>
-              <a:defRPr sz="4800" b="1"/>
+              <a:defRPr sz="3600"/>
             </a:lvl1pPr>
           </a:lstStyle>
           <a:p>
             <a:r>
-              <a:rPr sz="2400"/>
-              <a:t>A little more complicated example - samples from different conditions</a:t>
-            </a:r>
-          </a:p>
-        </p:txBody>
-      </p:sp>
-      <p:sp>
-        <p:nvSpPr>
-          <p:cNvPr id="340" name="Untreated"/>
-          <p:cNvSpPr txBox="1"/>
-          <p:nvPr/>
-        </p:nvSpPr>
-        <p:spPr>
-          <a:xfrm>
-            <a:off x="2004675" y="1526185"/>
-            <a:ext cx="1355949" cy="420628"/>
+              <a:rPr sz="1800" dirty="0"/>
+              <a:t>What if we want to look at expression levels of 4 genes?</a:t>
+            </a:r>
+          </a:p>
+        </p:txBody>
+      </p:sp>
+      <p:pic>
+        <p:nvPicPr>
+          <p:cNvPr id="335" name="Image" descr="Image"/>
+          <p:cNvPicPr>
+            <a:picLocks noChangeAspect="1"/>
+          </p:cNvPicPr>
+          <p:nvPr/>
+        </p:nvPicPr>
+        <p:blipFill>
+          <a:blip r:embed="rId3"/>
+          <a:stretch>
+            <a:fillRect/>
+          </a:stretch>
+        </p:blipFill>
+        <p:spPr>
+          <a:xfrm>
+            <a:off x="3794882" y="2257620"/>
+            <a:ext cx="7979507" cy="414838"/>
           </a:xfrm>
           <a:prstGeom prst="rect">
             <a:avLst/>
@@ -5906,130 +6136,11 @@
           <a:ln w="12700">
             <a:miter lim="400000"/>
           </a:ln>
-          <a:extLst>
-            <a:ext uri="{C572A759-6A51-4108-AA02-DFA0A04FC94B}">
-              <ma14:wrappingTextBoxFlag xmlns:ma14="http://schemas.microsoft.com/office/mac/drawingml/2011/main" xmlns:a14="http://schemas.microsoft.com/office/drawing/2010/main" xmlns:m="http://schemas.openxmlformats.org/officeDocument/2006/math" xmlns="" val="1"/>
-            </a:ext>
-          </a:extLst>
-        </p:spPr>
-        <p:txBody>
-          <a:bodyPr wrap="none" lIns="25400" tIns="25400" rIns="25400" bIns="25400" anchor="ctr">
-            <a:spAutoFit/>
-          </a:bodyPr>
-          <a:lstStyle>
-            <a:lvl1pPr>
-              <a:defRPr sz="4800" b="1"/>
-            </a:lvl1pPr>
-          </a:lstStyle>
-          <a:p>
-            <a:r>
-              <a:rPr sz="2400"/>
-              <a:t>Untreated</a:t>
-            </a:r>
-          </a:p>
-        </p:txBody>
-      </p:sp>
-      <p:sp>
-        <p:nvSpPr>
-          <p:cNvPr id="341" name="Treated"/>
-          <p:cNvSpPr txBox="1"/>
-          <p:nvPr/>
-        </p:nvSpPr>
-        <p:spPr>
-          <a:xfrm>
-            <a:off x="5376405" y="1526185"/>
-            <a:ext cx="1022459" cy="420628"/>
-          </a:xfrm>
-          <a:prstGeom prst="rect">
-            <a:avLst/>
-          </a:prstGeom>
-          <a:ln w="12700">
-            <a:miter lim="400000"/>
-          </a:ln>
-          <a:extLst>
-            <a:ext uri="{C572A759-6A51-4108-AA02-DFA0A04FC94B}">
-              <ma14:wrappingTextBoxFlag xmlns:ma14="http://schemas.microsoft.com/office/mac/drawingml/2011/main" xmlns:a14="http://schemas.microsoft.com/office/drawing/2010/main" xmlns:m="http://schemas.openxmlformats.org/officeDocument/2006/math" xmlns="" val="1"/>
-            </a:ext>
-          </a:extLst>
-        </p:spPr>
-        <p:txBody>
-          <a:bodyPr wrap="none" lIns="25400" tIns="25400" rIns="25400" bIns="25400" anchor="ctr">
-            <a:spAutoFit/>
-          </a:bodyPr>
-          <a:lstStyle>
-            <a:lvl1pPr>
-              <a:defRPr sz="4800" b="1"/>
-            </a:lvl1pPr>
-          </a:lstStyle>
-          <a:p>
-            <a:r>
-              <a:rPr sz="2400"/>
-              <a:t>Treated</a:t>
-            </a:r>
-          </a:p>
-        </p:txBody>
-      </p:sp>
-      <p:sp>
-        <p:nvSpPr>
-          <p:cNvPr id="342" name="Line"/>
-          <p:cNvSpPr/>
-          <p:nvPr/>
-        </p:nvSpPr>
-        <p:spPr>
-          <a:xfrm>
-            <a:off x="1584692" y="1990499"/>
-            <a:ext cx="2342480" cy="1"/>
-          </a:xfrm>
-          <a:prstGeom prst="line">
-            <a:avLst/>
-          </a:prstGeom>
-          <a:ln w="101600">
-            <a:solidFill>
-              <a:srgbClr val="000000"/>
-            </a:solidFill>
-            <a:miter lim="400000"/>
-          </a:ln>
-        </p:spPr>
-        <p:txBody>
-          <a:bodyPr lIns="25400" tIns="25400" rIns="25400" bIns="25400" anchor="ctr"/>
-          <a:lstStyle/>
-          <a:p>
-            <a:endParaRPr sz="900"/>
-          </a:p>
-        </p:txBody>
-      </p:sp>
-      <p:sp>
-        <p:nvSpPr>
-          <p:cNvPr id="343" name="Line"/>
-          <p:cNvSpPr/>
-          <p:nvPr/>
-        </p:nvSpPr>
-        <p:spPr>
-          <a:xfrm>
-            <a:off x="4778570" y="2040473"/>
-            <a:ext cx="2342480" cy="1"/>
-          </a:xfrm>
-          <a:prstGeom prst="line">
-            <a:avLst/>
-          </a:prstGeom>
-          <a:ln w="101600">
-            <a:solidFill>
-              <a:srgbClr val="000000"/>
-            </a:solidFill>
-            <a:miter lim="400000"/>
-          </a:ln>
-        </p:spPr>
-        <p:txBody>
-          <a:bodyPr lIns="25400" tIns="25400" rIns="25400" bIns="25400" anchor="ctr"/>
-          <a:lstStyle/>
-          <a:p>
-            <a:endParaRPr sz="900"/>
-          </a:p>
-        </p:txBody>
-      </p:sp>
+        </p:spPr>
+      </p:pic>
       <p:pic>
         <p:nvPicPr>
-          <p:cNvPr id="344" name="Image" descr="Image"/>
+          <p:cNvPr id="336" name="Image" descr="Image"/>
           <p:cNvPicPr>
             <a:picLocks noChangeAspect="1"/>
           </p:cNvPicPr>
@@ -6043,8 +6154,8 @@
         </p:blipFill>
         <p:spPr>
           <a:xfrm>
-            <a:off x="8169033" y="2142844"/>
-            <a:ext cx="3510206" cy="3194288"/>
+            <a:off x="3541283" y="2870097"/>
+            <a:ext cx="5653199" cy="3572603"/>
           </a:xfrm>
           <a:prstGeom prst="rect">
             <a:avLst/>
@@ -6054,87 +6165,12 @@
           </a:ln>
         </p:spPr>
       </p:pic>
-      <p:sp>
-        <p:nvSpPr>
-          <p:cNvPr id="345" name="Wide"/>
-          <p:cNvSpPr txBox="1"/>
-          <p:nvPr/>
-        </p:nvSpPr>
-        <p:spPr>
-          <a:xfrm>
-            <a:off x="3771499" y="3835594"/>
-            <a:ext cx="726161" cy="420628"/>
-          </a:xfrm>
-          <a:prstGeom prst="rect">
-            <a:avLst/>
-          </a:prstGeom>
-          <a:ln w="12700">
-            <a:miter lim="400000"/>
-          </a:ln>
-          <a:extLst>
-            <a:ext uri="{C572A759-6A51-4108-AA02-DFA0A04FC94B}">
-              <ma14:wrappingTextBoxFlag xmlns:ma14="http://schemas.microsoft.com/office/mac/drawingml/2011/main" xmlns:a14="http://schemas.microsoft.com/office/drawing/2010/main" xmlns:m="http://schemas.openxmlformats.org/officeDocument/2006/math" xmlns="" val="1"/>
-            </a:ext>
-          </a:extLst>
-        </p:spPr>
-        <p:txBody>
-          <a:bodyPr wrap="none" lIns="25400" tIns="25400" rIns="25400" bIns="25400" anchor="ctr">
-            <a:spAutoFit/>
-          </a:bodyPr>
-          <a:lstStyle>
-            <a:lvl1pPr>
-              <a:defRPr sz="4800" b="1"/>
-            </a:lvl1pPr>
-          </a:lstStyle>
-          <a:p>
-            <a:r>
-              <a:rPr sz="2400"/>
-              <a:t>Wide</a:t>
-            </a:r>
-          </a:p>
-        </p:txBody>
-      </p:sp>
-      <p:sp>
-        <p:nvSpPr>
-          <p:cNvPr id="346" name="Long"/>
-          <p:cNvSpPr txBox="1"/>
-          <p:nvPr/>
-        </p:nvSpPr>
-        <p:spPr>
-          <a:xfrm>
-            <a:off x="9528582" y="5396883"/>
-            <a:ext cx="657231" cy="420628"/>
-          </a:xfrm>
-          <a:prstGeom prst="rect">
-            <a:avLst/>
-          </a:prstGeom>
-          <a:ln w="12700">
-            <a:miter lim="400000"/>
-          </a:ln>
-          <a:extLst>
-            <a:ext uri="{C572A759-6A51-4108-AA02-DFA0A04FC94B}">
-              <ma14:wrappingTextBoxFlag xmlns:ma14="http://schemas.microsoft.com/office/mac/drawingml/2011/main" xmlns:a14="http://schemas.microsoft.com/office/drawing/2010/main" xmlns:m="http://schemas.openxmlformats.org/officeDocument/2006/math" xmlns="" val="1"/>
-            </a:ext>
-          </a:extLst>
-        </p:spPr>
-        <p:txBody>
-          <a:bodyPr wrap="none" lIns="25400" tIns="25400" rIns="25400" bIns="25400" anchor="ctr">
-            <a:spAutoFit/>
-          </a:bodyPr>
-          <a:lstStyle>
-            <a:lvl1pPr>
-              <a:defRPr sz="4800" b="1"/>
-            </a:lvl1pPr>
-          </a:lstStyle>
-          <a:p>
-            <a:r>
-              <a:rPr sz="2400"/>
-              <a:t>Long</a:t>
-            </a:r>
-          </a:p>
-        </p:txBody>
-      </p:sp>
     </p:spTree>
+    <p:extLst>
+      <p:ext uri="{BB962C8B-B14F-4D97-AF65-F5344CB8AC3E}">
+        <p14:creationId xmlns:p14="http://schemas.microsoft.com/office/powerpoint/2010/main" val="2696821515"/>
+      </p:ext>
+    </p:extLst>
   </p:cSld>
   <p:clrMapOvr>
     <a:masterClrMapping/>
@@ -6161,7 +6197,7 @@
       </p:grpSpPr>
       <p:pic>
         <p:nvPicPr>
-          <p:cNvPr id="350" name="Image" descr="Image"/>
+          <p:cNvPr id="338" name="Image" descr="Image"/>
           <p:cNvPicPr>
             <a:picLocks noChangeAspect="1"/>
           </p:cNvPicPr>
@@ -6175,8 +6211,8 @@
         </p:blipFill>
         <p:spPr>
           <a:xfrm>
-            <a:off x="6672906" y="3124151"/>
-            <a:ext cx="5067520" cy="3091072"/>
+            <a:off x="202599" y="2139318"/>
+            <a:ext cx="7412239" cy="1593559"/>
           </a:xfrm>
           <a:prstGeom prst="rect">
             <a:avLst/>
@@ -6186,36 +6222,9 @@
           </a:ln>
         </p:spPr>
       </p:pic>
-      <p:pic>
-        <p:nvPicPr>
-          <p:cNvPr id="351" name="Image" descr="Image"/>
-          <p:cNvPicPr>
-            <a:picLocks noChangeAspect="1"/>
-          </p:cNvPicPr>
-          <p:nvPr/>
-        </p:nvPicPr>
-        <p:blipFill>
-          <a:blip r:embed="rId4"/>
-          <a:stretch>
-            <a:fillRect/>
-          </a:stretch>
-        </p:blipFill>
-        <p:spPr>
-          <a:xfrm>
-            <a:off x="889780" y="1831857"/>
-            <a:ext cx="3510206" cy="3194287"/>
-          </a:xfrm>
-          <a:prstGeom prst="rect">
-            <a:avLst/>
-          </a:prstGeom>
-          <a:ln w="12700">
-            <a:miter lim="400000"/>
-          </a:ln>
-        </p:spPr>
-      </p:pic>
-      <p:sp>
-        <p:nvSpPr>
-          <p:cNvPr id="352" name="A little more complicated example - samples from different conditions"/>
+      <p:sp>
+        <p:nvSpPr>
+          <p:cNvPr id="339" name="A little more complicated example - samples from different conditions"/>
           <p:cNvSpPr txBox="1"/>
           <p:nvPr/>
         </p:nvSpPr>
@@ -6232,7 +6241,7 @@
           </a:ln>
           <a:extLst>
             <a:ext uri="{C572A759-6A51-4108-AA02-DFA0A04FC94B}">
-              <ma14:wrappingTextBoxFlag xmlns:ma14="http://schemas.microsoft.com/office/mac/drawingml/2011/main" xmlns:a14="http://schemas.microsoft.com/office/drawing/2010/main" xmlns:m="http://schemas.openxmlformats.org/officeDocument/2006/math" xmlns="" val="1"/>
+              <ma14:wrappingTextBoxFlag xmlns="" xmlns:m="http://schemas.openxmlformats.org/officeDocument/2006/math" xmlns:a14="http://schemas.microsoft.com/office/drawing/2010/main" xmlns:ma14="http://schemas.microsoft.com/office/mac/drawingml/2011/main" val="1"/>
             </a:ext>
           </a:extLst>
         </p:spPr>
@@ -6253,24 +6262,162 @@
           </a:p>
         </p:txBody>
       </p:sp>
+      <p:sp>
+        <p:nvSpPr>
+          <p:cNvPr id="340" name="Untreated"/>
+          <p:cNvSpPr txBox="1"/>
+          <p:nvPr/>
+        </p:nvSpPr>
+        <p:spPr>
+          <a:xfrm>
+            <a:off x="2004675" y="1526185"/>
+            <a:ext cx="1355949" cy="420628"/>
+          </a:xfrm>
+          <a:prstGeom prst="rect">
+            <a:avLst/>
+          </a:prstGeom>
+          <a:ln w="12700">
+            <a:miter lim="400000"/>
+          </a:ln>
+          <a:extLst>
+            <a:ext uri="{C572A759-6A51-4108-AA02-DFA0A04FC94B}">
+              <ma14:wrappingTextBoxFlag xmlns="" xmlns:m="http://schemas.openxmlformats.org/officeDocument/2006/math" xmlns:a14="http://schemas.microsoft.com/office/drawing/2010/main" xmlns:ma14="http://schemas.microsoft.com/office/mac/drawingml/2011/main" val="1"/>
+            </a:ext>
+          </a:extLst>
+        </p:spPr>
+        <p:txBody>
+          <a:bodyPr wrap="none" lIns="25400" tIns="25400" rIns="25400" bIns="25400" anchor="ctr">
+            <a:spAutoFit/>
+          </a:bodyPr>
+          <a:lstStyle>
+            <a:lvl1pPr>
+              <a:defRPr sz="4800" b="1"/>
+            </a:lvl1pPr>
+          </a:lstStyle>
+          <a:p>
+            <a:r>
+              <a:rPr sz="2400"/>
+              <a:t>Untreated</a:t>
+            </a:r>
+          </a:p>
+        </p:txBody>
+      </p:sp>
+      <p:sp>
+        <p:nvSpPr>
+          <p:cNvPr id="341" name="Treated"/>
+          <p:cNvSpPr txBox="1"/>
+          <p:nvPr/>
+        </p:nvSpPr>
+        <p:spPr>
+          <a:xfrm>
+            <a:off x="5376405" y="1526185"/>
+            <a:ext cx="1022459" cy="420628"/>
+          </a:xfrm>
+          <a:prstGeom prst="rect">
+            <a:avLst/>
+          </a:prstGeom>
+          <a:ln w="12700">
+            <a:miter lim="400000"/>
+          </a:ln>
+          <a:extLst>
+            <a:ext uri="{C572A759-6A51-4108-AA02-DFA0A04FC94B}">
+              <ma14:wrappingTextBoxFlag xmlns="" xmlns:m="http://schemas.openxmlformats.org/officeDocument/2006/math" xmlns:a14="http://schemas.microsoft.com/office/drawing/2010/main" xmlns:ma14="http://schemas.microsoft.com/office/mac/drawingml/2011/main" val="1"/>
+            </a:ext>
+          </a:extLst>
+        </p:spPr>
+        <p:txBody>
+          <a:bodyPr wrap="none" lIns="25400" tIns="25400" rIns="25400" bIns="25400" anchor="ctr">
+            <a:spAutoFit/>
+          </a:bodyPr>
+          <a:lstStyle>
+            <a:lvl1pPr>
+              <a:defRPr sz="4800" b="1"/>
+            </a:lvl1pPr>
+          </a:lstStyle>
+          <a:p>
+            <a:r>
+              <a:rPr sz="2400"/>
+              <a:t>Treated</a:t>
+            </a:r>
+          </a:p>
+        </p:txBody>
+      </p:sp>
+      <p:sp>
+        <p:nvSpPr>
+          <p:cNvPr id="342" name="Line"/>
+          <p:cNvSpPr/>
+          <p:nvPr/>
+        </p:nvSpPr>
+        <p:spPr>
+          <a:xfrm>
+            <a:off x="1584692" y="1990499"/>
+            <a:ext cx="2342480" cy="1"/>
+          </a:xfrm>
+          <a:prstGeom prst="line">
+            <a:avLst/>
+          </a:prstGeom>
+          <a:ln w="101600">
+            <a:solidFill>
+              <a:srgbClr val="000000"/>
+            </a:solidFill>
+            <a:miter lim="400000"/>
+          </a:ln>
+        </p:spPr>
+        <p:txBody>
+          <a:bodyPr lIns="25400" tIns="25400" rIns="25400" bIns="25400" anchor="ctr"/>
+          <a:lstStyle/>
+          <a:p>
+            <a:endParaRPr sz="900"/>
+          </a:p>
+        </p:txBody>
+      </p:sp>
+      <p:sp>
+        <p:nvSpPr>
+          <p:cNvPr id="343" name="Line"/>
+          <p:cNvSpPr/>
+          <p:nvPr/>
+        </p:nvSpPr>
+        <p:spPr>
+          <a:xfrm>
+            <a:off x="4778570" y="2040473"/>
+            <a:ext cx="2342480" cy="1"/>
+          </a:xfrm>
+          <a:prstGeom prst="line">
+            <a:avLst/>
+          </a:prstGeom>
+          <a:ln w="101600">
+            <a:solidFill>
+              <a:srgbClr val="000000"/>
+            </a:solidFill>
+            <a:miter lim="400000"/>
+          </a:ln>
+        </p:spPr>
+        <p:txBody>
+          <a:bodyPr lIns="25400" tIns="25400" rIns="25400" bIns="25400" anchor="ctr"/>
+          <a:lstStyle/>
+          <a:p>
+            <a:endParaRPr sz="900"/>
+          </a:p>
+        </p:txBody>
+      </p:sp>
       <p:pic>
         <p:nvPicPr>
-          <p:cNvPr id="353" name="Image" descr="Image"/>
+          <p:cNvPr id="344" name="Image" descr="Image"/>
           <p:cNvPicPr>
             <a:picLocks noChangeAspect="1"/>
           </p:cNvPicPr>
           <p:nvPr/>
         </p:nvPicPr>
         <p:blipFill>
-          <a:blip r:embed="rId5"/>
+          <a:blip r:embed="rId4"/>
           <a:stretch>
             <a:fillRect/>
           </a:stretch>
         </p:blipFill>
         <p:spPr>
           <a:xfrm>
-            <a:off x="5312266" y="1746648"/>
-            <a:ext cx="5475550" cy="882045"/>
+            <a:off x="8169033" y="2142844"/>
+            <a:ext cx="3510206" cy="3194288"/>
           </a:xfrm>
           <a:prstGeom prst="rect">
             <a:avLst/>
@@ -6280,6 +6427,86 @@
           </a:ln>
         </p:spPr>
       </p:pic>
+      <p:sp>
+        <p:nvSpPr>
+          <p:cNvPr id="345" name="Wide"/>
+          <p:cNvSpPr txBox="1"/>
+          <p:nvPr/>
+        </p:nvSpPr>
+        <p:spPr>
+          <a:xfrm>
+            <a:off x="3771499" y="3835594"/>
+            <a:ext cx="726161" cy="420628"/>
+          </a:xfrm>
+          <a:prstGeom prst="rect">
+            <a:avLst/>
+          </a:prstGeom>
+          <a:ln w="12700">
+            <a:miter lim="400000"/>
+          </a:ln>
+          <a:extLst>
+            <a:ext uri="{C572A759-6A51-4108-AA02-DFA0A04FC94B}">
+              <ma14:wrappingTextBoxFlag xmlns="" xmlns:m="http://schemas.openxmlformats.org/officeDocument/2006/math" xmlns:a14="http://schemas.microsoft.com/office/drawing/2010/main" xmlns:ma14="http://schemas.microsoft.com/office/mac/drawingml/2011/main" val="1"/>
+            </a:ext>
+          </a:extLst>
+        </p:spPr>
+        <p:txBody>
+          <a:bodyPr wrap="none" lIns="25400" tIns="25400" rIns="25400" bIns="25400" anchor="ctr">
+            <a:spAutoFit/>
+          </a:bodyPr>
+          <a:lstStyle>
+            <a:lvl1pPr>
+              <a:defRPr sz="4800" b="1"/>
+            </a:lvl1pPr>
+          </a:lstStyle>
+          <a:p>
+            <a:r>
+              <a:rPr sz="2400"/>
+              <a:t>Wide</a:t>
+            </a:r>
+          </a:p>
+        </p:txBody>
+      </p:sp>
+      <p:sp>
+        <p:nvSpPr>
+          <p:cNvPr id="346" name="Long"/>
+          <p:cNvSpPr txBox="1"/>
+          <p:nvPr/>
+        </p:nvSpPr>
+        <p:spPr>
+          <a:xfrm>
+            <a:off x="9528582" y="5396883"/>
+            <a:ext cx="657231" cy="420628"/>
+          </a:xfrm>
+          <a:prstGeom prst="rect">
+            <a:avLst/>
+          </a:prstGeom>
+          <a:ln w="12700">
+            <a:miter lim="400000"/>
+          </a:ln>
+          <a:extLst>
+            <a:ext uri="{C572A759-6A51-4108-AA02-DFA0A04FC94B}">
+              <ma14:wrappingTextBoxFlag xmlns="" xmlns:m="http://schemas.openxmlformats.org/officeDocument/2006/math" xmlns:a14="http://schemas.microsoft.com/office/drawing/2010/main" xmlns:ma14="http://schemas.microsoft.com/office/mac/drawingml/2011/main" val="1"/>
+            </a:ext>
+          </a:extLst>
+        </p:spPr>
+        <p:txBody>
+          <a:bodyPr wrap="none" lIns="25400" tIns="25400" rIns="25400" bIns="25400" anchor="ctr">
+            <a:spAutoFit/>
+          </a:bodyPr>
+          <a:lstStyle>
+            <a:lvl1pPr>
+              <a:defRPr sz="4800" b="1"/>
+            </a:lvl1pPr>
+          </a:lstStyle>
+          <a:p>
+            <a:r>
+              <a:rPr sz="2400"/>
+              <a:t>Long</a:t>
+            </a:r>
+          </a:p>
+        </p:txBody>
+      </p:sp>
     </p:spTree>
   </p:cSld>
   <p:clrMapOvr>
@@ -6307,7 +6534,7 @@
       </p:grpSpPr>
       <p:pic>
         <p:nvPicPr>
-          <p:cNvPr id="357" name="Image" descr="Image"/>
+          <p:cNvPr id="350" name="Image" descr="Image"/>
           <p:cNvPicPr>
             <a:picLocks noChangeAspect="1"/>
           </p:cNvPicPr>
@@ -6321,8 +6548,8 @@
         </p:blipFill>
         <p:spPr>
           <a:xfrm>
-            <a:off x="889780" y="1831857"/>
-            <a:ext cx="3510206" cy="3194287"/>
+            <a:off x="6672906" y="3124151"/>
+            <a:ext cx="5067520" cy="3091072"/>
           </a:xfrm>
           <a:prstGeom prst="rect">
             <a:avLst/>
@@ -6332,9 +6559,36 @@
           </a:ln>
         </p:spPr>
       </p:pic>
-      <p:sp>
-        <p:nvSpPr>
-          <p:cNvPr id="358" name="A little more complicated example - samples from different conditions"/>
+      <p:pic>
+        <p:nvPicPr>
+          <p:cNvPr id="351" name="Image" descr="Image"/>
+          <p:cNvPicPr>
+            <a:picLocks noChangeAspect="1"/>
+          </p:cNvPicPr>
+          <p:nvPr/>
+        </p:nvPicPr>
+        <p:blipFill>
+          <a:blip r:embed="rId4"/>
+          <a:stretch>
+            <a:fillRect/>
+          </a:stretch>
+        </p:blipFill>
+        <p:spPr>
+          <a:xfrm>
+            <a:off x="889780" y="1831857"/>
+            <a:ext cx="3510206" cy="3194287"/>
+          </a:xfrm>
+          <a:prstGeom prst="rect">
+            <a:avLst/>
+          </a:prstGeom>
+          <a:ln w="12700">
+            <a:miter lim="400000"/>
+          </a:ln>
+        </p:spPr>
+      </p:pic>
+      <p:sp>
+        <p:nvSpPr>
+          <p:cNvPr id="352" name="A little more complicated example - samples from different conditions"/>
           <p:cNvSpPr txBox="1"/>
           <p:nvPr/>
         </p:nvSpPr>
@@ -6351,7 +6605,7 @@
           </a:ln>
           <a:extLst>
             <a:ext uri="{C572A759-6A51-4108-AA02-DFA0A04FC94B}">
-              <ma14:wrappingTextBoxFlag xmlns:ma14="http://schemas.microsoft.com/office/mac/drawingml/2011/main" xmlns:a14="http://schemas.microsoft.com/office/drawing/2010/main" xmlns:m="http://schemas.openxmlformats.org/officeDocument/2006/math" xmlns="" val="1"/>
+              <ma14:wrappingTextBoxFlag xmlns="" xmlns:m="http://schemas.openxmlformats.org/officeDocument/2006/math" xmlns:a14="http://schemas.microsoft.com/office/drawing/2010/main" xmlns:ma14="http://schemas.microsoft.com/office/mac/drawingml/2011/main" val="1"/>
             </a:ext>
           </a:extLst>
         </p:spPr>
@@ -6374,34 +6628,7 @@
       </p:sp>
       <p:pic>
         <p:nvPicPr>
-          <p:cNvPr id="359" name="Image" descr="Image"/>
-          <p:cNvPicPr>
-            <a:picLocks noChangeAspect="1"/>
-          </p:cNvPicPr>
-          <p:nvPr/>
-        </p:nvPicPr>
-        <p:blipFill>
-          <a:blip r:embed="rId4"/>
-          <a:stretch>
-            <a:fillRect/>
-          </a:stretch>
-        </p:blipFill>
-        <p:spPr>
-          <a:xfrm>
-            <a:off x="4859685" y="3045933"/>
-            <a:ext cx="6626289" cy="3194287"/>
-          </a:xfrm>
-          <a:prstGeom prst="rect">
-            <a:avLst/>
-          </a:prstGeom>
-          <a:ln w="12700">
-            <a:miter lim="400000"/>
-          </a:ln>
-        </p:spPr>
-      </p:pic>
-      <p:pic>
-        <p:nvPicPr>
-          <p:cNvPr id="360" name="Image" descr="Image"/>
+          <p:cNvPr id="353" name="Image" descr="Image"/>
           <p:cNvPicPr>
             <a:picLocks noChangeAspect="1"/>
           </p:cNvPicPr>
@@ -6415,8 +6642,8 @@
         </p:blipFill>
         <p:spPr>
           <a:xfrm>
-            <a:off x="4602042" y="1695828"/>
-            <a:ext cx="7141574" cy="828009"/>
+            <a:off x="5312266" y="1746648"/>
+            <a:ext cx="5475550" cy="882045"/>
           </a:xfrm>
           <a:prstGeom prst="rect">
             <a:avLst/>
@@ -6451,80 +6678,9 @@
           <a:chExt cx="0" cy="0"/>
         </a:xfrm>
       </p:grpSpPr>
-      <p:sp>
-        <p:nvSpPr>
-          <p:cNvPr id="2" name="TextBox 1">
-            <a:extLst>
-              <a:ext uri="{FF2B5EF4-FFF2-40B4-BE49-F238E27FC236}">
-                <a16:creationId xmlns:a16="http://schemas.microsoft.com/office/drawing/2014/main" id="{A819696E-90FA-20E5-DEDA-9D8EF88EF437}"/>
-              </a:ext>
-            </a:extLst>
-          </p:cNvPr>
-          <p:cNvSpPr txBox="1"/>
-          <p:nvPr/>
-        </p:nvSpPr>
-        <p:spPr>
-          <a:xfrm>
-            <a:off x="4816257" y="413359"/>
-            <a:ext cx="5423770" cy="369332"/>
-          </a:xfrm>
-          <a:prstGeom prst="rect">
-            <a:avLst/>
-          </a:prstGeom>
-          <a:noFill/>
-        </p:spPr>
-        <p:txBody>
-          <a:bodyPr wrap="square" rtlCol="0">
-            <a:spAutoFit/>
-          </a:bodyPr>
-          <a:lstStyle/>
-          <a:p>
-            <a:r>
-              <a:rPr lang="en-US" dirty="0"/>
-              <a:t>Adding to plots</a:t>
-            </a:r>
-          </a:p>
-        </p:txBody>
-      </p:sp>
       <p:pic>
         <p:nvPicPr>
-          <p:cNvPr id="3" name="Picture 2">
-            <a:extLst>
-              <a:ext uri="{FF2B5EF4-FFF2-40B4-BE49-F238E27FC236}">
-                <a16:creationId xmlns:a16="http://schemas.microsoft.com/office/drawing/2014/main" id="{3AEB7DA1-01E0-57D5-BCCD-A3B23DEC2DDD}"/>
-              </a:ext>
-            </a:extLst>
-          </p:cNvPr>
-          <p:cNvPicPr>
-            <a:picLocks noChangeAspect="1"/>
-          </p:cNvPicPr>
-          <p:nvPr/>
-        </p:nvPicPr>
-        <p:blipFill>
-          <a:blip r:embed="rId2"/>
-          <a:stretch>
-            <a:fillRect/>
-          </a:stretch>
-        </p:blipFill>
-        <p:spPr>
-          <a:xfrm>
-            <a:off x="860730" y="1507298"/>
-            <a:ext cx="4481621" cy="632699"/>
-          </a:xfrm>
-          <a:prstGeom prst="rect">
-            <a:avLst/>
-          </a:prstGeom>
-        </p:spPr>
-      </p:pic>
-      <p:pic>
-        <p:nvPicPr>
-          <p:cNvPr id="4" name="Picture 3">
-            <a:extLst>
-              <a:ext uri="{FF2B5EF4-FFF2-40B4-BE49-F238E27FC236}">
-                <a16:creationId xmlns:a16="http://schemas.microsoft.com/office/drawing/2014/main" id="{527AC54C-DA3A-2D2F-9F68-4BD9D7A7B114}"/>
-              </a:ext>
-            </a:extLst>
-          </p:cNvPr>
+          <p:cNvPr id="357" name="Image" descr="Image"/>
           <p:cNvPicPr>
             <a:picLocks noChangeAspect="1"/>
           </p:cNvPicPr>
@@ -6538,20 +6694,112 @@
         </p:blipFill>
         <p:spPr>
           <a:xfrm>
-            <a:off x="997337" y="2256166"/>
-            <a:ext cx="3762553" cy="4194738"/>
-          </a:xfrm>
-          <a:prstGeom prst="rect">
-            <a:avLst/>
-          </a:prstGeom>
+            <a:off x="889780" y="1831857"/>
+            <a:ext cx="3510206" cy="3194287"/>
+          </a:xfrm>
+          <a:prstGeom prst="rect">
+            <a:avLst/>
+          </a:prstGeom>
+          <a:ln w="12700">
+            <a:miter lim="400000"/>
+          </a:ln>
+        </p:spPr>
+      </p:pic>
+      <p:sp>
+        <p:nvSpPr>
+          <p:cNvPr id="358" name="A little more complicated example - samples from different conditions"/>
+          <p:cNvSpPr txBox="1"/>
+          <p:nvPr/>
+        </p:nvSpPr>
+        <p:spPr>
+          <a:xfrm>
+            <a:off x="1197886" y="163197"/>
+            <a:ext cx="8978099" cy="420628"/>
+          </a:xfrm>
+          <a:prstGeom prst="rect">
+            <a:avLst/>
+          </a:prstGeom>
+          <a:ln w="12700">
+            <a:miter lim="400000"/>
+          </a:ln>
+          <a:extLst>
+            <a:ext uri="{C572A759-6A51-4108-AA02-DFA0A04FC94B}">
+              <ma14:wrappingTextBoxFlag xmlns="" xmlns:m="http://schemas.openxmlformats.org/officeDocument/2006/math" xmlns:a14="http://schemas.microsoft.com/office/drawing/2010/main" xmlns:ma14="http://schemas.microsoft.com/office/mac/drawingml/2011/main" val="1"/>
+            </a:ext>
+          </a:extLst>
+        </p:spPr>
+        <p:txBody>
+          <a:bodyPr wrap="none" lIns="25400" tIns="25400" rIns="25400" bIns="25400" anchor="ctr">
+            <a:spAutoFit/>
+          </a:bodyPr>
+          <a:lstStyle>
+            <a:lvl1pPr>
+              <a:defRPr sz="4800" b="1"/>
+            </a:lvl1pPr>
+          </a:lstStyle>
+          <a:p>
+            <a:r>
+              <a:rPr sz="2400"/>
+              <a:t>A little more complicated example - samples from different conditions</a:t>
+            </a:r>
+          </a:p>
+        </p:txBody>
+      </p:sp>
+      <p:pic>
+        <p:nvPicPr>
+          <p:cNvPr id="359" name="Image" descr="Image"/>
+          <p:cNvPicPr>
+            <a:picLocks noChangeAspect="1"/>
+          </p:cNvPicPr>
+          <p:nvPr/>
+        </p:nvPicPr>
+        <p:blipFill>
+          <a:blip r:embed="rId4"/>
+          <a:stretch>
+            <a:fillRect/>
+          </a:stretch>
+        </p:blipFill>
+        <p:spPr>
+          <a:xfrm>
+            <a:off x="4859685" y="3045933"/>
+            <a:ext cx="6626289" cy="3194287"/>
+          </a:xfrm>
+          <a:prstGeom prst="rect">
+            <a:avLst/>
+          </a:prstGeom>
+          <a:ln w="12700">
+            <a:miter lim="400000"/>
+          </a:ln>
+        </p:spPr>
+      </p:pic>
+      <p:pic>
+        <p:nvPicPr>
+          <p:cNvPr id="360" name="Image" descr="Image"/>
+          <p:cNvPicPr>
+            <a:picLocks noChangeAspect="1"/>
+          </p:cNvPicPr>
+          <p:nvPr/>
+        </p:nvPicPr>
+        <p:blipFill>
+          <a:blip r:embed="rId5"/>
+          <a:stretch>
+            <a:fillRect/>
+          </a:stretch>
+        </p:blipFill>
+        <p:spPr>
+          <a:xfrm>
+            <a:off x="4602042" y="1695828"/>
+            <a:ext cx="7141574" cy="828009"/>
+          </a:xfrm>
+          <a:prstGeom prst="rect">
+            <a:avLst/>
+          </a:prstGeom>
+          <a:ln w="12700">
+            <a:miter lim="400000"/>
+          </a:ln>
         </p:spPr>
       </p:pic>
     </p:spTree>
-    <p:extLst>
-      <p:ext uri="{BB962C8B-B14F-4D97-AF65-F5344CB8AC3E}">
-        <p14:creationId xmlns:p14="http://schemas.microsoft.com/office/powerpoint/2010/main" val="959462186"/>
-      </p:ext>
-    </p:extLst>
   </p:cSld>
   <p:clrMapOvr>
     <a:masterClrMapping/>
@@ -6576,174 +6824,12 @@
           <a:chExt cx="0" cy="0"/>
         </a:xfrm>
       </p:grpSpPr>
-      <p:sp>
-        <p:nvSpPr>
-          <p:cNvPr id="311" name="Recap"/>
-          <p:cNvSpPr txBox="1"/>
-          <p:nvPr/>
-        </p:nvSpPr>
-        <p:spPr>
-          <a:xfrm>
-            <a:off x="5819759" y="383337"/>
-            <a:ext cx="51361" cy="420628"/>
-          </a:xfrm>
-          <a:prstGeom prst="rect">
-            <a:avLst/>
-          </a:prstGeom>
-          <a:ln w="12700">
-            <a:miter lim="400000"/>
-          </a:ln>
-          <a:extLst>
-            <a:ext uri="{C572A759-6A51-4108-AA02-DFA0A04FC94B}">
-              <ma14:wrappingTextBoxFlag xmlns:ma14="http://schemas.microsoft.com/office/mac/drawingml/2011/main" xmlns:a14="http://schemas.microsoft.com/office/drawing/2010/main" xmlns:m="http://schemas.openxmlformats.org/officeDocument/2006/math" xmlns="" val="1"/>
-            </a:ext>
-          </a:extLst>
-        </p:spPr>
-        <p:txBody>
-          <a:bodyPr wrap="none" lIns="25400" tIns="25400" rIns="25400" bIns="25400" anchor="ctr">
-            <a:spAutoFit/>
-          </a:bodyPr>
-          <a:lstStyle>
-            <a:lvl1pPr>
-              <a:defRPr sz="4800"/>
-            </a:lvl1pPr>
-          </a:lstStyle>
-          <a:p>
-            <a:endParaRPr sz="2400" dirty="0"/>
-          </a:p>
-        </p:txBody>
-      </p:sp>
-      <p:sp>
-        <p:nvSpPr>
-          <p:cNvPr id="312" name="Installing/loading libraries  - library()…"/>
-          <p:cNvSpPr txBox="1"/>
-          <p:nvPr/>
-        </p:nvSpPr>
-        <p:spPr>
-          <a:xfrm>
-            <a:off x="2170887" y="1184653"/>
-            <a:ext cx="7850226" cy="974626"/>
-          </a:xfrm>
-          <a:prstGeom prst="rect">
-            <a:avLst/>
-          </a:prstGeom>
-          <a:ln w="12700">
-            <a:miter lim="400000"/>
-          </a:ln>
-          <a:extLst>
-            <a:ext uri="{C572A759-6A51-4108-AA02-DFA0A04FC94B}">
-              <ma14:wrappingTextBoxFlag xmlns:ma14="http://schemas.microsoft.com/office/mac/drawingml/2011/main" xmlns:a14="http://schemas.microsoft.com/office/drawing/2010/main" xmlns:m="http://schemas.openxmlformats.org/officeDocument/2006/math" xmlns="" val="1"/>
-            </a:ext>
-          </a:extLst>
-        </p:spPr>
-        <p:txBody>
-          <a:bodyPr wrap="none" lIns="25400" tIns="25400" rIns="25400" bIns="25400" anchor="ctr">
-            <a:spAutoFit/>
-          </a:bodyPr>
-          <a:lstStyle/>
-          <a:p>
-            <a:pPr marL="152400" indent="-152400">
-              <a:buSzPct val="123000"/>
-              <a:buChar char="•"/>
-              <a:defRPr sz="4000"/>
-            </a:pPr>
-            <a:r>
-              <a:rPr sz="2000" dirty="0"/>
-              <a:t>Installing/loading libraries  - library()</a:t>
-            </a:r>
-          </a:p>
-          <a:p>
-            <a:pPr marL="152400" indent="-152400">
-              <a:buSzPct val="123000"/>
-              <a:buChar char="•"/>
-              <a:defRPr sz="4000"/>
-            </a:pPr>
-            <a:r>
-              <a:rPr sz="2000" dirty="0"/>
-              <a:t>Filter/Grouping/Summarizing - filter(), </a:t>
-            </a:r>
-            <a:r>
-              <a:rPr sz="2000" dirty="0" err="1"/>
-              <a:t>group_by</a:t>
-            </a:r>
-            <a:r>
-              <a:rPr sz="2000" dirty="0"/>
-              <a:t>(), </a:t>
-            </a:r>
-            <a:r>
-              <a:rPr sz="2000" dirty="0" err="1"/>
-              <a:t>summarise</a:t>
-            </a:r>
-            <a:r>
-              <a:rPr sz="2000" dirty="0"/>
-              <a:t>(), mutate()</a:t>
-            </a:r>
-          </a:p>
-          <a:p>
-            <a:pPr marL="152400" indent="-152400">
-              <a:buSzPct val="123000"/>
-              <a:buChar char="•"/>
-              <a:defRPr sz="4000"/>
-            </a:pPr>
-            <a:r>
-              <a:rPr sz="2000" dirty="0"/>
-              <a:t>Importing Data - </a:t>
-            </a:r>
-            <a:r>
-              <a:rPr sz="2000" dirty="0" err="1"/>
-              <a:t>read_csv</a:t>
-            </a:r>
-            <a:r>
-              <a:rPr sz="2000" dirty="0"/>
-              <a:t>(), </a:t>
-            </a:r>
-            <a:r>
-              <a:rPr sz="2000" dirty="0" err="1"/>
-              <a:t>read_tsv</a:t>
-            </a:r>
-            <a:r>
-              <a:rPr sz="2000" dirty="0"/>
-              <a:t>()</a:t>
-            </a:r>
-          </a:p>
-        </p:txBody>
-      </p:sp>
-      <p:sp>
-        <p:nvSpPr>
-          <p:cNvPr id="2" name="TextBox 1">
-            <a:extLst>
-              <a:ext uri="{FF2B5EF4-FFF2-40B4-BE49-F238E27FC236}">
-                <a16:creationId xmlns:a16="http://schemas.microsoft.com/office/drawing/2014/main" id="{E9D58880-F304-2884-78F0-DEE8B9D1069D}"/>
-              </a:ext>
-            </a:extLst>
-          </p:cNvPr>
-          <p:cNvSpPr txBox="1"/>
-          <p:nvPr/>
-        </p:nvSpPr>
-        <p:spPr>
-          <a:xfrm>
-            <a:off x="5177993" y="360875"/>
-            <a:ext cx="3976828" cy="369332"/>
-          </a:xfrm>
-          <a:prstGeom prst="rect">
-            <a:avLst/>
-          </a:prstGeom>
-          <a:noFill/>
-        </p:spPr>
-        <p:txBody>
-          <a:bodyPr wrap="square" rtlCol="0">
-            <a:spAutoFit/>
-          </a:bodyPr>
-          <a:lstStyle/>
-          <a:p>
-            <a:r>
-              <a:rPr lang="en-US" dirty="0"/>
-              <a:t>Last time</a:t>
-            </a:r>
-          </a:p>
-        </p:txBody>
-      </p:sp>
     </p:spTree>
+    <p:extLst>
+      <p:ext uri="{BB962C8B-B14F-4D97-AF65-F5344CB8AC3E}">
+        <p14:creationId xmlns:p14="http://schemas.microsoft.com/office/powerpoint/2010/main" val="1640035861"/>
+      </p:ext>
+    </p:extLst>
   </p:cSld>
   <p:clrMapOvr>
     <a:masterClrMapping/>
@@ -6863,70 +6949,10 @@
           </a:prstGeom>
         </p:spPr>
       </p:pic>
-      <p:pic>
-        <p:nvPicPr>
-          <p:cNvPr id="5" name="Picture 4">
-            <a:extLst>
-              <a:ext uri="{FF2B5EF4-FFF2-40B4-BE49-F238E27FC236}">
-                <a16:creationId xmlns:a16="http://schemas.microsoft.com/office/drawing/2014/main" id="{69CEE7E9-BA82-A3E8-8076-D4CB078E2281}"/>
-              </a:ext>
-            </a:extLst>
-          </p:cNvPr>
-          <p:cNvPicPr>
-            <a:picLocks noChangeAspect="1"/>
-          </p:cNvPicPr>
-          <p:nvPr/>
-        </p:nvPicPr>
-        <p:blipFill>
-          <a:blip r:embed="rId4"/>
-          <a:stretch>
-            <a:fillRect/>
-          </a:stretch>
-        </p:blipFill>
-        <p:spPr>
-          <a:xfrm>
-            <a:off x="5828430" y="1417247"/>
-            <a:ext cx="5232400" cy="812800"/>
-          </a:xfrm>
-          <a:prstGeom prst="rect">
-            <a:avLst/>
-          </a:prstGeom>
-        </p:spPr>
-      </p:pic>
-      <p:pic>
-        <p:nvPicPr>
-          <p:cNvPr id="6" name="Picture 5">
-            <a:extLst>
-              <a:ext uri="{FF2B5EF4-FFF2-40B4-BE49-F238E27FC236}">
-                <a16:creationId xmlns:a16="http://schemas.microsoft.com/office/drawing/2014/main" id="{4B750163-A931-293D-B26C-1E073FA430BE}"/>
-              </a:ext>
-            </a:extLst>
-          </p:cNvPr>
-          <p:cNvPicPr>
-            <a:picLocks noChangeAspect="1"/>
-          </p:cNvPicPr>
-          <p:nvPr/>
-        </p:nvPicPr>
-        <p:blipFill>
-          <a:blip r:embed="rId5"/>
-          <a:stretch>
-            <a:fillRect/>
-          </a:stretch>
-        </p:blipFill>
-        <p:spPr>
-          <a:xfrm>
-            <a:off x="6194679" y="2256166"/>
-            <a:ext cx="3932613" cy="4416729"/>
-          </a:xfrm>
-          <a:prstGeom prst="rect">
-            <a:avLst/>
-          </a:prstGeom>
-        </p:spPr>
-      </p:pic>
     </p:spTree>
     <p:extLst>
       <p:ext uri="{BB962C8B-B14F-4D97-AF65-F5344CB8AC3E}">
-        <p14:creationId xmlns:p14="http://schemas.microsoft.com/office/powerpoint/2010/main" val="3465441234"/>
+        <p14:creationId xmlns:p14="http://schemas.microsoft.com/office/powerpoint/2010/main" val="959462186"/>
       </p:ext>
     </p:extLst>
   </p:cSld>
@@ -6990,10 +7016,10 @@
       </p:sp>
       <p:pic>
         <p:nvPicPr>
-          <p:cNvPr id="7" name="Picture 6">
-            <a:extLst>
-              <a:ext uri="{FF2B5EF4-FFF2-40B4-BE49-F238E27FC236}">
-                <a16:creationId xmlns:a16="http://schemas.microsoft.com/office/drawing/2014/main" id="{CE5CC22E-0EFC-D30F-2A68-07750058C185}"/>
+          <p:cNvPr id="3" name="Picture 2">
+            <a:extLst>
+              <a:ext uri="{FF2B5EF4-FFF2-40B4-BE49-F238E27FC236}">
+                <a16:creationId xmlns:a16="http://schemas.microsoft.com/office/drawing/2014/main" id="{3AEB7DA1-01E0-57D5-BCCD-A3B23DEC2DDD}"/>
               </a:ext>
             </a:extLst>
           </p:cNvPr>
@@ -7010,8 +7036,8 @@
         </p:blipFill>
         <p:spPr>
           <a:xfrm>
-            <a:off x="372736" y="1221809"/>
-            <a:ext cx="4756672" cy="988148"/>
+            <a:off x="860730" y="1507298"/>
+            <a:ext cx="4481621" cy="632699"/>
           </a:xfrm>
           <a:prstGeom prst="rect">
             <a:avLst/>
@@ -7020,10 +7046,10 @@
       </p:pic>
       <p:pic>
         <p:nvPicPr>
-          <p:cNvPr id="8" name="Picture 7">
-            <a:extLst>
-              <a:ext uri="{FF2B5EF4-FFF2-40B4-BE49-F238E27FC236}">
-                <a16:creationId xmlns:a16="http://schemas.microsoft.com/office/drawing/2014/main" id="{FEE92BA7-B87D-BAB5-F39F-F551F17D326D}"/>
+          <p:cNvPr id="4" name="Picture 3">
+            <a:extLst>
+              <a:ext uri="{FF2B5EF4-FFF2-40B4-BE49-F238E27FC236}">
+                <a16:creationId xmlns:a16="http://schemas.microsoft.com/office/drawing/2014/main" id="{527AC54C-DA3A-2D2F-9F68-4BD9D7A7B114}"/>
               </a:ext>
             </a:extLst>
           </p:cNvPr>
@@ -7040,8 +7066,8 @@
         </p:blipFill>
         <p:spPr>
           <a:xfrm>
-            <a:off x="859109" y="2308924"/>
-            <a:ext cx="3759103" cy="4173295"/>
+            <a:off x="997337" y="2256166"/>
+            <a:ext cx="3762553" cy="4194738"/>
           </a:xfrm>
           <a:prstGeom prst="rect">
             <a:avLst/>
@@ -7050,10 +7076,10 @@
       </p:pic>
       <p:pic>
         <p:nvPicPr>
-          <p:cNvPr id="9" name="Picture 8">
-            <a:extLst>
-              <a:ext uri="{FF2B5EF4-FFF2-40B4-BE49-F238E27FC236}">
-                <a16:creationId xmlns:a16="http://schemas.microsoft.com/office/drawing/2014/main" id="{71E68F9D-CE1C-3433-A199-4F022E618C77}"/>
+          <p:cNvPr id="5" name="Picture 4">
+            <a:extLst>
+              <a:ext uri="{FF2B5EF4-FFF2-40B4-BE49-F238E27FC236}">
+                <a16:creationId xmlns:a16="http://schemas.microsoft.com/office/drawing/2014/main" id="{69CEE7E9-BA82-A3E8-8076-D4CB078E2281}"/>
               </a:ext>
             </a:extLst>
           </p:cNvPr>
@@ -7070,8 +7096,8 @@
         </p:blipFill>
         <p:spPr>
           <a:xfrm>
-            <a:off x="6530061" y="1164396"/>
-            <a:ext cx="4505369" cy="1102974"/>
+            <a:off x="5828430" y="1417247"/>
+            <a:ext cx="5232400" cy="812800"/>
           </a:xfrm>
           <a:prstGeom prst="rect">
             <a:avLst/>
@@ -7080,10 +7106,10 @@
       </p:pic>
       <p:pic>
         <p:nvPicPr>
-          <p:cNvPr id="10" name="Picture 9">
-            <a:extLst>
-              <a:ext uri="{FF2B5EF4-FFF2-40B4-BE49-F238E27FC236}">
-                <a16:creationId xmlns:a16="http://schemas.microsoft.com/office/drawing/2014/main" id="{D85A8081-977E-A64B-5127-7198A85BC7E2}"/>
+          <p:cNvPr id="6" name="Picture 5">
+            <a:extLst>
+              <a:ext uri="{FF2B5EF4-FFF2-40B4-BE49-F238E27FC236}">
+                <a16:creationId xmlns:a16="http://schemas.microsoft.com/office/drawing/2014/main" id="{4B750163-A931-293D-B26C-1E073FA430BE}"/>
               </a:ext>
             </a:extLst>
           </p:cNvPr>
@@ -7100,8 +7126,8 @@
         </p:blipFill>
         <p:spPr>
           <a:xfrm>
-            <a:off x="6735425" y="2308924"/>
-            <a:ext cx="3586021" cy="3975155"/>
+            <a:off x="6194679" y="2256166"/>
+            <a:ext cx="3932613" cy="4416729"/>
           </a:xfrm>
           <a:prstGeom prst="rect">
             <a:avLst/>
@@ -7111,7 +7137,7 @@
     </p:spTree>
     <p:extLst>
       <p:ext uri="{BB962C8B-B14F-4D97-AF65-F5344CB8AC3E}">
-        <p14:creationId xmlns:p14="http://schemas.microsoft.com/office/powerpoint/2010/main" val="3204375063"/>
+        <p14:creationId xmlns:p14="http://schemas.microsoft.com/office/powerpoint/2010/main" val="3465441234"/>
       </p:ext>
     </p:extLst>
   </p:cSld>
@@ -7143,7 +7169,7 @@
           <p:cNvPr id="2" name="TextBox 1">
             <a:extLst>
               <a:ext uri="{FF2B5EF4-FFF2-40B4-BE49-F238E27FC236}">
-                <a16:creationId xmlns:a16="http://schemas.microsoft.com/office/drawing/2014/main" id="{BC3D68CD-363F-FDDD-56F1-E286D0BB3EA5}"/>
+                <a16:creationId xmlns:a16="http://schemas.microsoft.com/office/drawing/2014/main" id="{A819696E-90FA-20E5-DEDA-9D8EF88EF437}"/>
               </a:ext>
             </a:extLst>
           </p:cNvPr>
@@ -7152,8 +7178,8 @@
         </p:nvSpPr>
         <p:spPr>
           <a:xfrm>
-            <a:off x="4283901" y="482252"/>
-            <a:ext cx="4014592" cy="369332"/>
+            <a:off x="4816257" y="413359"/>
+            <a:ext cx="5423770" cy="369332"/>
           </a:xfrm>
           <a:prstGeom prst="rect">
             <a:avLst/>
@@ -7168,17 +7194,17 @@
           <a:p>
             <a:r>
               <a:rPr lang="en-US" dirty="0"/>
-              <a:t>Making plots look better – Themes!</a:t>
+              <a:t>Adding to plots</a:t>
             </a:r>
           </a:p>
         </p:txBody>
       </p:sp>
       <p:pic>
         <p:nvPicPr>
-          <p:cNvPr id="3" name="Picture 2">
-            <a:extLst>
-              <a:ext uri="{FF2B5EF4-FFF2-40B4-BE49-F238E27FC236}">
-                <a16:creationId xmlns:a16="http://schemas.microsoft.com/office/drawing/2014/main" id="{98D59025-87C0-C6BC-53D3-2AD1D8216A6E}"/>
+          <p:cNvPr id="7" name="Picture 6">
+            <a:extLst>
+              <a:ext uri="{FF2B5EF4-FFF2-40B4-BE49-F238E27FC236}">
+                <a16:creationId xmlns:a16="http://schemas.microsoft.com/office/drawing/2014/main" id="{CE5CC22E-0EFC-D30F-2A68-07750058C185}"/>
               </a:ext>
             </a:extLst>
           </p:cNvPr>
@@ -7195,8 +7221,8 @@
         </p:blipFill>
         <p:spPr>
           <a:xfrm>
-            <a:off x="1027831" y="1479202"/>
-            <a:ext cx="1117600" cy="292100"/>
+            <a:off x="372736" y="1221809"/>
+            <a:ext cx="4756672" cy="988148"/>
           </a:xfrm>
           <a:prstGeom prst="rect">
             <a:avLst/>
@@ -7205,10 +7231,10 @@
       </p:pic>
       <p:pic>
         <p:nvPicPr>
-          <p:cNvPr id="4" name="Picture 3">
-            <a:extLst>
-              <a:ext uri="{FF2B5EF4-FFF2-40B4-BE49-F238E27FC236}">
-                <a16:creationId xmlns:a16="http://schemas.microsoft.com/office/drawing/2014/main" id="{33CED6A7-4ECC-F738-ABF9-8DD1BD4DC339}"/>
+          <p:cNvPr id="8" name="Picture 7">
+            <a:extLst>
+              <a:ext uri="{FF2B5EF4-FFF2-40B4-BE49-F238E27FC236}">
+                <a16:creationId xmlns:a16="http://schemas.microsoft.com/office/drawing/2014/main" id="{FEE92BA7-B87D-BAB5-F39F-F551F17D326D}"/>
               </a:ext>
             </a:extLst>
           </p:cNvPr>
@@ -7225,8 +7251,8 @@
         </p:blipFill>
         <p:spPr>
           <a:xfrm>
-            <a:off x="124865" y="1910218"/>
-            <a:ext cx="3524866" cy="3895595"/>
+            <a:off x="859109" y="2308924"/>
+            <a:ext cx="3759103" cy="4173295"/>
           </a:xfrm>
           <a:prstGeom prst="rect">
             <a:avLst/>
@@ -7235,10 +7261,10 @@
       </p:pic>
       <p:pic>
         <p:nvPicPr>
-          <p:cNvPr id="5" name="Picture 4">
-            <a:extLst>
-              <a:ext uri="{FF2B5EF4-FFF2-40B4-BE49-F238E27FC236}">
-                <a16:creationId xmlns:a16="http://schemas.microsoft.com/office/drawing/2014/main" id="{5E95CDF4-2363-3B7E-A97E-B81AC7B0612B}"/>
+          <p:cNvPr id="9" name="Picture 8">
+            <a:extLst>
+              <a:ext uri="{FF2B5EF4-FFF2-40B4-BE49-F238E27FC236}">
+                <a16:creationId xmlns:a16="http://schemas.microsoft.com/office/drawing/2014/main" id="{71E68F9D-CE1C-3433-A199-4F022E618C77}"/>
               </a:ext>
             </a:extLst>
           </p:cNvPr>
@@ -7255,8 +7281,8 @@
         </p:blipFill>
         <p:spPr>
           <a:xfrm>
-            <a:off x="4158641" y="1930271"/>
-            <a:ext cx="3651337" cy="3875542"/>
+            <a:off x="6530061" y="1164396"/>
+            <a:ext cx="4505369" cy="1102974"/>
           </a:xfrm>
           <a:prstGeom prst="rect">
             <a:avLst/>
@@ -7265,10 +7291,10 @@
       </p:pic>
       <p:pic>
         <p:nvPicPr>
-          <p:cNvPr id="6" name="Picture 5">
-            <a:extLst>
-              <a:ext uri="{FF2B5EF4-FFF2-40B4-BE49-F238E27FC236}">
-                <a16:creationId xmlns:a16="http://schemas.microsoft.com/office/drawing/2014/main" id="{83579CEE-E3D4-3118-F0EA-5357BE50F129}"/>
+          <p:cNvPr id="10" name="Picture 9">
+            <a:extLst>
+              <a:ext uri="{FF2B5EF4-FFF2-40B4-BE49-F238E27FC236}">
+                <a16:creationId xmlns:a16="http://schemas.microsoft.com/office/drawing/2014/main" id="{D85A8081-977E-A64B-5127-7198A85BC7E2}"/>
               </a:ext>
             </a:extLst>
           </p:cNvPr>
@@ -7285,98 +7311,8 @@
         </p:blipFill>
         <p:spPr>
           <a:xfrm>
-            <a:off x="5276850" y="1453802"/>
-            <a:ext cx="1638300" cy="317500"/>
-          </a:xfrm>
-          <a:prstGeom prst="rect">
-            <a:avLst/>
-          </a:prstGeom>
-        </p:spPr>
-      </p:pic>
-      <p:pic>
-        <p:nvPicPr>
-          <p:cNvPr id="7" name="Picture 6">
-            <a:extLst>
-              <a:ext uri="{FF2B5EF4-FFF2-40B4-BE49-F238E27FC236}">
-                <a16:creationId xmlns:a16="http://schemas.microsoft.com/office/drawing/2014/main" id="{6128C118-F8CB-10C6-CB0C-2F8F7A41E6EA}"/>
-              </a:ext>
-            </a:extLst>
-          </p:cNvPr>
-          <p:cNvPicPr>
-            <a:picLocks noChangeAspect="1"/>
-          </p:cNvPicPr>
-          <p:nvPr/>
-        </p:nvPicPr>
-        <p:blipFill>
-          <a:blip r:embed="rId6"/>
-          <a:stretch>
-            <a:fillRect/>
-          </a:stretch>
-        </p:blipFill>
-        <p:spPr>
-          <a:xfrm>
-            <a:off x="8284136" y="527343"/>
-            <a:ext cx="3524866" cy="1097909"/>
-          </a:xfrm>
-          <a:prstGeom prst="rect">
-            <a:avLst/>
-          </a:prstGeom>
-        </p:spPr>
-      </p:pic>
-      <p:pic>
-        <p:nvPicPr>
-          <p:cNvPr id="8" name="Picture 7">
-            <a:extLst>
-              <a:ext uri="{FF2B5EF4-FFF2-40B4-BE49-F238E27FC236}">
-                <a16:creationId xmlns:a16="http://schemas.microsoft.com/office/drawing/2014/main" id="{C1C346ED-6D3D-F60C-9413-E6360C27D1B1}"/>
-              </a:ext>
-            </a:extLst>
-          </p:cNvPr>
-          <p:cNvPicPr>
-            <a:picLocks noChangeAspect="1"/>
-          </p:cNvPicPr>
-          <p:nvPr/>
-        </p:nvPicPr>
-        <p:blipFill>
-          <a:blip r:embed="rId7"/>
-          <a:stretch>
-            <a:fillRect/>
-          </a:stretch>
-        </p:blipFill>
-        <p:spPr>
-          <a:xfrm>
-            <a:off x="8041449" y="2174206"/>
-            <a:ext cx="3717418" cy="3895595"/>
-          </a:xfrm>
-          <a:prstGeom prst="rect">
-            <a:avLst/>
-          </a:prstGeom>
-        </p:spPr>
-      </p:pic>
-      <p:pic>
-        <p:nvPicPr>
-          <p:cNvPr id="9" name="Picture 8">
-            <a:extLst>
-              <a:ext uri="{FF2B5EF4-FFF2-40B4-BE49-F238E27FC236}">
-                <a16:creationId xmlns:a16="http://schemas.microsoft.com/office/drawing/2014/main" id="{1D89B98D-6FC3-10BC-EC07-DD686B028A73}"/>
-              </a:ext>
-            </a:extLst>
-          </p:cNvPr>
-          <p:cNvPicPr>
-            <a:picLocks noChangeAspect="1"/>
-          </p:cNvPicPr>
-          <p:nvPr/>
-        </p:nvPicPr>
-        <p:blipFill>
-          <a:blip r:embed="rId8"/>
-          <a:stretch>
-            <a:fillRect/>
-          </a:stretch>
-        </p:blipFill>
-        <p:spPr>
-          <a:xfrm>
-            <a:off x="8808319" y="1740979"/>
-            <a:ext cx="2476500" cy="317500"/>
+            <a:off x="6735425" y="2308924"/>
+            <a:ext cx="3586021" cy="3975155"/>
           </a:xfrm>
           <a:prstGeom prst="rect">
             <a:avLst/>
@@ -7386,7 +7322,7 @@
     </p:spTree>
     <p:extLst>
       <p:ext uri="{BB962C8B-B14F-4D97-AF65-F5344CB8AC3E}">
-        <p14:creationId xmlns:p14="http://schemas.microsoft.com/office/powerpoint/2010/main" val="295684193"/>
+        <p14:creationId xmlns:p14="http://schemas.microsoft.com/office/powerpoint/2010/main" val="3204375063"/>
       </p:ext>
     </p:extLst>
   </p:cSld>
@@ -7418,7 +7354,7 @@
           <p:cNvPr id="2" name="TextBox 1">
             <a:extLst>
               <a:ext uri="{FF2B5EF4-FFF2-40B4-BE49-F238E27FC236}">
-                <a16:creationId xmlns:a16="http://schemas.microsoft.com/office/drawing/2014/main" id="{BB0ED4C7-7072-9DBF-33A9-4AA4D246AA68}"/>
+                <a16:creationId xmlns:a16="http://schemas.microsoft.com/office/drawing/2014/main" id="{BC3D68CD-363F-FDDD-56F1-E286D0BB3EA5}"/>
               </a:ext>
             </a:extLst>
           </p:cNvPr>
@@ -7427,8 +7363,8 @@
         </p:nvSpPr>
         <p:spPr>
           <a:xfrm>
-            <a:off x="3331923" y="269310"/>
-            <a:ext cx="5073440" cy="369332"/>
+            <a:off x="4283901" y="482252"/>
+            <a:ext cx="4014592" cy="369332"/>
           </a:xfrm>
           <a:prstGeom prst="rect">
             <a:avLst/>
@@ -7436,14 +7372,14 @@
           <a:noFill/>
         </p:spPr>
         <p:txBody>
-          <a:bodyPr wrap="none" rtlCol="0">
+          <a:bodyPr wrap="square" rtlCol="0">
             <a:spAutoFit/>
           </a:bodyPr>
           <a:lstStyle/>
           <a:p>
             <a:r>
               <a:rPr lang="en-US" dirty="0"/>
-              <a:t>Themes can be added to like any other plot element</a:t>
+              <a:t>Making plots look better – Themes!</a:t>
             </a:r>
           </a:p>
         </p:txBody>
@@ -7453,7 +7389,7 @@
           <p:cNvPr id="3" name="Picture 2">
             <a:extLst>
               <a:ext uri="{FF2B5EF4-FFF2-40B4-BE49-F238E27FC236}">
-                <a16:creationId xmlns:a16="http://schemas.microsoft.com/office/drawing/2014/main" id="{96F45484-C265-8873-5FCA-E2E58BE96ABD}"/>
+                <a16:creationId xmlns:a16="http://schemas.microsoft.com/office/drawing/2014/main" id="{98D59025-87C0-C6BC-53D3-2AD1D8216A6E}"/>
               </a:ext>
             </a:extLst>
           </p:cNvPr>
@@ -7470,8 +7406,8 @@
         </p:blipFill>
         <p:spPr>
           <a:xfrm>
-            <a:off x="322023" y="1191785"/>
-            <a:ext cx="4801122" cy="1285462"/>
+            <a:off x="1027831" y="1479202"/>
+            <a:ext cx="1117600" cy="292100"/>
           </a:xfrm>
           <a:prstGeom prst="rect">
             <a:avLst/>
@@ -7483,7 +7419,7 @@
           <p:cNvPr id="4" name="Picture 3">
             <a:extLst>
               <a:ext uri="{FF2B5EF4-FFF2-40B4-BE49-F238E27FC236}">
-                <a16:creationId xmlns:a16="http://schemas.microsoft.com/office/drawing/2014/main" id="{0CE3BC9A-8B3E-F9BF-FF6D-0D13A563D8E0}"/>
+                <a16:creationId xmlns:a16="http://schemas.microsoft.com/office/drawing/2014/main" id="{33CED6A7-4ECC-F738-ABF9-8DD1BD4DC339}"/>
               </a:ext>
             </a:extLst>
           </p:cNvPr>
@@ -7500,8 +7436,8 @@
         </p:blipFill>
         <p:spPr>
           <a:xfrm>
-            <a:off x="800121" y="2477247"/>
-            <a:ext cx="3844926" cy="4267868"/>
+            <a:off x="124865" y="1910218"/>
+            <a:ext cx="3524866" cy="3895595"/>
           </a:xfrm>
           <a:prstGeom prst="rect">
             <a:avLst/>
@@ -7513,7 +7449,7 @@
           <p:cNvPr id="5" name="Picture 4">
             <a:extLst>
               <a:ext uri="{FF2B5EF4-FFF2-40B4-BE49-F238E27FC236}">
-                <a16:creationId xmlns:a16="http://schemas.microsoft.com/office/drawing/2014/main" id="{6E06D12F-FC24-750F-E5C8-857AC5C81927}"/>
+                <a16:creationId xmlns:a16="http://schemas.microsoft.com/office/drawing/2014/main" id="{5E95CDF4-2363-3B7E-A97E-B81AC7B0612B}"/>
               </a:ext>
             </a:extLst>
           </p:cNvPr>
@@ -7530,58 +7466,138 @@
         </p:blipFill>
         <p:spPr>
           <a:xfrm>
-            <a:off x="5795718" y="1139868"/>
-            <a:ext cx="3053920" cy="5357682"/>
+            <a:off x="4158641" y="1930271"/>
+            <a:ext cx="3651337" cy="3875542"/>
           </a:xfrm>
           <a:prstGeom prst="rect">
             <a:avLst/>
           </a:prstGeom>
         </p:spPr>
       </p:pic>
-      <p:sp>
-        <p:nvSpPr>
-          <p:cNvPr id="7" name="TextBox 6">
-            <a:extLst>
-              <a:ext uri="{FF2B5EF4-FFF2-40B4-BE49-F238E27FC236}">
-                <a16:creationId xmlns:a16="http://schemas.microsoft.com/office/drawing/2014/main" id="{7CF36290-573D-639B-4CB0-8A36DCE32216}"/>
-              </a:ext>
-            </a:extLst>
-          </p:cNvPr>
-          <p:cNvSpPr txBox="1"/>
-          <p:nvPr/>
-        </p:nvSpPr>
-        <p:spPr>
-          <a:xfrm>
-            <a:off x="7125744" y="6147100"/>
-            <a:ext cx="6097044" cy="369332"/>
-          </a:xfrm>
-          <a:prstGeom prst="rect">
-            <a:avLst/>
-          </a:prstGeom>
-          <a:noFill/>
-        </p:spPr>
-        <p:txBody>
-          <a:bodyPr wrap="square">
-            <a:spAutoFit/>
-          </a:bodyPr>
-          <a:lstStyle/>
-          <a:p>
-            <a:r>
-              <a:rPr lang="en-US" dirty="0"/>
-              <a:t>https://ggplot2.tidyverse.org/reference/</a:t>
-            </a:r>
-            <a:r>
-              <a:rPr lang="en-US" dirty="0" err="1"/>
-              <a:t>theme.html</a:t>
-            </a:r>
-            <a:endParaRPr lang="en-US" dirty="0"/>
-          </a:p>
-        </p:txBody>
-      </p:sp>
+      <p:pic>
+        <p:nvPicPr>
+          <p:cNvPr id="6" name="Picture 5">
+            <a:extLst>
+              <a:ext uri="{FF2B5EF4-FFF2-40B4-BE49-F238E27FC236}">
+                <a16:creationId xmlns:a16="http://schemas.microsoft.com/office/drawing/2014/main" id="{83579CEE-E3D4-3118-F0EA-5357BE50F129}"/>
+              </a:ext>
+            </a:extLst>
+          </p:cNvPr>
+          <p:cNvPicPr>
+            <a:picLocks noChangeAspect="1"/>
+          </p:cNvPicPr>
+          <p:nvPr/>
+        </p:nvPicPr>
+        <p:blipFill>
+          <a:blip r:embed="rId5"/>
+          <a:stretch>
+            <a:fillRect/>
+          </a:stretch>
+        </p:blipFill>
+        <p:spPr>
+          <a:xfrm>
+            <a:off x="5276850" y="1453802"/>
+            <a:ext cx="1638300" cy="317500"/>
+          </a:xfrm>
+          <a:prstGeom prst="rect">
+            <a:avLst/>
+          </a:prstGeom>
+        </p:spPr>
+      </p:pic>
+      <p:pic>
+        <p:nvPicPr>
+          <p:cNvPr id="7" name="Picture 6">
+            <a:extLst>
+              <a:ext uri="{FF2B5EF4-FFF2-40B4-BE49-F238E27FC236}">
+                <a16:creationId xmlns:a16="http://schemas.microsoft.com/office/drawing/2014/main" id="{6128C118-F8CB-10C6-CB0C-2F8F7A41E6EA}"/>
+              </a:ext>
+            </a:extLst>
+          </p:cNvPr>
+          <p:cNvPicPr>
+            <a:picLocks noChangeAspect="1"/>
+          </p:cNvPicPr>
+          <p:nvPr/>
+        </p:nvPicPr>
+        <p:blipFill>
+          <a:blip r:embed="rId6"/>
+          <a:stretch>
+            <a:fillRect/>
+          </a:stretch>
+        </p:blipFill>
+        <p:spPr>
+          <a:xfrm>
+            <a:off x="8284136" y="527343"/>
+            <a:ext cx="3524866" cy="1097909"/>
+          </a:xfrm>
+          <a:prstGeom prst="rect">
+            <a:avLst/>
+          </a:prstGeom>
+        </p:spPr>
+      </p:pic>
+      <p:pic>
+        <p:nvPicPr>
+          <p:cNvPr id="8" name="Picture 7">
+            <a:extLst>
+              <a:ext uri="{FF2B5EF4-FFF2-40B4-BE49-F238E27FC236}">
+                <a16:creationId xmlns:a16="http://schemas.microsoft.com/office/drawing/2014/main" id="{C1C346ED-6D3D-F60C-9413-E6360C27D1B1}"/>
+              </a:ext>
+            </a:extLst>
+          </p:cNvPr>
+          <p:cNvPicPr>
+            <a:picLocks noChangeAspect="1"/>
+          </p:cNvPicPr>
+          <p:nvPr/>
+        </p:nvPicPr>
+        <p:blipFill>
+          <a:blip r:embed="rId7"/>
+          <a:stretch>
+            <a:fillRect/>
+          </a:stretch>
+        </p:blipFill>
+        <p:spPr>
+          <a:xfrm>
+            <a:off x="8041449" y="2174206"/>
+            <a:ext cx="3717418" cy="3895595"/>
+          </a:xfrm>
+          <a:prstGeom prst="rect">
+            <a:avLst/>
+          </a:prstGeom>
+        </p:spPr>
+      </p:pic>
+      <p:pic>
+        <p:nvPicPr>
+          <p:cNvPr id="9" name="Picture 8">
+            <a:extLst>
+              <a:ext uri="{FF2B5EF4-FFF2-40B4-BE49-F238E27FC236}">
+                <a16:creationId xmlns:a16="http://schemas.microsoft.com/office/drawing/2014/main" id="{1D89B98D-6FC3-10BC-EC07-DD686B028A73}"/>
+              </a:ext>
+            </a:extLst>
+          </p:cNvPr>
+          <p:cNvPicPr>
+            <a:picLocks noChangeAspect="1"/>
+          </p:cNvPicPr>
+          <p:nvPr/>
+        </p:nvPicPr>
+        <p:blipFill>
+          <a:blip r:embed="rId8"/>
+          <a:stretch>
+            <a:fillRect/>
+          </a:stretch>
+        </p:blipFill>
+        <p:spPr>
+          <a:xfrm>
+            <a:off x="8808319" y="1740979"/>
+            <a:ext cx="2476500" cy="317500"/>
+          </a:xfrm>
+          <a:prstGeom prst="rect">
+            <a:avLst/>
+          </a:prstGeom>
+        </p:spPr>
+      </p:pic>
     </p:spTree>
     <p:extLst>
       <p:ext uri="{BB962C8B-B14F-4D97-AF65-F5344CB8AC3E}">
-        <p14:creationId xmlns:p14="http://schemas.microsoft.com/office/powerpoint/2010/main" val="1375084345"/>
+        <p14:creationId xmlns:p14="http://schemas.microsoft.com/office/powerpoint/2010/main" val="295684193"/>
       </p:ext>
     </p:extLst>
   </p:cSld>
@@ -7610,6 +7626,201 @@
       </p:grpSpPr>
       <p:sp>
         <p:nvSpPr>
+          <p:cNvPr id="2" name="TextBox 1">
+            <a:extLst>
+              <a:ext uri="{FF2B5EF4-FFF2-40B4-BE49-F238E27FC236}">
+                <a16:creationId xmlns:a16="http://schemas.microsoft.com/office/drawing/2014/main" id="{BB0ED4C7-7072-9DBF-33A9-4AA4D246AA68}"/>
+              </a:ext>
+            </a:extLst>
+          </p:cNvPr>
+          <p:cNvSpPr txBox="1"/>
+          <p:nvPr/>
+        </p:nvSpPr>
+        <p:spPr>
+          <a:xfrm>
+            <a:off x="3331923" y="269310"/>
+            <a:ext cx="5073440" cy="369332"/>
+          </a:xfrm>
+          <a:prstGeom prst="rect">
+            <a:avLst/>
+          </a:prstGeom>
+          <a:noFill/>
+        </p:spPr>
+        <p:txBody>
+          <a:bodyPr wrap="none" rtlCol="0">
+            <a:spAutoFit/>
+          </a:bodyPr>
+          <a:lstStyle/>
+          <a:p>
+            <a:r>
+              <a:rPr lang="en-US" dirty="0"/>
+              <a:t>Themes can be added to like any other plot element</a:t>
+            </a:r>
+          </a:p>
+        </p:txBody>
+      </p:sp>
+      <p:pic>
+        <p:nvPicPr>
+          <p:cNvPr id="3" name="Picture 2">
+            <a:extLst>
+              <a:ext uri="{FF2B5EF4-FFF2-40B4-BE49-F238E27FC236}">
+                <a16:creationId xmlns:a16="http://schemas.microsoft.com/office/drawing/2014/main" id="{96F45484-C265-8873-5FCA-E2E58BE96ABD}"/>
+              </a:ext>
+            </a:extLst>
+          </p:cNvPr>
+          <p:cNvPicPr>
+            <a:picLocks noChangeAspect="1"/>
+          </p:cNvPicPr>
+          <p:nvPr/>
+        </p:nvPicPr>
+        <p:blipFill>
+          <a:blip r:embed="rId2"/>
+          <a:stretch>
+            <a:fillRect/>
+          </a:stretch>
+        </p:blipFill>
+        <p:spPr>
+          <a:xfrm>
+            <a:off x="322023" y="1191785"/>
+            <a:ext cx="4801122" cy="1285462"/>
+          </a:xfrm>
+          <a:prstGeom prst="rect">
+            <a:avLst/>
+          </a:prstGeom>
+        </p:spPr>
+      </p:pic>
+      <p:pic>
+        <p:nvPicPr>
+          <p:cNvPr id="4" name="Picture 3">
+            <a:extLst>
+              <a:ext uri="{FF2B5EF4-FFF2-40B4-BE49-F238E27FC236}">
+                <a16:creationId xmlns:a16="http://schemas.microsoft.com/office/drawing/2014/main" id="{0CE3BC9A-8B3E-F9BF-FF6D-0D13A563D8E0}"/>
+              </a:ext>
+            </a:extLst>
+          </p:cNvPr>
+          <p:cNvPicPr>
+            <a:picLocks noChangeAspect="1"/>
+          </p:cNvPicPr>
+          <p:nvPr/>
+        </p:nvPicPr>
+        <p:blipFill>
+          <a:blip r:embed="rId3"/>
+          <a:stretch>
+            <a:fillRect/>
+          </a:stretch>
+        </p:blipFill>
+        <p:spPr>
+          <a:xfrm>
+            <a:off x="800121" y="2477247"/>
+            <a:ext cx="3844926" cy="4267868"/>
+          </a:xfrm>
+          <a:prstGeom prst="rect">
+            <a:avLst/>
+          </a:prstGeom>
+        </p:spPr>
+      </p:pic>
+      <p:pic>
+        <p:nvPicPr>
+          <p:cNvPr id="5" name="Picture 4">
+            <a:extLst>
+              <a:ext uri="{FF2B5EF4-FFF2-40B4-BE49-F238E27FC236}">
+                <a16:creationId xmlns:a16="http://schemas.microsoft.com/office/drawing/2014/main" id="{6E06D12F-FC24-750F-E5C8-857AC5C81927}"/>
+              </a:ext>
+            </a:extLst>
+          </p:cNvPr>
+          <p:cNvPicPr>
+            <a:picLocks noChangeAspect="1"/>
+          </p:cNvPicPr>
+          <p:nvPr/>
+        </p:nvPicPr>
+        <p:blipFill>
+          <a:blip r:embed="rId4"/>
+          <a:stretch>
+            <a:fillRect/>
+          </a:stretch>
+        </p:blipFill>
+        <p:spPr>
+          <a:xfrm>
+            <a:off x="5795718" y="1139868"/>
+            <a:ext cx="3053920" cy="5357682"/>
+          </a:xfrm>
+          <a:prstGeom prst="rect">
+            <a:avLst/>
+          </a:prstGeom>
+        </p:spPr>
+      </p:pic>
+      <p:sp>
+        <p:nvSpPr>
+          <p:cNvPr id="7" name="TextBox 6">
+            <a:extLst>
+              <a:ext uri="{FF2B5EF4-FFF2-40B4-BE49-F238E27FC236}">
+                <a16:creationId xmlns:a16="http://schemas.microsoft.com/office/drawing/2014/main" id="{7CF36290-573D-639B-4CB0-8A36DCE32216}"/>
+              </a:ext>
+            </a:extLst>
+          </p:cNvPr>
+          <p:cNvSpPr txBox="1"/>
+          <p:nvPr/>
+        </p:nvSpPr>
+        <p:spPr>
+          <a:xfrm>
+            <a:off x="7125744" y="6147100"/>
+            <a:ext cx="6097044" cy="369332"/>
+          </a:xfrm>
+          <a:prstGeom prst="rect">
+            <a:avLst/>
+          </a:prstGeom>
+          <a:noFill/>
+        </p:spPr>
+        <p:txBody>
+          <a:bodyPr wrap="square">
+            <a:spAutoFit/>
+          </a:bodyPr>
+          <a:lstStyle/>
+          <a:p>
+            <a:r>
+              <a:rPr lang="en-US" dirty="0"/>
+              <a:t>https://ggplot2.tidyverse.org/reference/</a:t>
+            </a:r>
+            <a:r>
+              <a:rPr lang="en-US" dirty="0" err="1"/>
+              <a:t>theme.html</a:t>
+            </a:r>
+            <a:endParaRPr lang="en-US" dirty="0"/>
+          </a:p>
+        </p:txBody>
+      </p:sp>
+    </p:spTree>
+    <p:extLst>
+      <p:ext uri="{BB962C8B-B14F-4D97-AF65-F5344CB8AC3E}">
+        <p14:creationId xmlns:p14="http://schemas.microsoft.com/office/powerpoint/2010/main" val="1375084345"/>
+      </p:ext>
+    </p:extLst>
+  </p:cSld>
+  <p:clrMapOvr>
+    <a:masterClrMapping/>
+  </p:clrMapOvr>
+</p:sld>
+</file>
+
+<file path=ppt/slides/slide25.xml><?xml version="1.0" encoding="utf-8"?>
+<p:sld xmlns:a="http://schemas.openxmlformats.org/drawingml/2006/main" xmlns:r="http://schemas.openxmlformats.org/officeDocument/2006/relationships" xmlns:p="http://schemas.openxmlformats.org/presentationml/2006/main">
+  <p:cSld>
+    <p:spTree>
+      <p:nvGrpSpPr>
+        <p:cNvPr id="1" name=""/>
+        <p:cNvGrpSpPr/>
+        <p:nvPr/>
+      </p:nvGrpSpPr>
+      <p:grpSpPr>
+        <a:xfrm>
+          <a:off x="0" y="0"/>
+          <a:ext cx="0" cy="0"/>
+          <a:chOff x="0" y="0"/>
+          <a:chExt cx="0" cy="0"/>
+        </a:xfrm>
+      </p:grpSpPr>
+      <p:sp>
+        <p:nvSpPr>
           <p:cNvPr id="366" name="Merging and Joining (relational data)"/>
           <p:cNvSpPr txBox="1"/>
           <p:nvPr/>
@@ -7627,7 +7838,7 @@
           </a:ln>
           <a:extLst>
             <a:ext uri="{C572A759-6A51-4108-AA02-DFA0A04FC94B}">
-              <ma14:wrappingTextBoxFlag xmlns:ma14="http://schemas.microsoft.com/office/mac/drawingml/2011/main" xmlns:a14="http://schemas.microsoft.com/office/drawing/2010/main" xmlns:m="http://schemas.openxmlformats.org/officeDocument/2006/math" xmlns="" val="1"/>
+              <ma14:wrappingTextBoxFlag xmlns="" xmlns:m="http://schemas.openxmlformats.org/officeDocument/2006/math" xmlns:a14="http://schemas.microsoft.com/office/drawing/2010/main" xmlns:ma14="http://schemas.microsoft.com/office/mac/drawingml/2011/main" val="1"/>
             </a:ext>
           </a:extLst>
         </p:spPr>
@@ -8221,7 +8432,7 @@
 </p:sld>
 </file>
 
-<file path=ppt/slides/slide25.xml><?xml version="1.0" encoding="utf-8"?>
+<file path=ppt/slides/slide26.xml><?xml version="1.0" encoding="utf-8"?>
 <p:sld xmlns:a="http://schemas.openxmlformats.org/drawingml/2006/main" xmlns:r="http://schemas.openxmlformats.org/officeDocument/2006/relationships" xmlns:p="http://schemas.openxmlformats.org/presentationml/2006/main">
   <p:cSld>
     <p:spTree>
@@ -8257,7 +8468,7 @@
           </a:ln>
           <a:extLst>
             <a:ext uri="{C572A759-6A51-4108-AA02-DFA0A04FC94B}">
-              <ma14:wrappingTextBoxFlag xmlns:ma14="http://schemas.microsoft.com/office/mac/drawingml/2011/main" xmlns:a14="http://schemas.microsoft.com/office/drawing/2010/main" xmlns:m="http://schemas.openxmlformats.org/officeDocument/2006/math" xmlns="" val="1"/>
+              <ma14:wrappingTextBoxFlag xmlns="" xmlns:m="http://schemas.openxmlformats.org/officeDocument/2006/math" xmlns:a14="http://schemas.microsoft.com/office/drawing/2010/main" xmlns:ma14="http://schemas.microsoft.com/office/mac/drawingml/2011/main" val="1"/>
             </a:ext>
           </a:extLst>
         </p:spPr>
@@ -8808,7 +9019,7 @@
 </p:sld>
 </file>
 
-<file path=ppt/slides/slide26.xml><?xml version="1.0" encoding="utf-8"?>
+<file path=ppt/slides/slide27.xml><?xml version="1.0" encoding="utf-8"?>
 <p:sld xmlns:a="http://schemas.openxmlformats.org/drawingml/2006/main" xmlns:r="http://schemas.openxmlformats.org/officeDocument/2006/relationships" xmlns:p="http://schemas.openxmlformats.org/presentationml/2006/main">
   <p:cSld>
     <p:spTree>
@@ -9247,7 +9458,7 @@
           </a:ln>
           <a:extLst>
             <a:ext uri="{C572A759-6A51-4108-AA02-DFA0A04FC94B}">
-              <ma14:wrappingTextBoxFlag xmlns:ma14="http://schemas.microsoft.com/office/mac/drawingml/2011/main" xmlns:a14="http://schemas.microsoft.com/office/drawing/2010/main" xmlns:m="http://schemas.openxmlformats.org/officeDocument/2006/math" xmlns="" val="1"/>
+              <ma14:wrappingTextBoxFlag xmlns="" xmlns:m="http://schemas.openxmlformats.org/officeDocument/2006/math" xmlns:a14="http://schemas.microsoft.com/office/drawing/2010/main" xmlns:ma14="http://schemas.microsoft.com/office/mac/drawingml/2011/main" val="1"/>
             </a:ext>
           </a:extLst>
         </p:spPr>
@@ -9306,7 +9517,7 @@
 </p:sld>
 </file>
 
-<file path=ppt/slides/slide27.xml><?xml version="1.0" encoding="utf-8"?>
+<file path=ppt/slides/slide28.xml><?xml version="1.0" encoding="utf-8"?>
 <p:sld xmlns:a="http://schemas.openxmlformats.org/drawingml/2006/main" xmlns:r="http://schemas.openxmlformats.org/officeDocument/2006/relationships" xmlns:p="http://schemas.openxmlformats.org/presentationml/2006/main">
   <p:cSld>
     <p:spTree>
@@ -9342,7 +9553,7 @@
           </a:ln>
           <a:extLst>
             <a:ext uri="{C572A759-6A51-4108-AA02-DFA0A04FC94B}">
-              <ma14:wrappingTextBoxFlag xmlns:ma14="http://schemas.microsoft.com/office/mac/drawingml/2011/main" xmlns:a14="http://schemas.microsoft.com/office/drawing/2010/main" xmlns:m="http://schemas.openxmlformats.org/officeDocument/2006/math" xmlns="" val="1"/>
+              <ma14:wrappingTextBoxFlag xmlns="" xmlns:m="http://schemas.openxmlformats.org/officeDocument/2006/math" xmlns:a14="http://schemas.microsoft.com/office/drawing/2010/main" xmlns:ma14="http://schemas.microsoft.com/office/mac/drawingml/2011/main" val="1"/>
             </a:ext>
           </a:extLst>
         </p:spPr>
@@ -10242,7 +10453,7 @@
 </p:sld>
 </file>
 
-<file path=ppt/slides/slide28.xml><?xml version="1.0" encoding="utf-8"?>
+<file path=ppt/slides/slide29.xml><?xml version="1.0" encoding="utf-8"?>
 <p:sld xmlns:a="http://schemas.openxmlformats.org/drawingml/2006/main" xmlns:r="http://schemas.openxmlformats.org/officeDocument/2006/relationships" xmlns:p="http://schemas.openxmlformats.org/presentationml/2006/main">
   <p:cSld>
     <p:spTree>
@@ -10305,7 +10516,7 @@
           </a:ln>
           <a:extLst>
             <a:ext uri="{C572A759-6A51-4108-AA02-DFA0A04FC94B}">
-              <ma14:wrappingTextBoxFlag xmlns:ma14="http://schemas.microsoft.com/office/mac/drawingml/2011/main" xmlns:a14="http://schemas.microsoft.com/office/drawing/2010/main" xmlns:m="http://schemas.openxmlformats.org/officeDocument/2006/math" xmlns="" val="1"/>
+              <ma14:wrappingTextBoxFlag xmlns="" xmlns:m="http://schemas.openxmlformats.org/officeDocument/2006/math" xmlns:a14="http://schemas.microsoft.com/office/drawing/2010/main" xmlns:ma14="http://schemas.microsoft.com/office/mac/drawingml/2011/main" val="1"/>
             </a:ext>
           </a:extLst>
         </p:spPr>
@@ -10341,7 +10552,7 @@
           </a:ln>
           <a:extLst>
             <a:ext uri="{C572A759-6A51-4108-AA02-DFA0A04FC94B}">
-              <ma14:wrappingTextBoxFlag xmlns:ma14="http://schemas.microsoft.com/office/mac/drawingml/2011/main" xmlns:a14="http://schemas.microsoft.com/office/drawing/2010/main" xmlns:m="http://schemas.openxmlformats.org/officeDocument/2006/math" xmlns="" val="1"/>
+              <ma14:wrappingTextBoxFlag xmlns="" xmlns:m="http://schemas.openxmlformats.org/officeDocument/2006/math" xmlns:a14="http://schemas.microsoft.com/office/drawing/2010/main" xmlns:ma14="http://schemas.microsoft.com/office/mac/drawingml/2011/main" val="1"/>
             </a:ext>
           </a:extLst>
         </p:spPr>
@@ -10366,68 +10577,6 @@
               </a:rPr>
               <a:t>link to the license</a:t>
             </a:r>
-          </a:p>
-        </p:txBody>
-      </p:sp>
-    </p:spTree>
-  </p:cSld>
-  <p:clrMapOvr>
-    <a:masterClrMapping/>
-  </p:clrMapOvr>
-</p:sld>
-</file>
-
-<file path=ppt/slides/slide29.xml><?xml version="1.0" encoding="utf-8"?>
-<p:sld xmlns:a="http://schemas.openxmlformats.org/drawingml/2006/main" xmlns:r="http://schemas.openxmlformats.org/officeDocument/2006/relationships" xmlns:p="http://schemas.openxmlformats.org/presentationml/2006/main">
-  <p:cSld>
-    <p:spTree>
-      <p:nvGrpSpPr>
-        <p:cNvPr id="1" name=""/>
-        <p:cNvGrpSpPr/>
-        <p:nvPr/>
-      </p:nvGrpSpPr>
-      <p:grpSpPr>
-        <a:xfrm>
-          <a:off x="0" y="0"/>
-          <a:ext cx="0" cy="0"/>
-          <a:chOff x="0" y="0"/>
-          <a:chExt cx="0" cy="0"/>
-        </a:xfrm>
-      </p:grpSpPr>
-      <p:sp>
-        <p:nvSpPr>
-          <p:cNvPr id="391" name="back to code"/>
-          <p:cNvSpPr txBox="1"/>
-          <p:nvPr/>
-        </p:nvSpPr>
-        <p:spPr>
-          <a:xfrm>
-            <a:off x="5318765" y="2631502"/>
-            <a:ext cx="2879699" cy="605294"/>
-          </a:xfrm>
-          <a:prstGeom prst="rect">
-            <a:avLst/>
-          </a:prstGeom>
-          <a:ln w="12700">
-            <a:miter lim="400000"/>
-          </a:ln>
-          <a:extLst>
-            <a:ext uri="{C572A759-6A51-4108-AA02-DFA0A04FC94B}">
-              <ma14:wrappingTextBoxFlag xmlns:ma14="http://schemas.microsoft.com/office/mac/drawingml/2011/main" xmlns:a14="http://schemas.microsoft.com/office/drawing/2010/main" xmlns:m="http://schemas.openxmlformats.org/officeDocument/2006/math" xmlns="" val="1"/>
-            </a:ext>
-          </a:extLst>
-        </p:spPr>
-        <p:txBody>
-          <a:bodyPr wrap="none" lIns="25400" tIns="25400" rIns="25400" bIns="25400" anchor="ctr">
-            <a:spAutoFit/>
-          </a:bodyPr>
-          <a:lstStyle/>
-          <a:p>
-            <a:r>
-              <a:rPr lang="en-US" sz="3600" dirty="0"/>
-              <a:t>Code examples</a:t>
-            </a:r>
-            <a:endParaRPr sz="3600" dirty="0"/>
           </a:p>
         </p:txBody>
       </p:sp>
@@ -10458,14 +10607,14 @@
       </p:grpSpPr>
       <p:sp>
         <p:nvSpPr>
-          <p:cNvPr id="314" name="install.packages(‘nycflights13’)"/>
+          <p:cNvPr id="311" name="Recap"/>
           <p:cNvSpPr txBox="1"/>
           <p:nvPr/>
         </p:nvSpPr>
         <p:spPr>
           <a:xfrm>
-            <a:off x="780182" y="764159"/>
-            <a:ext cx="3216778" cy="359073"/>
+            <a:off x="5819759" y="383337"/>
+            <a:ext cx="51361" cy="420628"/>
           </a:xfrm>
           <a:prstGeom prst="rect">
             <a:avLst/>
@@ -10475,7 +10624,7 @@
           </a:ln>
           <a:extLst>
             <a:ext uri="{C572A759-6A51-4108-AA02-DFA0A04FC94B}">
-              <ma14:wrappingTextBoxFlag xmlns:ma14="http://schemas.microsoft.com/office/mac/drawingml/2011/main" xmlns:a14="http://schemas.microsoft.com/office/drawing/2010/main" xmlns:m="http://schemas.openxmlformats.org/officeDocument/2006/math" xmlns="" val="1"/>
+              <ma14:wrappingTextBoxFlag xmlns="" xmlns:m="http://schemas.openxmlformats.org/officeDocument/2006/math" xmlns:a14="http://schemas.microsoft.com/office/drawing/2010/main" xmlns:ma14="http://schemas.microsoft.com/office/mac/drawingml/2011/main" val="1"/>
             </a:ext>
           </a:extLst>
         </p:spPr>
@@ -10485,31 +10634,24 @@
           </a:bodyPr>
           <a:lstStyle>
             <a:lvl1pPr>
-              <a:defRPr sz="4000"/>
+              <a:defRPr sz="4800"/>
             </a:lvl1pPr>
           </a:lstStyle>
           <a:p>
-            <a:r>
-              <a:rPr sz="2000" dirty="0" err="1"/>
-              <a:t>install.packages</a:t>
-            </a:r>
-            <a:r>
-              <a:rPr sz="2000" dirty="0"/>
-              <a:t>(‘nycflights13’)</a:t>
-            </a:r>
-          </a:p>
-        </p:txBody>
-      </p:sp>
-      <p:sp>
-        <p:nvSpPr>
-          <p:cNvPr id="315" name="data(ToothGrowth)"/>
+            <a:endParaRPr sz="2400" dirty="0"/>
+          </a:p>
+        </p:txBody>
+      </p:sp>
+      <p:sp>
+        <p:nvSpPr>
+          <p:cNvPr id="312" name="Installing/loading libraries  - library()…"/>
           <p:cNvSpPr txBox="1"/>
           <p:nvPr/>
         </p:nvSpPr>
         <p:spPr>
           <a:xfrm>
-            <a:off x="780182" y="1570088"/>
-            <a:ext cx="51361" cy="328295"/>
+            <a:off x="2170887" y="1184653"/>
+            <a:ext cx="7850226" cy="974626"/>
           </a:xfrm>
           <a:prstGeom prst="rect">
             <a:avLst/>
@@ -10519,44 +10661,7 @@
           </a:ln>
           <a:extLst>
             <a:ext uri="{C572A759-6A51-4108-AA02-DFA0A04FC94B}">
-              <ma14:wrappingTextBoxFlag xmlns:ma14="http://schemas.microsoft.com/office/mac/drawingml/2011/main" xmlns:a14="http://schemas.microsoft.com/office/drawing/2010/main" xmlns:m="http://schemas.openxmlformats.org/officeDocument/2006/math" xmlns="" val="1"/>
-            </a:ext>
-          </a:extLst>
-        </p:spPr>
-        <p:txBody>
-          <a:bodyPr wrap="none" lIns="25400" tIns="25400" rIns="25400" bIns="25400" anchor="ctr">
-            <a:spAutoFit/>
-          </a:bodyPr>
-          <a:lstStyle>
-            <a:lvl1pPr>
-              <a:defRPr sz="3600"/>
-            </a:lvl1pPr>
-          </a:lstStyle>
-          <a:p>
-            <a:endParaRPr sz="1800" dirty="0"/>
-          </a:p>
-        </p:txBody>
-      </p:sp>
-      <p:sp>
-        <p:nvSpPr>
-          <p:cNvPr id="316" name="How many observations for each treatment?…"/>
-          <p:cNvSpPr txBox="1"/>
-          <p:nvPr/>
-        </p:nvSpPr>
-        <p:spPr>
-          <a:xfrm>
-            <a:off x="3585310" y="3236384"/>
-            <a:ext cx="166712" cy="282129"/>
-          </a:xfrm>
-          <a:prstGeom prst="rect">
-            <a:avLst/>
-          </a:prstGeom>
-          <a:ln w="12700">
-            <a:miter lim="400000"/>
-          </a:ln>
-          <a:extLst>
-            <a:ext uri="{C572A759-6A51-4108-AA02-DFA0A04FC94B}">
-              <ma14:wrappingTextBoxFlag xmlns:ma14="http://schemas.microsoft.com/office/mac/drawingml/2011/main" xmlns:a14="http://schemas.microsoft.com/office/drawing/2010/main" xmlns:m="http://schemas.openxmlformats.org/officeDocument/2006/math" xmlns="" val="1"/>
+              <ma14:wrappingTextBoxFlag xmlns="" xmlns:m="http://schemas.openxmlformats.org/officeDocument/2006/math" xmlns:a14="http://schemas.microsoft.com/office/drawing/2010/main" xmlns:ma14="http://schemas.microsoft.com/office/mac/drawingml/2011/main" val="1"/>
             </a:ext>
           </a:extLst>
         </p:spPr>
@@ -10566,21 +10671,78 @@
           </a:bodyPr>
           <a:lstStyle/>
           <a:p>
-            <a:pPr marL="114300" indent="-114300">
-              <a:buSzPct val="100000"/>
+            <a:pPr marL="152400" indent="-152400">
+              <a:buSzPct val="123000"/>
               <a:buChar char="•"/>
-              <a:defRPr sz="3000"/>
+              <a:defRPr sz="4000"/>
             </a:pPr>
-            <a:endParaRPr sz="1500" dirty="0"/>
-          </a:p>
-        </p:txBody>
-      </p:sp>
-      <p:sp>
-        <p:nvSpPr>
-          <p:cNvPr id="3" name="TextBox 2">
-            <a:extLst>
-              <a:ext uri="{FF2B5EF4-FFF2-40B4-BE49-F238E27FC236}">
-                <a16:creationId xmlns:a16="http://schemas.microsoft.com/office/drawing/2014/main" id="{B480CC13-B99C-66C6-65F4-DA3A79B21A2F}"/>
+            <a:r>
+              <a:rPr sz="2000" dirty="0"/>
+              <a:t>Installing/loading libraries  - library()</a:t>
+            </a:r>
+          </a:p>
+          <a:p>
+            <a:pPr marL="152400" indent="-152400">
+              <a:buSzPct val="123000"/>
+              <a:buChar char="•"/>
+              <a:defRPr sz="4000"/>
+            </a:pPr>
+            <a:r>
+              <a:rPr sz="2000" dirty="0"/>
+              <a:t>Filter/Grouping/Summarizing - filter(), </a:t>
+            </a:r>
+            <a:r>
+              <a:rPr sz="2000" dirty="0" err="1"/>
+              <a:t>group_by</a:t>
+            </a:r>
+            <a:r>
+              <a:rPr sz="2000" dirty="0"/>
+              <a:t>(), </a:t>
+            </a:r>
+            <a:r>
+              <a:rPr sz="2000" dirty="0" err="1"/>
+              <a:t>summarise</a:t>
+            </a:r>
+            <a:r>
+              <a:rPr sz="2000" dirty="0"/>
+              <a:t>(), mutate()</a:t>
+            </a:r>
+          </a:p>
+          <a:p>
+            <a:pPr marL="152400" indent="-152400">
+              <a:buSzPct val="123000"/>
+              <a:buChar char="•"/>
+              <a:defRPr sz="4000"/>
+            </a:pPr>
+            <a:r>
+              <a:rPr sz="2000" dirty="0"/>
+              <a:t>Importing Data - </a:t>
+            </a:r>
+            <a:r>
+              <a:rPr sz="2000" dirty="0" err="1"/>
+              <a:t>read_csv</a:t>
+            </a:r>
+            <a:r>
+              <a:rPr sz="2000" dirty="0"/>
+              <a:t>(), </a:t>
+            </a:r>
+            <a:r>
+              <a:rPr sz="2000" dirty="0" err="1"/>
+              <a:t>read_tsv</a:t>
+            </a:r>
+            <a:r>
+              <a:rPr sz="2000" dirty="0"/>
+              <a:t>()</a:t>
+            </a:r>
+          </a:p>
+        </p:txBody>
+      </p:sp>
+      <p:sp>
+        <p:nvSpPr>
+          <p:cNvPr id="2" name="TextBox 1">
+            <a:extLst>
+              <a:ext uri="{FF2B5EF4-FFF2-40B4-BE49-F238E27FC236}">
+                <a16:creationId xmlns:a16="http://schemas.microsoft.com/office/drawing/2014/main" id="{E9D58880-F304-2884-78F0-DEE8B9D1069D}"/>
               </a:ext>
             </a:extLst>
           </p:cNvPr>
@@ -10589,8 +10751,8 @@
         </p:nvSpPr>
         <p:spPr>
           <a:xfrm>
-            <a:off x="5308485" y="202740"/>
-            <a:ext cx="1683986" cy="369332"/>
+            <a:off x="5177993" y="360875"/>
+            <a:ext cx="3976828" cy="369332"/>
           </a:xfrm>
           <a:prstGeom prst="rect">
             <a:avLst/>
@@ -10605,179 +10767,7 @@
           <a:p>
             <a:r>
               <a:rPr lang="en-US" dirty="0"/>
-              <a:t>Practice</a:t>
-            </a:r>
-          </a:p>
-        </p:txBody>
-      </p:sp>
-      <p:sp>
-        <p:nvSpPr>
-          <p:cNvPr id="4" name="TextBox 3">
-            <a:extLst>
-              <a:ext uri="{FF2B5EF4-FFF2-40B4-BE49-F238E27FC236}">
-                <a16:creationId xmlns:a16="http://schemas.microsoft.com/office/drawing/2014/main" id="{A34BE7A2-2D6C-416A-1712-C07891D49FB4}"/>
-              </a:ext>
-            </a:extLst>
-          </p:cNvPr>
-          <p:cNvSpPr txBox="1"/>
-          <p:nvPr/>
-        </p:nvSpPr>
-        <p:spPr>
-          <a:xfrm>
-            <a:off x="703384" y="1105730"/>
-            <a:ext cx="2366682" cy="646331"/>
-          </a:xfrm>
-          <a:prstGeom prst="rect">
-            <a:avLst/>
-          </a:prstGeom>
-          <a:noFill/>
-        </p:spPr>
-        <p:txBody>
-          <a:bodyPr wrap="square" rtlCol="0">
-            <a:spAutoFit/>
-          </a:bodyPr>
-          <a:lstStyle/>
-          <a:p>
-            <a:r>
-              <a:rPr lang="en-US" dirty="0"/>
-              <a:t>flights</a:t>
-            </a:r>
-          </a:p>
-          <a:p>
-            <a:r>
-              <a:rPr lang="en-US" dirty="0"/>
-              <a:t>weather</a:t>
-            </a:r>
-          </a:p>
-        </p:txBody>
-      </p:sp>
-      <p:pic>
-        <p:nvPicPr>
-          <p:cNvPr id="5" name="Picture 4">
-            <a:extLst>
-              <a:ext uri="{FF2B5EF4-FFF2-40B4-BE49-F238E27FC236}">
-                <a16:creationId xmlns:a16="http://schemas.microsoft.com/office/drawing/2014/main" id="{434F984D-EC51-95A9-D2F1-6F72E403D109}"/>
-              </a:ext>
-            </a:extLst>
-          </p:cNvPr>
-          <p:cNvPicPr>
-            <a:picLocks noChangeAspect="1"/>
-          </p:cNvPicPr>
-          <p:nvPr/>
-        </p:nvPicPr>
-        <p:blipFill>
-          <a:blip r:embed="rId2"/>
-          <a:stretch>
-            <a:fillRect/>
-          </a:stretch>
-        </p:blipFill>
-        <p:spPr>
-          <a:xfrm>
-            <a:off x="3438655" y="1144586"/>
-            <a:ext cx="7772400" cy="1585305"/>
-          </a:xfrm>
-          <a:prstGeom prst="rect">
-            <a:avLst/>
-          </a:prstGeom>
-        </p:spPr>
-      </p:pic>
-      <p:pic>
-        <p:nvPicPr>
-          <p:cNvPr id="6" name="Picture 5">
-            <a:extLst>
-              <a:ext uri="{FF2B5EF4-FFF2-40B4-BE49-F238E27FC236}">
-                <a16:creationId xmlns:a16="http://schemas.microsoft.com/office/drawing/2014/main" id="{A8D5D959-2E35-7386-C195-325470631E31}"/>
-              </a:ext>
-            </a:extLst>
-          </p:cNvPr>
-          <p:cNvPicPr>
-            <a:picLocks noChangeAspect="1"/>
-          </p:cNvPicPr>
-          <p:nvPr/>
-        </p:nvPicPr>
-        <p:blipFill>
-          <a:blip r:embed="rId3"/>
-          <a:stretch>
-            <a:fillRect/>
-          </a:stretch>
-        </p:blipFill>
-        <p:spPr>
-          <a:xfrm>
-            <a:off x="3438655" y="2839740"/>
-            <a:ext cx="7772400" cy="1854687"/>
-          </a:xfrm>
-          <a:prstGeom prst="rect">
-            <a:avLst/>
-          </a:prstGeom>
-        </p:spPr>
-      </p:pic>
-      <p:sp>
-        <p:nvSpPr>
-          <p:cNvPr id="7" name="TextBox 6">
-            <a:extLst>
-              <a:ext uri="{FF2B5EF4-FFF2-40B4-BE49-F238E27FC236}">
-                <a16:creationId xmlns:a16="http://schemas.microsoft.com/office/drawing/2014/main" id="{1EEBD7FF-A83D-B147-E7F3-1E9F8B336E5A}"/>
-              </a:ext>
-            </a:extLst>
-          </p:cNvPr>
-          <p:cNvSpPr txBox="1"/>
-          <p:nvPr/>
-        </p:nvSpPr>
-        <p:spPr>
-          <a:xfrm>
-            <a:off x="748896" y="1779687"/>
-            <a:ext cx="2321170" cy="5078313"/>
-          </a:xfrm>
-          <a:prstGeom prst="rect">
-            <a:avLst/>
-          </a:prstGeom>
-          <a:noFill/>
-        </p:spPr>
-        <p:txBody>
-          <a:bodyPr wrap="square" rtlCol="0">
-            <a:spAutoFit/>
-          </a:bodyPr>
-          <a:lstStyle/>
-          <a:p>
-            <a:r>
-              <a:rPr lang="en-US" dirty="0"/>
-              <a:t>How many flights originated at each airport</a:t>
-            </a:r>
-          </a:p>
-          <a:p>
-            <a:endParaRPr lang="en-US" dirty="0"/>
-          </a:p>
-          <a:p>
-            <a:r>
-              <a:rPr lang="en-US" dirty="0"/>
-              <a:t>How long was the average flight that left EWR (Newark)</a:t>
-            </a:r>
-          </a:p>
-          <a:p>
-            <a:endParaRPr lang="en-US" dirty="0"/>
-          </a:p>
-          <a:p>
-            <a:r>
-              <a:rPr lang="en-US" dirty="0"/>
-              <a:t>What airport had the longest average arrival delay </a:t>
-            </a:r>
-          </a:p>
-          <a:p>
-            <a:endParaRPr lang="en-US" dirty="0"/>
-          </a:p>
-          <a:p>
-            <a:r>
-              <a:rPr lang="en-US" dirty="0"/>
-              <a:t>Which carrier had the most departure delays (&gt; 0)</a:t>
-            </a:r>
-          </a:p>
-          <a:p>
-            <a:endParaRPr lang="en-US" dirty="0"/>
-          </a:p>
-          <a:p>
-            <a:r>
-              <a:rPr lang="en-US" dirty="0"/>
-              <a:t>How many flights per month</a:t>
+              <a:t>Last time</a:t>
             </a:r>
           </a:p>
         </p:txBody>
@@ -10791,6 +10781,68 @@
 </file>
 
 <file path=ppt/slides/slide30.xml><?xml version="1.0" encoding="utf-8"?>
+<p:sld xmlns:a="http://schemas.openxmlformats.org/drawingml/2006/main" xmlns:r="http://schemas.openxmlformats.org/officeDocument/2006/relationships" xmlns:p="http://schemas.openxmlformats.org/presentationml/2006/main">
+  <p:cSld>
+    <p:spTree>
+      <p:nvGrpSpPr>
+        <p:cNvPr id="1" name=""/>
+        <p:cNvGrpSpPr/>
+        <p:nvPr/>
+      </p:nvGrpSpPr>
+      <p:grpSpPr>
+        <a:xfrm>
+          <a:off x="0" y="0"/>
+          <a:ext cx="0" cy="0"/>
+          <a:chOff x="0" y="0"/>
+          <a:chExt cx="0" cy="0"/>
+        </a:xfrm>
+      </p:grpSpPr>
+      <p:sp>
+        <p:nvSpPr>
+          <p:cNvPr id="391" name="back to code"/>
+          <p:cNvSpPr txBox="1"/>
+          <p:nvPr/>
+        </p:nvSpPr>
+        <p:spPr>
+          <a:xfrm>
+            <a:off x="5318765" y="2631502"/>
+            <a:ext cx="2879699" cy="605294"/>
+          </a:xfrm>
+          <a:prstGeom prst="rect">
+            <a:avLst/>
+          </a:prstGeom>
+          <a:ln w="12700">
+            <a:miter lim="400000"/>
+          </a:ln>
+          <a:extLst>
+            <a:ext uri="{C572A759-6A51-4108-AA02-DFA0A04FC94B}">
+              <ma14:wrappingTextBoxFlag xmlns="" xmlns:m="http://schemas.openxmlformats.org/officeDocument/2006/math" xmlns:a14="http://schemas.microsoft.com/office/drawing/2010/main" xmlns:ma14="http://schemas.microsoft.com/office/mac/drawingml/2011/main" val="1"/>
+            </a:ext>
+          </a:extLst>
+        </p:spPr>
+        <p:txBody>
+          <a:bodyPr wrap="none" lIns="25400" tIns="25400" rIns="25400" bIns="25400" anchor="ctr">
+            <a:spAutoFit/>
+          </a:bodyPr>
+          <a:lstStyle/>
+          <a:p>
+            <a:r>
+              <a:rPr lang="en-US" sz="3600" dirty="0"/>
+              <a:t>Code examples</a:t>
+            </a:r>
+            <a:endParaRPr sz="3600" dirty="0"/>
+          </a:p>
+        </p:txBody>
+      </p:sp>
+    </p:spTree>
+  </p:cSld>
+  <p:clrMapOvr>
+    <a:masterClrMapping/>
+  </p:clrMapOvr>
+</p:sld>
+</file>
+
+<file path=ppt/slides/slide31.xml><?xml version="1.0" encoding="utf-8"?>
 <p:sld xmlns:a="http://schemas.openxmlformats.org/drawingml/2006/main" xmlns:r="http://schemas.openxmlformats.org/officeDocument/2006/relationships" xmlns:p="http://schemas.openxmlformats.org/presentationml/2006/main">
   <p:cSld>
     <p:spTree>
@@ -10953,20 +11005,139 @@
       </p:grpSpPr>
       <p:sp>
         <p:nvSpPr>
-          <p:cNvPr id="2" name="TextBox 1">
-            <a:extLst>
-              <a:ext uri="{FF2B5EF4-FFF2-40B4-BE49-F238E27FC236}">
-                <a16:creationId xmlns:a16="http://schemas.microsoft.com/office/drawing/2014/main" id="{BF7D0C15-9868-0394-584D-B1F548C00E08}"/>
-              </a:ext>
-            </a:extLst>
-          </p:cNvPr>
+          <p:cNvPr id="314" name="install.packages(‘nycflights13’)"/>
           <p:cNvSpPr txBox="1"/>
           <p:nvPr/>
         </p:nvSpPr>
         <p:spPr>
           <a:xfrm>
-            <a:off x="5550946" y="333487"/>
-            <a:ext cx="6433073" cy="369332"/>
+            <a:off x="780182" y="764159"/>
+            <a:ext cx="3216778" cy="359073"/>
+          </a:xfrm>
+          <a:prstGeom prst="rect">
+            <a:avLst/>
+          </a:prstGeom>
+          <a:ln w="12700">
+            <a:miter lim="400000"/>
+          </a:ln>
+          <a:extLst>
+            <a:ext uri="{C572A759-6A51-4108-AA02-DFA0A04FC94B}">
+              <ma14:wrappingTextBoxFlag xmlns="" xmlns:m="http://schemas.openxmlformats.org/officeDocument/2006/math" xmlns:a14="http://schemas.microsoft.com/office/drawing/2010/main" xmlns:ma14="http://schemas.microsoft.com/office/mac/drawingml/2011/main" val="1"/>
+            </a:ext>
+          </a:extLst>
+        </p:spPr>
+        <p:txBody>
+          <a:bodyPr wrap="none" lIns="25400" tIns="25400" rIns="25400" bIns="25400" anchor="ctr">
+            <a:spAutoFit/>
+          </a:bodyPr>
+          <a:lstStyle>
+            <a:lvl1pPr>
+              <a:defRPr sz="4000"/>
+            </a:lvl1pPr>
+          </a:lstStyle>
+          <a:p>
+            <a:r>
+              <a:rPr sz="2000" dirty="0" err="1"/>
+              <a:t>install.packages</a:t>
+            </a:r>
+            <a:r>
+              <a:rPr sz="2000" dirty="0"/>
+              <a:t>(‘nycflights13’)</a:t>
+            </a:r>
+          </a:p>
+        </p:txBody>
+      </p:sp>
+      <p:sp>
+        <p:nvSpPr>
+          <p:cNvPr id="315" name="data(ToothGrowth)"/>
+          <p:cNvSpPr txBox="1"/>
+          <p:nvPr/>
+        </p:nvSpPr>
+        <p:spPr>
+          <a:xfrm>
+            <a:off x="780182" y="1570088"/>
+            <a:ext cx="51361" cy="328295"/>
+          </a:xfrm>
+          <a:prstGeom prst="rect">
+            <a:avLst/>
+          </a:prstGeom>
+          <a:ln w="12700">
+            <a:miter lim="400000"/>
+          </a:ln>
+          <a:extLst>
+            <a:ext uri="{C572A759-6A51-4108-AA02-DFA0A04FC94B}">
+              <ma14:wrappingTextBoxFlag xmlns="" xmlns:m="http://schemas.openxmlformats.org/officeDocument/2006/math" xmlns:a14="http://schemas.microsoft.com/office/drawing/2010/main" xmlns:ma14="http://schemas.microsoft.com/office/mac/drawingml/2011/main" val="1"/>
+            </a:ext>
+          </a:extLst>
+        </p:spPr>
+        <p:txBody>
+          <a:bodyPr wrap="none" lIns="25400" tIns="25400" rIns="25400" bIns="25400" anchor="ctr">
+            <a:spAutoFit/>
+          </a:bodyPr>
+          <a:lstStyle>
+            <a:lvl1pPr>
+              <a:defRPr sz="3600"/>
+            </a:lvl1pPr>
+          </a:lstStyle>
+          <a:p>
+            <a:endParaRPr sz="1800" dirty="0"/>
+          </a:p>
+        </p:txBody>
+      </p:sp>
+      <p:sp>
+        <p:nvSpPr>
+          <p:cNvPr id="316" name="How many observations for each treatment?…"/>
+          <p:cNvSpPr txBox="1"/>
+          <p:nvPr/>
+        </p:nvSpPr>
+        <p:spPr>
+          <a:xfrm>
+            <a:off x="3585310" y="3236384"/>
+            <a:ext cx="166712" cy="282129"/>
+          </a:xfrm>
+          <a:prstGeom prst="rect">
+            <a:avLst/>
+          </a:prstGeom>
+          <a:ln w="12700">
+            <a:miter lim="400000"/>
+          </a:ln>
+          <a:extLst>
+            <a:ext uri="{C572A759-6A51-4108-AA02-DFA0A04FC94B}">
+              <ma14:wrappingTextBoxFlag xmlns="" xmlns:m="http://schemas.openxmlformats.org/officeDocument/2006/math" xmlns:a14="http://schemas.microsoft.com/office/drawing/2010/main" xmlns:ma14="http://schemas.microsoft.com/office/mac/drawingml/2011/main" val="1"/>
+            </a:ext>
+          </a:extLst>
+        </p:spPr>
+        <p:txBody>
+          <a:bodyPr wrap="none" lIns="25400" tIns="25400" rIns="25400" bIns="25400" anchor="ctr">
+            <a:spAutoFit/>
+          </a:bodyPr>
+          <a:lstStyle/>
+          <a:p>
+            <a:pPr marL="114300" indent="-114300">
+              <a:buSzPct val="100000"/>
+              <a:buChar char="•"/>
+              <a:defRPr sz="3000"/>
+            </a:pPr>
+            <a:endParaRPr sz="1500" dirty="0"/>
+          </a:p>
+        </p:txBody>
+      </p:sp>
+      <p:sp>
+        <p:nvSpPr>
+          <p:cNvPr id="3" name="TextBox 2">
+            <a:extLst>
+              <a:ext uri="{FF2B5EF4-FFF2-40B4-BE49-F238E27FC236}">
+                <a16:creationId xmlns:a16="http://schemas.microsoft.com/office/drawing/2014/main" id="{B480CC13-B99C-66C6-65F4-DA3A79B21A2F}"/>
+              </a:ext>
+            </a:extLst>
+          </p:cNvPr>
+          <p:cNvSpPr txBox="1"/>
+          <p:nvPr/>
+        </p:nvSpPr>
+        <p:spPr>
+          <a:xfrm>
+            <a:off x="5308485" y="202740"/>
+            <a:ext cx="1683986" cy="369332"/>
           </a:xfrm>
           <a:prstGeom prst="rect">
             <a:avLst/>
@@ -10981,17 +11152,17 @@
           <a:p>
             <a:r>
               <a:rPr lang="en-US" dirty="0"/>
-              <a:t>Today’s Goals</a:t>
-            </a:r>
-          </a:p>
-        </p:txBody>
-      </p:sp>
-      <p:sp>
-        <p:nvSpPr>
-          <p:cNvPr id="3" name="TextBox 2">
-            <a:extLst>
-              <a:ext uri="{FF2B5EF4-FFF2-40B4-BE49-F238E27FC236}">
-                <a16:creationId xmlns:a16="http://schemas.microsoft.com/office/drawing/2014/main" id="{4D2F2DB7-B785-759B-32FA-605A8FA354E1}"/>
+              <a:t>Practice</a:t>
+            </a:r>
+          </a:p>
+        </p:txBody>
+      </p:sp>
+      <p:sp>
+        <p:nvSpPr>
+          <p:cNvPr id="4" name="TextBox 3">
+            <a:extLst>
+              <a:ext uri="{FF2B5EF4-FFF2-40B4-BE49-F238E27FC236}">
+                <a16:creationId xmlns:a16="http://schemas.microsoft.com/office/drawing/2014/main" id="{A34BE7A2-2D6C-416A-1712-C07891D49FB4}"/>
               </a:ext>
             </a:extLst>
           </p:cNvPr>
@@ -11000,8 +11171,8 @@
         </p:nvSpPr>
         <p:spPr>
           <a:xfrm>
-            <a:off x="4442908" y="2323651"/>
-            <a:ext cx="8186569" cy="1200329"/>
+            <a:off x="703384" y="1105730"/>
+            <a:ext cx="2366682" cy="646331"/>
           </a:xfrm>
           <a:prstGeom prst="rect">
             <a:avLst/>
@@ -11014,43 +11185,151 @@
           </a:bodyPr>
           <a:lstStyle/>
           <a:p>
-            <a:pPr marL="342900" indent="-342900">
-              <a:buAutoNum type="arabicPeriod"/>
-            </a:pPr>
             <a:r>
               <a:rPr lang="en-US" dirty="0"/>
-              <a:t>Tidy Data (wide vs long format of data)</a:t>
-            </a:r>
-          </a:p>
-          <a:p>
-            <a:pPr marL="342900" indent="-342900">
-              <a:buAutoNum type="arabicPeriod"/>
-            </a:pPr>
+              <a:t>flights</a:t>
+            </a:r>
+          </a:p>
+          <a:p>
             <a:r>
               <a:rPr lang="en-US" dirty="0"/>
-              <a:t>Plotting</a:t>
-            </a:r>
-          </a:p>
-          <a:p>
-            <a:pPr marL="342900" indent="-342900">
-              <a:buAutoNum type="arabicPeriod"/>
-            </a:pPr>
+              <a:t>weather</a:t>
+            </a:r>
+          </a:p>
+        </p:txBody>
+      </p:sp>
+      <p:pic>
+        <p:nvPicPr>
+          <p:cNvPr id="5" name="Picture 4">
+            <a:extLst>
+              <a:ext uri="{FF2B5EF4-FFF2-40B4-BE49-F238E27FC236}">
+                <a16:creationId xmlns:a16="http://schemas.microsoft.com/office/drawing/2014/main" id="{434F984D-EC51-95A9-D2F1-6F72E403D109}"/>
+              </a:ext>
+            </a:extLst>
+          </p:cNvPr>
+          <p:cNvPicPr>
+            <a:picLocks noChangeAspect="1"/>
+          </p:cNvPicPr>
+          <p:nvPr/>
+        </p:nvPicPr>
+        <p:blipFill>
+          <a:blip r:embed="rId2"/>
+          <a:stretch>
+            <a:fillRect/>
+          </a:stretch>
+        </p:blipFill>
+        <p:spPr>
+          <a:xfrm>
+            <a:off x="3438655" y="1144586"/>
+            <a:ext cx="7772400" cy="1585305"/>
+          </a:xfrm>
+          <a:prstGeom prst="rect">
+            <a:avLst/>
+          </a:prstGeom>
+        </p:spPr>
+      </p:pic>
+      <p:pic>
+        <p:nvPicPr>
+          <p:cNvPr id="6" name="Picture 5">
+            <a:extLst>
+              <a:ext uri="{FF2B5EF4-FFF2-40B4-BE49-F238E27FC236}">
+                <a16:creationId xmlns:a16="http://schemas.microsoft.com/office/drawing/2014/main" id="{A8D5D959-2E35-7386-C195-325470631E31}"/>
+              </a:ext>
+            </a:extLst>
+          </p:cNvPr>
+          <p:cNvPicPr>
+            <a:picLocks noChangeAspect="1"/>
+          </p:cNvPicPr>
+          <p:nvPr/>
+        </p:nvPicPr>
+        <p:blipFill>
+          <a:blip r:embed="rId3"/>
+          <a:stretch>
+            <a:fillRect/>
+          </a:stretch>
+        </p:blipFill>
+        <p:spPr>
+          <a:xfrm>
+            <a:off x="3438655" y="2839740"/>
+            <a:ext cx="7772400" cy="1854687"/>
+          </a:xfrm>
+          <a:prstGeom prst="rect">
+            <a:avLst/>
+          </a:prstGeom>
+        </p:spPr>
+      </p:pic>
+      <p:sp>
+        <p:nvSpPr>
+          <p:cNvPr id="7" name="TextBox 6">
+            <a:extLst>
+              <a:ext uri="{FF2B5EF4-FFF2-40B4-BE49-F238E27FC236}">
+                <a16:creationId xmlns:a16="http://schemas.microsoft.com/office/drawing/2014/main" id="{1EEBD7FF-A83D-B147-E7F3-1E9F8B336E5A}"/>
+              </a:ext>
+            </a:extLst>
+          </p:cNvPr>
+          <p:cNvSpPr txBox="1"/>
+          <p:nvPr/>
+        </p:nvSpPr>
+        <p:spPr>
+          <a:xfrm>
+            <a:off x="748896" y="1779687"/>
+            <a:ext cx="2321170" cy="5078313"/>
+          </a:xfrm>
+          <a:prstGeom prst="rect">
+            <a:avLst/>
+          </a:prstGeom>
+          <a:noFill/>
+        </p:spPr>
+        <p:txBody>
+          <a:bodyPr wrap="square" rtlCol="0">
+            <a:spAutoFit/>
+          </a:bodyPr>
+          <a:lstStyle/>
+          <a:p>
             <a:r>
               <a:rPr lang="en-US" dirty="0"/>
-              <a:t>Merging and joining (relational data)</a:t>
+              <a:t>How many flights originated at each airport</a:t>
             </a:r>
           </a:p>
           <a:p>
             <a:endParaRPr lang="en-US" dirty="0"/>
           </a:p>
+          <a:p>
+            <a:r>
+              <a:rPr lang="en-US" dirty="0"/>
+              <a:t>How long was the average flight that left EWR (Newark)</a:t>
+            </a:r>
+          </a:p>
+          <a:p>
+            <a:endParaRPr lang="en-US" dirty="0"/>
+          </a:p>
+          <a:p>
+            <a:r>
+              <a:rPr lang="en-US" dirty="0"/>
+              <a:t>What airport had the longest average arrival delay </a:t>
+            </a:r>
+          </a:p>
+          <a:p>
+            <a:endParaRPr lang="en-US" dirty="0"/>
+          </a:p>
+          <a:p>
+            <a:r>
+              <a:rPr lang="en-US" dirty="0"/>
+              <a:t>Which carrier had the most departure delays (&gt; 0)</a:t>
+            </a:r>
+          </a:p>
+          <a:p>
+            <a:endParaRPr lang="en-US" dirty="0"/>
+          </a:p>
+          <a:p>
+            <a:r>
+              <a:rPr lang="en-US" dirty="0"/>
+              <a:t>How many flights per month</a:t>
+            </a:r>
+          </a:p>
         </p:txBody>
       </p:sp>
     </p:spTree>
-    <p:extLst>
-      <p:ext uri="{BB962C8B-B14F-4D97-AF65-F5344CB8AC3E}">
-        <p14:creationId xmlns:p14="http://schemas.microsoft.com/office/powerpoint/2010/main" val="3914751174"/>
-      </p:ext>
-    </p:extLst>
   </p:cSld>
   <p:clrMapOvr>
     <a:masterClrMapping/>
@@ -11077,274 +11356,104 @@
       </p:grpSpPr>
       <p:sp>
         <p:nvSpPr>
-          <p:cNvPr id="318" name="Tidy Data"/>
+          <p:cNvPr id="2" name="TextBox 1">
+            <a:extLst>
+              <a:ext uri="{FF2B5EF4-FFF2-40B4-BE49-F238E27FC236}">
+                <a16:creationId xmlns:a16="http://schemas.microsoft.com/office/drawing/2014/main" id="{BF7D0C15-9868-0394-584D-B1F548C00E08}"/>
+              </a:ext>
+            </a:extLst>
+          </p:cNvPr>
           <p:cNvSpPr txBox="1"/>
           <p:nvPr/>
         </p:nvSpPr>
         <p:spPr>
           <a:xfrm>
-            <a:off x="5409819" y="177130"/>
-            <a:ext cx="1382879" cy="420628"/>
-          </a:xfrm>
-          <a:prstGeom prst="rect">
-            <a:avLst/>
-          </a:prstGeom>
-          <a:ln w="12700">
-            <a:miter lim="400000"/>
-          </a:ln>
-          <a:extLst>
-            <a:ext uri="{C572A759-6A51-4108-AA02-DFA0A04FC94B}">
-              <ma14:wrappingTextBoxFlag xmlns:ma14="http://schemas.microsoft.com/office/mac/drawingml/2011/main" xmlns:a14="http://schemas.microsoft.com/office/drawing/2010/main" xmlns:m="http://schemas.openxmlformats.org/officeDocument/2006/math" xmlns="" val="1"/>
-            </a:ext>
-          </a:extLst>
-        </p:spPr>
-        <p:txBody>
-          <a:bodyPr wrap="none" lIns="25400" tIns="25400" rIns="25400" bIns="25400" anchor="ctr">
-            <a:spAutoFit/>
-          </a:bodyPr>
-          <a:lstStyle>
-            <a:lvl1pPr>
-              <a:defRPr sz="4800">
-                <a:latin typeface="Avenir Next Regular"/>
-                <a:ea typeface="Avenir Next Regular"/>
-                <a:cs typeface="Avenir Next Regular"/>
-                <a:sym typeface="Avenir Next Regular"/>
-              </a:defRPr>
-            </a:lvl1pPr>
-          </a:lstStyle>
-          <a:p>
-            <a:r>
-              <a:rPr sz="2400"/>
-              <a:t>Tidy Data</a:t>
-            </a:r>
-          </a:p>
-        </p:txBody>
-      </p:sp>
-      <p:pic>
-        <p:nvPicPr>
-          <p:cNvPr id="319" name="Image" descr="Image"/>
-          <p:cNvPicPr>
-            <a:picLocks noChangeAspect="1"/>
-          </p:cNvPicPr>
-          <p:nvPr/>
-        </p:nvPicPr>
-        <p:blipFill>
-          <a:blip r:embed="rId2"/>
-          <a:stretch>
-            <a:fillRect/>
-          </a:stretch>
-        </p:blipFill>
-        <p:spPr>
-          <a:xfrm>
-            <a:off x="489345" y="1079287"/>
-            <a:ext cx="5125620" cy="1521018"/>
-          </a:xfrm>
-          <a:prstGeom prst="rect">
-            <a:avLst/>
-          </a:prstGeom>
-          <a:ln w="12700">
-            <a:miter lim="400000"/>
-          </a:ln>
-        </p:spPr>
-      </p:pic>
-      <p:pic>
-        <p:nvPicPr>
-          <p:cNvPr id="320" name="Image" descr="Image"/>
-          <p:cNvPicPr>
-            <a:picLocks noChangeAspect="1"/>
-          </p:cNvPicPr>
-          <p:nvPr/>
-        </p:nvPicPr>
-        <p:blipFill>
-          <a:blip r:embed="rId3"/>
-          <a:stretch>
-            <a:fillRect/>
-          </a:stretch>
-        </p:blipFill>
-        <p:spPr>
-          <a:xfrm>
-            <a:off x="237077" y="2297728"/>
-            <a:ext cx="6491694" cy="2540985"/>
-          </a:xfrm>
-          <a:prstGeom prst="rect">
-            <a:avLst/>
-          </a:prstGeom>
-          <a:ln w="12700">
-            <a:miter lim="400000"/>
-          </a:ln>
-        </p:spPr>
-      </p:pic>
-      <p:sp>
-        <p:nvSpPr>
-          <p:cNvPr id="321" name="https://r4ds.had.co.nz/tidy-data.html"/>
-          <p:cNvSpPr txBox="1"/>
-          <p:nvPr/>
-        </p:nvSpPr>
-        <p:spPr>
-          <a:xfrm>
-            <a:off x="9346138" y="6221681"/>
-            <a:ext cx="1812997" cy="189796"/>
-          </a:xfrm>
-          <a:prstGeom prst="rect">
-            <a:avLst/>
-          </a:prstGeom>
-          <a:ln w="12700">
-            <a:miter lim="400000"/>
-          </a:ln>
-          <a:extLst>
-            <a:ext uri="{C572A759-6A51-4108-AA02-DFA0A04FC94B}">
-              <ma14:wrappingTextBoxFlag xmlns:ma14="http://schemas.microsoft.com/office/mac/drawingml/2011/main" xmlns:a14="http://schemas.microsoft.com/office/drawing/2010/main" xmlns:m="http://schemas.openxmlformats.org/officeDocument/2006/math" xmlns="" val="1"/>
-            </a:ext>
-          </a:extLst>
-        </p:spPr>
-        <p:txBody>
-          <a:bodyPr wrap="none" lIns="25400" tIns="25400" rIns="25400" bIns="25400" anchor="ctr">
+            <a:off x="5550946" y="333487"/>
+            <a:ext cx="6433073" cy="369332"/>
+          </a:xfrm>
+          <a:prstGeom prst="rect">
+            <a:avLst/>
+          </a:prstGeom>
+          <a:noFill/>
+        </p:spPr>
+        <p:txBody>
+          <a:bodyPr wrap="square" rtlCol="0">
             <a:spAutoFit/>
           </a:bodyPr>
           <a:lstStyle/>
           <a:p>
             <a:r>
-              <a:rPr sz="900"/>
-              <a:t>https://r4ds.had.co.nz/tidy-data.html</a:t>
-            </a:r>
-          </a:p>
-        </p:txBody>
-      </p:sp>
-      <p:sp>
-        <p:nvSpPr>
-          <p:cNvPr id="322" name="Not Tidy - wide"/>
+              <a:rPr lang="en-US" dirty="0"/>
+              <a:t>Today’s Goals</a:t>
+            </a:r>
+          </a:p>
+        </p:txBody>
+      </p:sp>
+      <p:sp>
+        <p:nvSpPr>
+          <p:cNvPr id="3" name="TextBox 2">
+            <a:extLst>
+              <a:ext uri="{FF2B5EF4-FFF2-40B4-BE49-F238E27FC236}">
+                <a16:creationId xmlns:a16="http://schemas.microsoft.com/office/drawing/2014/main" id="{4D2F2DB7-B785-759B-32FA-605A8FA354E1}"/>
+              </a:ext>
+            </a:extLst>
+          </p:cNvPr>
           <p:cNvSpPr txBox="1"/>
           <p:nvPr/>
         </p:nvSpPr>
         <p:spPr>
           <a:xfrm>
-            <a:off x="8432134" y="1102077"/>
-            <a:ext cx="1505220" cy="328295"/>
-          </a:xfrm>
-          <a:prstGeom prst="rect">
-            <a:avLst/>
-          </a:prstGeom>
-          <a:ln w="12700">
-            <a:miter lim="400000"/>
-          </a:ln>
-          <a:extLst>
-            <a:ext uri="{C572A759-6A51-4108-AA02-DFA0A04FC94B}">
-              <ma14:wrappingTextBoxFlag xmlns:ma14="http://schemas.microsoft.com/office/mac/drawingml/2011/main" xmlns:a14="http://schemas.microsoft.com/office/drawing/2010/main" xmlns:m="http://schemas.openxmlformats.org/officeDocument/2006/math" xmlns="" val="1"/>
-            </a:ext>
-          </a:extLst>
-        </p:spPr>
-        <p:txBody>
-          <a:bodyPr wrap="none" lIns="25400" tIns="25400" rIns="25400" bIns="25400" anchor="ctr">
+            <a:off x="4442908" y="2323651"/>
+            <a:ext cx="8186569" cy="1200329"/>
+          </a:xfrm>
+          <a:prstGeom prst="rect">
+            <a:avLst/>
+          </a:prstGeom>
+          <a:noFill/>
+        </p:spPr>
+        <p:txBody>
+          <a:bodyPr wrap="square" rtlCol="0">
             <a:spAutoFit/>
           </a:bodyPr>
-          <a:lstStyle>
-            <a:lvl1pPr>
-              <a:defRPr sz="3600" b="1"/>
-            </a:lvl1pPr>
-          </a:lstStyle>
-          <a:p>
-            <a:r>
-              <a:rPr sz="1800"/>
-              <a:t>Not Tidy - wide</a:t>
-            </a:r>
-          </a:p>
-        </p:txBody>
-      </p:sp>
-      <p:sp>
-        <p:nvSpPr>
-          <p:cNvPr id="323" name="Tidy - long"/>
-          <p:cNvSpPr txBox="1"/>
-          <p:nvPr/>
-        </p:nvSpPr>
-        <p:spPr>
-          <a:xfrm>
-            <a:off x="9825690" y="4412340"/>
-            <a:ext cx="1041952" cy="328295"/>
-          </a:xfrm>
-          <a:prstGeom prst="rect">
-            <a:avLst/>
-          </a:prstGeom>
-          <a:ln w="12700">
-            <a:miter lim="400000"/>
-          </a:ln>
-          <a:extLst>
-            <a:ext uri="{C572A759-6A51-4108-AA02-DFA0A04FC94B}">
-              <ma14:wrappingTextBoxFlag xmlns:ma14="http://schemas.microsoft.com/office/mac/drawingml/2011/main" xmlns:a14="http://schemas.microsoft.com/office/drawing/2010/main" xmlns:m="http://schemas.openxmlformats.org/officeDocument/2006/math" xmlns="" val="1"/>
-            </a:ext>
-          </a:extLst>
-        </p:spPr>
-        <p:txBody>
-          <a:bodyPr wrap="none" lIns="25400" tIns="25400" rIns="25400" bIns="25400" anchor="ctr">
-            <a:spAutoFit/>
-          </a:bodyPr>
-          <a:lstStyle>
-            <a:lvl1pPr>
-              <a:defRPr sz="3600" b="1"/>
-            </a:lvl1pPr>
-          </a:lstStyle>
-          <a:p>
-            <a:r>
-              <a:rPr sz="1800"/>
-              <a:t>Tidy - long</a:t>
-            </a:r>
-          </a:p>
-        </p:txBody>
-      </p:sp>
-      <p:pic>
-        <p:nvPicPr>
-          <p:cNvPr id="324" name="Image" descr="Image"/>
-          <p:cNvPicPr>
-            <a:picLocks noChangeAspect="1"/>
-          </p:cNvPicPr>
-          <p:nvPr/>
-        </p:nvPicPr>
-        <p:blipFill>
-          <a:blip r:embed="rId4"/>
-          <a:stretch>
-            <a:fillRect/>
-          </a:stretch>
-        </p:blipFill>
-        <p:spPr>
-          <a:xfrm>
-            <a:off x="7617571" y="1455154"/>
-            <a:ext cx="3452745" cy="1496583"/>
-          </a:xfrm>
-          <a:prstGeom prst="rect">
-            <a:avLst/>
-          </a:prstGeom>
-          <a:ln w="12700">
-            <a:miter lim="400000"/>
-          </a:ln>
-        </p:spPr>
-      </p:pic>
-      <p:pic>
-        <p:nvPicPr>
-          <p:cNvPr id="325" name="Image" descr="Image"/>
-          <p:cNvPicPr>
-            <a:picLocks noChangeAspect="1"/>
-          </p:cNvPicPr>
-          <p:nvPr/>
-        </p:nvPicPr>
-        <p:blipFill>
-          <a:blip r:embed="rId5"/>
-          <a:stretch>
-            <a:fillRect/>
-          </a:stretch>
-        </p:blipFill>
-        <p:spPr>
-          <a:xfrm>
-            <a:off x="7562460" y="3109826"/>
-            <a:ext cx="2068241" cy="2933323"/>
-          </a:xfrm>
-          <a:prstGeom prst="rect">
-            <a:avLst/>
-          </a:prstGeom>
-          <a:ln w="12700">
-            <a:miter lim="400000"/>
-          </a:ln>
-        </p:spPr>
-      </p:pic>
+          <a:lstStyle/>
+          <a:p>
+            <a:pPr marL="342900" indent="-342900">
+              <a:buAutoNum type="arabicPeriod"/>
+            </a:pPr>
+            <a:r>
+              <a:rPr lang="en-US" dirty="0"/>
+              <a:t>Tidy Data (wide vs long format of data)</a:t>
+            </a:r>
+          </a:p>
+          <a:p>
+            <a:pPr marL="342900" indent="-342900">
+              <a:buAutoNum type="arabicPeriod"/>
+            </a:pPr>
+            <a:r>
+              <a:rPr lang="en-US" dirty="0"/>
+              <a:t>Plotting</a:t>
+            </a:r>
+          </a:p>
+          <a:p>
+            <a:pPr marL="342900" indent="-342900">
+              <a:buAutoNum type="arabicPeriod"/>
+            </a:pPr>
+            <a:r>
+              <a:rPr lang="en-US" dirty="0"/>
+              <a:t>Merging and joining (relational data)</a:t>
+            </a:r>
+          </a:p>
+          <a:p>
+            <a:endParaRPr lang="en-US" dirty="0"/>
+          </a:p>
+        </p:txBody>
+      </p:sp>
     </p:spTree>
+    <p:extLst>
+      <p:ext uri="{BB962C8B-B14F-4D97-AF65-F5344CB8AC3E}">
+        <p14:creationId xmlns:p14="http://schemas.microsoft.com/office/powerpoint/2010/main" val="3914751174"/>
+      </p:ext>
+    </p:extLst>
   </p:cSld>
   <p:clrMapOvr>
     <a:masterClrMapping/>
@@ -11371,14 +11480,14 @@
       </p:grpSpPr>
       <p:sp>
         <p:nvSpPr>
-          <p:cNvPr id="327" name="Why should data be Tidy"/>
+          <p:cNvPr id="318" name="Tidy Data"/>
           <p:cNvSpPr txBox="1"/>
           <p:nvPr/>
         </p:nvSpPr>
         <p:spPr>
           <a:xfrm>
-            <a:off x="4162500" y="895012"/>
-            <a:ext cx="3200941" cy="420628"/>
+            <a:off x="5409819" y="177130"/>
+            <a:ext cx="1382879" cy="420628"/>
           </a:xfrm>
           <a:prstGeom prst="rect">
             <a:avLst/>
@@ -11388,7 +11497,7 @@
           </a:ln>
           <a:extLst>
             <a:ext uri="{C572A759-6A51-4108-AA02-DFA0A04FC94B}">
-              <ma14:wrappingTextBoxFlag xmlns:ma14="http://schemas.microsoft.com/office/mac/drawingml/2011/main" xmlns:a14="http://schemas.microsoft.com/office/drawing/2010/main" xmlns:m="http://schemas.openxmlformats.org/officeDocument/2006/math" xmlns="" val="1"/>
+              <ma14:wrappingTextBoxFlag xmlns="" xmlns:m="http://schemas.openxmlformats.org/officeDocument/2006/math" xmlns:a14="http://schemas.microsoft.com/office/drawing/2010/main" xmlns:ma14="http://schemas.microsoft.com/office/mac/drawingml/2011/main" val="1"/>
             </a:ext>
           </a:extLst>
         </p:spPr>
@@ -11397,28 +11506,87 @@
             <a:spAutoFit/>
           </a:bodyPr>
           <a:lstStyle>
-            <a:lvl1pPr algn="l">
-              <a:defRPr sz="4800" b="1"/>
+            <a:lvl1pPr>
+              <a:defRPr sz="4800">
+                <a:latin typeface="Avenir Next Regular"/>
+                <a:ea typeface="Avenir Next Regular"/>
+                <a:cs typeface="Avenir Next Regular"/>
+                <a:sym typeface="Avenir Next Regular"/>
+              </a:defRPr>
             </a:lvl1pPr>
           </a:lstStyle>
           <a:p>
             <a:r>
-              <a:rPr sz="2400" dirty="0"/>
-              <a:t>Why should data be Tidy</a:t>
-            </a:r>
-          </a:p>
-        </p:txBody>
-      </p:sp>
-      <p:sp>
-        <p:nvSpPr>
-          <p:cNvPr id="328" name="Consistency - easier if you always know how the data should be represented…"/>
+              <a:rPr sz="2400"/>
+              <a:t>Tidy Data</a:t>
+            </a:r>
+          </a:p>
+        </p:txBody>
+      </p:sp>
+      <p:pic>
+        <p:nvPicPr>
+          <p:cNvPr id="319" name="Image" descr="Image"/>
+          <p:cNvPicPr>
+            <a:picLocks noChangeAspect="1"/>
+          </p:cNvPicPr>
+          <p:nvPr/>
+        </p:nvPicPr>
+        <p:blipFill>
+          <a:blip r:embed="rId2"/>
+          <a:stretch>
+            <a:fillRect/>
+          </a:stretch>
+        </p:blipFill>
+        <p:spPr>
+          <a:xfrm>
+            <a:off x="489345" y="1079287"/>
+            <a:ext cx="5125620" cy="1521018"/>
+          </a:xfrm>
+          <a:prstGeom prst="rect">
+            <a:avLst/>
+          </a:prstGeom>
+          <a:ln w="12700">
+            <a:miter lim="400000"/>
+          </a:ln>
+        </p:spPr>
+      </p:pic>
+      <p:pic>
+        <p:nvPicPr>
+          <p:cNvPr id="320" name="Image" descr="Image"/>
+          <p:cNvPicPr>
+            <a:picLocks noChangeAspect="1"/>
+          </p:cNvPicPr>
+          <p:nvPr/>
+        </p:nvPicPr>
+        <p:blipFill>
+          <a:blip r:embed="rId3"/>
+          <a:stretch>
+            <a:fillRect/>
+          </a:stretch>
+        </p:blipFill>
+        <p:spPr>
+          <a:xfrm>
+            <a:off x="237077" y="2297728"/>
+            <a:ext cx="6491694" cy="2540985"/>
+          </a:xfrm>
+          <a:prstGeom prst="rect">
+            <a:avLst/>
+          </a:prstGeom>
+          <a:ln w="12700">
+            <a:miter lim="400000"/>
+          </a:ln>
+        </p:spPr>
+      </p:pic>
+      <p:sp>
+        <p:nvSpPr>
+          <p:cNvPr id="321" name="https://r4ds.had.co.nz/tidy-data.html"/>
           <p:cNvSpPr txBox="1"/>
           <p:nvPr/>
         </p:nvSpPr>
         <p:spPr>
           <a:xfrm>
-            <a:off x="742760" y="2007347"/>
-            <a:ext cx="10419968" cy="1287532"/>
+            <a:off x="9346138" y="6221681"/>
+            <a:ext cx="1812997" cy="189796"/>
           </a:xfrm>
           <a:prstGeom prst="rect">
             <a:avLst/>
@@ -11428,7 +11596,7 @@
           </a:ln>
           <a:extLst>
             <a:ext uri="{C572A759-6A51-4108-AA02-DFA0A04FC94B}">
-              <ma14:wrappingTextBoxFlag xmlns:ma14="http://schemas.microsoft.com/office/mac/drawingml/2011/main" xmlns:a14="http://schemas.microsoft.com/office/drawing/2010/main" xmlns:m="http://schemas.openxmlformats.org/officeDocument/2006/math" xmlns="" val="1"/>
+              <ma14:wrappingTextBoxFlag xmlns="" xmlns:m="http://schemas.openxmlformats.org/officeDocument/2006/math" xmlns:a14="http://schemas.microsoft.com/office/drawing/2010/main" xmlns:ma14="http://schemas.microsoft.com/office/mac/drawingml/2011/main" val="1"/>
             </a:ext>
           </a:extLst>
         </p:spPr>
@@ -11438,75 +11606,23 @@
           </a:bodyPr>
           <a:lstStyle/>
           <a:p>
-            <a:pPr marL="152400" indent="-152400">
-              <a:spcBef>
-                <a:spcPts val="500"/>
-              </a:spcBef>
-              <a:buSzPct val="123000"/>
-              <a:buChar char="•"/>
-              <a:defRPr sz="3600"/>
-            </a:pPr>
-            <a:r>
-              <a:rPr sz="2400" dirty="0"/>
-              <a:t>Consistency - easier if you always know how the data should be represented</a:t>
-            </a:r>
-          </a:p>
-          <a:p>
-            <a:pPr marL="152400" indent="-152400">
-              <a:spcBef>
-                <a:spcPts val="500"/>
-              </a:spcBef>
-              <a:buSzPct val="123000"/>
-              <a:buChar char="•"/>
-              <a:defRPr sz="3600"/>
-            </a:pPr>
-            <a:r>
-              <a:rPr sz="2400" dirty="0"/>
-              <a:t>Ease - Works seamlessly with tools in the </a:t>
-            </a:r>
-            <a:r>
-              <a:rPr sz="2400" dirty="0" err="1"/>
-              <a:t>tidyverse</a:t>
-            </a:r>
-            <a:r>
-              <a:rPr sz="2400" dirty="0"/>
-              <a:t> (like </a:t>
-            </a:r>
-            <a:r>
-              <a:rPr sz="2400" dirty="0" err="1"/>
-              <a:t>ggplot</a:t>
-            </a:r>
-            <a:r>
-              <a:rPr sz="2400" dirty="0"/>
-              <a:t>)</a:t>
-            </a:r>
-          </a:p>
-          <a:p>
-            <a:pPr marL="152400" indent="-152400">
-              <a:spcBef>
-                <a:spcPts val="500"/>
-              </a:spcBef>
-              <a:buSzPct val="123000"/>
-              <a:buChar char="•"/>
-              <a:defRPr sz="3600"/>
-            </a:pPr>
-            <a:r>
-              <a:rPr sz="2400" dirty="0"/>
-              <a:t>Speed - Having variables in columns lets R work more quickly (using vectorization)</a:t>
-            </a:r>
-          </a:p>
-        </p:txBody>
-      </p:sp>
-      <p:sp>
-        <p:nvSpPr>
-          <p:cNvPr id="329" name="Not all data need to be in this format"/>
+            <a:r>
+              <a:rPr sz="900"/>
+              <a:t>https://r4ds.had.co.nz/tidy-data.html</a:t>
+            </a:r>
+          </a:p>
+        </p:txBody>
+      </p:sp>
+      <p:sp>
+        <p:nvSpPr>
+          <p:cNvPr id="322" name="Not Tidy - wide"/>
           <p:cNvSpPr txBox="1"/>
           <p:nvPr/>
         </p:nvSpPr>
         <p:spPr>
           <a:xfrm>
-            <a:off x="3366515" y="3442304"/>
-            <a:ext cx="4768485" cy="420628"/>
+            <a:off x="8432134" y="1102077"/>
+            <a:ext cx="1505220" cy="328295"/>
           </a:xfrm>
           <a:prstGeom prst="rect">
             <a:avLst/>
@@ -11516,7 +11632,7 @@
           </a:ln>
           <a:extLst>
             <a:ext uri="{C572A759-6A51-4108-AA02-DFA0A04FC94B}">
-              <ma14:wrappingTextBoxFlag xmlns:ma14="http://schemas.microsoft.com/office/mac/drawingml/2011/main" xmlns:a14="http://schemas.microsoft.com/office/drawing/2010/main" xmlns:m="http://schemas.openxmlformats.org/officeDocument/2006/math" xmlns="" val="1"/>
+              <ma14:wrappingTextBoxFlag xmlns="" xmlns:m="http://schemas.openxmlformats.org/officeDocument/2006/math" xmlns:a14="http://schemas.microsoft.com/office/drawing/2010/main" xmlns:ma14="http://schemas.microsoft.com/office/mac/drawingml/2011/main" val="1"/>
             </a:ext>
           </a:extLst>
         </p:spPr>
@@ -11525,28 +11641,28 @@
             <a:spAutoFit/>
           </a:bodyPr>
           <a:lstStyle>
-            <a:lvl1pPr algn="l">
-              <a:defRPr sz="4800" b="1"/>
+            <a:lvl1pPr>
+              <a:defRPr sz="3600" b="1"/>
             </a:lvl1pPr>
           </a:lstStyle>
           <a:p>
             <a:r>
-              <a:rPr sz="2400"/>
-              <a:t>Not all data need to be in this format</a:t>
-            </a:r>
-          </a:p>
-        </p:txBody>
-      </p:sp>
-      <p:sp>
-        <p:nvSpPr>
-          <p:cNvPr id="331" name="From JT Leek https://simplystatistics.org/2016/02/17/non-tidy-data/"/>
+              <a:rPr sz="1800"/>
+              <a:t>Not Tidy - wide</a:t>
+            </a:r>
+          </a:p>
+        </p:txBody>
+      </p:sp>
+      <p:sp>
+        <p:nvSpPr>
+          <p:cNvPr id="323" name="Tidy - long"/>
           <p:cNvSpPr txBox="1"/>
           <p:nvPr/>
         </p:nvSpPr>
         <p:spPr>
           <a:xfrm>
-            <a:off x="7300568" y="6163346"/>
-            <a:ext cx="3273332" cy="189796"/>
+            <a:off x="9825690" y="4412340"/>
+            <a:ext cx="1041952" cy="328295"/>
           </a:xfrm>
           <a:prstGeom prst="rect">
             <a:avLst/>
@@ -11556,7 +11672,7 @@
           </a:ln>
           <a:extLst>
             <a:ext uri="{C572A759-6A51-4108-AA02-DFA0A04FC94B}">
-              <ma14:wrappingTextBoxFlag xmlns:ma14="http://schemas.microsoft.com/office/mac/drawingml/2011/main" xmlns:a14="http://schemas.microsoft.com/office/drawing/2010/main" xmlns:m="http://schemas.openxmlformats.org/officeDocument/2006/math" xmlns="" val="1"/>
+              <ma14:wrappingTextBoxFlag xmlns="" xmlns:m="http://schemas.openxmlformats.org/officeDocument/2006/math" xmlns:a14="http://schemas.microsoft.com/office/drawing/2010/main" xmlns:ma14="http://schemas.microsoft.com/office/mac/drawingml/2011/main" val="1"/>
             </a:ext>
           </a:extLst>
         </p:spPr>
@@ -11564,15 +11680,73 @@
           <a:bodyPr wrap="none" lIns="25400" tIns="25400" rIns="25400" bIns="25400" anchor="ctr">
             <a:spAutoFit/>
           </a:bodyPr>
-          <a:lstStyle/>
-          <a:p>
-            <a:r>
-              <a:rPr sz="900"/>
-              <a:t>From JT Leek https://simplystatistics.org/2016/02/17/non-tidy-data/</a:t>
-            </a:r>
-          </a:p>
-        </p:txBody>
-      </p:sp>
+          <a:lstStyle>
+            <a:lvl1pPr>
+              <a:defRPr sz="3600" b="1"/>
+            </a:lvl1pPr>
+          </a:lstStyle>
+          <a:p>
+            <a:r>
+              <a:rPr sz="1800"/>
+              <a:t>Tidy - long</a:t>
+            </a:r>
+          </a:p>
+        </p:txBody>
+      </p:sp>
+      <p:pic>
+        <p:nvPicPr>
+          <p:cNvPr id="324" name="Image" descr="Image"/>
+          <p:cNvPicPr>
+            <a:picLocks noChangeAspect="1"/>
+          </p:cNvPicPr>
+          <p:nvPr/>
+        </p:nvPicPr>
+        <p:blipFill>
+          <a:blip r:embed="rId4"/>
+          <a:stretch>
+            <a:fillRect/>
+          </a:stretch>
+        </p:blipFill>
+        <p:spPr>
+          <a:xfrm>
+            <a:off x="7617571" y="1455154"/>
+            <a:ext cx="3452745" cy="1496583"/>
+          </a:xfrm>
+          <a:prstGeom prst="rect">
+            <a:avLst/>
+          </a:prstGeom>
+          <a:ln w="12700">
+            <a:miter lim="400000"/>
+          </a:ln>
+        </p:spPr>
+      </p:pic>
+      <p:pic>
+        <p:nvPicPr>
+          <p:cNvPr id="325" name="Image" descr="Image"/>
+          <p:cNvPicPr>
+            <a:picLocks noChangeAspect="1"/>
+          </p:cNvPicPr>
+          <p:nvPr/>
+        </p:nvPicPr>
+        <p:blipFill>
+          <a:blip r:embed="rId5"/>
+          <a:stretch>
+            <a:fillRect/>
+          </a:stretch>
+        </p:blipFill>
+        <p:spPr>
+          <a:xfrm>
+            <a:off x="7562460" y="3109826"/>
+            <a:ext cx="2068241" cy="2933323"/>
+          </a:xfrm>
+          <a:prstGeom prst="rect">
+            <a:avLst/>
+          </a:prstGeom>
+          <a:ln w="12700">
+            <a:miter lim="400000"/>
+          </a:ln>
+        </p:spPr>
+      </p:pic>
     </p:spTree>
   </p:cSld>
   <p:clrMapOvr>
@@ -11600,123 +11774,209 @@
       </p:grpSpPr>
       <p:sp>
         <p:nvSpPr>
-          <p:cNvPr id="3" name="TextBox 2">
-            <a:extLst>
-              <a:ext uri="{FF2B5EF4-FFF2-40B4-BE49-F238E27FC236}">
-                <a16:creationId xmlns:a16="http://schemas.microsoft.com/office/drawing/2014/main" id="{81C7A794-25EC-952E-3459-951B43C9BD05}"/>
-              </a:ext>
-            </a:extLst>
-          </p:cNvPr>
+          <p:cNvPr id="327" name="Why should data be Tidy"/>
           <p:cNvSpPr txBox="1"/>
           <p:nvPr/>
         </p:nvSpPr>
         <p:spPr>
           <a:xfrm>
-            <a:off x="1746569" y="2362937"/>
-            <a:ext cx="8949937" cy="2308324"/>
-          </a:xfrm>
-          <a:prstGeom prst="rect">
-            <a:avLst/>
-          </a:prstGeom>
-          <a:noFill/>
-        </p:spPr>
-        <p:txBody>
-          <a:bodyPr wrap="square">
+            <a:off x="4162500" y="895012"/>
+            <a:ext cx="3200941" cy="420628"/>
+          </a:xfrm>
+          <a:prstGeom prst="rect">
+            <a:avLst/>
+          </a:prstGeom>
+          <a:ln w="12700">
+            <a:miter lim="400000"/>
+          </a:ln>
+          <a:extLst>
+            <a:ext uri="{C572A759-6A51-4108-AA02-DFA0A04FC94B}">
+              <ma14:wrappingTextBoxFlag xmlns="" xmlns:m="http://schemas.openxmlformats.org/officeDocument/2006/math" xmlns:a14="http://schemas.microsoft.com/office/drawing/2010/main" xmlns:ma14="http://schemas.microsoft.com/office/mac/drawingml/2011/main" val="1"/>
+            </a:ext>
+          </a:extLst>
+        </p:spPr>
+        <p:txBody>
+          <a:bodyPr wrap="none" lIns="25400" tIns="25400" rIns="25400" bIns="25400" anchor="ctr">
+            <a:spAutoFit/>
+          </a:bodyPr>
+          <a:lstStyle>
+            <a:lvl1pPr algn="l">
+              <a:defRPr sz="4800" b="1"/>
+            </a:lvl1pPr>
+          </a:lstStyle>
+          <a:p>
+            <a:r>
+              <a:rPr sz="2400" dirty="0"/>
+              <a:t>Why should data be Tidy</a:t>
+            </a:r>
+          </a:p>
+        </p:txBody>
+      </p:sp>
+      <p:sp>
+        <p:nvSpPr>
+          <p:cNvPr id="328" name="Consistency - easier if you always know how the data should be represented…"/>
+          <p:cNvSpPr txBox="1"/>
+          <p:nvPr/>
+        </p:nvSpPr>
+        <p:spPr>
+          <a:xfrm>
+            <a:off x="742760" y="2007347"/>
+            <a:ext cx="10419968" cy="1287532"/>
+          </a:xfrm>
+          <a:prstGeom prst="rect">
+            <a:avLst/>
+          </a:prstGeom>
+          <a:ln w="12700">
+            <a:miter lim="400000"/>
+          </a:ln>
+          <a:extLst>
+            <a:ext uri="{C572A759-6A51-4108-AA02-DFA0A04FC94B}">
+              <ma14:wrappingTextBoxFlag xmlns="" xmlns:m="http://schemas.openxmlformats.org/officeDocument/2006/math" xmlns:a14="http://schemas.microsoft.com/office/drawing/2010/main" xmlns:ma14="http://schemas.microsoft.com/office/mac/drawingml/2011/main" val="1"/>
+            </a:ext>
+          </a:extLst>
+        </p:spPr>
+        <p:txBody>
+          <a:bodyPr wrap="none" lIns="25400" tIns="25400" rIns="25400" bIns="25400" anchor="ctr">
             <a:spAutoFit/>
           </a:bodyPr>
           <a:lstStyle/>
           <a:p>
             <a:pPr marL="152400" indent="-152400">
+              <a:spcBef>
+                <a:spcPts val="500"/>
+              </a:spcBef>
               <a:buSzPct val="123000"/>
               <a:buChar char="•"/>
               <a:defRPr sz="3600"/>
             </a:pPr>
             <a:r>
-              <a:rPr lang="en-US" sz="2400" dirty="0"/>
-              <a:t>Speed  - Some specialized data formats can be faster for specific problems/computations (gene expression matrices are an example of this) </a:t>
+              <a:rPr sz="2400" dirty="0"/>
+              <a:t>Consistency - easier if you always know how the data should be represented</a:t>
             </a:r>
           </a:p>
           <a:p>
             <a:pPr marL="152400" indent="-152400">
+              <a:spcBef>
+                <a:spcPts val="500"/>
+              </a:spcBef>
               <a:buSzPct val="123000"/>
               <a:buChar char="•"/>
               <a:defRPr sz="3600"/>
             </a:pPr>
             <a:r>
-              <a:rPr lang="en-US" sz="2400" dirty="0"/>
-              <a:t>Field norms - some fields are used to storing data in a </a:t>
-            </a:r>
-            <a:r>
-              <a:rPr lang="en-US" sz="2400" dirty="0" err="1"/>
-              <a:t>specfic</a:t>
-            </a:r>
-            <a:r>
-              <a:rPr lang="en-US" sz="2400" dirty="0"/>
-              <a:t> way (</a:t>
-            </a:r>
-            <a:r>
-              <a:rPr lang="en-US" sz="2400" dirty="0" err="1"/>
-              <a:t>summarizedExperiment</a:t>
-            </a:r>
-            <a:r>
-              <a:rPr lang="en-US" sz="2400" dirty="0"/>
-              <a:t> in R )</a:t>
+              <a:rPr sz="2400" dirty="0"/>
+              <a:t>Ease - Works seamlessly with tools in the </a:t>
+            </a:r>
+            <a:r>
+              <a:rPr sz="2400" dirty="0" err="1"/>
+              <a:t>tidyverse</a:t>
+            </a:r>
+            <a:r>
+              <a:rPr sz="2400" dirty="0"/>
+              <a:t> (like </a:t>
+            </a:r>
+            <a:r>
+              <a:rPr sz="2400" dirty="0" err="1"/>
+              <a:t>ggplot</a:t>
+            </a:r>
+            <a:r>
+              <a:rPr sz="2400" dirty="0"/>
+              <a:t>)</a:t>
             </a:r>
           </a:p>
           <a:p>
             <a:pPr marL="152400" indent="-152400">
+              <a:spcBef>
+                <a:spcPts val="500"/>
+              </a:spcBef>
               <a:buSzPct val="123000"/>
               <a:buChar char="•"/>
               <a:defRPr sz="3600"/>
             </a:pPr>
             <a:r>
-              <a:rPr lang="en-US" sz="2400" dirty="0"/>
-              <a:t>Some tools work more easily on matrices - Heatmaps </a:t>
-            </a:r>
-          </a:p>
-        </p:txBody>
-      </p:sp>
-      <p:sp>
-        <p:nvSpPr>
-          <p:cNvPr id="4" name="TextBox 3">
-            <a:extLst>
-              <a:ext uri="{FF2B5EF4-FFF2-40B4-BE49-F238E27FC236}">
-                <a16:creationId xmlns:a16="http://schemas.microsoft.com/office/drawing/2014/main" id="{04116BB3-6CD9-6461-C172-252D8F54FFC2}"/>
-              </a:ext>
-            </a:extLst>
-          </p:cNvPr>
+              <a:rPr sz="2400" dirty="0"/>
+              <a:t>Speed - Having variables in columns lets R work more quickly (using vectorization)</a:t>
+            </a:r>
+          </a:p>
+        </p:txBody>
+      </p:sp>
+      <p:sp>
+        <p:nvSpPr>
+          <p:cNvPr id="329" name="Not all data need to be in this format"/>
           <p:cNvSpPr txBox="1"/>
           <p:nvPr/>
         </p:nvSpPr>
         <p:spPr>
           <a:xfrm>
-            <a:off x="3111591" y="467069"/>
-            <a:ext cx="6690251" cy="584775"/>
-          </a:xfrm>
-          <a:prstGeom prst="rect">
-            <a:avLst/>
-          </a:prstGeom>
-          <a:noFill/>
-        </p:spPr>
-        <p:txBody>
-          <a:bodyPr wrap="square" rtlCol="0">
+            <a:off x="3366515" y="3442304"/>
+            <a:ext cx="4768485" cy="420628"/>
+          </a:xfrm>
+          <a:prstGeom prst="rect">
+            <a:avLst/>
+          </a:prstGeom>
+          <a:ln w="12700">
+            <a:miter lim="400000"/>
+          </a:ln>
+          <a:extLst>
+            <a:ext uri="{C572A759-6A51-4108-AA02-DFA0A04FC94B}">
+              <ma14:wrappingTextBoxFlag xmlns="" xmlns:m="http://schemas.openxmlformats.org/officeDocument/2006/math" xmlns:a14="http://schemas.microsoft.com/office/drawing/2010/main" xmlns:ma14="http://schemas.microsoft.com/office/mac/drawingml/2011/main" val="1"/>
+            </a:ext>
+          </a:extLst>
+        </p:spPr>
+        <p:txBody>
+          <a:bodyPr wrap="none" lIns="25400" tIns="25400" rIns="25400" bIns="25400" anchor="ctr">
+            <a:spAutoFit/>
+          </a:bodyPr>
+          <a:lstStyle>
+            <a:lvl1pPr algn="l">
+              <a:defRPr sz="4800" b="1"/>
+            </a:lvl1pPr>
+          </a:lstStyle>
+          <a:p>
+            <a:r>
+              <a:rPr sz="2400"/>
+              <a:t>Not all data need to be in this format</a:t>
+            </a:r>
+          </a:p>
+        </p:txBody>
+      </p:sp>
+      <p:sp>
+        <p:nvSpPr>
+          <p:cNvPr id="331" name="From JT Leek https://simplystatistics.org/2016/02/17/non-tidy-data/"/>
+          <p:cNvSpPr txBox="1"/>
+          <p:nvPr/>
+        </p:nvSpPr>
+        <p:spPr>
+          <a:xfrm>
+            <a:off x="7300568" y="6163346"/>
+            <a:ext cx="3273332" cy="189796"/>
+          </a:xfrm>
+          <a:prstGeom prst="rect">
+            <a:avLst/>
+          </a:prstGeom>
+          <a:ln w="12700">
+            <a:miter lim="400000"/>
+          </a:ln>
+          <a:extLst>
+            <a:ext uri="{C572A759-6A51-4108-AA02-DFA0A04FC94B}">
+              <ma14:wrappingTextBoxFlag xmlns="" xmlns:m="http://schemas.openxmlformats.org/officeDocument/2006/math" xmlns:a14="http://schemas.microsoft.com/office/drawing/2010/main" xmlns:ma14="http://schemas.microsoft.com/office/mac/drawingml/2011/main" val="1"/>
+            </a:ext>
+          </a:extLst>
+        </p:spPr>
+        <p:txBody>
+          <a:bodyPr wrap="none" lIns="25400" tIns="25400" rIns="25400" bIns="25400" anchor="ctr">
             <a:spAutoFit/>
           </a:bodyPr>
           <a:lstStyle/>
           <a:p>
             <a:r>
-              <a:rPr lang="en-US" sz="3200" dirty="0"/>
-              <a:t>Why might data NOT need to be tidy</a:t>
+              <a:rPr sz="900"/>
+              <a:t>From JT Leek https://simplystatistics.org/2016/02/17/non-tidy-data/</a:t>
             </a:r>
           </a:p>
         </p:txBody>
       </p:sp>
     </p:spTree>
-    <p:extLst>
-      <p:ext uri="{BB962C8B-B14F-4D97-AF65-F5344CB8AC3E}">
-        <p14:creationId xmlns:p14="http://schemas.microsoft.com/office/powerpoint/2010/main" val="369776918"/>
-      </p:ext>
-    </p:extLst>
   </p:cSld>
   <p:clrMapOvr>
     <a:masterClrMapping/>
@@ -11743,10 +12003,10 @@
       </p:grpSpPr>
       <p:sp>
         <p:nvSpPr>
-          <p:cNvPr id="2" name="TextBox 1">
-            <a:extLst>
-              <a:ext uri="{FF2B5EF4-FFF2-40B4-BE49-F238E27FC236}">
-                <a16:creationId xmlns:a16="http://schemas.microsoft.com/office/drawing/2014/main" id="{EE808F59-D6A1-6EC7-8215-A1414DD3D939}"/>
+          <p:cNvPr id="3" name="TextBox 2">
+            <a:extLst>
+              <a:ext uri="{FF2B5EF4-FFF2-40B4-BE49-F238E27FC236}">
+                <a16:creationId xmlns:a16="http://schemas.microsoft.com/office/drawing/2014/main" id="{81C7A794-25EC-952E-3459-951B43C9BD05}"/>
               </a:ext>
             </a:extLst>
           </p:cNvPr>
@@ -11755,82 +12015,8 @@
         </p:nvSpPr>
         <p:spPr>
           <a:xfrm>
-            <a:off x="4008329" y="294362"/>
-            <a:ext cx="4416274" cy="369332"/>
-          </a:xfrm>
-          <a:prstGeom prst="rect">
-            <a:avLst/>
-          </a:prstGeom>
-          <a:noFill/>
-        </p:spPr>
-        <p:txBody>
-          <a:bodyPr wrap="none" rtlCol="0">
-            <a:spAutoFit/>
-          </a:bodyPr>
-          <a:lstStyle/>
-          <a:p>
-            <a:r>
-              <a:rPr lang="en-US" dirty="0"/>
-              <a:t>Converting between wide and long formats </a:t>
-            </a:r>
-          </a:p>
-        </p:txBody>
-      </p:sp>
-      <p:sp>
-        <p:nvSpPr>
-          <p:cNvPr id="5" name="TextBox 4">
-            <a:extLst>
-              <a:ext uri="{FF2B5EF4-FFF2-40B4-BE49-F238E27FC236}">
-                <a16:creationId xmlns:a16="http://schemas.microsoft.com/office/drawing/2014/main" id="{B79559C3-A22F-1230-70F5-89B6E2C4E39A}"/>
-              </a:ext>
-            </a:extLst>
-          </p:cNvPr>
-          <p:cNvSpPr txBox="1"/>
-          <p:nvPr/>
-        </p:nvSpPr>
-        <p:spPr>
-          <a:xfrm>
-            <a:off x="753650" y="1054274"/>
-            <a:ext cx="1515928" cy="369332"/>
-          </a:xfrm>
-          <a:prstGeom prst="rect">
-            <a:avLst/>
-          </a:prstGeom>
-          <a:noFill/>
-        </p:spPr>
-        <p:txBody>
-          <a:bodyPr wrap="none" rtlCol="0">
-            <a:spAutoFit/>
-          </a:bodyPr>
-          <a:lstStyle/>
-          <a:p>
-            <a:r>
-              <a:rPr lang="en-US" dirty="0" err="1"/>
-              <a:t>pivot_longer</a:t>
-            </a:r>
-            <a:r>
-              <a:rPr lang="en-US" dirty="0"/>
-              <a:t>()</a:t>
-            </a:r>
-          </a:p>
-        </p:txBody>
-      </p:sp>
-      <p:sp>
-        <p:nvSpPr>
-          <p:cNvPr id="7" name="TextBox 6">
-            <a:extLst>
-              <a:ext uri="{FF2B5EF4-FFF2-40B4-BE49-F238E27FC236}">
-                <a16:creationId xmlns:a16="http://schemas.microsoft.com/office/drawing/2014/main" id="{D45D8B8A-91FB-510E-E86D-3BBB80461A55}"/>
-              </a:ext>
-            </a:extLst>
-          </p:cNvPr>
-          <p:cNvSpPr txBox="1"/>
-          <p:nvPr/>
-        </p:nvSpPr>
-        <p:spPr>
-          <a:xfrm>
-            <a:off x="7733257" y="6194306"/>
-            <a:ext cx="6097044" cy="369332"/>
+            <a:off x="1746569" y="2362937"/>
+            <a:ext cx="8949937" cy="2308324"/>
           </a:xfrm>
           <a:prstGeom prst="rect">
             <a:avLst/>
@@ -11843,90 +12029,95 @@
           </a:bodyPr>
           <a:lstStyle/>
           <a:p>
-            <a:r>
-              <a:rPr lang="en-US" dirty="0"/>
-              <a:t>https://</a:t>
-            </a:r>
-            <a:r>
-              <a:rPr lang="en-US" dirty="0" err="1"/>
-              <a:t>tidyr.tidyverse.org</a:t>
-            </a:r>
-            <a:r>
-              <a:rPr lang="en-US" dirty="0"/>
-              <a:t>/articles/</a:t>
-            </a:r>
-            <a:r>
-              <a:rPr lang="en-US" dirty="0" err="1"/>
-              <a:t>pivot.html</a:t>
-            </a:r>
-            <a:endParaRPr lang="en-US" dirty="0"/>
-          </a:p>
-        </p:txBody>
-      </p:sp>
-      <p:pic>
-        <p:nvPicPr>
-          <p:cNvPr id="8" name="Picture 7">
-            <a:extLst>
-              <a:ext uri="{FF2B5EF4-FFF2-40B4-BE49-F238E27FC236}">
-                <a16:creationId xmlns:a16="http://schemas.microsoft.com/office/drawing/2014/main" id="{127BA8B8-06AE-6E6A-8720-78F1858E5025}"/>
-              </a:ext>
-            </a:extLst>
-          </p:cNvPr>
-          <p:cNvPicPr>
-            <a:picLocks noChangeAspect="1"/>
-          </p:cNvPicPr>
-          <p:nvPr/>
-        </p:nvPicPr>
-        <p:blipFill>
-          <a:blip r:embed="rId2"/>
-          <a:stretch>
-            <a:fillRect/>
-          </a:stretch>
-        </p:blipFill>
-        <p:spPr>
-          <a:xfrm>
-            <a:off x="2591844" y="1100513"/>
-            <a:ext cx="7772400" cy="276853"/>
-          </a:xfrm>
-          <a:prstGeom prst="rect">
-            <a:avLst/>
-          </a:prstGeom>
-        </p:spPr>
-      </p:pic>
-      <p:pic>
-        <p:nvPicPr>
-          <p:cNvPr id="9" name="Picture 8">
-            <a:extLst>
-              <a:ext uri="{FF2B5EF4-FFF2-40B4-BE49-F238E27FC236}">
-                <a16:creationId xmlns:a16="http://schemas.microsoft.com/office/drawing/2014/main" id="{6E2F069F-068C-300C-AF56-3432AF4D767F}"/>
-              </a:ext>
-            </a:extLst>
-          </p:cNvPr>
-          <p:cNvPicPr>
-            <a:picLocks noChangeAspect="1"/>
-          </p:cNvPicPr>
-          <p:nvPr/>
-        </p:nvPicPr>
-        <p:blipFill>
-          <a:blip r:embed="rId3"/>
-          <a:stretch>
-            <a:fillRect/>
-          </a:stretch>
-        </p:blipFill>
-        <p:spPr>
-          <a:xfrm>
-            <a:off x="697108" y="1745292"/>
-            <a:ext cx="4612017" cy="2181618"/>
-          </a:xfrm>
-          <a:prstGeom prst="rect">
-            <a:avLst/>
-          </a:prstGeom>
-        </p:spPr>
-      </p:pic>
+            <a:pPr marL="152400" indent="-152400">
+              <a:buSzPct val="123000"/>
+              <a:buChar char="•"/>
+              <a:defRPr sz="3600"/>
+            </a:pPr>
+            <a:r>
+              <a:rPr lang="en-US" sz="2400" dirty="0"/>
+              <a:t>Speed  - Some specialized data formats can be faster for specific problems/computations (gene expression matrices are an example of this) </a:t>
+            </a:r>
+          </a:p>
+          <a:p>
+            <a:pPr marL="152400" indent="-152400">
+              <a:buSzPct val="123000"/>
+              <a:buChar char="•"/>
+              <a:defRPr sz="3600"/>
+            </a:pPr>
+            <a:r>
+              <a:rPr lang="en-US" sz="2400" dirty="0"/>
+              <a:t>Field norms - some fields are used to storing data in a </a:t>
+            </a:r>
+            <a:r>
+              <a:rPr lang="en-US" sz="2400" dirty="0" err="1"/>
+              <a:t>specfic</a:t>
+            </a:r>
+            <a:r>
+              <a:rPr lang="en-US" sz="2400" dirty="0"/>
+              <a:t> way (</a:t>
+            </a:r>
+            <a:r>
+              <a:rPr lang="en-US" sz="2400" dirty="0" err="1"/>
+              <a:t>summarizedExperiment</a:t>
+            </a:r>
+            <a:r>
+              <a:rPr lang="en-US" sz="2400" dirty="0"/>
+              <a:t> in R )</a:t>
+            </a:r>
+          </a:p>
+          <a:p>
+            <a:pPr marL="152400" indent="-152400">
+              <a:buSzPct val="123000"/>
+              <a:buChar char="•"/>
+              <a:defRPr sz="3600"/>
+            </a:pPr>
+            <a:r>
+              <a:rPr lang="en-US" sz="2400" dirty="0"/>
+              <a:t>Some tools work more easily on matrices - Heatmaps </a:t>
+            </a:r>
+          </a:p>
+        </p:txBody>
+      </p:sp>
+      <p:sp>
+        <p:nvSpPr>
+          <p:cNvPr id="4" name="TextBox 3">
+            <a:extLst>
+              <a:ext uri="{FF2B5EF4-FFF2-40B4-BE49-F238E27FC236}">
+                <a16:creationId xmlns:a16="http://schemas.microsoft.com/office/drawing/2014/main" id="{04116BB3-6CD9-6461-C172-252D8F54FFC2}"/>
+              </a:ext>
+            </a:extLst>
+          </p:cNvPr>
+          <p:cNvSpPr txBox="1"/>
+          <p:nvPr/>
+        </p:nvSpPr>
+        <p:spPr>
+          <a:xfrm>
+            <a:off x="3111591" y="467069"/>
+            <a:ext cx="6690251" cy="584775"/>
+          </a:xfrm>
+          <a:prstGeom prst="rect">
+            <a:avLst/>
+          </a:prstGeom>
+          <a:noFill/>
+        </p:spPr>
+        <p:txBody>
+          <a:bodyPr wrap="square" rtlCol="0">
+            <a:spAutoFit/>
+          </a:bodyPr>
+          <a:lstStyle/>
+          <a:p>
+            <a:r>
+              <a:rPr lang="en-US" sz="3200" dirty="0"/>
+              <a:t>Why might data NOT need to be tidy</a:t>
+            </a:r>
+          </a:p>
+        </p:txBody>
+      </p:sp>
     </p:spTree>
     <p:extLst>
       <p:ext uri="{BB962C8B-B14F-4D97-AF65-F5344CB8AC3E}">
-        <p14:creationId xmlns:p14="http://schemas.microsoft.com/office/powerpoint/2010/main" val="2028895342"/>
+        <p14:creationId xmlns:p14="http://schemas.microsoft.com/office/powerpoint/2010/main" val="369776918"/>
       </p:ext>
     </p:extLst>
   </p:cSld>
@@ -12135,170 +12326,10 @@
           </a:prstGeom>
         </p:spPr>
       </p:pic>
-      <p:pic>
-        <p:nvPicPr>
-          <p:cNvPr id="10" name="Picture 9">
-            <a:extLst>
-              <a:ext uri="{FF2B5EF4-FFF2-40B4-BE49-F238E27FC236}">
-                <a16:creationId xmlns:a16="http://schemas.microsoft.com/office/drawing/2014/main" id="{489A0044-0EA4-60BE-B9E6-980517DA0E47}"/>
-              </a:ext>
-            </a:extLst>
-          </p:cNvPr>
-          <p:cNvPicPr>
-            <a:picLocks noChangeAspect="1"/>
-          </p:cNvPicPr>
-          <p:nvPr/>
-        </p:nvPicPr>
-        <p:blipFill>
-          <a:blip r:embed="rId4"/>
-          <a:stretch>
-            <a:fillRect/>
-          </a:stretch>
-        </p:blipFill>
-        <p:spPr>
-          <a:xfrm>
-            <a:off x="6568858" y="1704419"/>
-            <a:ext cx="2080364" cy="2220706"/>
-          </a:xfrm>
-          <a:prstGeom prst="rect">
-            <a:avLst/>
-          </a:prstGeom>
-        </p:spPr>
-      </p:pic>
-      <p:sp>
-        <p:nvSpPr>
-          <p:cNvPr id="11" name="TextBox 10">
-            <a:extLst>
-              <a:ext uri="{FF2B5EF4-FFF2-40B4-BE49-F238E27FC236}">
-                <a16:creationId xmlns:a16="http://schemas.microsoft.com/office/drawing/2014/main" id="{E6A912FF-30D2-79B4-01F1-07C981BE9D8E}"/>
-              </a:ext>
-            </a:extLst>
-          </p:cNvPr>
-          <p:cNvSpPr txBox="1"/>
-          <p:nvPr/>
-        </p:nvSpPr>
-        <p:spPr>
-          <a:xfrm>
-            <a:off x="594986" y="4294836"/>
-            <a:ext cx="4576959" cy="369332"/>
-          </a:xfrm>
-          <a:prstGeom prst="rect">
-            <a:avLst/>
-          </a:prstGeom>
-          <a:noFill/>
-        </p:spPr>
-        <p:txBody>
-          <a:bodyPr wrap="none" rtlCol="0">
-            <a:spAutoFit/>
-          </a:bodyPr>
-          <a:lstStyle/>
-          <a:p>
-            <a:r>
-              <a:rPr lang="en-US" dirty="0"/>
-              <a:t>More useful if you want to plot length vs width</a:t>
-            </a:r>
-          </a:p>
-        </p:txBody>
-      </p:sp>
-      <p:sp>
-        <p:nvSpPr>
-          <p:cNvPr id="13" name="TextBox 12">
-            <a:extLst>
-              <a:ext uri="{FF2B5EF4-FFF2-40B4-BE49-F238E27FC236}">
-                <a16:creationId xmlns:a16="http://schemas.microsoft.com/office/drawing/2014/main" id="{5E2DCCF8-1717-F444-955C-F62097346BEF}"/>
-              </a:ext>
-            </a:extLst>
-          </p:cNvPr>
-          <p:cNvSpPr txBox="1"/>
-          <p:nvPr/>
-        </p:nvSpPr>
-        <p:spPr>
-          <a:xfrm>
-            <a:off x="6330864" y="3981046"/>
-            <a:ext cx="5194948" cy="369332"/>
-          </a:xfrm>
-          <a:prstGeom prst="rect">
-            <a:avLst/>
-          </a:prstGeom>
-          <a:noFill/>
-        </p:spPr>
-        <p:txBody>
-          <a:bodyPr wrap="none" rtlCol="0">
-            <a:spAutoFit/>
-          </a:bodyPr>
-          <a:lstStyle/>
-          <a:p>
-            <a:r>
-              <a:rPr lang="en-US" dirty="0"/>
-              <a:t>More useful if you want to plot all attributes together</a:t>
-            </a:r>
-          </a:p>
-        </p:txBody>
-      </p:sp>
-      <p:pic>
-        <p:nvPicPr>
-          <p:cNvPr id="14" name="Picture 13">
-            <a:extLst>
-              <a:ext uri="{FF2B5EF4-FFF2-40B4-BE49-F238E27FC236}">
-                <a16:creationId xmlns:a16="http://schemas.microsoft.com/office/drawing/2014/main" id="{F9D1E1A7-24D9-1564-6745-23EBC52DBF63}"/>
-              </a:ext>
-            </a:extLst>
-          </p:cNvPr>
-          <p:cNvPicPr>
-            <a:picLocks noChangeAspect="1"/>
-          </p:cNvPicPr>
-          <p:nvPr/>
-        </p:nvPicPr>
-        <p:blipFill>
-          <a:blip r:embed="rId5"/>
-          <a:stretch>
-            <a:fillRect/>
-          </a:stretch>
-        </p:blipFill>
-        <p:spPr>
-          <a:xfrm>
-            <a:off x="1429340" y="4766961"/>
-            <a:ext cx="1797778" cy="1997136"/>
-          </a:xfrm>
-          <a:prstGeom prst="rect">
-            <a:avLst/>
-          </a:prstGeom>
-        </p:spPr>
-      </p:pic>
-      <p:pic>
-        <p:nvPicPr>
-          <p:cNvPr id="15" name="Picture 14">
-            <a:extLst>
-              <a:ext uri="{FF2B5EF4-FFF2-40B4-BE49-F238E27FC236}">
-                <a16:creationId xmlns:a16="http://schemas.microsoft.com/office/drawing/2014/main" id="{37AABA38-6352-FF7A-A86F-B49D58CF2110}"/>
-              </a:ext>
-            </a:extLst>
-          </p:cNvPr>
-          <p:cNvPicPr>
-            <a:picLocks noChangeAspect="1"/>
-          </p:cNvPicPr>
-          <p:nvPr/>
-        </p:nvPicPr>
-        <p:blipFill>
-          <a:blip r:embed="rId6"/>
-          <a:stretch>
-            <a:fillRect/>
-          </a:stretch>
-        </p:blipFill>
-        <p:spPr>
-          <a:xfrm>
-            <a:off x="5840849" y="4406299"/>
-            <a:ext cx="1892408" cy="2095279"/>
-          </a:xfrm>
-          <a:prstGeom prst="rect">
-            <a:avLst/>
-          </a:prstGeom>
-        </p:spPr>
-      </p:pic>
     </p:spTree>
     <p:extLst>
       <p:ext uri="{BB962C8B-B14F-4D97-AF65-F5344CB8AC3E}">
-        <p14:creationId xmlns:p14="http://schemas.microsoft.com/office/powerpoint/2010/main" val="1766242288"/>
+        <p14:creationId xmlns:p14="http://schemas.microsoft.com/office/powerpoint/2010/main" val="2028895342"/>
       </p:ext>
     </p:extLst>
   </p:cSld>
